--- a/slides/slides-loft.pptx
+++ b/slides/slides-loft.pptx
@@ -1,6 +1,6 @@
 
 <file path=ppt/presentation.xml><?xml version="1.0" encoding="utf-8"?>
-<p:presentation xmlns:a="http://schemas.openxmlformats.org/drawingml/2006/main" xmlns:r="http://schemas.openxmlformats.org/officeDocument/2006/relationships" xmlns:mc="http://schemas.openxmlformats.org/markup-compatibility/2006" xmlns:mv="urn:schemas-microsoft-com:mac:vml" xmlns:p="http://schemas.openxmlformats.org/presentationml/2006/main" mc:Ignorable="mv" mc:PreserveAttributes="mv:*" saveSubsetFonts="1" autoCompressPictures="0">
+<p:presentation xmlns:a="http://schemas.openxmlformats.org/drawingml/2006/main" xmlns:r="http://schemas.openxmlformats.org/officeDocument/2006/relationships" xmlns:p="http://schemas.openxmlformats.org/presentationml/2006/main" saveSubsetFonts="1" autoCompressPictures="0">
   <p:sldMasterIdLst>
     <p:sldMasterId id="2147483674" r:id="rId4"/>
   </p:sldMasterIdLst>
@@ -22,19 +22,19 @@
     <p:sldId id="303" r:id="rId16"/>
     <p:sldId id="307" r:id="rId17"/>
     <p:sldId id="308" r:id="rId18"/>
-    <p:sldId id="309" r:id="rId19"/>
-    <p:sldId id="304" r:id="rId20"/>
-    <p:sldId id="319" r:id="rId21"/>
+    <p:sldId id="304" r:id="rId19"/>
+    <p:sldId id="319" r:id="rId20"/>
+    <p:sldId id="309" r:id="rId21"/>
     <p:sldId id="320" r:id="rId22"/>
     <p:sldId id="310" r:id="rId23"/>
-    <p:sldId id="305" r:id="rId24"/>
-    <p:sldId id="335" r:id="rId25"/>
-    <p:sldId id="334" r:id="rId26"/>
-    <p:sldId id="326" r:id="rId27"/>
-    <p:sldId id="328" r:id="rId28"/>
-    <p:sldId id="329" r:id="rId29"/>
-    <p:sldId id="313" r:id="rId30"/>
-    <p:sldId id="314" r:id="rId31"/>
+    <p:sldId id="314" r:id="rId24"/>
+    <p:sldId id="305" r:id="rId25"/>
+    <p:sldId id="335" r:id="rId26"/>
+    <p:sldId id="334" r:id="rId27"/>
+    <p:sldId id="326" r:id="rId28"/>
+    <p:sldId id="328" r:id="rId29"/>
+    <p:sldId id="329" r:id="rId30"/>
+    <p:sldId id="313" r:id="rId31"/>
     <p:sldId id="333" r:id="rId32"/>
     <p:sldId id="337" r:id="rId33"/>
     <p:sldId id="338" r:id="rId34"/>
@@ -146,7 +146,7 @@
   </p:defaultTextStyle>
   <p:extLst>
     <p:ext uri="{EFAFB233-063F-42B5-8137-9DF3F51BA10A}">
-      <p15:sldGuideLst xmlns="" xmlns:a="http://schemas.openxmlformats.org/drawingml/2006/main" xmlns:r="http://schemas.openxmlformats.org/officeDocument/2006/relationships" xmlns:p="http://schemas.openxmlformats.org/presentationml/2006/main" xmlns:p15="http://schemas.microsoft.com/office/powerpoint/2012/main" xmlns:mv="urn:schemas-microsoft-com:mac:vml" xmlns:mc="http://schemas.openxmlformats.org/markup-compatibility/2006">
+      <p15:sldGuideLst xmlns:p15="http://schemas.microsoft.com/office/powerpoint/2012/main">
         <p15:guide id="1" orient="horz" pos="644">
           <p15:clr>
             <a:srgbClr val="A4A3A4"/>
@@ -289,14 +289,14 @@
 </file>
 
 <file path=ppt/commentAuthors.xml><?xml version="1.0" encoding="utf-8"?>
-<p:cmAuthorLst xmlns:a="http://schemas.openxmlformats.org/drawingml/2006/main" xmlns:r="http://schemas.openxmlformats.org/officeDocument/2006/relationships" xmlns:mc="http://schemas.openxmlformats.org/markup-compatibility/2006" xmlns:mv="urn:schemas-microsoft-com:mac:vml" xmlns:p="http://schemas.openxmlformats.org/presentationml/2006/main" mc:Ignorable="mv" mc:PreserveAttributes="mv:*">
+<p:cmAuthorLst xmlns:a="http://schemas.openxmlformats.org/drawingml/2006/main" xmlns:r="http://schemas.openxmlformats.org/officeDocument/2006/relationships" xmlns:p="http://schemas.openxmlformats.org/presentationml/2006/main">
   <p:cmAuthor id="0" name="Catalano, Alec" initials="" lastIdx="23" clrIdx="0"/>
   <p:cmAuthor id="1" name="Alec Catalano" initials="" lastIdx="1" clrIdx="1"/>
 </p:cmAuthorLst>
 </file>
 
 <file path=ppt/notesMasters/notesMaster1.xml><?xml version="1.0" encoding="utf-8"?>
-<p:notesMaster xmlns:a="http://schemas.openxmlformats.org/drawingml/2006/main" xmlns:r="http://schemas.openxmlformats.org/officeDocument/2006/relationships" xmlns:mc="http://schemas.openxmlformats.org/markup-compatibility/2006" xmlns:mv="urn:schemas-microsoft-com:mac:vml" xmlns:p="http://schemas.openxmlformats.org/presentationml/2006/main" mc:Ignorable="mv" mc:PreserveAttributes="mv:*">
+<p:notesMaster xmlns:a="http://schemas.openxmlformats.org/drawingml/2006/main" xmlns:r="http://schemas.openxmlformats.org/officeDocument/2006/relationships" xmlns:p="http://schemas.openxmlformats.org/presentationml/2006/main">
   <p:cSld>
     <p:bg>
       <p:bgRef idx="1001">
@@ -555,7 +555,7 @@
     </p:spTree>
     <p:extLst>
       <p:ext uri="{BB962C8B-B14F-4D97-AF65-F5344CB8AC3E}">
-        <p14:creationId xmlns="" xmlns:a="http://schemas.openxmlformats.org/drawingml/2006/main" xmlns:r="http://schemas.openxmlformats.org/officeDocument/2006/relationships" xmlns:p="http://schemas.openxmlformats.org/presentationml/2006/main" xmlns:p14="http://schemas.microsoft.com/office/powerpoint/2010/main" xmlns:mv="urn:schemas-microsoft-com:mac:vml" xmlns:mc="http://schemas.openxmlformats.org/markup-compatibility/2006" val="943536003"/>
+        <p14:creationId xmlns:p14="http://schemas.microsoft.com/office/powerpoint/2010/main" val="943536003"/>
       </p:ext>
     </p:extLst>
   </p:cSld>
@@ -656,7 +656,7 @@
 </file>
 
 <file path=ppt/notesSlides/notesSlide1.xml><?xml version="1.0" encoding="utf-8"?>
-<p:notes xmlns:a="http://schemas.openxmlformats.org/drawingml/2006/main" xmlns:r="http://schemas.openxmlformats.org/officeDocument/2006/relationships" xmlns:mc="http://schemas.openxmlformats.org/markup-compatibility/2006" xmlns:mv="urn:schemas-microsoft-com:mac:vml" xmlns:p="http://schemas.openxmlformats.org/presentationml/2006/main" mc:Ignorable="mv" mc:PreserveAttributes="mv:*">
+<p:notes xmlns:a="http://schemas.openxmlformats.org/drawingml/2006/main" xmlns:r="http://schemas.openxmlformats.org/officeDocument/2006/relationships" xmlns:p="http://schemas.openxmlformats.org/presentationml/2006/main">
   <p:cSld>
     <p:spTree>
       <p:nvGrpSpPr>
@@ -746,7 +746,7 @@
     </p:spTree>
     <p:extLst>
       <p:ext uri="{BB962C8B-B14F-4D97-AF65-F5344CB8AC3E}">
-        <p14:creationId xmlns="" xmlns:a="http://schemas.openxmlformats.org/drawingml/2006/main" xmlns:r="http://schemas.openxmlformats.org/officeDocument/2006/relationships" xmlns:p="http://schemas.openxmlformats.org/presentationml/2006/main" xmlns:p14="http://schemas.microsoft.com/office/powerpoint/2010/main" xmlns:mv="urn:schemas-microsoft-com:mac:vml" xmlns:mc="http://schemas.openxmlformats.org/markup-compatibility/2006" val="461632318"/>
+        <p14:creationId xmlns:p14="http://schemas.microsoft.com/office/powerpoint/2010/main" val="461632318"/>
       </p:ext>
     </p:extLst>
   </p:cSld>
@@ -757,7 +757,7 @@
 </file>
 
 <file path=ppt/notesSlides/notesSlide10.xml><?xml version="1.0" encoding="utf-8"?>
-<p:notes xmlns:a="http://schemas.openxmlformats.org/drawingml/2006/main" xmlns:r="http://schemas.openxmlformats.org/officeDocument/2006/relationships" xmlns:mc="http://schemas.openxmlformats.org/markup-compatibility/2006" xmlns:mv="urn:schemas-microsoft-com:mac:vml" xmlns:p="http://schemas.openxmlformats.org/presentationml/2006/main" mc:Ignorable="mv" mc:PreserveAttributes="mv:*">
+<p:notes xmlns:a="http://schemas.openxmlformats.org/drawingml/2006/main" xmlns:r="http://schemas.openxmlformats.org/officeDocument/2006/relationships" xmlns:p="http://schemas.openxmlformats.org/presentationml/2006/main">
   <p:cSld>
     <p:spTree>
       <p:nvGrpSpPr>
@@ -847,7 +847,7 @@
     </p:spTree>
     <p:extLst>
       <p:ext uri="{BB962C8B-B14F-4D97-AF65-F5344CB8AC3E}">
-        <p14:creationId xmlns="" xmlns:a="http://schemas.openxmlformats.org/drawingml/2006/main" xmlns:r="http://schemas.openxmlformats.org/officeDocument/2006/relationships" xmlns:p="http://schemas.openxmlformats.org/presentationml/2006/main" xmlns:p14="http://schemas.microsoft.com/office/powerpoint/2010/main" xmlns:mv="urn:schemas-microsoft-com:mac:vml" xmlns:mc="http://schemas.openxmlformats.org/markup-compatibility/2006" val="1838510240"/>
+        <p14:creationId xmlns:p14="http://schemas.microsoft.com/office/powerpoint/2010/main" val="1838510240"/>
       </p:ext>
     </p:extLst>
   </p:cSld>
@@ -858,7 +858,7 @@
 </file>
 
 <file path=ppt/notesSlides/notesSlide11.xml><?xml version="1.0" encoding="utf-8"?>
-<p:notes xmlns:a="http://schemas.openxmlformats.org/drawingml/2006/main" xmlns:r="http://schemas.openxmlformats.org/officeDocument/2006/relationships" xmlns:mc="http://schemas.openxmlformats.org/markup-compatibility/2006" xmlns:mv="urn:schemas-microsoft-com:mac:vml" xmlns:p="http://schemas.openxmlformats.org/presentationml/2006/main" mc:Ignorable="mv" mc:PreserveAttributes="mv:*">
+<p:notes xmlns:a="http://schemas.openxmlformats.org/drawingml/2006/main" xmlns:r="http://schemas.openxmlformats.org/officeDocument/2006/relationships" xmlns:p="http://schemas.openxmlformats.org/presentationml/2006/main">
   <p:cSld>
     <p:spTree>
       <p:nvGrpSpPr>
@@ -1035,7 +1035,7 @@
     </p:spTree>
     <p:extLst>
       <p:ext uri="{BB962C8B-B14F-4D97-AF65-F5344CB8AC3E}">
-        <p14:creationId xmlns="" xmlns:a="http://schemas.openxmlformats.org/drawingml/2006/main" xmlns:r="http://schemas.openxmlformats.org/officeDocument/2006/relationships" xmlns:p="http://schemas.openxmlformats.org/presentationml/2006/main" xmlns:p14="http://schemas.microsoft.com/office/powerpoint/2010/main" xmlns:mv="urn:schemas-microsoft-com:mac:vml" xmlns:mc="http://schemas.openxmlformats.org/markup-compatibility/2006" val="1023281219"/>
+        <p14:creationId xmlns:p14="http://schemas.microsoft.com/office/powerpoint/2010/main" val="1023281219"/>
       </p:ext>
     </p:extLst>
   </p:cSld>
@@ -1046,7 +1046,7 @@
 </file>
 
 <file path=ppt/notesSlides/notesSlide12.xml><?xml version="1.0" encoding="utf-8"?>
-<p:notes xmlns:a="http://schemas.openxmlformats.org/drawingml/2006/main" xmlns:r="http://schemas.openxmlformats.org/officeDocument/2006/relationships" xmlns:mc="http://schemas.openxmlformats.org/markup-compatibility/2006" xmlns:mv="urn:schemas-microsoft-com:mac:vml" xmlns:p="http://schemas.openxmlformats.org/presentationml/2006/main" mc:Ignorable="mv" mc:PreserveAttributes="mv:*">
+<p:notes xmlns:a="http://schemas.openxmlformats.org/drawingml/2006/main" xmlns:r="http://schemas.openxmlformats.org/officeDocument/2006/relationships" xmlns:p="http://schemas.openxmlformats.org/presentationml/2006/main">
   <p:cSld>
     <p:spTree>
       <p:nvGrpSpPr>
@@ -1144,7 +1144,19 @@
             </a:pPr>
             <a:r>
               <a:rPr lang="en-US" baseline="0" dirty="0" smtClean="0"/>
-              <a:t>The control plane is the interface into the platform itself. This could be a GUI or an API for a CLI interface.</a:t>
+              <a:t>The control </a:t>
+            </a:r>
+            <a:r>
+              <a:rPr lang="en-US" baseline="0" dirty="0" err="1" smtClean="0"/>
+              <a:t>layeris</a:t>
+            </a:r>
+            <a:r>
+              <a:rPr lang="en-US" baseline="0" dirty="0" smtClean="0"/>
+              <a:t> </a:t>
+            </a:r>
+            <a:r>
+              <a:rPr lang="en-US" baseline="0" dirty="0" smtClean="0"/>
+              <a:t>the interface into the platform itself. This could be a GUI or an API for a CLI interface.</a:t>
             </a:r>
             <a:endParaRPr lang="en-US" dirty="0"/>
           </a:p>
@@ -1177,7 +1189,7 @@
     </p:spTree>
     <p:extLst>
       <p:ext uri="{BB962C8B-B14F-4D97-AF65-F5344CB8AC3E}">
-        <p14:creationId xmlns="" xmlns:a="http://schemas.openxmlformats.org/drawingml/2006/main" xmlns:r="http://schemas.openxmlformats.org/officeDocument/2006/relationships" xmlns:p="http://schemas.openxmlformats.org/presentationml/2006/main" xmlns:p14="http://schemas.microsoft.com/office/powerpoint/2010/main" xmlns:mv="urn:schemas-microsoft-com:mac:vml" xmlns:mc="http://schemas.openxmlformats.org/markup-compatibility/2006" val="1120424473"/>
+        <p14:creationId xmlns:p14="http://schemas.microsoft.com/office/powerpoint/2010/main" val="1120424473"/>
       </p:ext>
     </p:extLst>
   </p:cSld>
@@ -1188,7 +1200,7 @@
 </file>
 
 <file path=ppt/notesSlides/notesSlide13.xml><?xml version="1.0" encoding="utf-8"?>
-<p:notes xmlns:a="http://schemas.openxmlformats.org/drawingml/2006/main" xmlns:r="http://schemas.openxmlformats.org/officeDocument/2006/relationships" xmlns:mc="http://schemas.openxmlformats.org/markup-compatibility/2006" xmlns:mv="urn:schemas-microsoft-com:mac:vml" xmlns:p="http://schemas.openxmlformats.org/presentationml/2006/main" mc:Ignorable="mv" mc:PreserveAttributes="mv:*">
+<p:notes xmlns:a="http://schemas.openxmlformats.org/drawingml/2006/main" xmlns:r="http://schemas.openxmlformats.org/officeDocument/2006/relationships" xmlns:p="http://schemas.openxmlformats.org/presentationml/2006/main">
   <p:cSld>
     <p:spTree>
       <p:nvGrpSpPr>
@@ -1266,7 +1278,7 @@
     </p:spTree>
     <p:extLst>
       <p:ext uri="{BB962C8B-B14F-4D97-AF65-F5344CB8AC3E}">
-        <p14:creationId xmlns="" xmlns:a="http://schemas.openxmlformats.org/drawingml/2006/main" xmlns:r="http://schemas.openxmlformats.org/officeDocument/2006/relationships" xmlns:p="http://schemas.openxmlformats.org/presentationml/2006/main" xmlns:p14="http://schemas.microsoft.com/office/powerpoint/2010/main" xmlns:mv="urn:schemas-microsoft-com:mac:vml" xmlns:mc="http://schemas.openxmlformats.org/markup-compatibility/2006" val="1407957544"/>
+        <p14:creationId xmlns:p14="http://schemas.microsoft.com/office/powerpoint/2010/main" val="1407957544"/>
       </p:ext>
     </p:extLst>
   </p:cSld>
@@ -1277,7 +1289,7 @@
 </file>
 
 <file path=ppt/notesSlides/notesSlide14.xml><?xml version="1.0" encoding="utf-8"?>
-<p:notes xmlns:a="http://schemas.openxmlformats.org/drawingml/2006/main" xmlns:r="http://schemas.openxmlformats.org/officeDocument/2006/relationships" xmlns:mc="http://schemas.openxmlformats.org/markup-compatibility/2006" xmlns:mv="urn:schemas-microsoft-com:mac:vml" xmlns:p="http://schemas.openxmlformats.org/presentationml/2006/main" mc:Ignorable="mv" mc:PreserveAttributes="mv:*">
+<p:notes xmlns:a="http://schemas.openxmlformats.org/drawingml/2006/main" xmlns:r="http://schemas.openxmlformats.org/officeDocument/2006/relationships" xmlns:p="http://schemas.openxmlformats.org/presentationml/2006/main">
   <p:cSld>
     <p:spTree>
       <p:nvGrpSpPr>
@@ -1342,7 +1354,31 @@
                 <a:ea typeface="+mn-ea"/>
                 <a:cs typeface="+mn-cs"/>
               </a:rPr>
-              <a:t> of task placement, allowing consumers to tell the scheduler what they want to run, and the scheduler will find an appropriate host with enough CPU and Memory to run that job.</a:t>
+              <a:t> of task placement, allowing </a:t>
+            </a:r>
+            <a:r>
+              <a:rPr lang="en-US" sz="1200" b="0" i="0" kern="1200" baseline="0" dirty="0" smtClean="0">
+                <a:solidFill>
+                  <a:schemeClr val="tx1"/>
+                </a:solidFill>
+                <a:effectLst/>
+                <a:latin typeface="Arial"/>
+                <a:ea typeface="+mn-ea"/>
+                <a:cs typeface="+mn-cs"/>
+              </a:rPr>
+              <a:t>the controller to </a:t>
+            </a:r>
+            <a:r>
+              <a:rPr lang="en-US" sz="1200" b="0" i="0" kern="1200" baseline="0" dirty="0" smtClean="0">
+                <a:solidFill>
+                  <a:schemeClr val="tx1"/>
+                </a:solidFill>
+                <a:effectLst/>
+                <a:latin typeface="Arial"/>
+                <a:ea typeface="+mn-ea"/>
+                <a:cs typeface="+mn-cs"/>
+              </a:rPr>
+              <a:t>tell the scheduler what they want to run, and the scheduler will find an appropriate host with enough CPU and Memory to run that job.</a:t>
             </a:r>
             <a:endParaRPr lang="en-US" dirty="0"/>
           </a:p>
@@ -1375,7 +1411,7 @@
     </p:spTree>
     <p:extLst>
       <p:ext uri="{BB962C8B-B14F-4D97-AF65-F5344CB8AC3E}">
-        <p14:creationId xmlns="" xmlns:a="http://schemas.openxmlformats.org/drawingml/2006/main" xmlns:r="http://schemas.openxmlformats.org/officeDocument/2006/relationships" xmlns:p="http://schemas.openxmlformats.org/presentationml/2006/main" xmlns:p14="http://schemas.microsoft.com/office/powerpoint/2010/main" xmlns:mv="urn:schemas-microsoft-com:mac:vml" xmlns:mc="http://schemas.openxmlformats.org/markup-compatibility/2006" val="728320368"/>
+        <p14:creationId xmlns:p14="http://schemas.microsoft.com/office/powerpoint/2010/main" val="728320368"/>
       </p:ext>
     </p:extLst>
   </p:cSld>
@@ -1386,7 +1422,7 @@
 </file>
 
 <file path=ppt/notesSlides/notesSlide15.xml><?xml version="1.0" encoding="utf-8"?>
-<p:notes xmlns:a="http://schemas.openxmlformats.org/drawingml/2006/main" xmlns:r="http://schemas.openxmlformats.org/officeDocument/2006/relationships" xmlns:mc="http://schemas.openxmlformats.org/markup-compatibility/2006" xmlns:mv="urn:schemas-microsoft-com:mac:vml" xmlns:p="http://schemas.openxmlformats.org/presentationml/2006/main" mc:Ignorable="mv" mc:PreserveAttributes="mv:*">
+<p:notes xmlns:a="http://schemas.openxmlformats.org/drawingml/2006/main" xmlns:r="http://schemas.openxmlformats.org/officeDocument/2006/relationships" xmlns:p="http://schemas.openxmlformats.org/presentationml/2006/main">
   <p:cSld>
     <p:spTree>
       <p:nvGrpSpPr>
@@ -1431,11 +1467,208 @@
           <a:p>
             <a:r>
               <a:rPr lang="en-US" dirty="0" smtClean="0"/>
-              <a:t>One of the most important interfaces that we extracted early on was the interface between</a:t>
+              <a:t>About 3 months into</a:t>
             </a:r>
             <a:r>
               <a:rPr lang="en-US" baseline="0" dirty="0" smtClean="0"/>
-              <a:t> the scheduler and the control plane, which looks like this. Very simply it provides a generic API for running an App, removing an App, scaling individual processes of the app and returning state about the running processes.</a:t>
+              <a:t> the project, we had a V1 that we started testing in a staging environment.</a:t>
+            </a:r>
+          </a:p>
+          <a:p>
+            <a:endParaRPr lang="en-US" baseline="0" dirty="0" smtClean="0"/>
+          </a:p>
+          <a:p>
+            <a:pPr marL="171450" indent="-171450">
+              <a:buFont typeface="Arial" charset="0"/>
+              <a:buChar char="•"/>
+            </a:pPr>
+            <a:r>
+              <a:rPr lang="en-US" baseline="0" dirty="0" smtClean="0"/>
+              <a:t>We initially started with </a:t>
+            </a:r>
+            <a:r>
+              <a:rPr lang="en-US" baseline="0" dirty="0" err="1" smtClean="0"/>
+              <a:t>CoreOS</a:t>
+            </a:r>
+            <a:r>
+              <a:rPr lang="en-US" baseline="0" dirty="0" smtClean="0"/>
+              <a:t> and Fleet as our scheduling backend, which uses </a:t>
+            </a:r>
+            <a:r>
+              <a:rPr lang="en-US" baseline="0" dirty="0" err="1" smtClean="0"/>
+              <a:t>etcd</a:t>
+            </a:r>
+            <a:r>
+              <a:rPr lang="en-US" baseline="0" dirty="0" smtClean="0"/>
+              <a:t> for cluster management.</a:t>
+            </a:r>
+          </a:p>
+          <a:p>
+            <a:pPr marL="171450" indent="-171450">
+              <a:buFont typeface="Arial" charset="0"/>
+              <a:buChar char="•"/>
+            </a:pPr>
+            <a:r>
+              <a:rPr lang="en-US" baseline="0" dirty="0" smtClean="0"/>
+              <a:t>For the routing layer, we used a combination of </a:t>
+            </a:r>
+            <a:r>
+              <a:rPr lang="en-US" baseline="0" dirty="0" err="1" smtClean="0"/>
+              <a:t>nginx</a:t>
+            </a:r>
+            <a:r>
+              <a:rPr lang="en-US" baseline="0" dirty="0" smtClean="0"/>
+              <a:t>, </a:t>
+            </a:r>
+            <a:r>
+              <a:rPr lang="en-US" baseline="0" dirty="0" err="1" smtClean="0"/>
+              <a:t>etcd</a:t>
+            </a:r>
+            <a:r>
+              <a:rPr lang="en-US" baseline="0" dirty="0" smtClean="0"/>
+              <a:t>, </a:t>
+            </a:r>
+            <a:r>
+              <a:rPr lang="en-US" baseline="0" dirty="0" err="1" smtClean="0"/>
+              <a:t>registrator</a:t>
+            </a:r>
+            <a:r>
+              <a:rPr lang="en-US" baseline="0" dirty="0" smtClean="0"/>
+              <a:t> and </a:t>
+            </a:r>
+            <a:r>
+              <a:rPr lang="en-US" baseline="0" dirty="0" err="1" smtClean="0"/>
+              <a:t>confd</a:t>
+            </a:r>
+            <a:r>
+              <a:rPr lang="en-US" baseline="0" dirty="0" smtClean="0"/>
+              <a:t>. </a:t>
+            </a:r>
+            <a:r>
+              <a:rPr lang="en-US" baseline="0" dirty="0" err="1" smtClean="0"/>
+              <a:t>Registator</a:t>
+            </a:r>
+            <a:r>
+              <a:rPr lang="en-US" baseline="0" dirty="0" smtClean="0"/>
+              <a:t> would watch for </a:t>
+            </a:r>
+            <a:r>
+              <a:rPr lang="en-US" baseline="0" dirty="0" err="1" smtClean="0"/>
+              <a:t>Docker</a:t>
+            </a:r>
+            <a:r>
+              <a:rPr lang="en-US" baseline="0" dirty="0" smtClean="0"/>
+              <a:t> events and would register containers as services within the </a:t>
+            </a:r>
+            <a:r>
+              <a:rPr lang="en-US" baseline="0" dirty="0" err="1" smtClean="0"/>
+              <a:t>etcd</a:t>
+            </a:r>
+            <a:r>
+              <a:rPr lang="en-US" baseline="0" dirty="0" smtClean="0"/>
+              <a:t> key value store. </a:t>
+            </a:r>
+            <a:r>
+              <a:rPr lang="en-US" baseline="0" dirty="0" err="1" smtClean="0"/>
+              <a:t>Confd</a:t>
+            </a:r>
+            <a:r>
+              <a:rPr lang="en-US" baseline="0" dirty="0" smtClean="0"/>
+              <a:t> would listen for changes to these keys and update an </a:t>
+            </a:r>
+            <a:r>
+              <a:rPr lang="en-US" baseline="0" dirty="0" err="1" smtClean="0"/>
+              <a:t>nginx</a:t>
+            </a:r>
+            <a:r>
+              <a:rPr lang="en-US" baseline="0" dirty="0" smtClean="0"/>
+              <a:t> configuration file.</a:t>
+            </a:r>
+          </a:p>
+          <a:p>
+            <a:pPr marL="171450" indent="-171450">
+              <a:buFont typeface="Arial" charset="0"/>
+              <a:buChar char="•"/>
+            </a:pPr>
+            <a:r>
+              <a:rPr lang="en-US" baseline="0" dirty="0" smtClean="0"/>
+              <a:t>For the </a:t>
+            </a:r>
+            <a:r>
+              <a:rPr lang="en-US" baseline="0" dirty="0" smtClean="0"/>
+              <a:t>controller layer, </a:t>
+            </a:r>
+            <a:r>
+              <a:rPr lang="en-US" baseline="0" dirty="0" smtClean="0"/>
+              <a:t>we decided to use the </a:t>
+            </a:r>
+            <a:r>
+              <a:rPr lang="en-US" baseline="0" dirty="0" err="1" smtClean="0"/>
+              <a:t>Heroku</a:t>
+            </a:r>
+            <a:r>
+              <a:rPr lang="en-US" baseline="0" dirty="0" smtClean="0"/>
+              <a:t> Platform API as a spec and implement it within Empire. This allowed us to initially use the </a:t>
+            </a:r>
+            <a:r>
+              <a:rPr lang="en-US" baseline="0" dirty="0" err="1" smtClean="0"/>
+              <a:t>Heroku</a:t>
+            </a:r>
+            <a:r>
+              <a:rPr lang="en-US" baseline="0" dirty="0" smtClean="0"/>
+              <a:t> CLI against Empire, which was a huge productivity win early on.</a:t>
+            </a:r>
+          </a:p>
+          <a:p>
+            <a:pPr marL="171450" indent="-171450">
+              <a:buFont typeface="Arial" charset="0"/>
+              <a:buChar char="•"/>
+            </a:pPr>
+            <a:endParaRPr lang="en-US" baseline="0" dirty="0" smtClean="0"/>
+          </a:p>
+          <a:p>
+            <a:pPr marL="0" indent="0">
+              <a:buFont typeface="Arial" charset="0"/>
+              <a:buNone/>
+            </a:pPr>
+            <a:r>
+              <a:rPr lang="en-US" baseline="0" dirty="0" smtClean="0"/>
+              <a:t>This version of Empire worked well initially until we started testing failure modes.</a:t>
+            </a:r>
+          </a:p>
+          <a:p>
+            <a:pPr marL="0" indent="0">
+              <a:buFont typeface="Arial" charset="0"/>
+              <a:buNone/>
+            </a:pPr>
+            <a:endParaRPr lang="en-US" baseline="0" dirty="0" smtClean="0"/>
+          </a:p>
+          <a:p>
+            <a:pPr marL="171450" indent="-171450">
+              <a:buFont typeface="Arial" charset="0"/>
+              <a:buChar char="•"/>
+            </a:pPr>
+            <a:r>
+              <a:rPr lang="en-US" baseline="0" dirty="0" smtClean="0"/>
+              <a:t>In our experience, </a:t>
+            </a:r>
+            <a:r>
+              <a:rPr lang="en-US" baseline="0" dirty="0" err="1" smtClean="0"/>
+              <a:t>etcd</a:t>
+            </a:r>
+            <a:r>
+              <a:rPr lang="en-US" baseline="0" dirty="0" smtClean="0"/>
+              <a:t> was fragile and Fleet had a number of bugs.</a:t>
+            </a:r>
+          </a:p>
+          <a:p>
+            <a:pPr marL="171450" indent="-171450">
+              <a:buFont typeface="Arial" charset="0"/>
+              <a:buChar char="•"/>
+            </a:pPr>
+            <a:r>
+              <a:rPr lang="en-US" baseline="0" dirty="0" smtClean="0"/>
+              <a:t>We also hadn’t solved the problem of zero downtime deployments in the routing layer.</a:t>
             </a:r>
             <a:endParaRPr lang="en-US" dirty="0"/>
           </a:p>
@@ -1468,7 +1701,7 @@
     </p:spTree>
     <p:extLst>
       <p:ext uri="{BB962C8B-B14F-4D97-AF65-F5344CB8AC3E}">
-        <p14:creationId xmlns="" xmlns:a="http://schemas.openxmlformats.org/drawingml/2006/main" xmlns:r="http://schemas.openxmlformats.org/officeDocument/2006/relationships" xmlns:p="http://schemas.openxmlformats.org/presentationml/2006/main" xmlns:p14="http://schemas.microsoft.com/office/powerpoint/2010/main" xmlns:mv="urn:schemas-microsoft-com:mac:vml" xmlns:mc="http://schemas.openxmlformats.org/markup-compatibility/2006" val="122903841"/>
+        <p14:creationId xmlns:p14="http://schemas.microsoft.com/office/powerpoint/2010/main" val="522038541"/>
       </p:ext>
     </p:extLst>
   </p:cSld>
@@ -1479,7 +1712,7 @@
 </file>
 
 <file path=ppt/notesSlides/notesSlide16.xml><?xml version="1.0" encoding="utf-8"?>
-<p:notes xmlns:a="http://schemas.openxmlformats.org/drawingml/2006/main" xmlns:r="http://schemas.openxmlformats.org/officeDocument/2006/relationships" xmlns:mc="http://schemas.openxmlformats.org/markup-compatibility/2006" xmlns:mv="urn:schemas-microsoft-com:mac:vml" xmlns:p="http://schemas.openxmlformats.org/presentationml/2006/main" mc:Ignorable="mv" mc:PreserveAttributes="mv:*">
+<p:notes xmlns:a="http://schemas.openxmlformats.org/drawingml/2006/main" xmlns:r="http://schemas.openxmlformats.org/officeDocument/2006/relationships" xmlns:p="http://schemas.openxmlformats.org/presentationml/2006/main">
   <p:cSld>
     <p:spTree>
       <p:nvGrpSpPr>
@@ -1524,90 +1757,11 @@
           <a:p>
             <a:r>
               <a:rPr lang="en-US" dirty="0" smtClean="0"/>
-              <a:t>About 3 months into</a:t>
+              <a:t>Around this time, EC2 Container Service was made Generally Available.</a:t>
             </a:r>
             <a:r>
               <a:rPr lang="en-US" baseline="0" dirty="0" smtClean="0"/>
-              <a:t> the project, we had a V1 that we started testing in a staging environment.</a:t>
-            </a:r>
-          </a:p>
-          <a:p>
-            <a:endParaRPr lang="en-US" baseline="0" dirty="0" smtClean="0"/>
-          </a:p>
-          <a:p>
-            <a:pPr marL="171450" indent="-171450">
-              <a:buFont typeface="Arial" charset="0"/>
-              <a:buChar char="•"/>
-            </a:pPr>
-            <a:r>
-              <a:rPr lang="en-US" baseline="0" dirty="0" smtClean="0"/>
-              <a:t>We initially started with </a:t>
-            </a:r>
-            <a:r>
-              <a:rPr lang="en-US" baseline="0" dirty="0" err="1" smtClean="0"/>
-              <a:t>CoreOS</a:t>
-            </a:r>
-            <a:r>
-              <a:rPr lang="en-US" baseline="0" dirty="0" smtClean="0"/>
-              <a:t> and Fleet as our scheduling backend, which uses </a:t>
-            </a:r>
-            <a:r>
-              <a:rPr lang="en-US" baseline="0" dirty="0" err="1" smtClean="0"/>
-              <a:t>etcd</a:t>
-            </a:r>
-            <a:r>
-              <a:rPr lang="en-US" baseline="0" dirty="0" smtClean="0"/>
-              <a:t> for cluster management.</a:t>
-            </a:r>
-          </a:p>
-          <a:p>
-            <a:pPr marL="171450" indent="-171450">
-              <a:buFont typeface="Arial" charset="0"/>
-              <a:buChar char="•"/>
-            </a:pPr>
-            <a:r>
-              <a:rPr lang="en-US" baseline="0" dirty="0" smtClean="0"/>
-              <a:t>For the routing layer, we used a combination of </a:t>
-            </a:r>
-            <a:r>
-              <a:rPr lang="en-US" baseline="0" dirty="0" err="1" smtClean="0"/>
-              <a:t>nginx</a:t>
-            </a:r>
-            <a:r>
-              <a:rPr lang="en-US" baseline="0" dirty="0" smtClean="0"/>
-              <a:t>, </a:t>
-            </a:r>
-            <a:r>
-              <a:rPr lang="en-US" baseline="0" dirty="0" err="1" smtClean="0"/>
-              <a:t>etcd</a:t>
-            </a:r>
-            <a:r>
-              <a:rPr lang="en-US" baseline="0" dirty="0" smtClean="0"/>
-              <a:t>, </a:t>
-            </a:r>
-            <a:r>
-              <a:rPr lang="en-US" baseline="0" dirty="0" err="1" smtClean="0"/>
-              <a:t>registrator</a:t>
-            </a:r>
-            <a:r>
-              <a:rPr lang="en-US" baseline="0" dirty="0" smtClean="0"/>
-              <a:t> and </a:t>
-            </a:r>
-            <a:r>
-              <a:rPr lang="en-US" baseline="0" dirty="0" err="1" smtClean="0"/>
-              <a:t>confd</a:t>
-            </a:r>
-            <a:r>
-              <a:rPr lang="en-US" baseline="0" dirty="0" smtClean="0"/>
-              <a:t>. </a:t>
-            </a:r>
-            <a:r>
-              <a:rPr lang="en-US" baseline="0" dirty="0" err="1" smtClean="0"/>
-              <a:t>Registator</a:t>
-            </a:r>
-            <a:r>
-              <a:rPr lang="en-US" baseline="0" dirty="0" smtClean="0"/>
-              <a:t> would watch for </a:t>
+              <a:t> ECS is a managed AWS service that provides a cluster manager, task scheduler and it supports </a:t>
             </a:r>
             <a:r>
               <a:rPr lang="en-US" baseline="0" dirty="0" err="1" smtClean="0"/>
@@ -1615,111 +1769,25 @@
             </a:r>
             <a:r>
               <a:rPr lang="en-US" baseline="0" dirty="0" smtClean="0"/>
-              <a:t> events and would register containers as services within the </a:t>
+              <a:t> out of the box.</a:t>
+            </a:r>
+          </a:p>
+          <a:p>
+            <a:endParaRPr lang="en-US" baseline="0" dirty="0" smtClean="0"/>
+          </a:p>
+          <a:p>
+            <a:r>
+              <a:rPr lang="en-US" baseline="0" dirty="0" smtClean="0"/>
+              <a:t>If I were to describe ECS, I would say it’s the easiest way to run </a:t>
             </a:r>
             <a:r>
               <a:rPr lang="en-US" baseline="0" dirty="0" err="1" smtClean="0"/>
-              <a:t>etcd</a:t>
+              <a:t>Docker</a:t>
             </a:r>
             <a:r>
               <a:rPr lang="en-US" baseline="0" dirty="0" smtClean="0"/>
-              <a:t> key value store. </a:t>
-            </a:r>
-            <a:r>
-              <a:rPr lang="en-US" baseline="0" dirty="0" err="1" smtClean="0"/>
-              <a:t>Confd</a:t>
-            </a:r>
-            <a:r>
-              <a:rPr lang="en-US" baseline="0" dirty="0" smtClean="0"/>
-              <a:t> would listen for changes to these keys and update an </a:t>
-            </a:r>
-            <a:r>
-              <a:rPr lang="en-US" baseline="0" dirty="0" err="1" smtClean="0"/>
-              <a:t>nginx</a:t>
-            </a:r>
-            <a:r>
-              <a:rPr lang="en-US" baseline="0" dirty="0" smtClean="0"/>
-              <a:t> configuration file.</a:t>
-            </a:r>
-          </a:p>
-          <a:p>
-            <a:pPr marL="171450" indent="-171450">
-              <a:buFont typeface="Arial" charset="0"/>
-              <a:buChar char="•"/>
-            </a:pPr>
-            <a:r>
-              <a:rPr lang="en-US" baseline="0" dirty="0" smtClean="0"/>
-              <a:t>For the control plane, we decided to use the </a:t>
-            </a:r>
-            <a:r>
-              <a:rPr lang="en-US" baseline="0" dirty="0" err="1" smtClean="0"/>
-              <a:t>Heroku</a:t>
-            </a:r>
-            <a:r>
-              <a:rPr lang="en-US" baseline="0" dirty="0" smtClean="0"/>
-              <a:t> Platform API as a spec and implement it within Empire. This allowed us to initially use the </a:t>
-            </a:r>
-            <a:r>
-              <a:rPr lang="en-US" baseline="0" dirty="0" err="1" smtClean="0"/>
-              <a:t>Heroku</a:t>
-            </a:r>
-            <a:r>
-              <a:rPr lang="en-US" baseline="0" dirty="0" smtClean="0"/>
-              <a:t> CLI against Empire, which was a huge productivity win early on.</a:t>
-            </a:r>
-          </a:p>
-          <a:p>
-            <a:pPr marL="171450" indent="-171450">
-              <a:buFont typeface="Arial" charset="0"/>
-              <a:buChar char="•"/>
-            </a:pPr>
-            <a:endParaRPr lang="en-US" baseline="0" dirty="0" smtClean="0"/>
-          </a:p>
-          <a:p>
-            <a:pPr marL="0" indent="0">
-              <a:buFont typeface="Arial" charset="0"/>
-              <a:buNone/>
-            </a:pPr>
-            <a:r>
-              <a:rPr lang="en-US" baseline="0" dirty="0" smtClean="0"/>
-              <a:t>This version of Empire worked well initially until we started testing failure modes.</a:t>
-            </a:r>
-          </a:p>
-          <a:p>
-            <a:pPr marL="0" indent="0">
-              <a:buFont typeface="Arial" charset="0"/>
-              <a:buNone/>
-            </a:pPr>
-            <a:endParaRPr lang="en-US" baseline="0" dirty="0" smtClean="0"/>
-          </a:p>
-          <a:p>
-            <a:pPr marL="171450" indent="-171450">
-              <a:buFont typeface="Arial" charset="0"/>
-              <a:buChar char="•"/>
-            </a:pPr>
-            <a:r>
-              <a:rPr lang="en-US" baseline="0" dirty="0" smtClean="0"/>
-              <a:t>In our experience, </a:t>
-            </a:r>
-            <a:r>
-              <a:rPr lang="en-US" baseline="0" dirty="0" err="1" smtClean="0"/>
-              <a:t>etcd</a:t>
-            </a:r>
-            <a:r>
-              <a:rPr lang="en-US" baseline="0" dirty="0" smtClean="0"/>
-              <a:t> was fragile and Fleet had a number of bugs.</a:t>
-            </a:r>
-          </a:p>
-          <a:p>
-            <a:pPr marL="171450" indent="-171450">
-              <a:buFont typeface="Arial" charset="0"/>
-              <a:buChar char="•"/>
-            </a:pPr>
-            <a:r>
-              <a:rPr lang="en-US" baseline="0" dirty="0" smtClean="0"/>
-              <a:t>We also hadn’t solved the problem of zero downtime deployments in the routing layer.</a:t>
-            </a:r>
-            <a:endParaRPr lang="en-US" dirty="0"/>
+              <a:t> containers on a cluster of machines in production.</a:t>
+            </a:r>
           </a:p>
         </p:txBody>
       </p:sp>
@@ -1750,7 +1818,7 @@
     </p:spTree>
     <p:extLst>
       <p:ext uri="{BB962C8B-B14F-4D97-AF65-F5344CB8AC3E}">
-        <p14:creationId xmlns="" xmlns:a="http://schemas.openxmlformats.org/drawingml/2006/main" xmlns:r="http://schemas.openxmlformats.org/officeDocument/2006/relationships" xmlns:p="http://schemas.openxmlformats.org/presentationml/2006/main" xmlns:p14="http://schemas.microsoft.com/office/powerpoint/2010/main" xmlns:mv="urn:schemas-microsoft-com:mac:vml" xmlns:mc="http://schemas.openxmlformats.org/markup-compatibility/2006" val="522038541"/>
+        <p14:creationId xmlns:p14="http://schemas.microsoft.com/office/powerpoint/2010/main" val="527839127"/>
       </p:ext>
     </p:extLst>
   </p:cSld>
@@ -1761,7 +1829,7 @@
 </file>
 
 <file path=ppt/notesSlides/notesSlide17.xml><?xml version="1.0" encoding="utf-8"?>
-<p:notes xmlns:a="http://schemas.openxmlformats.org/drawingml/2006/main" xmlns:r="http://schemas.openxmlformats.org/officeDocument/2006/relationships" xmlns:mc="http://schemas.openxmlformats.org/markup-compatibility/2006" xmlns:mv="urn:schemas-microsoft-com:mac:vml" xmlns:p="http://schemas.openxmlformats.org/presentationml/2006/main" mc:Ignorable="mv" mc:PreserveAttributes="mv:*">
+<p:notes xmlns:a="http://schemas.openxmlformats.org/drawingml/2006/main" xmlns:r="http://schemas.openxmlformats.org/officeDocument/2006/relationships" xmlns:p="http://schemas.openxmlformats.org/presentationml/2006/main">
   <p:cSld>
     <p:spTree>
       <p:nvGrpSpPr>
@@ -1806,19 +1874,23 @@
           <a:p>
             <a:r>
               <a:rPr lang="en-US" dirty="0" smtClean="0"/>
-              <a:t>Around this time, EC2 Container Service was made Generally Available.</a:t>
+              <a:t>One of the most important interfaces that we extracted early on was the interface between</a:t>
             </a:r>
             <a:r>
               <a:rPr lang="en-US" baseline="0" dirty="0" smtClean="0"/>
-              <a:t> ECS is a managed AWS service that provides a cluster manager, task scheduler and it supports </a:t>
-            </a:r>
-            <a:r>
-              <a:rPr lang="en-US" baseline="0" dirty="0" err="1" smtClean="0"/>
-              <a:t>Docker</a:t>
+              <a:t> the scheduler and the control plane, which looks like this. Very simply it provides a generic API for </a:t>
             </a:r>
             <a:r>
               <a:rPr lang="en-US" baseline="0" dirty="0" smtClean="0"/>
-              <a:t> out of the box.</a:t>
+              <a:t>running </a:t>
+            </a:r>
+            <a:r>
+              <a:rPr lang="en-US" baseline="0" dirty="0" smtClean="0"/>
+              <a:t>an App, removing an App, scaling individual processes of the app and returning state about the running processes</a:t>
+            </a:r>
+            <a:r>
+              <a:rPr lang="en-US" baseline="0" dirty="0" smtClean="0"/>
+              <a:t>.</a:t>
             </a:r>
           </a:p>
           <a:p>
@@ -1827,16 +1899,9 @@
           <a:p>
             <a:r>
               <a:rPr lang="en-US" baseline="0" dirty="0" smtClean="0"/>
-              <a:t>If I were to describe ECS, I would say it’s the easiest way to run </a:t>
-            </a:r>
-            <a:r>
-              <a:rPr lang="en-US" baseline="0" dirty="0" err="1" smtClean="0"/>
-              <a:t>Docker</a:t>
-            </a:r>
-            <a:r>
-              <a:rPr lang="en-US" baseline="0" dirty="0" smtClean="0"/>
-              <a:t> containers on a cluster of machines in production.</a:t>
-            </a:r>
+              <a:t>Fortunately we had designed a clean contract between the controller and scheduler components.</a:t>
+            </a:r>
+            <a:endParaRPr lang="en-US" dirty="0"/>
           </a:p>
         </p:txBody>
       </p:sp>
@@ -1867,7 +1932,7 @@
     </p:spTree>
     <p:extLst>
       <p:ext uri="{BB962C8B-B14F-4D97-AF65-F5344CB8AC3E}">
-        <p14:creationId xmlns="" xmlns:a="http://schemas.openxmlformats.org/drawingml/2006/main" xmlns:r="http://schemas.openxmlformats.org/officeDocument/2006/relationships" xmlns:p="http://schemas.openxmlformats.org/presentationml/2006/main" xmlns:p14="http://schemas.microsoft.com/office/powerpoint/2010/main" xmlns:mv="urn:schemas-microsoft-com:mac:vml" xmlns:mc="http://schemas.openxmlformats.org/markup-compatibility/2006" val="527839127"/>
+        <p14:creationId xmlns:p14="http://schemas.microsoft.com/office/powerpoint/2010/main" val="122903841"/>
       </p:ext>
     </p:extLst>
   </p:cSld>
@@ -1878,7 +1943,7 @@
 </file>
 
 <file path=ppt/notesSlides/notesSlide18.xml><?xml version="1.0" encoding="utf-8"?>
-<p:notes xmlns:a="http://schemas.openxmlformats.org/drawingml/2006/main" xmlns:r="http://schemas.openxmlformats.org/officeDocument/2006/relationships" xmlns:mc="http://schemas.openxmlformats.org/markup-compatibility/2006" xmlns:mv="urn:schemas-microsoft-com:mac:vml" xmlns:p="http://schemas.openxmlformats.org/presentationml/2006/main" mc:Ignorable="mv" mc:PreserveAttributes="mv:*">
+<p:notes xmlns:a="http://schemas.openxmlformats.org/drawingml/2006/main" xmlns:r="http://schemas.openxmlformats.org/officeDocument/2006/relationships" xmlns:p="http://schemas.openxmlformats.org/presentationml/2006/main">
   <p:cSld>
     <p:spTree>
       <p:nvGrpSpPr>
@@ -1952,6 +2017,30 @@
             </a:r>
           </a:p>
           <a:p>
+            <a:pPr marL="171450" marR="0" indent="-171450" algn="l" defTabSz="457200" rtl="0" eaLnBrk="1" fontAlgn="auto" latinLnBrk="0" hangingPunct="1">
+              <a:lnSpc>
+                <a:spcPct val="100000"/>
+              </a:lnSpc>
+              <a:spcBef>
+                <a:spcPts val="0"/>
+              </a:spcBef>
+              <a:spcAft>
+                <a:spcPts val="0"/>
+              </a:spcAft>
+              <a:buClrTx/>
+              <a:buSzTx/>
+              <a:buFont typeface="Arial" charset="0"/>
+              <a:buChar char="•"/>
+              <a:tabLst/>
+              <a:defRPr/>
+            </a:pPr>
+            <a:r>
+              <a:rPr lang="en-US" baseline="0" dirty="0" smtClean="0"/>
+              <a:t>Services provide a way to manage the desired state of a Task Definition and provide a way to scale a service up or down. ECS Services are kind of like auto scaling groups, but at the container level rather than the Host level.</a:t>
+            </a:r>
+            <a:endParaRPr lang="en-US" baseline="0" dirty="0" smtClean="0"/>
+          </a:p>
+          <a:p>
             <a:pPr marL="171450" indent="-171450">
               <a:buFont typeface="Arial" charset="0"/>
               <a:buChar char="•"/>
@@ -1968,19 +2057,13 @@
             </a:pPr>
             <a:r>
               <a:rPr lang="en-US" baseline="0" dirty="0" smtClean="0"/>
-              <a:t>Tasks represent a running instance of a task definition.</a:t>
-            </a:r>
-          </a:p>
-          <a:p>
-            <a:pPr marL="171450" indent="-171450">
-              <a:buFont typeface="Arial" charset="0"/>
-              <a:buChar char="•"/>
-            </a:pPr>
+              <a:t>Tasks represent a running instance of a task definition</a:t>
+            </a:r>
             <a:r>
               <a:rPr lang="en-US" baseline="0" dirty="0" smtClean="0"/>
-              <a:t>Services provide a way to manage the desired state of a Task Definition and provide a way to scale a service up or down. ECS Services are kind of like auto scaling groups, but at the container level rather than the Host level.</a:t>
-            </a:r>
-            <a:endParaRPr lang="en-US" dirty="0"/>
+              <a:t>.</a:t>
+            </a:r>
+            <a:endParaRPr lang="en-US" baseline="0" dirty="0" smtClean="0"/>
           </a:p>
         </p:txBody>
       </p:sp>
@@ -2011,7 +2094,7 @@
     </p:spTree>
     <p:extLst>
       <p:ext uri="{BB962C8B-B14F-4D97-AF65-F5344CB8AC3E}">
-        <p14:creationId xmlns="" xmlns:a="http://schemas.openxmlformats.org/drawingml/2006/main" xmlns:r="http://schemas.openxmlformats.org/officeDocument/2006/relationships" xmlns:p="http://schemas.openxmlformats.org/presentationml/2006/main" xmlns:p14="http://schemas.microsoft.com/office/powerpoint/2010/main" xmlns:mv="urn:schemas-microsoft-com:mac:vml" xmlns:mc="http://schemas.openxmlformats.org/markup-compatibility/2006" val="978342375"/>
+        <p14:creationId xmlns:p14="http://schemas.microsoft.com/office/powerpoint/2010/main" val="978342375"/>
       </p:ext>
     </p:extLst>
   </p:cSld>
@@ -2022,7 +2105,7 @@
 </file>
 
 <file path=ppt/notesSlides/notesSlide19.xml><?xml version="1.0" encoding="utf-8"?>
-<p:notes xmlns:a="http://schemas.openxmlformats.org/drawingml/2006/main" xmlns:r="http://schemas.openxmlformats.org/officeDocument/2006/relationships" xmlns:mc="http://schemas.openxmlformats.org/markup-compatibility/2006" xmlns:mv="urn:schemas-microsoft-com:mac:vml" xmlns:p="http://schemas.openxmlformats.org/presentationml/2006/main" mc:Ignorable="mv" mc:PreserveAttributes="mv:*">
+<p:notes xmlns:a="http://schemas.openxmlformats.org/drawingml/2006/main" xmlns:r="http://schemas.openxmlformats.org/officeDocument/2006/relationships" xmlns:p="http://schemas.openxmlformats.org/presentationml/2006/main">
   <p:cSld>
     <p:spTree>
       <p:nvGrpSpPr>
@@ -2104,7 +2187,7 @@
     </p:spTree>
     <p:extLst>
       <p:ext uri="{BB962C8B-B14F-4D97-AF65-F5344CB8AC3E}">
-        <p14:creationId xmlns="" xmlns:a="http://schemas.openxmlformats.org/drawingml/2006/main" xmlns:r="http://schemas.openxmlformats.org/officeDocument/2006/relationships" xmlns:p="http://schemas.openxmlformats.org/presentationml/2006/main" xmlns:p14="http://schemas.microsoft.com/office/powerpoint/2010/main" xmlns:mv="urn:schemas-microsoft-com:mac:vml" xmlns:mc="http://schemas.openxmlformats.org/markup-compatibility/2006" val="2082005316"/>
+        <p14:creationId xmlns:p14="http://schemas.microsoft.com/office/powerpoint/2010/main" val="2082005316"/>
       </p:ext>
     </p:extLst>
   </p:cSld>
@@ -2115,7 +2198,7 @@
 </file>
 
 <file path=ppt/notesSlides/notesSlide2.xml><?xml version="1.0" encoding="utf-8"?>
-<p:notes xmlns:a="http://schemas.openxmlformats.org/drawingml/2006/main" xmlns:r="http://schemas.openxmlformats.org/officeDocument/2006/relationships" xmlns:mc="http://schemas.openxmlformats.org/markup-compatibility/2006" xmlns:mv="urn:schemas-microsoft-com:mac:vml" xmlns:p="http://schemas.openxmlformats.org/presentationml/2006/main" mc:Ignorable="mv" mc:PreserveAttributes="mv:*">
+<p:notes xmlns:a="http://schemas.openxmlformats.org/drawingml/2006/main" xmlns:r="http://schemas.openxmlformats.org/officeDocument/2006/relationships" xmlns:p="http://schemas.openxmlformats.org/presentationml/2006/main">
   <p:cSld>
     <p:spTree>
       <p:nvGrpSpPr>
@@ -2252,7 +2335,7 @@
     </p:spTree>
     <p:extLst>
       <p:ext uri="{BB962C8B-B14F-4D97-AF65-F5344CB8AC3E}">
-        <p14:creationId xmlns="" xmlns:a="http://schemas.openxmlformats.org/drawingml/2006/main" xmlns:r="http://schemas.openxmlformats.org/officeDocument/2006/relationships" xmlns:p="http://schemas.openxmlformats.org/presentationml/2006/main" xmlns:p14="http://schemas.microsoft.com/office/powerpoint/2010/main" xmlns:mv="urn:schemas-microsoft-com:mac:vml" xmlns:mc="http://schemas.openxmlformats.org/markup-compatibility/2006" val="1689963030"/>
+        <p14:creationId xmlns:p14="http://schemas.microsoft.com/office/powerpoint/2010/main" val="1689963030"/>
       </p:ext>
     </p:extLst>
   </p:cSld>
@@ -2263,7 +2346,7 @@
 </file>
 
 <file path=ppt/notesSlides/notesSlide20.xml><?xml version="1.0" encoding="utf-8"?>
-<p:notes xmlns:a="http://schemas.openxmlformats.org/drawingml/2006/main" xmlns:r="http://schemas.openxmlformats.org/officeDocument/2006/relationships" xmlns:mc="http://schemas.openxmlformats.org/markup-compatibility/2006" xmlns:mv="urn:schemas-microsoft-com:mac:vml" xmlns:p="http://schemas.openxmlformats.org/presentationml/2006/main" mc:Ignorable="mv" mc:PreserveAttributes="mv:*">
+<p:notes xmlns:a="http://schemas.openxmlformats.org/drawingml/2006/main" xmlns:r="http://schemas.openxmlformats.org/officeDocument/2006/relationships" xmlns:p="http://schemas.openxmlformats.org/presentationml/2006/main">
   <p:cSld>
     <p:spTree>
       <p:nvGrpSpPr>
@@ -2308,11 +2391,23 @@
           <a:p>
             <a:r>
               <a:rPr lang="en-US" dirty="0" smtClean="0"/>
-              <a:t>After</a:t>
+              <a:t>Empire </a:t>
+            </a:r>
+            <a:r>
+              <a:rPr lang="en-US" dirty="0" smtClean="0"/>
+              <a:t>takes</a:t>
             </a:r>
             <a:r>
               <a:rPr lang="en-US" baseline="0" dirty="0" smtClean="0"/>
-              <a:t> some initial investigation and prototyping, we built an ECS implementation of the Scheduler interface. This allowed us to offload the scheduler and routing components to AWS managed services, allowing us to focus on just building the control plane. This meant that we wouldn’t have to run, manage and monitor our own clustering software, which is huge for our team since we are still very small.</a:t>
+              <a:t> advantage of the ELB integration in ECS and attaches an ELB </a:t>
+            </a:r>
+            <a:r>
+              <a:rPr lang="en-US" baseline="0" dirty="0" smtClean="0"/>
+              <a:t>to applications that expose a web process. </a:t>
+            </a:r>
+            <a:r>
+              <a:rPr lang="en-US" baseline="0" dirty="0" smtClean="0"/>
+              <a:t>As a form of service discovery, we also create an internal CNAME for the ELB using the app name, making it easy for services to communicate with each other.</a:t>
             </a:r>
           </a:p>
           <a:p>
@@ -2321,7 +2416,11 @@
           <a:p>
             <a:r>
               <a:rPr lang="en-US" baseline="0" dirty="0" smtClean="0"/>
-              <a:t>This is still the architecture that we use today inside Empire.</a:t>
+              <a:t>By default, all applications that expose a web process are considered internal, meaning that they are only accessible within the VPC. Empire also supports making an application external to allow for internet facing </a:t>
+            </a:r>
+            <a:r>
+              <a:rPr lang="en-US" baseline="0" dirty="0" smtClean="0"/>
+              <a:t>traffic, which you’ll see in the demo.</a:t>
             </a:r>
             <a:endParaRPr lang="en-US" dirty="0"/>
           </a:p>
@@ -2354,7 +2453,7 @@
     </p:spTree>
     <p:extLst>
       <p:ext uri="{BB962C8B-B14F-4D97-AF65-F5344CB8AC3E}">
-        <p14:creationId xmlns="" xmlns:a="http://schemas.openxmlformats.org/drawingml/2006/main" xmlns:r="http://schemas.openxmlformats.org/officeDocument/2006/relationships" xmlns:p="http://schemas.openxmlformats.org/presentationml/2006/main" xmlns:p14="http://schemas.microsoft.com/office/powerpoint/2010/main" xmlns:mv="urn:schemas-microsoft-com:mac:vml" xmlns:mc="http://schemas.openxmlformats.org/markup-compatibility/2006" val="527881731"/>
+        <p14:creationId xmlns:p14="http://schemas.microsoft.com/office/powerpoint/2010/main" val="482006622"/>
       </p:ext>
     </p:extLst>
   </p:cSld>
@@ -2365,7 +2464,7 @@
 </file>
 
 <file path=ppt/notesSlides/notesSlide21.xml><?xml version="1.0" encoding="utf-8"?>
-<p:notes xmlns:a="http://schemas.openxmlformats.org/drawingml/2006/main" xmlns:r="http://schemas.openxmlformats.org/officeDocument/2006/relationships" xmlns:mc="http://schemas.openxmlformats.org/markup-compatibility/2006" xmlns:mv="urn:schemas-microsoft-com:mac:vml" xmlns:p="http://schemas.openxmlformats.org/presentationml/2006/main" mc:Ignorable="mv" mc:PreserveAttributes="mv:*">
+<p:notes xmlns:a="http://schemas.openxmlformats.org/drawingml/2006/main" xmlns:r="http://schemas.openxmlformats.org/officeDocument/2006/relationships" xmlns:p="http://schemas.openxmlformats.org/presentationml/2006/main">
   <p:cSld>
     <p:spTree>
       <p:nvGrpSpPr>
@@ -2410,19 +2509,28 @@
           <a:p>
             <a:r>
               <a:rPr lang="en-US" dirty="0" smtClean="0"/>
-              <a:t>Today,</a:t>
+              <a:t>After</a:t>
             </a:r>
             <a:r>
               <a:rPr lang="en-US" baseline="0" dirty="0" smtClean="0"/>
-              <a:t> Empire is one of the easiest self hosted platforms for running 12factor </a:t>
-            </a:r>
-            <a:r>
-              <a:rPr lang="en-US" baseline="0" dirty="0" err="1" smtClean="0"/>
-              <a:t>Docker</a:t>
+              <a:t> some initial investigation and prototyping, we built an ECS implementation of the Scheduler interface. This allowed us to offload the scheduler and routing components to AWS managed services, allowing us to focus on just building the </a:t>
             </a:r>
             <a:r>
               <a:rPr lang="en-US" baseline="0" dirty="0" smtClean="0"/>
-              <a:t> apps.</a:t>
+              <a:t>controller layer. </a:t>
+            </a:r>
+            <a:r>
+              <a:rPr lang="en-US" baseline="0" dirty="0" smtClean="0"/>
+              <a:t>This meant that we wouldn’t have to run, manage and monitor our own clustering software, which is huge for our team since we are still very small.</a:t>
+            </a:r>
+          </a:p>
+          <a:p>
+            <a:endParaRPr lang="en-US" baseline="0" dirty="0" smtClean="0"/>
+          </a:p>
+          <a:p>
+            <a:r>
+              <a:rPr lang="en-US" baseline="0" dirty="0" smtClean="0"/>
+              <a:t>This is still the architecture that we use today inside Empire.</a:t>
             </a:r>
             <a:endParaRPr lang="en-US" dirty="0"/>
           </a:p>
@@ -2455,7 +2563,7 @@
     </p:spTree>
     <p:extLst>
       <p:ext uri="{BB962C8B-B14F-4D97-AF65-F5344CB8AC3E}">
-        <p14:creationId xmlns="" xmlns:a="http://schemas.openxmlformats.org/drawingml/2006/main" xmlns:r="http://schemas.openxmlformats.org/officeDocument/2006/relationships" xmlns:p="http://schemas.openxmlformats.org/presentationml/2006/main" xmlns:p14="http://schemas.microsoft.com/office/powerpoint/2010/main" xmlns:mv="urn:schemas-microsoft-com:mac:vml" xmlns:mc="http://schemas.openxmlformats.org/markup-compatibility/2006" val="1480234258"/>
+        <p14:creationId xmlns:p14="http://schemas.microsoft.com/office/powerpoint/2010/main" val="527881731"/>
       </p:ext>
     </p:extLst>
   </p:cSld>
@@ -2466,7 +2574,7 @@
 </file>
 
 <file path=ppt/notesSlides/notesSlide22.xml><?xml version="1.0" encoding="utf-8"?>
-<p:notes xmlns:a="http://schemas.openxmlformats.org/drawingml/2006/main" xmlns:r="http://schemas.openxmlformats.org/officeDocument/2006/relationships" xmlns:mc="http://schemas.openxmlformats.org/markup-compatibility/2006" xmlns:mv="urn:schemas-microsoft-com:mac:vml" xmlns:p="http://schemas.openxmlformats.org/presentationml/2006/main" mc:Ignorable="mv" mc:PreserveAttributes="mv:*">
+<p:notes xmlns:a="http://schemas.openxmlformats.org/drawingml/2006/main" xmlns:r="http://schemas.openxmlformats.org/officeDocument/2006/relationships" xmlns:p="http://schemas.openxmlformats.org/presentationml/2006/main">
   <p:cSld>
     <p:spTree>
       <p:nvGrpSpPr>
@@ -2510,8 +2618,12 @@
           <a:lstStyle/>
           <a:p>
             <a:r>
+              <a:rPr lang="en-US" dirty="0" smtClean="0"/>
+              <a:t>Today,</a:t>
+            </a:r>
+            <a:r>
               <a:rPr lang="en-US" baseline="0" dirty="0" smtClean="0"/>
-              <a:t>Let’s dive into how Empire uses </a:t>
+              <a:t> Empire is one of the easiest self hosted platforms for running 12factor </a:t>
             </a:r>
             <a:r>
               <a:rPr lang="en-US" baseline="0" dirty="0" err="1" smtClean="0"/>
@@ -2519,7 +2631,7 @@
             </a:r>
             <a:r>
               <a:rPr lang="en-US" baseline="0" dirty="0" smtClean="0"/>
-              <a:t> and Amazon ECS to provide a robust and user friendly platform for running twelve-factor applications.</a:t>
+              <a:t> apps.</a:t>
             </a:r>
             <a:endParaRPr lang="en-US" dirty="0"/>
           </a:p>
@@ -2552,7 +2664,7 @@
     </p:spTree>
     <p:extLst>
       <p:ext uri="{BB962C8B-B14F-4D97-AF65-F5344CB8AC3E}">
-        <p14:creationId xmlns="" xmlns:a="http://schemas.openxmlformats.org/drawingml/2006/main" xmlns:r="http://schemas.openxmlformats.org/officeDocument/2006/relationships" xmlns:p="http://schemas.openxmlformats.org/presentationml/2006/main" xmlns:p14="http://schemas.microsoft.com/office/powerpoint/2010/main" xmlns:mv="urn:schemas-microsoft-com:mac:vml" xmlns:mc="http://schemas.openxmlformats.org/markup-compatibility/2006" val="788776861"/>
+        <p14:creationId xmlns:p14="http://schemas.microsoft.com/office/powerpoint/2010/main" val="1480234258"/>
       </p:ext>
     </p:extLst>
   </p:cSld>
@@ -2563,7 +2675,7 @@
 </file>
 
 <file path=ppt/notesSlides/notesSlide23.xml><?xml version="1.0" encoding="utf-8"?>
-<p:notes xmlns:a="http://schemas.openxmlformats.org/drawingml/2006/main" xmlns:r="http://schemas.openxmlformats.org/officeDocument/2006/relationships" xmlns:mc="http://schemas.openxmlformats.org/markup-compatibility/2006" xmlns:mv="urn:schemas-microsoft-com:mac:vml" xmlns:p="http://schemas.openxmlformats.org/presentationml/2006/main" mc:Ignorable="mv" mc:PreserveAttributes="mv:*">
+<p:notes xmlns:a="http://schemas.openxmlformats.org/drawingml/2006/main" xmlns:r="http://schemas.openxmlformats.org/officeDocument/2006/relationships" xmlns:p="http://schemas.openxmlformats.org/presentationml/2006/main">
   <p:cSld>
     <p:spTree>
       <p:nvGrpSpPr>
@@ -2607,12 +2719,28 @@
           <a:lstStyle/>
           <a:p>
             <a:r>
-              <a:rPr lang="en-US" dirty="0" smtClean="0"/>
-              <a:t>12factor.net</a:t>
-            </a:r>
-            <a:r>
               <a:rPr lang="en-US" baseline="0" dirty="0" smtClean="0"/>
-              <a:t> describes twelve main tenants that application developers should following when building robust, stateless services.</a:t>
+              <a:t>Let’s dive into how Empire uses </a:t>
+            </a:r>
+            <a:r>
+              <a:rPr lang="en-US" baseline="0" dirty="0" err="1" smtClean="0"/>
+              <a:t>Docker</a:t>
+            </a:r>
+            <a:r>
+              <a:rPr lang="en-US" baseline="0" dirty="0" smtClean="0"/>
+              <a:t> and Amazon ECS to provide a robust and </a:t>
+            </a:r>
+            <a:r>
+              <a:rPr lang="en-US" baseline="0" dirty="0" smtClean="0"/>
+              <a:t>user </a:t>
+            </a:r>
+            <a:r>
+              <a:rPr lang="en-US" baseline="0" dirty="0" smtClean="0"/>
+              <a:t>friendly platform for running twelve-factor applications</a:t>
+            </a:r>
+            <a:r>
+              <a:rPr lang="en-US" baseline="0" dirty="0" smtClean="0"/>
+              <a:t>.</a:t>
             </a:r>
           </a:p>
           <a:p>
@@ -2621,7 +2749,15 @@
           <a:p>
             <a:r>
               <a:rPr lang="en-US" baseline="0" dirty="0" smtClean="0"/>
-              <a:t>I’m not going to go into all of these, but we’ll take a look at a few of the most important.</a:t>
+              <a:t>I’m going to talk a little bit about how Empire, </a:t>
+            </a:r>
+            <a:r>
+              <a:rPr lang="en-US" baseline="0" dirty="0" err="1" smtClean="0"/>
+              <a:t>Docker</a:t>
+            </a:r>
+            <a:r>
+              <a:rPr lang="en-US" baseline="0" dirty="0" smtClean="0"/>
+              <a:t> and </a:t>
             </a:r>
             <a:endParaRPr lang="en-US" dirty="0"/>
           </a:p>
@@ -2654,7 +2790,7 @@
     </p:spTree>
     <p:extLst>
       <p:ext uri="{BB962C8B-B14F-4D97-AF65-F5344CB8AC3E}">
-        <p14:creationId xmlns="" xmlns:a="http://schemas.openxmlformats.org/drawingml/2006/main" xmlns:r="http://schemas.openxmlformats.org/officeDocument/2006/relationships" xmlns:p="http://schemas.openxmlformats.org/presentationml/2006/main" xmlns:p14="http://schemas.microsoft.com/office/powerpoint/2010/main" xmlns:mv="urn:schemas-microsoft-com:mac:vml" xmlns:mc="http://schemas.openxmlformats.org/markup-compatibility/2006" val="881273466"/>
+        <p14:creationId xmlns:p14="http://schemas.microsoft.com/office/powerpoint/2010/main" val="788776861"/>
       </p:ext>
     </p:extLst>
   </p:cSld>
@@ -2665,7 +2801,7 @@
 </file>
 
 <file path=ppt/notesSlides/notesSlide24.xml><?xml version="1.0" encoding="utf-8"?>
-<p:notes xmlns:a="http://schemas.openxmlformats.org/drawingml/2006/main" xmlns:r="http://schemas.openxmlformats.org/officeDocument/2006/relationships" xmlns:mc="http://schemas.openxmlformats.org/markup-compatibility/2006" xmlns:mv="urn:schemas-microsoft-com:mac:vml" xmlns:p="http://schemas.openxmlformats.org/presentationml/2006/main" mc:Ignorable="mv" mc:PreserveAttributes="mv:*">
+<p:notes xmlns:a="http://schemas.openxmlformats.org/drawingml/2006/main" xmlns:r="http://schemas.openxmlformats.org/officeDocument/2006/relationships" xmlns:p="http://schemas.openxmlformats.org/presentationml/2006/main">
   <p:cSld>
     <p:spTree>
       <p:nvGrpSpPr>
@@ -2710,51 +2846,20 @@
           <a:p>
             <a:r>
               <a:rPr lang="en-US" dirty="0" smtClean="0"/>
-              <a:t>At Remind,</a:t>
+              <a:t>12factor.net</a:t>
             </a:r>
             <a:r>
               <a:rPr lang="en-US" baseline="0" dirty="0" smtClean="0"/>
-              <a:t> whenever a developer pushes to </a:t>
-            </a:r>
-            <a:r>
-              <a:rPr lang="en-US" baseline="0" dirty="0" err="1" smtClean="0"/>
-              <a:t>GitHub</a:t>
-            </a:r>
+              <a:t> describes twelve main tenants that application developers should following when building robust, stateless services.</a:t>
+            </a:r>
+          </a:p>
+          <a:p>
+            <a:endParaRPr lang="en-US" baseline="0" dirty="0" smtClean="0"/>
+          </a:p>
+          <a:p>
             <a:r>
               <a:rPr lang="en-US" baseline="0" dirty="0" smtClean="0"/>
-              <a:t>, we build a </a:t>
-            </a:r>
-            <a:r>
-              <a:rPr lang="en-US" baseline="0" dirty="0" err="1" smtClean="0"/>
-              <a:t>Docker</a:t>
-            </a:r>
-            <a:r>
-              <a:rPr lang="en-US" baseline="0" dirty="0" smtClean="0"/>
-              <a:t> image, tag it with the </a:t>
-            </a:r>
-            <a:r>
-              <a:rPr lang="en-US" baseline="0" dirty="0" err="1" smtClean="0"/>
-              <a:t>git</a:t>
-            </a:r>
-            <a:r>
-              <a:rPr lang="en-US" baseline="0" dirty="0" smtClean="0"/>
-              <a:t> </a:t>
-            </a:r>
-            <a:r>
-              <a:rPr lang="en-US" baseline="0" dirty="0" err="1" smtClean="0"/>
-              <a:t>sha</a:t>
-            </a:r>
-            <a:r>
-              <a:rPr lang="en-US" baseline="0" dirty="0" smtClean="0"/>
-              <a:t>, and push it to the </a:t>
-            </a:r>
-            <a:r>
-              <a:rPr lang="en-US" baseline="0" dirty="0" err="1" smtClean="0"/>
-              <a:t>Docker</a:t>
-            </a:r>
-            <a:r>
-              <a:rPr lang="en-US" baseline="0" dirty="0" smtClean="0"/>
-              <a:t> registry.</a:t>
+              <a:t>I’m not going to go into all of these, but we’ll take a look at a few of the most important.</a:t>
             </a:r>
             <a:endParaRPr lang="en-US" dirty="0"/>
           </a:p>
@@ -2787,7 +2892,7 @@
     </p:spTree>
     <p:extLst>
       <p:ext uri="{BB962C8B-B14F-4D97-AF65-F5344CB8AC3E}">
-        <p14:creationId xmlns="" xmlns:a="http://schemas.openxmlformats.org/drawingml/2006/main" xmlns:r="http://schemas.openxmlformats.org/officeDocument/2006/relationships" xmlns:p="http://schemas.openxmlformats.org/presentationml/2006/main" xmlns:p14="http://schemas.microsoft.com/office/powerpoint/2010/main" xmlns:mv="urn:schemas-microsoft-com:mac:vml" xmlns:mc="http://schemas.openxmlformats.org/markup-compatibility/2006" val="284401046"/>
+        <p14:creationId xmlns:p14="http://schemas.microsoft.com/office/powerpoint/2010/main" val="881273466"/>
       </p:ext>
     </p:extLst>
   </p:cSld>
@@ -2798,7 +2903,7 @@
 </file>
 
 <file path=ppt/notesSlides/notesSlide25.xml><?xml version="1.0" encoding="utf-8"?>
-<p:notes xmlns:a="http://schemas.openxmlformats.org/drawingml/2006/main" xmlns:r="http://schemas.openxmlformats.org/officeDocument/2006/relationships" xmlns:mc="http://schemas.openxmlformats.org/markup-compatibility/2006" xmlns:mv="urn:schemas-microsoft-com:mac:vml" xmlns:p="http://schemas.openxmlformats.org/presentationml/2006/main" mc:Ignorable="mv" mc:PreserveAttributes="mv:*">
+<p:notes xmlns:a="http://schemas.openxmlformats.org/drawingml/2006/main" xmlns:r="http://schemas.openxmlformats.org/officeDocument/2006/relationships" xmlns:p="http://schemas.openxmlformats.org/presentationml/2006/main">
   <p:cSld>
     <p:spTree>
       <p:nvGrpSpPr>
@@ -2843,11 +2948,19 @@
           <a:p>
             <a:r>
               <a:rPr lang="en-US" dirty="0" smtClean="0"/>
-              <a:t>When a developer wants to deploy,</a:t>
+              <a:t>At Remind,</a:t>
             </a:r>
             <a:r>
               <a:rPr lang="en-US" baseline="0" dirty="0" smtClean="0"/>
-              <a:t> they simply deploy the </a:t>
+              <a:t> whenever a developer pushes to </a:t>
+            </a:r>
+            <a:r>
+              <a:rPr lang="en-US" baseline="0" dirty="0" err="1" smtClean="0"/>
+              <a:t>GitHub</a:t>
+            </a:r>
+            <a:r>
+              <a:rPr lang="en-US" baseline="0" dirty="0" smtClean="0"/>
+              <a:t>, we build a </a:t>
             </a:r>
             <a:r>
               <a:rPr lang="en-US" baseline="0" dirty="0" err="1" smtClean="0"/>
@@ -2855,7 +2968,7 @@
             </a:r>
             <a:r>
               <a:rPr lang="en-US" baseline="0" dirty="0" smtClean="0"/>
-              <a:t> image that maps to the </a:t>
+              <a:t> image, tag it with the </a:t>
             </a:r>
             <a:r>
               <a:rPr lang="en-US" baseline="0" dirty="0" err="1" smtClean="0"/>
@@ -2863,7 +2976,23 @@
             </a:r>
             <a:r>
               <a:rPr lang="en-US" baseline="0" dirty="0" smtClean="0"/>
-              <a:t> commit that they want to run. This gets combined with the current configuration for the app and turned into a release within Empire. The release is then sent to ECS to run.</a:t>
+              <a:t> </a:t>
+            </a:r>
+            <a:r>
+              <a:rPr lang="en-US" baseline="0" dirty="0" err="1" smtClean="0"/>
+              <a:t>sha</a:t>
+            </a:r>
+            <a:r>
+              <a:rPr lang="en-US" baseline="0" dirty="0" smtClean="0"/>
+              <a:t>, and push it to the </a:t>
+            </a:r>
+            <a:r>
+              <a:rPr lang="en-US" baseline="0" dirty="0" err="1" smtClean="0"/>
+              <a:t>Docker</a:t>
+            </a:r>
+            <a:r>
+              <a:rPr lang="en-US" baseline="0" dirty="0" smtClean="0"/>
+              <a:t> registry.</a:t>
             </a:r>
             <a:endParaRPr lang="en-US" dirty="0"/>
           </a:p>
@@ -2896,7 +3025,7 @@
     </p:spTree>
     <p:extLst>
       <p:ext uri="{BB962C8B-B14F-4D97-AF65-F5344CB8AC3E}">
-        <p14:creationId xmlns="" xmlns:a="http://schemas.openxmlformats.org/drawingml/2006/main" xmlns:r="http://schemas.openxmlformats.org/officeDocument/2006/relationships" xmlns:p="http://schemas.openxmlformats.org/presentationml/2006/main" xmlns:p14="http://schemas.microsoft.com/office/powerpoint/2010/main" xmlns:mv="urn:schemas-microsoft-com:mac:vml" xmlns:mc="http://schemas.openxmlformats.org/markup-compatibility/2006" val="2107302263"/>
+        <p14:creationId xmlns:p14="http://schemas.microsoft.com/office/powerpoint/2010/main" val="284401046"/>
       </p:ext>
     </p:extLst>
   </p:cSld>
@@ -2907,7 +3036,7 @@
 </file>
 
 <file path=ppt/notesSlides/notesSlide26.xml><?xml version="1.0" encoding="utf-8"?>
-<p:notes xmlns:a="http://schemas.openxmlformats.org/drawingml/2006/main" xmlns:r="http://schemas.openxmlformats.org/officeDocument/2006/relationships" xmlns:mc="http://schemas.openxmlformats.org/markup-compatibility/2006" xmlns:mv="urn:schemas-microsoft-com:mac:vml" xmlns:p="http://schemas.openxmlformats.org/presentationml/2006/main" mc:Ignorable="mv" mc:PreserveAttributes="mv:*">
+<p:notes xmlns:a="http://schemas.openxmlformats.org/drawingml/2006/main" xmlns:r="http://schemas.openxmlformats.org/officeDocument/2006/relationships" xmlns:p="http://schemas.openxmlformats.org/presentationml/2006/main">
   <p:cSld>
     <p:spTree>
       <p:nvGrpSpPr>
@@ -2952,36 +3081,11 @@
           <a:p>
             <a:r>
               <a:rPr lang="en-US" dirty="0" smtClean="0"/>
-              <a:t>Like </a:t>
-            </a:r>
-            <a:r>
-              <a:rPr lang="en-US" dirty="0" err="1" smtClean="0"/>
-              <a:t>Heroku</a:t>
-            </a:r>
-            <a:r>
-              <a:rPr lang="en-US" dirty="0" smtClean="0"/>
-              <a:t>, Empire supports the concept of </a:t>
-            </a:r>
-            <a:r>
-              <a:rPr lang="en-US" dirty="0" err="1" smtClean="0"/>
-              <a:t>Procfiles</a:t>
-            </a:r>
-            <a:r>
-              <a:rPr lang="en-US" dirty="0" smtClean="0"/>
-              <a:t>, which allow you to define the individual processes that compose an application. For example, it’s not uncommon for an application to have a “web” process that exposes an HTTP API, and a “worker” process that performs some background tasks.</a:t>
-            </a:r>
-          </a:p>
-          <a:p>
-            <a:endParaRPr lang="en-US" dirty="0" smtClean="0"/>
-          </a:p>
-          <a:p>
-            <a:r>
-              <a:rPr lang="en-US" dirty="0" smtClean="0"/>
-              <a:t>When you</a:t>
+              <a:t>When a developer wants to deploy,</a:t>
             </a:r>
             <a:r>
               <a:rPr lang="en-US" baseline="0" dirty="0" smtClean="0"/>
-              <a:t> deploy a </a:t>
+              <a:t> they simply deploy the </a:t>
             </a:r>
             <a:r>
               <a:rPr lang="en-US" baseline="0" dirty="0" err="1" smtClean="0"/>
@@ -2989,23 +3093,15 @@
             </a:r>
             <a:r>
               <a:rPr lang="en-US" baseline="0" dirty="0" smtClean="0"/>
-              <a:t> image to Empire, the </a:t>
+              <a:t> image that maps to the </a:t>
             </a:r>
             <a:r>
               <a:rPr lang="en-US" baseline="0" dirty="0" err="1" smtClean="0"/>
-              <a:t>Procfile</a:t>
+              <a:t>git</a:t>
             </a:r>
             <a:r>
               <a:rPr lang="en-US" baseline="0" dirty="0" smtClean="0"/>
-              <a:t> is extracted, analyzed and each process defined in the </a:t>
-            </a:r>
-            <a:r>
-              <a:rPr lang="en-US" baseline="0" dirty="0" err="1" smtClean="0"/>
-              <a:t>Procfile</a:t>
-            </a:r>
-            <a:r>
-              <a:rPr lang="en-US" baseline="0" dirty="0" smtClean="0"/>
-              <a:t> gets it’s own ECS service that can be scaled independently via the Empire CLI.</a:t>
+              <a:t> commit that they want to run. This gets combined with the current configuration for the app and turned into a release within Empire. The release is then sent to ECS to run.</a:t>
             </a:r>
             <a:endParaRPr lang="en-US" dirty="0"/>
           </a:p>
@@ -3038,7 +3134,7 @@
     </p:spTree>
     <p:extLst>
       <p:ext uri="{BB962C8B-B14F-4D97-AF65-F5344CB8AC3E}">
-        <p14:creationId xmlns="" xmlns:a="http://schemas.openxmlformats.org/drawingml/2006/main" xmlns:r="http://schemas.openxmlformats.org/officeDocument/2006/relationships" xmlns:p="http://schemas.openxmlformats.org/presentationml/2006/main" xmlns:p14="http://schemas.microsoft.com/office/powerpoint/2010/main" xmlns:mv="urn:schemas-microsoft-com:mac:vml" xmlns:mc="http://schemas.openxmlformats.org/markup-compatibility/2006" val="1980234669"/>
+        <p14:creationId xmlns:p14="http://schemas.microsoft.com/office/powerpoint/2010/main" val="2107302263"/>
       </p:ext>
     </p:extLst>
   </p:cSld>
@@ -3049,7 +3145,7 @@
 </file>
 
 <file path=ppt/notesSlides/notesSlide27.xml><?xml version="1.0" encoding="utf-8"?>
-<p:notes xmlns:a="http://schemas.openxmlformats.org/drawingml/2006/main" xmlns:r="http://schemas.openxmlformats.org/officeDocument/2006/relationships" xmlns:mc="http://schemas.openxmlformats.org/markup-compatibility/2006" xmlns:mv="urn:schemas-microsoft-com:mac:vml" xmlns:p="http://schemas.openxmlformats.org/presentationml/2006/main" mc:Ignorable="mv" mc:PreserveAttributes="mv:*">
+<p:notes xmlns:a="http://schemas.openxmlformats.org/drawingml/2006/main" xmlns:r="http://schemas.openxmlformats.org/officeDocument/2006/relationships" xmlns:p="http://schemas.openxmlformats.org/presentationml/2006/main">
   <p:cSld>
     <p:spTree>
       <p:nvGrpSpPr>
@@ -3094,28 +3190,60 @@
           <a:p>
             <a:r>
               <a:rPr lang="en-US" dirty="0" smtClean="0"/>
-              <a:t>If the </a:t>
+              <a:t>Like </a:t>
             </a:r>
             <a:r>
               <a:rPr lang="en-US" dirty="0" err="1" smtClean="0"/>
+              <a:t>Heroku</a:t>
+            </a:r>
+            <a:r>
+              <a:rPr lang="en-US" dirty="0" smtClean="0"/>
+              <a:t>, Empire supports the concept of </a:t>
+            </a:r>
+            <a:r>
+              <a:rPr lang="en-US" dirty="0" err="1" smtClean="0"/>
+              <a:t>Procfiles</a:t>
+            </a:r>
+            <a:r>
+              <a:rPr lang="en-US" dirty="0" smtClean="0"/>
+              <a:t>, which allow you to define the individual processes that compose an application. For example, it’s not uncommon for an application to have a “web” process that exposes an HTTP API, and a “worker” process that performs some background tasks.</a:t>
+            </a:r>
+          </a:p>
+          <a:p>
+            <a:endParaRPr lang="en-US" dirty="0" smtClean="0"/>
+          </a:p>
+          <a:p>
+            <a:r>
+              <a:rPr lang="en-US" dirty="0" smtClean="0"/>
+              <a:t>When you</a:t>
+            </a:r>
+            <a:r>
+              <a:rPr lang="en-US" baseline="0" dirty="0" smtClean="0"/>
+              <a:t> deploy a </a:t>
+            </a:r>
+            <a:r>
+              <a:rPr lang="en-US" baseline="0" dirty="0" err="1" smtClean="0"/>
+              <a:t>Docker</a:t>
+            </a:r>
+            <a:r>
+              <a:rPr lang="en-US" baseline="0" dirty="0" smtClean="0"/>
+              <a:t> image to Empire, the </a:t>
+            </a:r>
+            <a:r>
+              <a:rPr lang="en-US" baseline="0" dirty="0" err="1" smtClean="0"/>
               <a:t>Procfile</a:t>
             </a:r>
             <a:r>
-              <a:rPr lang="en-US" dirty="0" smtClean="0"/>
-              <a:t> defines a “web” process, then Empire takes</a:t>
-            </a:r>
-            <a:r>
               <a:rPr lang="en-US" baseline="0" dirty="0" smtClean="0"/>
-              <a:t> advantage of the ELB integration in ECS and attaches an ELB to the associated ECS service. As a form of service discovery, we also create an internal CNAME for the ELB using the app name, making it easy for services to communicate with each other.</a:t>
-            </a:r>
-          </a:p>
-          <a:p>
-            <a:endParaRPr lang="en-US" baseline="0" dirty="0" smtClean="0"/>
-          </a:p>
-          <a:p>
+              <a:t> is extracted, analyzed and each process defined in the </a:t>
+            </a:r>
+            <a:r>
+              <a:rPr lang="en-US" baseline="0" dirty="0" err="1" smtClean="0"/>
+              <a:t>Procfile</a:t>
+            </a:r>
             <a:r>
               <a:rPr lang="en-US" baseline="0" dirty="0" smtClean="0"/>
-              <a:t>By default, all applications that expose a web process are considered internal, meaning that they are only accessible within the VPC. Empire also supports making an application external to allow for internet facing traffic.</a:t>
+              <a:t> gets it’s own ECS service that can be scaled independently via the Empire CLI.</a:t>
             </a:r>
             <a:endParaRPr lang="en-US" dirty="0"/>
           </a:p>
@@ -3148,7 +3276,7 @@
     </p:spTree>
     <p:extLst>
       <p:ext uri="{BB962C8B-B14F-4D97-AF65-F5344CB8AC3E}">
-        <p14:creationId xmlns="" xmlns:a="http://schemas.openxmlformats.org/drawingml/2006/main" xmlns:r="http://schemas.openxmlformats.org/officeDocument/2006/relationships" xmlns:p="http://schemas.openxmlformats.org/presentationml/2006/main" xmlns:p14="http://schemas.microsoft.com/office/powerpoint/2010/main" xmlns:mv="urn:schemas-microsoft-com:mac:vml" xmlns:mc="http://schemas.openxmlformats.org/markup-compatibility/2006" val="482006622"/>
+        <p14:creationId xmlns:p14="http://schemas.microsoft.com/office/powerpoint/2010/main" val="1980234669"/>
       </p:ext>
     </p:extLst>
   </p:cSld>
@@ -3159,7 +3287,7 @@
 </file>
 
 <file path=ppt/notesSlides/notesSlide28.xml><?xml version="1.0" encoding="utf-8"?>
-<p:notes xmlns:a="http://schemas.openxmlformats.org/drawingml/2006/main" xmlns:r="http://schemas.openxmlformats.org/officeDocument/2006/relationships" xmlns:mc="http://schemas.openxmlformats.org/markup-compatibility/2006" xmlns:mv="urn:schemas-microsoft-com:mac:vml" xmlns:p="http://schemas.openxmlformats.org/presentationml/2006/main" mc:Ignorable="mv" mc:PreserveAttributes="mv:*">
+<p:notes xmlns:a="http://schemas.openxmlformats.org/drawingml/2006/main" xmlns:r="http://schemas.openxmlformats.org/officeDocument/2006/relationships" xmlns:p="http://schemas.openxmlformats.org/presentationml/2006/main">
   <p:cSld>
     <p:spTree>
       <p:nvGrpSpPr>
@@ -3265,7 +3393,7 @@
     </p:spTree>
     <p:extLst>
       <p:ext uri="{BB962C8B-B14F-4D97-AF65-F5344CB8AC3E}">
-        <p14:creationId xmlns="" xmlns:a="http://schemas.openxmlformats.org/drawingml/2006/main" xmlns:r="http://schemas.openxmlformats.org/officeDocument/2006/relationships" xmlns:p="http://schemas.openxmlformats.org/presentationml/2006/main" xmlns:p14="http://schemas.microsoft.com/office/powerpoint/2010/main" xmlns:mv="urn:schemas-microsoft-com:mac:vml" xmlns:mc="http://schemas.openxmlformats.org/markup-compatibility/2006" val="757552106"/>
+        <p14:creationId xmlns:p14="http://schemas.microsoft.com/office/powerpoint/2010/main" val="757552106"/>
       </p:ext>
     </p:extLst>
   </p:cSld>
@@ -3276,7 +3404,7 @@
 </file>
 
 <file path=ppt/notesSlides/notesSlide29.xml><?xml version="1.0" encoding="utf-8"?>
-<p:notes xmlns:a="http://schemas.openxmlformats.org/drawingml/2006/main" xmlns:r="http://schemas.openxmlformats.org/officeDocument/2006/relationships" xmlns:mc="http://schemas.openxmlformats.org/markup-compatibility/2006" xmlns:mv="urn:schemas-microsoft-com:mac:vml" xmlns:p="http://schemas.openxmlformats.org/presentationml/2006/main" mc:Ignorable="mv" mc:PreserveAttributes="mv:*">
+<p:notes xmlns:a="http://schemas.openxmlformats.org/drawingml/2006/main" xmlns:r="http://schemas.openxmlformats.org/officeDocument/2006/relationships" xmlns:p="http://schemas.openxmlformats.org/presentationml/2006/main">
   <p:cSld>
     <p:spTree>
       <p:nvGrpSpPr>
@@ -3374,7 +3502,7 @@
     </p:spTree>
     <p:extLst>
       <p:ext uri="{BB962C8B-B14F-4D97-AF65-F5344CB8AC3E}">
-        <p14:creationId xmlns="" xmlns:a="http://schemas.openxmlformats.org/drawingml/2006/main" xmlns:r="http://schemas.openxmlformats.org/officeDocument/2006/relationships" xmlns:p="http://schemas.openxmlformats.org/presentationml/2006/main" xmlns:p14="http://schemas.microsoft.com/office/powerpoint/2010/main" xmlns:mv="urn:schemas-microsoft-com:mac:vml" xmlns:mc="http://schemas.openxmlformats.org/markup-compatibility/2006" val="505885279"/>
+        <p14:creationId xmlns:p14="http://schemas.microsoft.com/office/powerpoint/2010/main" val="505885279"/>
       </p:ext>
     </p:extLst>
   </p:cSld>
@@ -3385,7 +3513,7 @@
 </file>
 
 <file path=ppt/notesSlides/notesSlide3.xml><?xml version="1.0" encoding="utf-8"?>
-<p:notes xmlns:a="http://schemas.openxmlformats.org/drawingml/2006/main" xmlns:r="http://schemas.openxmlformats.org/officeDocument/2006/relationships" xmlns:mc="http://schemas.openxmlformats.org/markup-compatibility/2006" xmlns:mv="urn:schemas-microsoft-com:mac:vml" xmlns:p="http://schemas.openxmlformats.org/presentationml/2006/main" mc:Ignorable="mv" mc:PreserveAttributes="mv:*">
+<p:notes xmlns:a="http://schemas.openxmlformats.org/drawingml/2006/main" xmlns:r="http://schemas.openxmlformats.org/officeDocument/2006/relationships" xmlns:p="http://schemas.openxmlformats.org/presentationml/2006/main">
   <p:cSld>
     <p:spTree>
       <p:nvGrpSpPr>
@@ -3492,7 +3620,7 @@
     </p:spTree>
     <p:extLst>
       <p:ext uri="{BB962C8B-B14F-4D97-AF65-F5344CB8AC3E}">
-        <p14:creationId xmlns="" xmlns:a="http://schemas.openxmlformats.org/drawingml/2006/main" xmlns:r="http://schemas.openxmlformats.org/officeDocument/2006/relationships" xmlns:p="http://schemas.openxmlformats.org/presentationml/2006/main" xmlns:p14="http://schemas.microsoft.com/office/powerpoint/2010/main" xmlns:mv="urn:schemas-microsoft-com:mac:vml" xmlns:mc="http://schemas.openxmlformats.org/markup-compatibility/2006" val="1764799602"/>
+        <p14:creationId xmlns:p14="http://schemas.microsoft.com/office/powerpoint/2010/main" val="1764799602"/>
       </p:ext>
     </p:extLst>
   </p:cSld>
@@ -3503,7 +3631,7 @@
 </file>
 
 <file path=ppt/notesSlides/notesSlide30.xml><?xml version="1.0" encoding="utf-8"?>
-<p:notes xmlns:a="http://schemas.openxmlformats.org/drawingml/2006/main" xmlns:r="http://schemas.openxmlformats.org/officeDocument/2006/relationships" xmlns:mc="http://schemas.openxmlformats.org/markup-compatibility/2006" xmlns:mv="urn:schemas-microsoft-com:mac:vml" xmlns:p="http://schemas.openxmlformats.org/presentationml/2006/main" mc:Ignorable="mv" mc:PreserveAttributes="mv:*">
+<p:notes xmlns:a="http://schemas.openxmlformats.org/drawingml/2006/main" xmlns:r="http://schemas.openxmlformats.org/officeDocument/2006/relationships" xmlns:p="http://schemas.openxmlformats.org/presentationml/2006/main">
   <p:cSld>
     <p:spTree>
       <p:nvGrpSpPr>
@@ -3625,7 +3753,7 @@
     </p:spTree>
     <p:extLst>
       <p:ext uri="{BB962C8B-B14F-4D97-AF65-F5344CB8AC3E}">
-        <p14:creationId xmlns="" xmlns:a="http://schemas.openxmlformats.org/drawingml/2006/main" xmlns:r="http://schemas.openxmlformats.org/officeDocument/2006/relationships" xmlns:p="http://schemas.openxmlformats.org/presentationml/2006/main" xmlns:p14="http://schemas.microsoft.com/office/powerpoint/2010/main" xmlns:mv="urn:schemas-microsoft-com:mac:vml" xmlns:mc="http://schemas.openxmlformats.org/markup-compatibility/2006" val="1124783118"/>
+        <p14:creationId xmlns:p14="http://schemas.microsoft.com/office/powerpoint/2010/main" val="1124783118"/>
       </p:ext>
     </p:extLst>
   </p:cSld>
@@ -3636,7 +3764,7 @@
 </file>
 
 <file path=ppt/notesSlides/notesSlide31.xml><?xml version="1.0" encoding="utf-8"?>
-<p:notes xmlns:a="http://schemas.openxmlformats.org/drawingml/2006/main" xmlns:r="http://schemas.openxmlformats.org/officeDocument/2006/relationships" xmlns:mc="http://schemas.openxmlformats.org/markup-compatibility/2006" xmlns:mv="urn:schemas-microsoft-com:mac:vml" xmlns:p="http://schemas.openxmlformats.org/presentationml/2006/main" mc:Ignorable="mv" mc:PreserveAttributes="mv:*">
+<p:notes xmlns:a="http://schemas.openxmlformats.org/drawingml/2006/main" xmlns:r="http://schemas.openxmlformats.org/officeDocument/2006/relationships" xmlns:p="http://schemas.openxmlformats.org/presentationml/2006/main">
   <p:cSld>
     <p:spTree>
       <p:nvGrpSpPr>
@@ -3718,7 +3846,7 @@
     </p:spTree>
     <p:extLst>
       <p:ext uri="{BB962C8B-B14F-4D97-AF65-F5344CB8AC3E}">
-        <p14:creationId xmlns="" xmlns:a="http://schemas.openxmlformats.org/drawingml/2006/main" xmlns:r="http://schemas.openxmlformats.org/officeDocument/2006/relationships" xmlns:p="http://schemas.openxmlformats.org/presentationml/2006/main" xmlns:p14="http://schemas.microsoft.com/office/powerpoint/2010/main" xmlns:mv="urn:schemas-microsoft-com:mac:vml" xmlns:mc="http://schemas.openxmlformats.org/markup-compatibility/2006" val="163846026"/>
+        <p14:creationId xmlns:p14="http://schemas.microsoft.com/office/powerpoint/2010/main" val="163846026"/>
       </p:ext>
     </p:extLst>
   </p:cSld>
@@ -3729,7 +3857,7 @@
 </file>
 
 <file path=ppt/notesSlides/notesSlide32.xml><?xml version="1.0" encoding="utf-8"?>
-<p:notes xmlns:a="http://schemas.openxmlformats.org/drawingml/2006/main" xmlns:r="http://schemas.openxmlformats.org/officeDocument/2006/relationships" xmlns:mc="http://schemas.openxmlformats.org/markup-compatibility/2006" xmlns:mv="urn:schemas-microsoft-com:mac:vml" xmlns:p="http://schemas.openxmlformats.org/presentationml/2006/main" mc:Ignorable="mv" mc:PreserveAttributes="mv:*">
+<p:notes xmlns:a="http://schemas.openxmlformats.org/drawingml/2006/main" xmlns:r="http://schemas.openxmlformats.org/officeDocument/2006/relationships" xmlns:p="http://schemas.openxmlformats.org/presentationml/2006/main">
   <p:cSld>
     <p:spTree>
       <p:nvGrpSpPr>
@@ -3836,7 +3964,7 @@
     </p:spTree>
     <p:extLst>
       <p:ext uri="{BB962C8B-B14F-4D97-AF65-F5344CB8AC3E}">
-        <p14:creationId xmlns="" xmlns:a="http://schemas.openxmlformats.org/drawingml/2006/main" xmlns:r="http://schemas.openxmlformats.org/officeDocument/2006/relationships" xmlns:p="http://schemas.openxmlformats.org/presentationml/2006/main" xmlns:p14="http://schemas.microsoft.com/office/powerpoint/2010/main" xmlns:mv="urn:schemas-microsoft-com:mac:vml" xmlns:mc="http://schemas.openxmlformats.org/markup-compatibility/2006" val="2080801414"/>
+        <p14:creationId xmlns:p14="http://schemas.microsoft.com/office/powerpoint/2010/main" val="2080801414"/>
       </p:ext>
     </p:extLst>
   </p:cSld>
@@ -3847,7 +3975,7 @@
 </file>
 
 <file path=ppt/notesSlides/notesSlide33.xml><?xml version="1.0" encoding="utf-8"?>
-<p:notes xmlns:a="http://schemas.openxmlformats.org/drawingml/2006/main" xmlns:r="http://schemas.openxmlformats.org/officeDocument/2006/relationships" xmlns:mc="http://schemas.openxmlformats.org/markup-compatibility/2006" xmlns:mv="urn:schemas-microsoft-com:mac:vml" xmlns:p="http://schemas.openxmlformats.org/presentationml/2006/main" mc:Ignorable="mv" mc:PreserveAttributes="mv:*">
+<p:notes xmlns:a="http://schemas.openxmlformats.org/drawingml/2006/main" xmlns:r="http://schemas.openxmlformats.org/officeDocument/2006/relationships" xmlns:p="http://schemas.openxmlformats.org/presentationml/2006/main">
   <p:cSld>
     <p:spTree>
       <p:nvGrpSpPr>
@@ -3971,7 +4099,7 @@
     </p:spTree>
     <p:extLst>
       <p:ext uri="{BB962C8B-B14F-4D97-AF65-F5344CB8AC3E}">
-        <p14:creationId xmlns="" xmlns:a="http://schemas.openxmlformats.org/drawingml/2006/main" xmlns:r="http://schemas.openxmlformats.org/officeDocument/2006/relationships" xmlns:p="http://schemas.openxmlformats.org/presentationml/2006/main" xmlns:p14="http://schemas.microsoft.com/office/powerpoint/2010/main" xmlns:mv="urn:schemas-microsoft-com:mac:vml" xmlns:mc="http://schemas.openxmlformats.org/markup-compatibility/2006" val="1199116108"/>
+        <p14:creationId xmlns:p14="http://schemas.microsoft.com/office/powerpoint/2010/main" val="1199116108"/>
       </p:ext>
     </p:extLst>
   </p:cSld>
@@ -3982,7 +4110,7 @@
 </file>
 
 <file path=ppt/notesSlides/notesSlide34.xml><?xml version="1.0" encoding="utf-8"?>
-<p:notes xmlns:a="http://schemas.openxmlformats.org/drawingml/2006/main" xmlns:r="http://schemas.openxmlformats.org/officeDocument/2006/relationships" xmlns:mc="http://schemas.openxmlformats.org/markup-compatibility/2006" xmlns:mv="urn:schemas-microsoft-com:mac:vml" xmlns:p="http://schemas.openxmlformats.org/presentationml/2006/main" mc:Ignorable="mv" mc:PreserveAttributes="mv:*">
+<p:notes xmlns:a="http://schemas.openxmlformats.org/drawingml/2006/main" xmlns:r="http://schemas.openxmlformats.org/officeDocument/2006/relationships" xmlns:p="http://schemas.openxmlformats.org/presentationml/2006/main">
   <p:cSld>
     <p:spTree>
       <p:nvGrpSpPr>
@@ -4145,7 +4273,7 @@
     </p:spTree>
     <p:extLst>
       <p:ext uri="{BB962C8B-B14F-4D97-AF65-F5344CB8AC3E}">
-        <p14:creationId xmlns="" xmlns:a="http://schemas.openxmlformats.org/drawingml/2006/main" xmlns:r="http://schemas.openxmlformats.org/officeDocument/2006/relationships" xmlns:p="http://schemas.openxmlformats.org/presentationml/2006/main" xmlns:p14="http://schemas.microsoft.com/office/powerpoint/2010/main" xmlns:mv="urn:schemas-microsoft-com:mac:vml" xmlns:mc="http://schemas.openxmlformats.org/markup-compatibility/2006" val="985019265"/>
+        <p14:creationId xmlns:p14="http://schemas.microsoft.com/office/powerpoint/2010/main" val="985019265"/>
       </p:ext>
     </p:extLst>
   </p:cSld>
@@ -4156,7 +4284,7 @@
 </file>
 
 <file path=ppt/notesSlides/notesSlide35.xml><?xml version="1.0" encoding="utf-8"?>
-<p:notes xmlns:a="http://schemas.openxmlformats.org/drawingml/2006/main" xmlns:r="http://schemas.openxmlformats.org/officeDocument/2006/relationships" xmlns:mc="http://schemas.openxmlformats.org/markup-compatibility/2006" xmlns:mv="urn:schemas-microsoft-com:mac:vml" xmlns:p="http://schemas.openxmlformats.org/presentationml/2006/main" mc:Ignorable="mv" mc:PreserveAttributes="mv:*">
+<p:notes xmlns:a="http://schemas.openxmlformats.org/drawingml/2006/main" xmlns:r="http://schemas.openxmlformats.org/officeDocument/2006/relationships" xmlns:p="http://schemas.openxmlformats.org/presentationml/2006/main">
   <p:cSld>
     <p:spTree>
       <p:nvGrpSpPr>
@@ -4256,7 +4384,7 @@
     </p:spTree>
     <p:extLst>
       <p:ext uri="{BB962C8B-B14F-4D97-AF65-F5344CB8AC3E}">
-        <p14:creationId xmlns="" xmlns:a="http://schemas.openxmlformats.org/drawingml/2006/main" xmlns:r="http://schemas.openxmlformats.org/officeDocument/2006/relationships" xmlns:p="http://schemas.openxmlformats.org/presentationml/2006/main" xmlns:p14="http://schemas.microsoft.com/office/powerpoint/2010/main" xmlns:mv="urn:schemas-microsoft-com:mac:vml" xmlns:mc="http://schemas.openxmlformats.org/markup-compatibility/2006" val="1651491368"/>
+        <p14:creationId xmlns:p14="http://schemas.microsoft.com/office/powerpoint/2010/main" val="1651491368"/>
       </p:ext>
     </p:extLst>
   </p:cSld>
@@ -4267,7 +4395,7 @@
 </file>
 
 <file path=ppt/notesSlides/notesSlide36.xml><?xml version="1.0" encoding="utf-8"?>
-<p:notes xmlns:a="http://schemas.openxmlformats.org/drawingml/2006/main" xmlns:r="http://schemas.openxmlformats.org/officeDocument/2006/relationships" xmlns:mc="http://schemas.openxmlformats.org/markup-compatibility/2006" xmlns:mv="urn:schemas-microsoft-com:mac:vml" xmlns:p="http://schemas.openxmlformats.org/presentationml/2006/main" mc:Ignorable="mv" mc:PreserveAttributes="mv:*">
+<p:notes xmlns:a="http://schemas.openxmlformats.org/drawingml/2006/main" xmlns:r="http://schemas.openxmlformats.org/officeDocument/2006/relationships" xmlns:p="http://schemas.openxmlformats.org/presentationml/2006/main">
   <p:cSld>
     <p:spTree>
       <p:nvGrpSpPr>
@@ -4369,7 +4497,7 @@
     </p:spTree>
     <p:extLst>
       <p:ext uri="{BB962C8B-B14F-4D97-AF65-F5344CB8AC3E}">
-        <p14:creationId xmlns="" xmlns:a="http://schemas.openxmlformats.org/drawingml/2006/main" xmlns:r="http://schemas.openxmlformats.org/officeDocument/2006/relationships" xmlns:p="http://schemas.openxmlformats.org/presentationml/2006/main" xmlns:p14="http://schemas.microsoft.com/office/powerpoint/2010/main" xmlns:mv="urn:schemas-microsoft-com:mac:vml" xmlns:mc="http://schemas.openxmlformats.org/markup-compatibility/2006" val="1264428276"/>
+        <p14:creationId xmlns:p14="http://schemas.microsoft.com/office/powerpoint/2010/main" val="1264428276"/>
       </p:ext>
     </p:extLst>
   </p:cSld>
@@ -4380,7 +4508,7 @@
 </file>
 
 <file path=ppt/notesSlides/notesSlide37.xml><?xml version="1.0" encoding="utf-8"?>
-<p:notes xmlns:a="http://schemas.openxmlformats.org/drawingml/2006/main" xmlns:r="http://schemas.openxmlformats.org/officeDocument/2006/relationships" xmlns:mc="http://schemas.openxmlformats.org/markup-compatibility/2006" xmlns:mv="urn:schemas-microsoft-com:mac:vml" xmlns:p="http://schemas.openxmlformats.org/presentationml/2006/main" mc:Ignorable="mv" mc:PreserveAttributes="mv:*">
+<p:notes xmlns:a="http://schemas.openxmlformats.org/drawingml/2006/main" xmlns:r="http://schemas.openxmlformats.org/officeDocument/2006/relationships" xmlns:p="http://schemas.openxmlformats.org/presentationml/2006/main">
   <p:cSld>
     <p:spTree>
       <p:nvGrpSpPr>
@@ -4509,7 +4637,7 @@
     </p:spTree>
     <p:extLst>
       <p:ext uri="{BB962C8B-B14F-4D97-AF65-F5344CB8AC3E}">
-        <p14:creationId xmlns="" xmlns:a="http://schemas.openxmlformats.org/drawingml/2006/main" xmlns:r="http://schemas.openxmlformats.org/officeDocument/2006/relationships" xmlns:p="http://schemas.openxmlformats.org/presentationml/2006/main" xmlns:p14="http://schemas.microsoft.com/office/powerpoint/2010/main" xmlns:mv="urn:schemas-microsoft-com:mac:vml" xmlns:mc="http://schemas.openxmlformats.org/markup-compatibility/2006" val="52196230"/>
+        <p14:creationId xmlns:p14="http://schemas.microsoft.com/office/powerpoint/2010/main" val="52196230"/>
       </p:ext>
     </p:extLst>
   </p:cSld>
@@ -4520,7 +4648,7 @@
 </file>
 
 <file path=ppt/notesSlides/notesSlide38.xml><?xml version="1.0" encoding="utf-8"?>
-<p:notes xmlns:a="http://schemas.openxmlformats.org/drawingml/2006/main" xmlns:r="http://schemas.openxmlformats.org/officeDocument/2006/relationships" xmlns:mc="http://schemas.openxmlformats.org/markup-compatibility/2006" xmlns:mv="urn:schemas-microsoft-com:mac:vml" xmlns:p="http://schemas.openxmlformats.org/presentationml/2006/main" mc:Ignorable="mv" mc:PreserveAttributes="mv:*">
+<p:notes xmlns:a="http://schemas.openxmlformats.org/drawingml/2006/main" xmlns:r="http://schemas.openxmlformats.org/officeDocument/2006/relationships" xmlns:p="http://schemas.openxmlformats.org/presentationml/2006/main">
   <p:cSld>
     <p:spTree>
       <p:nvGrpSpPr>
@@ -4609,7 +4737,7 @@
     </p:spTree>
     <p:extLst>
       <p:ext uri="{BB962C8B-B14F-4D97-AF65-F5344CB8AC3E}">
-        <p14:creationId xmlns="" xmlns:a="http://schemas.openxmlformats.org/drawingml/2006/main" xmlns:r="http://schemas.openxmlformats.org/officeDocument/2006/relationships" xmlns:p="http://schemas.openxmlformats.org/presentationml/2006/main" xmlns:p14="http://schemas.microsoft.com/office/powerpoint/2010/main" xmlns:mv="urn:schemas-microsoft-com:mac:vml" xmlns:mc="http://schemas.openxmlformats.org/markup-compatibility/2006" val="2096419307"/>
+        <p14:creationId xmlns:p14="http://schemas.microsoft.com/office/powerpoint/2010/main" val="2096419307"/>
       </p:ext>
     </p:extLst>
   </p:cSld>
@@ -4620,7 +4748,7 @@
 </file>
 
 <file path=ppt/notesSlides/notesSlide4.xml><?xml version="1.0" encoding="utf-8"?>
-<p:notes xmlns:a="http://schemas.openxmlformats.org/drawingml/2006/main" xmlns:r="http://schemas.openxmlformats.org/officeDocument/2006/relationships" xmlns:mc="http://schemas.openxmlformats.org/markup-compatibility/2006" xmlns:mv="urn:schemas-microsoft-com:mac:vml" xmlns:p="http://schemas.openxmlformats.org/presentationml/2006/main" mc:Ignorable="mv" mc:PreserveAttributes="mv:*">
+<p:notes xmlns:a="http://schemas.openxmlformats.org/drawingml/2006/main" xmlns:r="http://schemas.openxmlformats.org/officeDocument/2006/relationships" xmlns:p="http://schemas.openxmlformats.org/presentationml/2006/main">
   <p:cSld>
     <p:spTree>
       <p:nvGrpSpPr>
@@ -4743,7 +4871,7 @@
     </p:spTree>
     <p:extLst>
       <p:ext uri="{BB962C8B-B14F-4D97-AF65-F5344CB8AC3E}">
-        <p14:creationId xmlns="" xmlns:a="http://schemas.openxmlformats.org/drawingml/2006/main" xmlns:r="http://schemas.openxmlformats.org/officeDocument/2006/relationships" xmlns:p="http://schemas.openxmlformats.org/presentationml/2006/main" xmlns:p14="http://schemas.microsoft.com/office/powerpoint/2010/main" xmlns:mv="urn:schemas-microsoft-com:mac:vml" xmlns:mc="http://schemas.openxmlformats.org/markup-compatibility/2006" val="1887372709"/>
+        <p14:creationId xmlns:p14="http://schemas.microsoft.com/office/powerpoint/2010/main" val="1887372709"/>
       </p:ext>
     </p:extLst>
   </p:cSld>
@@ -4754,7 +4882,7 @@
 </file>
 
 <file path=ppt/notesSlides/notesSlide5.xml><?xml version="1.0" encoding="utf-8"?>
-<p:notes xmlns:a="http://schemas.openxmlformats.org/drawingml/2006/main" xmlns:r="http://schemas.openxmlformats.org/officeDocument/2006/relationships" xmlns:mc="http://schemas.openxmlformats.org/markup-compatibility/2006" xmlns:mv="urn:schemas-microsoft-com:mac:vml" xmlns:p="http://schemas.openxmlformats.org/presentationml/2006/main" mc:Ignorable="mv" mc:PreserveAttributes="mv:*">
+<p:notes xmlns:a="http://schemas.openxmlformats.org/drawingml/2006/main" xmlns:r="http://schemas.openxmlformats.org/officeDocument/2006/relationships" xmlns:p="http://schemas.openxmlformats.org/presentationml/2006/main">
   <p:cSld>
     <p:spTree>
       <p:nvGrpSpPr>
@@ -4828,7 +4956,7 @@
     </p:spTree>
     <p:extLst>
       <p:ext uri="{BB962C8B-B14F-4D97-AF65-F5344CB8AC3E}">
-        <p14:creationId xmlns="" xmlns:a="http://schemas.openxmlformats.org/drawingml/2006/main" xmlns:r="http://schemas.openxmlformats.org/officeDocument/2006/relationships" xmlns:p="http://schemas.openxmlformats.org/presentationml/2006/main" xmlns:p14="http://schemas.microsoft.com/office/powerpoint/2010/main" xmlns:mv="urn:schemas-microsoft-com:mac:vml" xmlns:mc="http://schemas.openxmlformats.org/markup-compatibility/2006" val="1418377824"/>
+        <p14:creationId xmlns:p14="http://schemas.microsoft.com/office/powerpoint/2010/main" val="1418377824"/>
       </p:ext>
     </p:extLst>
   </p:cSld>
@@ -4839,7 +4967,7 @@
 </file>
 
 <file path=ppt/notesSlides/notesSlide6.xml><?xml version="1.0" encoding="utf-8"?>
-<p:notes xmlns:a="http://schemas.openxmlformats.org/drawingml/2006/main" xmlns:r="http://schemas.openxmlformats.org/officeDocument/2006/relationships" xmlns:mc="http://schemas.openxmlformats.org/markup-compatibility/2006" xmlns:mv="urn:schemas-microsoft-com:mac:vml" xmlns:p="http://schemas.openxmlformats.org/presentationml/2006/main" mc:Ignorable="mv" mc:PreserveAttributes="mv:*">
+<p:notes xmlns:a="http://schemas.openxmlformats.org/drawingml/2006/main" xmlns:r="http://schemas.openxmlformats.org/officeDocument/2006/relationships" xmlns:p="http://schemas.openxmlformats.org/presentationml/2006/main">
   <p:cSld>
     <p:spTree>
       <p:nvGrpSpPr>
@@ -4947,7 +5075,7 @@
     </p:spTree>
     <p:extLst>
       <p:ext uri="{BB962C8B-B14F-4D97-AF65-F5344CB8AC3E}">
-        <p14:creationId xmlns="" xmlns:a="http://schemas.openxmlformats.org/drawingml/2006/main" xmlns:r="http://schemas.openxmlformats.org/officeDocument/2006/relationships" xmlns:p="http://schemas.openxmlformats.org/presentationml/2006/main" xmlns:p14="http://schemas.microsoft.com/office/powerpoint/2010/main" xmlns:mv="urn:schemas-microsoft-com:mac:vml" xmlns:mc="http://schemas.openxmlformats.org/markup-compatibility/2006" val="2086426095"/>
+        <p14:creationId xmlns:p14="http://schemas.microsoft.com/office/powerpoint/2010/main" val="2086426095"/>
       </p:ext>
     </p:extLst>
   </p:cSld>
@@ -4958,7 +5086,7 @@
 </file>
 
 <file path=ppt/notesSlides/notesSlide7.xml><?xml version="1.0" encoding="utf-8"?>
-<p:notes xmlns:a="http://schemas.openxmlformats.org/drawingml/2006/main" xmlns:r="http://schemas.openxmlformats.org/officeDocument/2006/relationships" xmlns:mc="http://schemas.openxmlformats.org/markup-compatibility/2006" xmlns:mv="urn:schemas-microsoft-com:mac:vml" xmlns:p="http://schemas.openxmlformats.org/presentationml/2006/main" mc:Ignorable="mv" mc:PreserveAttributes="mv:*">
+<p:notes xmlns:a="http://schemas.openxmlformats.org/drawingml/2006/main" xmlns:r="http://schemas.openxmlformats.org/officeDocument/2006/relationships" xmlns:p="http://schemas.openxmlformats.org/presentationml/2006/main">
   <p:cSld>
     <p:spTree>
       <p:nvGrpSpPr>
@@ -5111,7 +5239,7 @@
     </p:spTree>
     <p:extLst>
       <p:ext uri="{BB962C8B-B14F-4D97-AF65-F5344CB8AC3E}">
-        <p14:creationId xmlns="" xmlns:a="http://schemas.openxmlformats.org/drawingml/2006/main" xmlns:r="http://schemas.openxmlformats.org/officeDocument/2006/relationships" xmlns:p="http://schemas.openxmlformats.org/presentationml/2006/main" xmlns:p14="http://schemas.microsoft.com/office/powerpoint/2010/main" xmlns:mv="urn:schemas-microsoft-com:mac:vml" xmlns:mc="http://schemas.openxmlformats.org/markup-compatibility/2006" val="801220236"/>
+        <p14:creationId xmlns:p14="http://schemas.microsoft.com/office/powerpoint/2010/main" val="801220236"/>
       </p:ext>
     </p:extLst>
   </p:cSld>
@@ -5122,7 +5250,7 @@
 </file>
 
 <file path=ppt/notesSlides/notesSlide8.xml><?xml version="1.0" encoding="utf-8"?>
-<p:notes xmlns:a="http://schemas.openxmlformats.org/drawingml/2006/main" xmlns:r="http://schemas.openxmlformats.org/officeDocument/2006/relationships" xmlns:mc="http://schemas.openxmlformats.org/markup-compatibility/2006" xmlns:mv="urn:schemas-microsoft-com:mac:vml" xmlns:p="http://schemas.openxmlformats.org/presentationml/2006/main" mc:Ignorable="mv" mc:PreserveAttributes="mv:*">
+<p:notes xmlns:a="http://schemas.openxmlformats.org/drawingml/2006/main" xmlns:r="http://schemas.openxmlformats.org/officeDocument/2006/relationships" xmlns:p="http://schemas.openxmlformats.org/presentationml/2006/main">
   <p:cSld>
     <p:spTree>
       <p:nvGrpSpPr>
@@ -5273,7 +5401,7 @@
     </p:spTree>
     <p:extLst>
       <p:ext uri="{BB962C8B-B14F-4D97-AF65-F5344CB8AC3E}">
-        <p14:creationId xmlns="" xmlns:a="http://schemas.openxmlformats.org/drawingml/2006/main" xmlns:r="http://schemas.openxmlformats.org/officeDocument/2006/relationships" xmlns:p="http://schemas.openxmlformats.org/presentationml/2006/main" xmlns:p14="http://schemas.microsoft.com/office/powerpoint/2010/main" xmlns:mv="urn:schemas-microsoft-com:mac:vml" xmlns:mc="http://schemas.openxmlformats.org/markup-compatibility/2006" val="1448925256"/>
+        <p14:creationId xmlns:p14="http://schemas.microsoft.com/office/powerpoint/2010/main" val="1448925256"/>
       </p:ext>
     </p:extLst>
   </p:cSld>
@@ -5284,7 +5412,7 @@
 </file>
 
 <file path=ppt/notesSlides/notesSlide9.xml><?xml version="1.0" encoding="utf-8"?>
-<p:notes xmlns:a="http://schemas.openxmlformats.org/drawingml/2006/main" xmlns:r="http://schemas.openxmlformats.org/officeDocument/2006/relationships" xmlns:mc="http://schemas.openxmlformats.org/markup-compatibility/2006" xmlns:mv="urn:schemas-microsoft-com:mac:vml" xmlns:p="http://schemas.openxmlformats.org/presentationml/2006/main" mc:Ignorable="mv" mc:PreserveAttributes="mv:*">
+<p:notes xmlns:a="http://schemas.openxmlformats.org/drawingml/2006/main" xmlns:r="http://schemas.openxmlformats.org/officeDocument/2006/relationships" xmlns:p="http://schemas.openxmlformats.org/presentationml/2006/main">
   <p:cSld>
     <p:spTree>
       <p:nvGrpSpPr>
@@ -5438,7 +5566,7 @@
     </p:spTree>
     <p:extLst>
       <p:ext uri="{BB962C8B-B14F-4D97-AF65-F5344CB8AC3E}">
-        <p14:creationId xmlns="" xmlns:a="http://schemas.openxmlformats.org/drawingml/2006/main" xmlns:r="http://schemas.openxmlformats.org/officeDocument/2006/relationships" xmlns:p="http://schemas.openxmlformats.org/presentationml/2006/main" xmlns:p14="http://schemas.microsoft.com/office/powerpoint/2010/main" xmlns:mv="urn:schemas-microsoft-com:mac:vml" xmlns:mc="http://schemas.openxmlformats.org/markup-compatibility/2006" val="2031048549"/>
+        <p14:creationId xmlns:p14="http://schemas.microsoft.com/office/powerpoint/2010/main" val="2031048549"/>
       </p:ext>
     </p:extLst>
   </p:cSld>
@@ -5449,7 +5577,7 @@
 </file>
 
 <file path=ppt/slideLayouts/slideLayout1.xml><?xml version="1.0" encoding="utf-8"?>
-<p:sldLayout xmlns:a="http://schemas.openxmlformats.org/drawingml/2006/main" xmlns:r="http://schemas.openxmlformats.org/officeDocument/2006/relationships" xmlns:mc="http://schemas.openxmlformats.org/markup-compatibility/2006" xmlns:mv="urn:schemas-microsoft-com:mac:vml" xmlns:p="http://schemas.openxmlformats.org/presentationml/2006/main" mc:Ignorable="mv" mc:PreserveAttributes="mv:*" preserve="1" userDrawn="1">
+<p:sldLayout xmlns:a="http://schemas.openxmlformats.org/drawingml/2006/main" xmlns:r="http://schemas.openxmlformats.org/officeDocument/2006/relationships" xmlns:p="http://schemas.openxmlformats.org/presentationml/2006/main" preserve="1" userDrawn="1">
   <p:cSld name="Title Slide">
     <p:bg>
       <p:bgPr>
@@ -5702,7 +5830,7 @@
           <a:blip r:embed="rId3">
             <a:extLst>
               <a:ext uri="{28A0092B-C50C-407E-A947-70E740481C1C}">
-                <a14:useLocalDpi xmlns="" xmlns:a="http://schemas.openxmlformats.org/drawingml/2006/main" xmlns:r="http://schemas.openxmlformats.org/officeDocument/2006/relationships" xmlns:p="http://schemas.openxmlformats.org/presentationml/2006/main" xmlns:a14="http://schemas.microsoft.com/office/drawing/2010/main" xmlns:mv="urn:schemas-microsoft-com:mac:vml" xmlns:mc="http://schemas.openxmlformats.org/markup-compatibility/2006" val="0"/>
+                <a14:useLocalDpi xmlns:a14="http://schemas.microsoft.com/office/drawing/2010/main" val="0"/>
               </a:ext>
             </a:extLst>
           </a:blip>
@@ -5723,7 +5851,7 @@
     </p:spTree>
     <p:extLst>
       <p:ext uri="{BB962C8B-B14F-4D97-AF65-F5344CB8AC3E}">
-        <p14:creationId xmlns="" xmlns:a="http://schemas.openxmlformats.org/drawingml/2006/main" xmlns:r="http://schemas.openxmlformats.org/officeDocument/2006/relationships" xmlns:p="http://schemas.openxmlformats.org/presentationml/2006/main" xmlns:p14="http://schemas.microsoft.com/office/powerpoint/2010/main" xmlns:mv="urn:schemas-microsoft-com:mac:vml" xmlns:mc="http://schemas.openxmlformats.org/markup-compatibility/2006" val="2005314365"/>
+        <p14:creationId xmlns:p14="http://schemas.microsoft.com/office/powerpoint/2010/main" val="2005314365"/>
       </p:ext>
     </p:extLst>
   </p:cSld>
@@ -5734,7 +5862,7 @@
 </file>
 
 <file path=ppt/slideLayouts/slideLayout10.xml><?xml version="1.0" encoding="utf-8"?>
-<p:sldLayout xmlns:a="http://schemas.openxmlformats.org/drawingml/2006/main" xmlns:r="http://schemas.openxmlformats.org/officeDocument/2006/relationships" xmlns:mc="http://schemas.openxmlformats.org/markup-compatibility/2006" xmlns:mv="urn:schemas-microsoft-com:mac:vml" xmlns:p="http://schemas.openxmlformats.org/presentationml/2006/main" mc:Ignorable="mv" mc:PreserveAttributes="mv:*" preserve="1" userDrawn="1">
+<p:sldLayout xmlns:a="http://schemas.openxmlformats.org/drawingml/2006/main" xmlns:r="http://schemas.openxmlformats.org/officeDocument/2006/relationships" xmlns:p="http://schemas.openxmlformats.org/presentationml/2006/main" preserve="1" userDrawn="1">
   <p:cSld name="Six Content - Graphics">
     <p:spTree>
       <p:nvGrpSpPr>
@@ -6435,7 +6563,7 @@
     </p:spTree>
     <p:extLst>
       <p:ext uri="{BB962C8B-B14F-4D97-AF65-F5344CB8AC3E}">
-        <p14:creationId xmlns="" xmlns:a="http://schemas.openxmlformats.org/drawingml/2006/main" xmlns:r="http://schemas.openxmlformats.org/officeDocument/2006/relationships" xmlns:p="http://schemas.openxmlformats.org/presentationml/2006/main" xmlns:p14="http://schemas.microsoft.com/office/powerpoint/2010/main" xmlns:mv="urn:schemas-microsoft-com:mac:vml" xmlns:mc="http://schemas.openxmlformats.org/markup-compatibility/2006" val="3273093039"/>
+        <p14:creationId xmlns:p14="http://schemas.microsoft.com/office/powerpoint/2010/main" val="3273093039"/>
       </p:ext>
     </p:extLst>
   </p:cSld>
@@ -6446,7 +6574,7 @@
 </file>
 
 <file path=ppt/slideLayouts/slideLayout11.xml><?xml version="1.0" encoding="utf-8"?>
-<p:sldLayout xmlns:a="http://schemas.openxmlformats.org/drawingml/2006/main" xmlns:r="http://schemas.openxmlformats.org/officeDocument/2006/relationships" xmlns:mc="http://schemas.openxmlformats.org/markup-compatibility/2006" xmlns:mv="urn:schemas-microsoft-com:mac:vml" xmlns:p="http://schemas.openxmlformats.org/presentationml/2006/main" mc:Ignorable="mv" mc:PreserveAttributes="mv:*" type="titleOnly" preserve="1">
+<p:sldLayout xmlns:a="http://schemas.openxmlformats.org/drawingml/2006/main" xmlns:r="http://schemas.openxmlformats.org/officeDocument/2006/relationships" xmlns:p="http://schemas.openxmlformats.org/presentationml/2006/main" type="titleOnly" preserve="1">
   <p:cSld name="Title Only">
     <p:spTree>
       <p:nvGrpSpPr>
@@ -6493,7 +6621,7 @@
     </p:spTree>
     <p:extLst>
       <p:ext uri="{BB962C8B-B14F-4D97-AF65-F5344CB8AC3E}">
-        <p14:creationId xmlns="" xmlns:a="http://schemas.openxmlformats.org/drawingml/2006/main" xmlns:r="http://schemas.openxmlformats.org/officeDocument/2006/relationships" xmlns:p="http://schemas.openxmlformats.org/presentationml/2006/main" xmlns:p14="http://schemas.microsoft.com/office/powerpoint/2010/main" xmlns:mv="urn:schemas-microsoft-com:mac:vml" xmlns:mc="http://schemas.openxmlformats.org/markup-compatibility/2006" val="467069072"/>
+        <p14:creationId xmlns:p14="http://schemas.microsoft.com/office/powerpoint/2010/main" val="467069072"/>
       </p:ext>
     </p:extLst>
   </p:cSld>
@@ -6504,7 +6632,7 @@
 </file>
 
 <file path=ppt/slideLayouts/slideLayout12.xml><?xml version="1.0" encoding="utf-8"?>
-<p:sldLayout xmlns:a="http://schemas.openxmlformats.org/drawingml/2006/main" xmlns:r="http://schemas.openxmlformats.org/officeDocument/2006/relationships" xmlns:mc="http://schemas.openxmlformats.org/markup-compatibility/2006" xmlns:mv="urn:schemas-microsoft-com:mac:vml" xmlns:p="http://schemas.openxmlformats.org/presentationml/2006/main" mc:Ignorable="mv" mc:PreserveAttributes="mv:*" preserve="1">
+<p:sldLayout xmlns:a="http://schemas.openxmlformats.org/drawingml/2006/main" xmlns:r="http://schemas.openxmlformats.org/officeDocument/2006/relationships" xmlns:p="http://schemas.openxmlformats.org/presentationml/2006/main" preserve="1">
   <p:cSld name="Section Header 2">
     <p:spTree>
       <p:nvGrpSpPr>
@@ -6557,7 +6685,7 @@
     </p:spTree>
     <p:extLst>
       <p:ext uri="{BB962C8B-B14F-4D97-AF65-F5344CB8AC3E}">
-        <p14:creationId xmlns="" xmlns:a="http://schemas.openxmlformats.org/drawingml/2006/main" xmlns:r="http://schemas.openxmlformats.org/officeDocument/2006/relationships" xmlns:p="http://schemas.openxmlformats.org/presentationml/2006/main" xmlns:p14="http://schemas.microsoft.com/office/powerpoint/2010/main" xmlns:mv="urn:schemas-microsoft-com:mac:vml" xmlns:mc="http://schemas.openxmlformats.org/markup-compatibility/2006" val="4006882603"/>
+        <p14:creationId xmlns:p14="http://schemas.microsoft.com/office/powerpoint/2010/main" val="4006882603"/>
       </p:ext>
     </p:extLst>
   </p:cSld>
@@ -6568,7 +6696,7 @@
 </file>
 
 <file path=ppt/slideLayouts/slideLayout13.xml><?xml version="1.0" encoding="utf-8"?>
-<p:sldLayout xmlns:a="http://schemas.openxmlformats.org/drawingml/2006/main" xmlns:r="http://schemas.openxmlformats.org/officeDocument/2006/relationships" xmlns:mc="http://schemas.openxmlformats.org/markup-compatibility/2006" xmlns:mv="urn:schemas-microsoft-com:mac:vml" xmlns:p="http://schemas.openxmlformats.org/presentationml/2006/main" mc:Ignorable="mv" mc:PreserveAttributes="mv:*" type="blank" preserve="1">
+<p:sldLayout xmlns:a="http://schemas.openxmlformats.org/drawingml/2006/main" xmlns:r="http://schemas.openxmlformats.org/officeDocument/2006/relationships" xmlns:p="http://schemas.openxmlformats.org/presentationml/2006/main" type="blank" preserve="1">
   <p:cSld name="Blank">
     <p:spTree>
       <p:nvGrpSpPr>
@@ -6587,7 +6715,7 @@
     </p:spTree>
     <p:extLst>
       <p:ext uri="{BB962C8B-B14F-4D97-AF65-F5344CB8AC3E}">
-        <p14:creationId xmlns="" xmlns:a="http://schemas.openxmlformats.org/drawingml/2006/main" xmlns:r="http://schemas.openxmlformats.org/officeDocument/2006/relationships" xmlns:p="http://schemas.openxmlformats.org/presentationml/2006/main" xmlns:p14="http://schemas.microsoft.com/office/powerpoint/2010/main" xmlns:mv="urn:schemas-microsoft-com:mac:vml" xmlns:mc="http://schemas.openxmlformats.org/markup-compatibility/2006" val="654024207"/>
+        <p14:creationId xmlns:p14="http://schemas.microsoft.com/office/powerpoint/2010/main" val="654024207"/>
       </p:ext>
     </p:extLst>
   </p:cSld>
@@ -6598,7 +6726,7 @@
 </file>
 
 <file path=ppt/slideLayouts/slideLayout14.xml><?xml version="1.0" encoding="utf-8"?>
-<p:sldLayout xmlns:a="http://schemas.openxmlformats.org/drawingml/2006/main" xmlns:r="http://schemas.openxmlformats.org/officeDocument/2006/relationships" xmlns:mc="http://schemas.openxmlformats.org/markup-compatibility/2006" xmlns:mv="urn:schemas-microsoft-com:mac:vml" xmlns:p="http://schemas.openxmlformats.org/presentationml/2006/main" mc:Ignorable="mv" mc:PreserveAttributes="mv:*" preserve="1" userDrawn="1">
+<p:sldLayout xmlns:a="http://schemas.openxmlformats.org/drawingml/2006/main" xmlns:r="http://schemas.openxmlformats.org/officeDocument/2006/relationships" xmlns:p="http://schemas.openxmlformats.org/presentationml/2006/main" preserve="1" userDrawn="1">
   <p:cSld name="Thank You">
     <p:bg>
       <p:bgPr>
@@ -6707,7 +6835,7 @@
     </p:spTree>
     <p:extLst>
       <p:ext uri="{BB962C8B-B14F-4D97-AF65-F5344CB8AC3E}">
-        <p14:creationId xmlns="" xmlns:a="http://schemas.openxmlformats.org/drawingml/2006/main" xmlns:r="http://schemas.openxmlformats.org/officeDocument/2006/relationships" xmlns:p="http://schemas.openxmlformats.org/presentationml/2006/main" xmlns:p14="http://schemas.microsoft.com/office/powerpoint/2010/main" xmlns:mv="urn:schemas-microsoft-com:mac:vml" xmlns:mc="http://schemas.openxmlformats.org/markup-compatibility/2006" val="2124837561"/>
+        <p14:creationId xmlns:p14="http://schemas.microsoft.com/office/powerpoint/2010/main" val="2124837561"/>
       </p:ext>
     </p:extLst>
   </p:cSld>
@@ -6725,7 +6853,7 @@
 </file>
 
 <file path=ppt/slideLayouts/slideLayout15.xml><?xml version="1.0" encoding="utf-8"?>
-<p:sldLayout xmlns:a="http://schemas.openxmlformats.org/drawingml/2006/main" xmlns:r="http://schemas.openxmlformats.org/officeDocument/2006/relationships" xmlns:mc="http://schemas.openxmlformats.org/markup-compatibility/2006" xmlns:mv="urn:schemas-microsoft-com:mac:vml" xmlns:p="http://schemas.openxmlformats.org/presentationml/2006/main" mc:Ignorable="mv" mc:PreserveAttributes="mv:*" preserve="1" userDrawn="1">
+<p:sldLayout xmlns:a="http://schemas.openxmlformats.org/drawingml/2006/main" xmlns:r="http://schemas.openxmlformats.org/officeDocument/2006/relationships" xmlns:p="http://schemas.openxmlformats.org/presentationml/2006/main" preserve="1" userDrawn="1">
   <p:cSld name="Eval Reminder">
     <p:spTree>
       <p:nvGrpSpPr>
@@ -6807,7 +6935,7 @@
     </p:spTree>
     <p:extLst>
       <p:ext uri="{BB962C8B-B14F-4D97-AF65-F5344CB8AC3E}">
-        <p14:creationId xmlns="" xmlns:a="http://schemas.openxmlformats.org/drawingml/2006/main" xmlns:r="http://schemas.openxmlformats.org/officeDocument/2006/relationships" xmlns:p="http://schemas.openxmlformats.org/presentationml/2006/main" xmlns:p14="http://schemas.microsoft.com/office/powerpoint/2010/main" xmlns:mv="urn:schemas-microsoft-com:mac:vml" xmlns:mc="http://schemas.openxmlformats.org/markup-compatibility/2006" val="65627032"/>
+        <p14:creationId xmlns:p14="http://schemas.microsoft.com/office/powerpoint/2010/main" val="65627032"/>
       </p:ext>
     </p:extLst>
   </p:cSld>
@@ -6818,7 +6946,7 @@
 </file>
 
 <file path=ppt/slideLayouts/slideLayout16.xml><?xml version="1.0" encoding="utf-8"?>
-<p:sldLayout xmlns:a="http://schemas.openxmlformats.org/drawingml/2006/main" xmlns:r="http://schemas.openxmlformats.org/officeDocument/2006/relationships" xmlns:mc="http://schemas.openxmlformats.org/markup-compatibility/2006" xmlns:mv="urn:schemas-microsoft-com:mac:vml" xmlns:p="http://schemas.openxmlformats.org/presentationml/2006/main" mc:Ignorable="mv" mc:PreserveAttributes="mv:*" preserve="1" userDrawn="1">
+<p:sldLayout xmlns:a="http://schemas.openxmlformats.org/drawingml/2006/main" xmlns:r="http://schemas.openxmlformats.org/officeDocument/2006/relationships" xmlns:p="http://schemas.openxmlformats.org/presentationml/2006/main" preserve="1" userDrawn="1">
   <p:cSld name="Related Sessions">
     <p:spTree>
       <p:nvGrpSpPr>
@@ -6974,7 +7102,7 @@
     </p:spTree>
     <p:extLst>
       <p:ext uri="{BB962C8B-B14F-4D97-AF65-F5344CB8AC3E}">
-        <p14:creationId xmlns="" xmlns:a="http://schemas.openxmlformats.org/drawingml/2006/main" xmlns:r="http://schemas.openxmlformats.org/officeDocument/2006/relationships" xmlns:p="http://schemas.openxmlformats.org/presentationml/2006/main" xmlns:p14="http://schemas.microsoft.com/office/powerpoint/2010/main" xmlns:mv="urn:schemas-microsoft-com:mac:vml" xmlns:mc="http://schemas.openxmlformats.org/markup-compatibility/2006" val="3750702607"/>
+        <p14:creationId xmlns:p14="http://schemas.microsoft.com/office/powerpoint/2010/main" val="3750702607"/>
       </p:ext>
     </p:extLst>
   </p:cSld>
@@ -6985,7 +7113,7 @@
 </file>
 
 <file path=ppt/slideLayouts/slideLayout2.xml><?xml version="1.0" encoding="utf-8"?>
-<p:sldLayout xmlns:a="http://schemas.openxmlformats.org/drawingml/2006/main" xmlns:r="http://schemas.openxmlformats.org/officeDocument/2006/relationships" xmlns:mc="http://schemas.openxmlformats.org/markup-compatibility/2006" xmlns:mv="urn:schemas-microsoft-com:mac:vml" xmlns:p="http://schemas.openxmlformats.org/presentationml/2006/main" mc:Ignorable="mv" mc:PreserveAttributes="mv:*" preserve="1" userDrawn="1">
+<p:sldLayout xmlns:a="http://schemas.openxmlformats.org/drawingml/2006/main" xmlns:r="http://schemas.openxmlformats.org/officeDocument/2006/relationships" xmlns:p="http://schemas.openxmlformats.org/presentationml/2006/main" preserve="1" userDrawn="1">
   <p:cSld name="Session Pre-reqs">
     <p:spTree>
       <p:nvGrpSpPr>
@@ -7144,7 +7272,7 @@
     </p:spTree>
     <p:extLst>
       <p:ext uri="{BB962C8B-B14F-4D97-AF65-F5344CB8AC3E}">
-        <p14:creationId xmlns="" xmlns:a="http://schemas.openxmlformats.org/drawingml/2006/main" xmlns:r="http://schemas.openxmlformats.org/officeDocument/2006/relationships" xmlns:p="http://schemas.openxmlformats.org/presentationml/2006/main" xmlns:p14="http://schemas.microsoft.com/office/powerpoint/2010/main" xmlns:mv="urn:schemas-microsoft-com:mac:vml" xmlns:mc="http://schemas.openxmlformats.org/markup-compatibility/2006" val="2008725742"/>
+        <p14:creationId xmlns:p14="http://schemas.microsoft.com/office/powerpoint/2010/main" val="2008725742"/>
       </p:ext>
     </p:extLst>
   </p:cSld>
@@ -7155,7 +7283,7 @@
 </file>
 
 <file path=ppt/slideLayouts/slideLayout3.xml><?xml version="1.0" encoding="utf-8"?>
-<p:sldLayout xmlns:a="http://schemas.openxmlformats.org/drawingml/2006/main" xmlns:r="http://schemas.openxmlformats.org/officeDocument/2006/relationships" xmlns:mc="http://schemas.openxmlformats.org/markup-compatibility/2006" xmlns:mv="urn:schemas-microsoft-com:mac:vml" xmlns:p="http://schemas.openxmlformats.org/presentationml/2006/main" mc:Ignorable="mv" mc:PreserveAttributes="mv:*" type="obj" preserve="1">
+<p:sldLayout xmlns:a="http://schemas.openxmlformats.org/drawingml/2006/main" xmlns:r="http://schemas.openxmlformats.org/officeDocument/2006/relationships" xmlns:p="http://schemas.openxmlformats.org/presentationml/2006/main" type="obj" preserve="1">
   <p:cSld name="Title and Content">
     <p:spTree>
       <p:nvGrpSpPr>
@@ -7303,7 +7431,7 @@
     </p:spTree>
     <p:extLst>
       <p:ext uri="{BB962C8B-B14F-4D97-AF65-F5344CB8AC3E}">
-        <p14:creationId xmlns="" xmlns:a="http://schemas.openxmlformats.org/drawingml/2006/main" xmlns:r="http://schemas.openxmlformats.org/officeDocument/2006/relationships" xmlns:p="http://schemas.openxmlformats.org/presentationml/2006/main" xmlns:p14="http://schemas.microsoft.com/office/powerpoint/2010/main" xmlns:mv="urn:schemas-microsoft-com:mac:vml" xmlns:mc="http://schemas.openxmlformats.org/markup-compatibility/2006" val="3508459060"/>
+        <p14:creationId xmlns:p14="http://schemas.microsoft.com/office/powerpoint/2010/main" val="3508459060"/>
       </p:ext>
     </p:extLst>
   </p:cSld>
@@ -7314,7 +7442,7 @@
 </file>
 
 <file path=ppt/slideLayouts/slideLayout4.xml><?xml version="1.0" encoding="utf-8"?>
-<p:sldLayout xmlns:a="http://schemas.openxmlformats.org/drawingml/2006/main" xmlns:r="http://schemas.openxmlformats.org/officeDocument/2006/relationships" xmlns:mc="http://schemas.openxmlformats.org/markup-compatibility/2006" xmlns:mv="urn:schemas-microsoft-com:mac:vml" xmlns:p="http://schemas.openxmlformats.org/presentationml/2006/main" mc:Ignorable="mv" mc:PreserveAttributes="mv:*" preserve="1" userDrawn="1">
+<p:sldLayout xmlns:a="http://schemas.openxmlformats.org/drawingml/2006/main" xmlns:r="http://schemas.openxmlformats.org/officeDocument/2006/relationships" xmlns:p="http://schemas.openxmlformats.org/presentationml/2006/main" preserve="1" userDrawn="1">
   <p:cSld name="Code Snippet">
     <p:spTree>
       <p:nvGrpSpPr>
@@ -7503,7 +7631,7 @@
     </p:spTree>
     <p:extLst>
       <p:ext uri="{BB962C8B-B14F-4D97-AF65-F5344CB8AC3E}">
-        <p14:creationId xmlns="" xmlns:a="http://schemas.openxmlformats.org/drawingml/2006/main" xmlns:r="http://schemas.openxmlformats.org/officeDocument/2006/relationships" xmlns:p="http://schemas.openxmlformats.org/presentationml/2006/main" xmlns:p14="http://schemas.microsoft.com/office/powerpoint/2010/main" xmlns:mv="urn:schemas-microsoft-com:mac:vml" xmlns:mc="http://schemas.openxmlformats.org/markup-compatibility/2006" val="2636968817"/>
+        <p14:creationId xmlns:p14="http://schemas.microsoft.com/office/powerpoint/2010/main" val="2636968817"/>
       </p:ext>
     </p:extLst>
   </p:cSld>
@@ -7514,7 +7642,7 @@
 </file>
 
 <file path=ppt/slideLayouts/slideLayout5.xml><?xml version="1.0" encoding="utf-8"?>
-<p:sldLayout xmlns:a="http://schemas.openxmlformats.org/drawingml/2006/main" xmlns:r="http://schemas.openxmlformats.org/officeDocument/2006/relationships" xmlns:mc="http://schemas.openxmlformats.org/markup-compatibility/2006" xmlns:mv="urn:schemas-microsoft-com:mac:vml" xmlns:p="http://schemas.openxmlformats.org/presentationml/2006/main" mc:Ignorable="mv" mc:PreserveAttributes="mv:*" preserve="1">
+<p:sldLayout xmlns:a="http://schemas.openxmlformats.org/drawingml/2006/main" xmlns:r="http://schemas.openxmlformats.org/officeDocument/2006/relationships" xmlns:p="http://schemas.openxmlformats.org/presentationml/2006/main" preserve="1">
   <p:cSld name="Section Header 1">
     <p:spTree>
       <p:nvGrpSpPr>
@@ -7571,7 +7699,7 @@
     </p:spTree>
     <p:extLst>
       <p:ext uri="{BB962C8B-B14F-4D97-AF65-F5344CB8AC3E}">
-        <p14:creationId xmlns="" xmlns:a="http://schemas.openxmlformats.org/drawingml/2006/main" xmlns:r="http://schemas.openxmlformats.org/officeDocument/2006/relationships" xmlns:p="http://schemas.openxmlformats.org/presentationml/2006/main" xmlns:p14="http://schemas.microsoft.com/office/powerpoint/2010/main" xmlns:mv="urn:schemas-microsoft-com:mac:vml" xmlns:mc="http://schemas.openxmlformats.org/markup-compatibility/2006" val="2124837561"/>
+        <p14:creationId xmlns:p14="http://schemas.microsoft.com/office/powerpoint/2010/main" val="2124837561"/>
       </p:ext>
     </p:extLst>
   </p:cSld>
@@ -7589,7 +7717,7 @@
 </file>
 
 <file path=ppt/slideLayouts/slideLayout6.xml><?xml version="1.0" encoding="utf-8"?>
-<p:sldLayout xmlns:a="http://schemas.openxmlformats.org/drawingml/2006/main" xmlns:r="http://schemas.openxmlformats.org/officeDocument/2006/relationships" xmlns:mc="http://schemas.openxmlformats.org/markup-compatibility/2006" xmlns:mv="urn:schemas-microsoft-com:mac:vml" xmlns:p="http://schemas.openxmlformats.org/presentationml/2006/main" mc:Ignorable="mv" mc:PreserveAttributes="mv:*" type="twoObj" preserve="1">
+<p:sldLayout xmlns:a="http://schemas.openxmlformats.org/drawingml/2006/main" xmlns:r="http://schemas.openxmlformats.org/officeDocument/2006/relationships" xmlns:p="http://schemas.openxmlformats.org/presentationml/2006/main" type="twoObj" preserve="1">
   <p:cSld name="Two Content">
     <p:spTree>
       <p:nvGrpSpPr>
@@ -7856,7 +7984,7 @@
     </p:spTree>
     <p:extLst>
       <p:ext uri="{BB962C8B-B14F-4D97-AF65-F5344CB8AC3E}">
-        <p14:creationId xmlns="" xmlns:a="http://schemas.openxmlformats.org/drawingml/2006/main" xmlns:r="http://schemas.openxmlformats.org/officeDocument/2006/relationships" xmlns:p="http://schemas.openxmlformats.org/presentationml/2006/main" xmlns:p14="http://schemas.microsoft.com/office/powerpoint/2010/main" xmlns:mv="urn:schemas-microsoft-com:mac:vml" xmlns:mc="http://schemas.openxmlformats.org/markup-compatibility/2006" val="3833519293"/>
+        <p14:creationId xmlns:p14="http://schemas.microsoft.com/office/powerpoint/2010/main" val="3833519293"/>
       </p:ext>
     </p:extLst>
   </p:cSld>
@@ -7867,7 +7995,7 @@
 </file>
 
 <file path=ppt/slideLayouts/slideLayout7.xml><?xml version="1.0" encoding="utf-8"?>
-<p:sldLayout xmlns:a="http://schemas.openxmlformats.org/drawingml/2006/main" xmlns:r="http://schemas.openxmlformats.org/officeDocument/2006/relationships" xmlns:mc="http://schemas.openxmlformats.org/markup-compatibility/2006" xmlns:mv="urn:schemas-microsoft-com:mac:vml" xmlns:p="http://schemas.openxmlformats.org/presentationml/2006/main" mc:Ignorable="mv" mc:PreserveAttributes="mv:*" preserve="1" userDrawn="1">
+<p:sldLayout xmlns:a="http://schemas.openxmlformats.org/drawingml/2006/main" xmlns:r="http://schemas.openxmlformats.org/officeDocument/2006/relationships" xmlns:p="http://schemas.openxmlformats.org/presentationml/2006/main" preserve="1" userDrawn="1">
   <p:cSld name="Comparison">
     <p:spTree>
       <p:nvGrpSpPr>
@@ -8228,7 +8356,7 @@
     </p:spTree>
     <p:extLst>
       <p:ext uri="{BB962C8B-B14F-4D97-AF65-F5344CB8AC3E}">
-        <p14:creationId xmlns="" xmlns:a="http://schemas.openxmlformats.org/drawingml/2006/main" xmlns:r="http://schemas.openxmlformats.org/officeDocument/2006/relationships" xmlns:p="http://schemas.openxmlformats.org/presentationml/2006/main" xmlns:p14="http://schemas.microsoft.com/office/powerpoint/2010/main" xmlns:mv="urn:schemas-microsoft-com:mac:vml" xmlns:mc="http://schemas.openxmlformats.org/markup-compatibility/2006" val="2901287801"/>
+        <p14:creationId xmlns:p14="http://schemas.microsoft.com/office/powerpoint/2010/main" val="2901287801"/>
       </p:ext>
     </p:extLst>
   </p:cSld>
@@ -8239,7 +8367,7 @@
 </file>
 
 <file path=ppt/slideLayouts/slideLayout8.xml><?xml version="1.0" encoding="utf-8"?>
-<p:sldLayout xmlns:a="http://schemas.openxmlformats.org/drawingml/2006/main" xmlns:r="http://schemas.openxmlformats.org/officeDocument/2006/relationships" xmlns:mc="http://schemas.openxmlformats.org/markup-compatibility/2006" xmlns:mv="urn:schemas-microsoft-com:mac:vml" xmlns:p="http://schemas.openxmlformats.org/presentationml/2006/main" mc:Ignorable="mv" mc:PreserveAttributes="mv:*" preserve="1" userDrawn="1">
+<p:sldLayout xmlns:a="http://schemas.openxmlformats.org/drawingml/2006/main" xmlns:r="http://schemas.openxmlformats.org/officeDocument/2006/relationships" xmlns:p="http://schemas.openxmlformats.org/presentationml/2006/main" preserve="1" userDrawn="1">
   <p:cSld name="Three Content">
     <p:spTree>
       <p:nvGrpSpPr>
@@ -8526,7 +8654,7 @@
     </p:spTree>
     <p:extLst>
       <p:ext uri="{BB962C8B-B14F-4D97-AF65-F5344CB8AC3E}">
-        <p14:creationId xmlns="" xmlns:a="http://schemas.openxmlformats.org/drawingml/2006/main" xmlns:r="http://schemas.openxmlformats.org/officeDocument/2006/relationships" xmlns:p="http://schemas.openxmlformats.org/presentationml/2006/main" xmlns:p14="http://schemas.microsoft.com/office/powerpoint/2010/main" xmlns:mv="urn:schemas-microsoft-com:mac:vml" xmlns:mc="http://schemas.openxmlformats.org/markup-compatibility/2006" val="826396584"/>
+        <p14:creationId xmlns:p14="http://schemas.microsoft.com/office/powerpoint/2010/main" val="826396584"/>
       </p:ext>
     </p:extLst>
   </p:cSld>
@@ -8537,7 +8665,7 @@
 </file>
 
 <file path=ppt/slideLayouts/slideLayout9.xml><?xml version="1.0" encoding="utf-8"?>
-<p:sldLayout xmlns:a="http://schemas.openxmlformats.org/drawingml/2006/main" xmlns:r="http://schemas.openxmlformats.org/officeDocument/2006/relationships" xmlns:mc="http://schemas.openxmlformats.org/markup-compatibility/2006" xmlns:mv="urn:schemas-microsoft-com:mac:vml" xmlns:p="http://schemas.openxmlformats.org/presentationml/2006/main" mc:Ignorable="mv" mc:PreserveAttributes="mv:*" preserve="1" userDrawn="1">
+<p:sldLayout xmlns:a="http://schemas.openxmlformats.org/drawingml/2006/main" xmlns:r="http://schemas.openxmlformats.org/officeDocument/2006/relationships" xmlns:p="http://schemas.openxmlformats.org/presentationml/2006/main" preserve="1" userDrawn="1">
   <p:cSld name="Four Content - Graphics">
     <p:spTree>
       <p:nvGrpSpPr>
@@ -9032,7 +9160,7 @@
     </p:spTree>
     <p:extLst>
       <p:ext uri="{BB962C8B-B14F-4D97-AF65-F5344CB8AC3E}">
-        <p14:creationId xmlns="" xmlns:a="http://schemas.openxmlformats.org/drawingml/2006/main" xmlns:r="http://schemas.openxmlformats.org/officeDocument/2006/relationships" xmlns:p="http://schemas.openxmlformats.org/presentationml/2006/main" xmlns:p14="http://schemas.microsoft.com/office/powerpoint/2010/main" xmlns:mv="urn:schemas-microsoft-com:mac:vml" xmlns:mc="http://schemas.openxmlformats.org/markup-compatibility/2006" val="2302505678"/>
+        <p14:creationId xmlns:p14="http://schemas.microsoft.com/office/powerpoint/2010/main" val="2302505678"/>
       </p:ext>
     </p:extLst>
   </p:cSld>
@@ -9043,7 +9171,7 @@
 </file>
 
 <file path=ppt/slideMasters/slideMaster1.xml><?xml version="1.0" encoding="utf-8"?>
-<p:sldMaster xmlns:a="http://schemas.openxmlformats.org/drawingml/2006/main" xmlns:r="http://schemas.openxmlformats.org/officeDocument/2006/relationships" xmlns:mc="http://schemas.openxmlformats.org/markup-compatibility/2006" xmlns:mv="urn:schemas-microsoft-com:mac:vml" xmlns:p="http://schemas.openxmlformats.org/presentationml/2006/main" mc:Ignorable="mv" mc:PreserveAttributes="mv:*">
+<p:sldMaster xmlns:a="http://schemas.openxmlformats.org/drawingml/2006/main" xmlns:r="http://schemas.openxmlformats.org/officeDocument/2006/relationships" xmlns:p="http://schemas.openxmlformats.org/presentationml/2006/main">
   <p:cSld>
     <p:bg>
       <p:bgPr>
@@ -9169,7 +9297,7 @@
     </p:spTree>
     <p:extLst>
       <p:ext uri="{BB962C8B-B14F-4D97-AF65-F5344CB8AC3E}">
-        <p14:creationId xmlns="" xmlns:a="http://schemas.openxmlformats.org/drawingml/2006/main" xmlns:r="http://schemas.openxmlformats.org/officeDocument/2006/relationships" xmlns:p="http://schemas.openxmlformats.org/presentationml/2006/main" xmlns:p14="http://schemas.microsoft.com/office/powerpoint/2010/main" xmlns:mv="urn:schemas-microsoft-com:mac:vml" xmlns:mc="http://schemas.openxmlformats.org/markup-compatibility/2006" val="14311777"/>
+        <p14:creationId xmlns:p14="http://schemas.microsoft.com/office/powerpoint/2010/main" val="14311777"/>
       </p:ext>
     </p:extLst>
   </p:cSld>
@@ -9446,7 +9574,7 @@
 </file>
 
 <file path=ppt/slides/slide1.xml><?xml version="1.0" encoding="utf-8"?>
-<p:sld xmlns:a="http://schemas.openxmlformats.org/drawingml/2006/main" xmlns:r="http://schemas.openxmlformats.org/officeDocument/2006/relationships" xmlns:mc="http://schemas.openxmlformats.org/markup-compatibility/2006" xmlns:mv="urn:schemas-microsoft-com:mac:vml" xmlns:p="http://schemas.openxmlformats.org/presentationml/2006/main" mc:Ignorable="mv" mc:PreserveAttributes="mv:*">
+<p:sld xmlns:a="http://schemas.openxmlformats.org/drawingml/2006/main" xmlns:r="http://schemas.openxmlformats.org/officeDocument/2006/relationships" xmlns:p="http://schemas.openxmlformats.org/presentationml/2006/main">
   <p:cSld>
     <p:spTree>
       <p:nvGrpSpPr>
@@ -9489,11 +9617,7 @@
             </a:r>
             <a:r>
               <a:rPr lang="en-US" dirty="0" smtClean="0"/>
-              <a:t>, </a:t>
-            </a:r>
-            <a:r>
-              <a:rPr lang="en-US" dirty="0" smtClean="0"/>
-              <a:t>Remind</a:t>
+              <a:t>, Remind</a:t>
             </a:r>
             <a:endParaRPr lang="en-US" dirty="0"/>
           </a:p>
@@ -9579,7 +9703,7 @@
     </p:spTree>
     <p:extLst>
       <p:ext uri="{BB962C8B-B14F-4D97-AF65-F5344CB8AC3E}">
-        <p14:creationId xmlns="" xmlns:a="http://schemas.openxmlformats.org/drawingml/2006/main" xmlns:r="http://schemas.openxmlformats.org/officeDocument/2006/relationships" xmlns:p="http://schemas.openxmlformats.org/presentationml/2006/main" xmlns:p14="http://schemas.microsoft.com/office/powerpoint/2010/main" xmlns:mv="urn:schemas-microsoft-com:mac:vml" xmlns:mc="http://schemas.openxmlformats.org/markup-compatibility/2006" val="215277738"/>
+        <p14:creationId xmlns:p14="http://schemas.microsoft.com/office/powerpoint/2010/main" val="215277738"/>
       </p:ext>
     </p:extLst>
   </p:cSld>
@@ -9597,7 +9721,7 @@
 </file>
 
 <file path=ppt/slides/slide10.xml><?xml version="1.0" encoding="utf-8"?>
-<p:sld xmlns:a="http://schemas.openxmlformats.org/drawingml/2006/main" xmlns:r="http://schemas.openxmlformats.org/officeDocument/2006/relationships" xmlns:mc="http://schemas.openxmlformats.org/markup-compatibility/2006" xmlns:mv="urn:schemas-microsoft-com:mac:vml" xmlns:p="http://schemas.openxmlformats.org/presentationml/2006/main" mc:Ignorable="mv" mc:PreserveAttributes="mv:*">
+<p:sld xmlns:a="http://schemas.openxmlformats.org/drawingml/2006/main" xmlns:r="http://schemas.openxmlformats.org/officeDocument/2006/relationships" xmlns:p="http://schemas.openxmlformats.org/presentationml/2006/main">
   <p:cSld>
     <p:spTree>
       <p:nvGrpSpPr>
@@ -9628,13 +9752,10 @@
           <a:bodyPr/>
           <a:lstStyle/>
           <a:p>
-            <a:r>
-              <a:rPr lang="en-US" smtClean="0"/>
-              <a:t>Building an </a:t>
-            </a:r>
-            <a:r>
-              <a:rPr lang="en-US" dirty="0" smtClean="0"/>
-              <a:t>Empire</a:t>
+            <a:pPr algn="ctr"/>
+            <a:r>
+              <a:rPr lang="en-US" dirty="0" smtClean="0"/>
+              <a:t>Building an Empire</a:t>
             </a:r>
             <a:endParaRPr lang="en-US" dirty="0"/>
           </a:p>
@@ -9643,7 +9764,7 @@
     </p:spTree>
     <p:extLst>
       <p:ext uri="{BB962C8B-B14F-4D97-AF65-F5344CB8AC3E}">
-        <p14:creationId xmlns="" xmlns:a="http://schemas.openxmlformats.org/drawingml/2006/main" xmlns:r="http://schemas.openxmlformats.org/officeDocument/2006/relationships" xmlns:p="http://schemas.openxmlformats.org/presentationml/2006/main" xmlns:p14="http://schemas.microsoft.com/office/powerpoint/2010/main" xmlns:mv="urn:schemas-microsoft-com:mac:vml" xmlns:mc="http://schemas.openxmlformats.org/markup-compatibility/2006" val="2005060300"/>
+        <p14:creationId xmlns:p14="http://schemas.microsoft.com/office/powerpoint/2010/main" val="2005060300"/>
       </p:ext>
     </p:extLst>
   </p:cSld>
@@ -9661,7 +9782,7 @@
 </file>
 
 <file path=ppt/slides/slide11.xml><?xml version="1.0" encoding="utf-8"?>
-<p:sld xmlns:a="http://schemas.openxmlformats.org/drawingml/2006/main" xmlns:r="http://schemas.openxmlformats.org/officeDocument/2006/relationships" xmlns:mc="http://schemas.openxmlformats.org/markup-compatibility/2006" xmlns:mv="urn:schemas-microsoft-com:mac:vml" xmlns:p="http://schemas.openxmlformats.org/presentationml/2006/main" mc:Ignorable="mv" mc:PreserveAttributes="mv:*">
+<p:sld xmlns:a="http://schemas.openxmlformats.org/drawingml/2006/main" xmlns:r="http://schemas.openxmlformats.org/officeDocument/2006/relationships" xmlns:p="http://schemas.openxmlformats.org/presentationml/2006/main">
   <p:cSld>
     <p:spTree>
       <p:nvGrpSpPr>
@@ -9761,11 +9882,7 @@
             </a:pPr>
             <a:r>
               <a:rPr lang="en-US" dirty="0" smtClean="0"/>
-              <a:t>Swappable scheduling</a:t>
-            </a:r>
-            <a:r>
-              <a:rPr lang="en-US" dirty="0" smtClean="0"/>
-              <a:t> interface</a:t>
+              <a:t>Swappable scheduling interface</a:t>
             </a:r>
           </a:p>
           <a:p>
@@ -9798,7 +9915,7 @@
     </p:spTree>
     <p:extLst>
       <p:ext uri="{BB962C8B-B14F-4D97-AF65-F5344CB8AC3E}">
-        <p14:creationId xmlns="" xmlns:a="http://schemas.openxmlformats.org/drawingml/2006/main" xmlns:r="http://schemas.openxmlformats.org/officeDocument/2006/relationships" xmlns:p="http://schemas.openxmlformats.org/presentationml/2006/main" xmlns:p14="http://schemas.microsoft.com/office/powerpoint/2010/main" xmlns:mv="urn:schemas-microsoft-com:mac:vml" xmlns:mc="http://schemas.openxmlformats.org/markup-compatibility/2006" val="904526595"/>
+        <p14:creationId xmlns:p14="http://schemas.microsoft.com/office/powerpoint/2010/main" val="904526595"/>
       </p:ext>
     </p:extLst>
   </p:cSld>
@@ -9816,7 +9933,7 @@
 </file>
 
 <file path=ppt/slides/slide12.xml><?xml version="1.0" encoding="utf-8"?>
-<p:sld xmlns:a="http://schemas.openxmlformats.org/drawingml/2006/main" xmlns:r="http://schemas.openxmlformats.org/officeDocument/2006/relationships" xmlns:mc="http://schemas.openxmlformats.org/markup-compatibility/2006" xmlns:mv="urn:schemas-microsoft-com:mac:vml" xmlns:p="http://schemas.openxmlformats.org/presentationml/2006/main" mc:Ignorable="mv" mc:PreserveAttributes="mv:*">
+<p:sld xmlns:a="http://schemas.openxmlformats.org/drawingml/2006/main" xmlns:r="http://schemas.openxmlformats.org/officeDocument/2006/relationships" xmlns:p="http://schemas.openxmlformats.org/presentationml/2006/main">
   <p:cSld>
     <p:spTree>
       <p:nvGrpSpPr>
@@ -9849,15 +9966,7 @@
           <a:p>
             <a:r>
               <a:rPr lang="en-US" dirty="0" smtClean="0"/>
-              <a:t>Components </a:t>
-            </a:r>
-            <a:r>
-              <a:rPr lang="en-US" dirty="0" smtClean="0"/>
-              <a:t>of</a:t>
-            </a:r>
-            <a:r>
-              <a:rPr lang="en-US" dirty="0" smtClean="0"/>
-              <a:t> Empire</a:t>
+              <a:t>Components of Empire</a:t>
             </a:r>
             <a:endParaRPr lang="en-US" dirty="0"/>
           </a:p>
@@ -9937,28 +10046,22 @@
       </p:sp>
       <p:pic>
         <p:nvPicPr>
-          <p:cNvPr id="6" name="Picture 5"/>
+          <p:cNvPr id="13" name="Picture 12"/>
           <p:cNvPicPr>
             <a:picLocks noChangeAspect="1"/>
           </p:cNvPicPr>
           <p:nvPr/>
         </p:nvPicPr>
         <p:blipFill>
-          <a:blip r:embed="rId3">
-            <a:extLst>
-              <a:ext uri="{28A0092B-C50C-407E-A947-70E740481C1C}">
-                <a14:useLocalDpi xmlns="" xmlns:a="http://schemas.openxmlformats.org/drawingml/2006/main" xmlns:r="http://schemas.openxmlformats.org/officeDocument/2006/relationships" xmlns:p="http://schemas.openxmlformats.org/presentationml/2006/main" xmlns:a14="http://schemas.microsoft.com/office/drawing/2010/main" xmlns:mv="urn:schemas-microsoft-com:mac:vml" xmlns:mc="http://schemas.openxmlformats.org/markup-compatibility/2006" val="0"/>
-              </a:ext>
-            </a:extLst>
-          </a:blip>
+          <a:blip r:embed="rId3"/>
           <a:stretch>
             <a:fillRect/>
           </a:stretch>
         </p:blipFill>
         <p:spPr>
           <a:xfrm>
-            <a:off x="770397" y="2206689"/>
-            <a:ext cx="1576873" cy="1576873"/>
+            <a:off x="757115" y="2069006"/>
+            <a:ext cx="1605086" cy="1728553"/>
           </a:xfrm>
           <a:prstGeom prst="rect">
             <a:avLst/>
@@ -9967,28 +10070,22 @@
       </p:pic>
       <p:pic>
         <p:nvPicPr>
-          <p:cNvPr id="7" name="Picture 6"/>
+          <p:cNvPr id="14" name="Picture 13"/>
           <p:cNvPicPr>
             <a:picLocks noChangeAspect="1"/>
           </p:cNvPicPr>
           <p:nvPr/>
         </p:nvPicPr>
         <p:blipFill>
-          <a:blip r:embed="rId4">
-            <a:extLst>
-              <a:ext uri="{28A0092B-C50C-407E-A947-70E740481C1C}">
-                <a14:useLocalDpi xmlns="" xmlns:a="http://schemas.openxmlformats.org/drawingml/2006/main" xmlns:r="http://schemas.openxmlformats.org/officeDocument/2006/relationships" xmlns:p="http://schemas.openxmlformats.org/presentationml/2006/main" xmlns:a14="http://schemas.microsoft.com/office/drawing/2010/main" xmlns:mv="urn:schemas-microsoft-com:mac:vml" xmlns:mc="http://schemas.openxmlformats.org/markup-compatibility/2006" val="0"/>
-              </a:ext>
-            </a:extLst>
-          </a:blip>
+          <a:blip r:embed="rId4"/>
           <a:stretch>
             <a:fillRect/>
           </a:stretch>
         </p:blipFill>
         <p:spPr>
           <a:xfrm>
-            <a:off x="6543368" y="2192694"/>
-            <a:ext cx="1604865" cy="1604865"/>
+            <a:off x="3592617" y="2069006"/>
+            <a:ext cx="1717797" cy="1717797"/>
           </a:xfrm>
           <a:prstGeom prst="rect">
             <a:avLst/>
@@ -9997,28 +10094,22 @@
       </p:pic>
       <p:pic>
         <p:nvPicPr>
-          <p:cNvPr id="8" name="Picture 7"/>
+          <p:cNvPr id="15" name="Picture 14"/>
           <p:cNvPicPr>
             <a:picLocks noChangeAspect="1"/>
           </p:cNvPicPr>
           <p:nvPr/>
         </p:nvPicPr>
         <p:blipFill>
-          <a:blip r:embed="rId5">
-            <a:extLst>
-              <a:ext uri="{28A0092B-C50C-407E-A947-70E740481C1C}">
-                <a14:useLocalDpi xmlns="" xmlns:a="http://schemas.openxmlformats.org/drawingml/2006/main" xmlns:r="http://schemas.openxmlformats.org/officeDocument/2006/relationships" xmlns:p="http://schemas.openxmlformats.org/presentationml/2006/main" xmlns:a14="http://schemas.microsoft.com/office/drawing/2010/main" xmlns:mv="urn:schemas-microsoft-com:mac:vml" xmlns:mc="http://schemas.openxmlformats.org/markup-compatibility/2006" val="0"/>
-              </a:ext>
-            </a:extLst>
-          </a:blip>
+          <a:blip r:embed="rId5"/>
           <a:stretch>
             <a:fillRect/>
           </a:stretch>
         </p:blipFill>
         <p:spPr>
           <a:xfrm>
-            <a:off x="3439945" y="1982753"/>
-            <a:ext cx="2024743" cy="2024743"/>
+            <a:off x="6487982" y="2069006"/>
+            <a:ext cx="1717797" cy="1717797"/>
           </a:xfrm>
           <a:prstGeom prst="rect">
             <a:avLst/>
@@ -10028,7 +10119,7 @@
     </p:spTree>
     <p:extLst>
       <p:ext uri="{BB962C8B-B14F-4D97-AF65-F5344CB8AC3E}">
-        <p14:creationId xmlns="" xmlns:a="http://schemas.openxmlformats.org/drawingml/2006/main" xmlns:r="http://schemas.openxmlformats.org/officeDocument/2006/relationships" xmlns:p="http://schemas.openxmlformats.org/presentationml/2006/main" xmlns:p14="http://schemas.microsoft.com/office/powerpoint/2010/main" xmlns:mv="urn:schemas-microsoft-com:mac:vml" xmlns:mc="http://schemas.openxmlformats.org/markup-compatibility/2006" val="603589582"/>
+        <p14:creationId xmlns:p14="http://schemas.microsoft.com/office/powerpoint/2010/main" val="603589582"/>
       </p:ext>
     </p:extLst>
   </p:cSld>
@@ -10046,7 +10137,7 @@
 </file>
 
 <file path=ppt/slides/slide13.xml><?xml version="1.0" encoding="utf-8"?>
-<p:sld xmlns:a="http://schemas.openxmlformats.org/drawingml/2006/main" xmlns:r="http://schemas.openxmlformats.org/officeDocument/2006/relationships" xmlns:mc="http://schemas.openxmlformats.org/markup-compatibility/2006" xmlns:mv="urn:schemas-microsoft-com:mac:vml" xmlns:p="http://schemas.openxmlformats.org/presentationml/2006/main" mc:Ignorable="mv" mc:PreserveAttributes="mv:*">
+<p:sld xmlns:a="http://schemas.openxmlformats.org/drawingml/2006/main" xmlns:r="http://schemas.openxmlformats.org/officeDocument/2006/relationships" xmlns:p="http://schemas.openxmlformats.org/presentationml/2006/main">
   <p:cSld>
     <p:spTree>
       <p:nvGrpSpPr>
@@ -10085,79 +10176,16 @@
           </a:p>
         </p:txBody>
       </p:sp>
-      <p:pic>
-        <p:nvPicPr>
-          <p:cNvPr id="9" name="Picture 8"/>
-          <p:cNvPicPr>
-            <a:picLocks noChangeAspect="1"/>
-          </p:cNvPicPr>
-          <p:nvPr/>
-        </p:nvPicPr>
-        <p:blipFill>
-          <a:blip r:embed="rId3">
-            <a:extLst>
-              <a:ext uri="{28A0092B-C50C-407E-A947-70E740481C1C}">
-                <a14:useLocalDpi xmlns="" xmlns:a="http://schemas.openxmlformats.org/drawingml/2006/main" xmlns:r="http://schemas.openxmlformats.org/officeDocument/2006/relationships" xmlns:p="http://schemas.openxmlformats.org/presentationml/2006/main" xmlns:a14="http://schemas.microsoft.com/office/drawing/2010/main" xmlns:mv="urn:schemas-microsoft-com:mac:vml" xmlns:mc="http://schemas.openxmlformats.org/markup-compatibility/2006" val="0"/>
-              </a:ext>
-            </a:extLst>
-          </a:blip>
-          <a:stretch>
-            <a:fillRect/>
-          </a:stretch>
-        </p:blipFill>
-        <p:spPr>
-          <a:xfrm>
-            <a:off x="3434788" y="1841734"/>
-            <a:ext cx="2009306" cy="2009306"/>
-          </a:xfrm>
-          <a:prstGeom prst="rect">
-            <a:avLst/>
-          </a:prstGeom>
-        </p:spPr>
-      </p:pic>
-      <p:pic>
-        <p:nvPicPr>
-          <p:cNvPr id="6" name="Picture 5"/>
-          <p:cNvPicPr>
-            <a:picLocks noChangeAspect="1"/>
-          </p:cNvPicPr>
-          <p:nvPr/>
-        </p:nvPicPr>
-        <p:blipFill>
-          <a:blip r:embed="rId4">
-            <a:extLst>
-              <a:ext uri="{28A0092B-C50C-407E-A947-70E740481C1C}">
-                <a14:useLocalDpi xmlns="" xmlns:a="http://schemas.openxmlformats.org/drawingml/2006/main" xmlns:r="http://schemas.openxmlformats.org/officeDocument/2006/relationships" xmlns:p="http://schemas.openxmlformats.org/presentationml/2006/main" xmlns:a14="http://schemas.microsoft.com/office/drawing/2010/main" xmlns:mv="urn:schemas-microsoft-com:mac:vml" xmlns:mc="http://schemas.openxmlformats.org/markup-compatibility/2006" val="0"/>
-              </a:ext>
-            </a:extLst>
-          </a:blip>
-          <a:stretch>
-            <a:fillRect/>
-          </a:stretch>
-        </p:blipFill>
-        <p:spPr>
-          <a:xfrm>
-            <a:off x="482341" y="2137260"/>
-            <a:ext cx="1418253" cy="1418253"/>
-          </a:xfrm>
-          <a:prstGeom prst="rect">
-            <a:avLst/>
-          </a:prstGeom>
-        </p:spPr>
-      </p:pic>
       <p:cxnSp>
         <p:nvCxnSpPr>
           <p:cNvPr id="8" name="Straight Arrow Connector 7"/>
-          <p:cNvCxnSpPr>
-            <a:stCxn id="6" idx="3"/>
-            <a:endCxn id="9" idx="1"/>
-          </p:cNvCxnSpPr>
+          <p:cNvCxnSpPr/>
           <p:nvPr/>
         </p:nvCxnSpPr>
         <p:spPr>
           <a:xfrm>
-            <a:off x="1900594" y="2846387"/>
-            <a:ext cx="1534194" cy="0"/>
+            <a:off x="1947931" y="2818720"/>
+            <a:ext cx="1325697" cy="0"/>
           </a:xfrm>
           <a:prstGeom prst="straightConnector1">
             <a:avLst/>
@@ -10189,7 +10217,7 @@
         </p:nvCxnSpPr>
         <p:spPr>
           <a:xfrm>
-            <a:off x="5453427" y="2846386"/>
+            <a:off x="5741322" y="2818720"/>
             <a:ext cx="1534194" cy="0"/>
           </a:xfrm>
           <a:prstGeom prst="straightConnector1">
@@ -10214,36 +10242,6 @@
           </a:fontRef>
         </p:style>
       </p:cxnSp>
-      <p:pic>
-        <p:nvPicPr>
-          <p:cNvPr id="13" name="Picture 12"/>
-          <p:cNvPicPr>
-            <a:picLocks noChangeAspect="1"/>
-          </p:cNvPicPr>
-          <p:nvPr/>
-        </p:nvPicPr>
-        <p:blipFill>
-          <a:blip r:embed="rId4">
-            <a:extLst>
-              <a:ext uri="{28A0092B-C50C-407E-A947-70E740481C1C}">
-                <a14:useLocalDpi xmlns="" xmlns:a="http://schemas.openxmlformats.org/drawingml/2006/main" xmlns:r="http://schemas.openxmlformats.org/officeDocument/2006/relationships" xmlns:p="http://schemas.openxmlformats.org/presentationml/2006/main" xmlns:a14="http://schemas.microsoft.com/office/drawing/2010/main" xmlns:mv="urn:schemas-microsoft-com:mac:vml" xmlns:mc="http://schemas.openxmlformats.org/markup-compatibility/2006" val="0"/>
-              </a:ext>
-            </a:extLst>
-          </a:blip>
-          <a:stretch>
-            <a:fillRect/>
-          </a:stretch>
-        </p:blipFill>
-        <p:spPr>
-          <a:xfrm>
-            <a:off x="6978288" y="2137260"/>
-            <a:ext cx="1418253" cy="1418253"/>
-          </a:xfrm>
-          <a:prstGeom prst="rect">
-            <a:avLst/>
-          </a:prstGeom>
-        </p:spPr>
-      </p:pic>
       <p:sp>
         <p:nvSpPr>
           <p:cNvPr id="11" name="TextBox 10"/>
@@ -10252,7 +10250,7 @@
         </p:nvSpPr>
         <p:spPr>
           <a:xfrm>
-            <a:off x="2351315" y="2509935"/>
+            <a:off x="2351315" y="2482269"/>
             <a:ext cx="607859" cy="369332"/>
           </a:xfrm>
           <a:prstGeom prst="rect">
@@ -10282,7 +10280,7 @@
         </p:nvSpPr>
         <p:spPr>
           <a:xfrm>
-            <a:off x="5805695" y="2509935"/>
+            <a:off x="6093590" y="2482269"/>
             <a:ext cx="813043" cy="369332"/>
           </a:xfrm>
           <a:prstGeom prst="rect">
@@ -10304,10 +10302,82 @@
           </a:p>
         </p:txBody>
       </p:sp>
+      <p:pic>
+        <p:nvPicPr>
+          <p:cNvPr id="3" name="Picture 2"/>
+          <p:cNvPicPr>
+            <a:picLocks noChangeAspect="1"/>
+          </p:cNvPicPr>
+          <p:nvPr/>
+        </p:nvPicPr>
+        <p:blipFill>
+          <a:blip r:embed="rId3"/>
+          <a:stretch>
+            <a:fillRect/>
+          </a:stretch>
+        </p:blipFill>
+        <p:spPr>
+          <a:xfrm>
+            <a:off x="3273628" y="1643517"/>
+            <a:ext cx="2327503" cy="2405738"/>
+          </a:xfrm>
+          <a:prstGeom prst="rect">
+            <a:avLst/>
+          </a:prstGeom>
+        </p:spPr>
+      </p:pic>
+      <p:pic>
+        <p:nvPicPr>
+          <p:cNvPr id="4" name="Picture 3"/>
+          <p:cNvPicPr>
+            <a:picLocks noChangeAspect="1"/>
+          </p:cNvPicPr>
+          <p:nvPr/>
+        </p:nvPicPr>
+        <p:blipFill>
+          <a:blip r:embed="rId4"/>
+          <a:stretch>
+            <a:fillRect/>
+          </a:stretch>
+        </p:blipFill>
+        <p:spPr>
+          <a:xfrm>
+            <a:off x="600367" y="2199301"/>
+            <a:ext cx="1143000" cy="990600"/>
+          </a:xfrm>
+          <a:prstGeom prst="rect">
+            <a:avLst/>
+          </a:prstGeom>
+        </p:spPr>
+      </p:pic>
+      <p:pic>
+        <p:nvPicPr>
+          <p:cNvPr id="14" name="Picture 13"/>
+          <p:cNvPicPr>
+            <a:picLocks noChangeAspect="1"/>
+          </p:cNvPicPr>
+          <p:nvPr/>
+        </p:nvPicPr>
+        <p:blipFill>
+          <a:blip r:embed="rId4"/>
+          <a:stretch>
+            <a:fillRect/>
+          </a:stretch>
+        </p:blipFill>
+        <p:spPr>
+          <a:xfrm>
+            <a:off x="7399093" y="2199301"/>
+            <a:ext cx="1143000" cy="990600"/>
+          </a:xfrm>
+          <a:prstGeom prst="rect">
+            <a:avLst/>
+          </a:prstGeom>
+        </p:spPr>
+      </p:pic>
     </p:spTree>
     <p:extLst>
       <p:ext uri="{BB962C8B-B14F-4D97-AF65-F5344CB8AC3E}">
-        <p14:creationId xmlns="" xmlns:a="http://schemas.openxmlformats.org/drawingml/2006/main" xmlns:r="http://schemas.openxmlformats.org/officeDocument/2006/relationships" xmlns:p="http://schemas.openxmlformats.org/presentationml/2006/main" xmlns:p14="http://schemas.microsoft.com/office/powerpoint/2010/main" xmlns:mv="urn:schemas-microsoft-com:mac:vml" xmlns:mc="http://schemas.openxmlformats.org/markup-compatibility/2006" val="1011663949"/>
+        <p14:creationId xmlns:p14="http://schemas.microsoft.com/office/powerpoint/2010/main" val="1011663949"/>
       </p:ext>
     </p:extLst>
   </p:cSld>
@@ -10325,7 +10395,7 @@
 </file>
 
 <file path=ppt/slides/slide14.xml><?xml version="1.0" encoding="utf-8"?>
-<p:sld xmlns:a="http://schemas.openxmlformats.org/drawingml/2006/main" xmlns:r="http://schemas.openxmlformats.org/officeDocument/2006/relationships" xmlns:mc="http://schemas.openxmlformats.org/markup-compatibility/2006" xmlns:mv="urn:schemas-microsoft-com:mac:vml" xmlns:p="http://schemas.openxmlformats.org/presentationml/2006/main" mc:Ignorable="mv" mc:PreserveAttributes="mv:*">
+<p:sld xmlns:a="http://schemas.openxmlformats.org/drawingml/2006/main" xmlns:r="http://schemas.openxmlformats.org/officeDocument/2006/relationships" xmlns:p="http://schemas.openxmlformats.org/presentationml/2006/main">
   <p:cSld>
     <p:spTree>
       <p:nvGrpSpPr>
@@ -10364,107 +10434,15 @@
           </a:p>
         </p:txBody>
       </p:sp>
-      <p:pic>
-        <p:nvPicPr>
-          <p:cNvPr id="3" name="Picture 2"/>
-          <p:cNvPicPr>
-            <a:picLocks noChangeAspect="1"/>
-          </p:cNvPicPr>
-          <p:nvPr/>
-        </p:nvPicPr>
-        <p:blipFill>
-          <a:blip r:embed="rId3">
-            <a:extLst>
-              <a:ext uri="{28A0092B-C50C-407E-A947-70E740481C1C}">
-                <a14:useLocalDpi xmlns="" xmlns:a="http://schemas.openxmlformats.org/drawingml/2006/main" xmlns:r="http://schemas.openxmlformats.org/officeDocument/2006/relationships" xmlns:p="http://schemas.openxmlformats.org/presentationml/2006/main" xmlns:a14="http://schemas.microsoft.com/office/drawing/2010/main" xmlns:mv="urn:schemas-microsoft-com:mac:vml" xmlns:mc="http://schemas.openxmlformats.org/markup-compatibility/2006" val="0"/>
-              </a:ext>
-            </a:extLst>
-          </a:blip>
-          <a:stretch>
-            <a:fillRect/>
-          </a:stretch>
-        </p:blipFill>
-        <p:spPr>
-          <a:xfrm>
-            <a:off x="1271036" y="2435292"/>
-            <a:ext cx="1175658" cy="783772"/>
-          </a:xfrm>
-          <a:prstGeom prst="rect">
-            <a:avLst/>
-          </a:prstGeom>
-        </p:spPr>
-      </p:pic>
-      <p:pic>
-        <p:nvPicPr>
-          <p:cNvPr id="4" name="Picture 3"/>
-          <p:cNvPicPr>
-            <a:picLocks noChangeAspect="1"/>
-          </p:cNvPicPr>
-          <p:nvPr/>
-        </p:nvPicPr>
-        <p:blipFill>
-          <a:blip r:embed="rId4">
-            <a:extLst>
-              <a:ext uri="{28A0092B-C50C-407E-A947-70E740481C1C}">
-                <a14:useLocalDpi xmlns="" xmlns:a="http://schemas.openxmlformats.org/drawingml/2006/main" xmlns:r="http://schemas.openxmlformats.org/officeDocument/2006/relationships" xmlns:p="http://schemas.openxmlformats.org/presentationml/2006/main" xmlns:a14="http://schemas.microsoft.com/office/drawing/2010/main" xmlns:mv="urn:schemas-microsoft-com:mac:vml" xmlns:mc="http://schemas.openxmlformats.org/markup-compatibility/2006" val="0"/>
-              </a:ext>
-            </a:extLst>
-          </a:blip>
-          <a:stretch>
-            <a:fillRect/>
-          </a:stretch>
-        </p:blipFill>
-        <p:spPr>
-          <a:xfrm>
-            <a:off x="3812864" y="2209932"/>
-            <a:ext cx="1234492" cy="1234492"/>
-          </a:xfrm>
-          <a:prstGeom prst="rect">
-            <a:avLst/>
-          </a:prstGeom>
-        </p:spPr>
-      </p:pic>
-      <p:pic>
-        <p:nvPicPr>
-          <p:cNvPr id="5" name="Picture 4"/>
-          <p:cNvPicPr>
-            <a:picLocks noChangeAspect="1"/>
-          </p:cNvPicPr>
-          <p:nvPr/>
-        </p:nvPicPr>
-        <p:blipFill>
-          <a:blip r:embed="rId5">
-            <a:extLst>
-              <a:ext uri="{28A0092B-C50C-407E-A947-70E740481C1C}">
-                <a14:useLocalDpi xmlns="" xmlns:a="http://schemas.openxmlformats.org/drawingml/2006/main" xmlns:r="http://schemas.openxmlformats.org/officeDocument/2006/relationships" xmlns:p="http://schemas.openxmlformats.org/presentationml/2006/main" xmlns:a14="http://schemas.microsoft.com/office/drawing/2010/main" xmlns:mv="urn:schemas-microsoft-com:mac:vml" xmlns:mc="http://schemas.openxmlformats.org/markup-compatibility/2006" val="0"/>
-              </a:ext>
-            </a:extLst>
-          </a:blip>
-          <a:stretch>
-            <a:fillRect/>
-          </a:stretch>
-        </p:blipFill>
-        <p:spPr>
-          <a:xfrm>
-            <a:off x="6239328" y="2080729"/>
-            <a:ext cx="1492898" cy="1492898"/>
-          </a:xfrm>
-          <a:prstGeom prst="rect">
-            <a:avLst/>
-          </a:prstGeom>
-        </p:spPr>
-      </p:pic>
       <p:cxnSp>
         <p:nvCxnSpPr>
           <p:cNvPr id="10" name="Straight Arrow Connector 9"/>
-          <p:cNvCxnSpPr>
-            <a:endCxn id="4" idx="1"/>
-          </p:cNvCxnSpPr>
+          <p:cNvCxnSpPr/>
           <p:nvPr/>
         </p:nvCxnSpPr>
         <p:spPr>
           <a:xfrm>
-            <a:off x="2621902" y="2827178"/>
+            <a:off x="2459035" y="2827178"/>
             <a:ext cx="1190962" cy="0"/>
           </a:xfrm>
           <a:prstGeom prst="straightConnector1">
@@ -10492,10 +10470,7 @@
       <p:cxnSp>
         <p:nvCxnSpPr>
           <p:cNvPr id="17" name="Straight Arrow Connector 16"/>
-          <p:cNvCxnSpPr>
-            <a:stCxn id="4" idx="3"/>
-            <a:endCxn id="5" idx="1"/>
-          </p:cNvCxnSpPr>
+          <p:cNvCxnSpPr/>
           <p:nvPr/>
         </p:nvCxnSpPr>
         <p:spPr>
@@ -10533,7 +10508,7 @@
         </p:nvSpPr>
         <p:spPr>
           <a:xfrm>
-            <a:off x="2609560" y="2361883"/>
+            <a:off x="2446693" y="2361883"/>
             <a:ext cx="1172117" cy="369332"/>
           </a:xfrm>
           <a:prstGeom prst="rect">
@@ -10595,7 +10570,7 @@
         </p:nvSpPr>
         <p:spPr>
           <a:xfrm>
-            <a:off x="3902334" y="3573627"/>
+            <a:off x="3833896" y="3573627"/>
             <a:ext cx="1018227" cy="646331"/>
           </a:xfrm>
           <a:prstGeom prst="rect">
@@ -10633,7 +10608,7 @@
         </p:nvSpPr>
         <p:spPr>
           <a:xfrm>
-            <a:off x="1261754" y="3185636"/>
+            <a:off x="1274095" y="3573627"/>
             <a:ext cx="1184940" cy="369332"/>
           </a:xfrm>
           <a:prstGeom prst="rect">
@@ -10663,7 +10638,7 @@
         </p:nvSpPr>
         <p:spPr>
           <a:xfrm>
-            <a:off x="6527959" y="3573627"/>
+            <a:off x="6756559" y="3573627"/>
             <a:ext cx="915635" cy="369332"/>
           </a:xfrm>
           <a:prstGeom prst="rect">
@@ -10685,10 +10660,82 @@
           </a:p>
         </p:txBody>
       </p:sp>
+      <p:pic>
+        <p:nvPicPr>
+          <p:cNvPr id="8" name="Picture 7"/>
+          <p:cNvPicPr>
+            <a:picLocks noChangeAspect="1"/>
+          </p:cNvPicPr>
+          <p:nvPr/>
+        </p:nvPicPr>
+        <p:blipFill>
+          <a:blip r:embed="rId3"/>
+          <a:stretch>
+            <a:fillRect/>
+          </a:stretch>
+        </p:blipFill>
+        <p:spPr>
+          <a:xfrm>
+            <a:off x="1447289" y="2308554"/>
+            <a:ext cx="813869" cy="877082"/>
+          </a:xfrm>
+          <a:prstGeom prst="rect">
+            <a:avLst/>
+          </a:prstGeom>
+        </p:spPr>
+      </p:pic>
+      <p:pic>
+        <p:nvPicPr>
+          <p:cNvPr id="11" name="Picture 10"/>
+          <p:cNvPicPr>
+            <a:picLocks noChangeAspect="1"/>
+          </p:cNvPicPr>
+          <p:nvPr/>
+        </p:nvPicPr>
+        <p:blipFill>
+          <a:blip r:embed="rId4"/>
+          <a:stretch>
+            <a:fillRect/>
+          </a:stretch>
+        </p:blipFill>
+        <p:spPr>
+          <a:xfrm>
+            <a:off x="3728679" y="2406983"/>
+            <a:ext cx="1228663" cy="864179"/>
+          </a:xfrm>
+          <a:prstGeom prst="rect">
+            <a:avLst/>
+          </a:prstGeom>
+        </p:spPr>
+      </p:pic>
+      <p:pic>
+        <p:nvPicPr>
+          <p:cNvPr id="12" name="Picture 11"/>
+          <p:cNvPicPr>
+            <a:picLocks noChangeAspect="1"/>
+          </p:cNvPicPr>
+          <p:nvPr/>
+        </p:nvPicPr>
+        <p:blipFill>
+          <a:blip r:embed="rId5"/>
+          <a:stretch>
+            <a:fillRect/>
+          </a:stretch>
+        </p:blipFill>
+        <p:spPr>
+          <a:xfrm>
+            <a:off x="6239328" y="1754091"/>
+            <a:ext cx="1760364" cy="1819536"/>
+          </a:xfrm>
+          <a:prstGeom prst="rect">
+            <a:avLst/>
+          </a:prstGeom>
+        </p:spPr>
+      </p:pic>
     </p:spTree>
     <p:extLst>
       <p:ext uri="{BB962C8B-B14F-4D97-AF65-F5344CB8AC3E}">
-        <p14:creationId xmlns="" xmlns:a="http://schemas.openxmlformats.org/drawingml/2006/main" xmlns:r="http://schemas.openxmlformats.org/officeDocument/2006/relationships" xmlns:p="http://schemas.openxmlformats.org/presentationml/2006/main" xmlns:p14="http://schemas.microsoft.com/office/powerpoint/2010/main" xmlns:mv="urn:schemas-microsoft-com:mac:vml" xmlns:mc="http://schemas.openxmlformats.org/markup-compatibility/2006" val="1221938147"/>
+        <p14:creationId xmlns:p14="http://schemas.microsoft.com/office/powerpoint/2010/main" val="1221938147"/>
       </p:ext>
     </p:extLst>
   </p:cSld>
@@ -10706,7 +10753,7 @@
 </file>
 
 <file path=ppt/slides/slide15.xml><?xml version="1.0" encoding="utf-8"?>
-<p:sld xmlns:a="http://schemas.openxmlformats.org/drawingml/2006/main" xmlns:r="http://schemas.openxmlformats.org/officeDocument/2006/relationships" xmlns:mc="http://schemas.openxmlformats.org/markup-compatibility/2006" xmlns:mv="urn:schemas-microsoft-com:mac:vml" xmlns:p="http://schemas.openxmlformats.org/presentationml/2006/main" mc:Ignorable="mv" mc:PreserveAttributes="mv:*">
+<p:sld xmlns:a="http://schemas.openxmlformats.org/drawingml/2006/main" xmlns:r="http://schemas.openxmlformats.org/officeDocument/2006/relationships" xmlns:p="http://schemas.openxmlformats.org/presentationml/2006/main">
   <p:cSld>
     <p:spTree>
       <p:nvGrpSpPr>
@@ -10739,163 +10786,6 @@
           <a:p>
             <a:r>
               <a:rPr lang="en-US" dirty="0" smtClean="0"/>
-              <a:t>Scheduler :: Task Placement</a:t>
-            </a:r>
-            <a:endParaRPr lang="en-US" dirty="0"/>
-          </a:p>
-        </p:txBody>
-      </p:sp>
-      <p:sp>
-        <p:nvSpPr>
-          <p:cNvPr id="3" name="Content Placeholder 2"/>
-          <p:cNvSpPr>
-            <a:spLocks noGrp="1"/>
-          </p:cNvSpPr>
-          <p:nvPr>
-            <p:ph idx="1"/>
-          </p:nvPr>
-        </p:nvSpPr>
-        <p:spPr/>
-        <p:txBody>
-          <a:bodyPr/>
-          <a:lstStyle/>
-          <a:p>
-            <a:r>
-              <a:rPr lang="en-US" dirty="0"/>
-              <a:t>t</a:t>
-            </a:r>
-            <a:r>
-              <a:rPr lang="en-US" dirty="0" smtClean="0"/>
-              <a:t>ype App []Process</a:t>
-            </a:r>
-          </a:p>
-          <a:p>
-            <a:endParaRPr lang="en-US" dirty="0" smtClean="0"/>
-          </a:p>
-          <a:p>
-            <a:r>
-              <a:rPr lang="en-US" dirty="0"/>
-              <a:t>t</a:t>
-            </a:r>
-            <a:r>
-              <a:rPr lang="en-US" dirty="0" smtClean="0"/>
-              <a:t>ype Scheduler interface {</a:t>
-            </a:r>
-          </a:p>
-          <a:p>
-            <a:r>
-              <a:rPr lang="en-US" dirty="0"/>
-              <a:t> </a:t>
-            </a:r>
-            <a:r>
-              <a:rPr lang="en-US" dirty="0" smtClean="0"/>
-              <a:t>   Run(App)</a:t>
-            </a:r>
-          </a:p>
-          <a:p>
-            <a:r>
-              <a:rPr lang="en-US" dirty="0"/>
-              <a:t> </a:t>
-            </a:r>
-            <a:r>
-              <a:rPr lang="en-US" dirty="0" smtClean="0"/>
-              <a:t>   Remove(App)</a:t>
-            </a:r>
-          </a:p>
-          <a:p>
-            <a:r>
-              <a:rPr lang="en-US" dirty="0"/>
-              <a:t> </a:t>
-            </a:r>
-            <a:r>
-              <a:rPr lang="en-US" dirty="0" smtClean="0"/>
-              <a:t>   Scale(Process)</a:t>
-            </a:r>
-          </a:p>
-          <a:p>
-            <a:r>
-              <a:rPr lang="en-US" dirty="0"/>
-              <a:t> </a:t>
-            </a:r>
-            <a:r>
-              <a:rPr lang="en-US" dirty="0" smtClean="0"/>
-              <a:t>   Tasks(App</a:t>
-            </a:r>
-            <a:r>
-              <a:rPr lang="en-US" dirty="0"/>
-              <a:t>) </a:t>
-            </a:r>
-            <a:r>
-              <a:rPr lang="en-US" dirty="0" smtClean="0"/>
-              <a:t>[]Task</a:t>
-            </a:r>
-          </a:p>
-          <a:p>
-            <a:r>
-              <a:rPr lang="en-US" dirty="0"/>
-              <a:t> </a:t>
-            </a:r>
-            <a:r>
-              <a:rPr lang="en-US" dirty="0" smtClean="0"/>
-              <a:t>   Stop(Task)</a:t>
-            </a:r>
-          </a:p>
-          <a:p>
-            <a:r>
-              <a:rPr lang="en-US" dirty="0" smtClean="0"/>
-              <a:t>}</a:t>
-            </a:r>
-            <a:endParaRPr lang="en-US" dirty="0"/>
-          </a:p>
-        </p:txBody>
-      </p:sp>
-    </p:spTree>
-    <p:extLst>
-      <p:ext uri="{BB962C8B-B14F-4D97-AF65-F5344CB8AC3E}">
-        <p14:creationId xmlns="" xmlns:a="http://schemas.openxmlformats.org/drawingml/2006/main" xmlns:r="http://schemas.openxmlformats.org/officeDocument/2006/relationships" xmlns:p="http://schemas.openxmlformats.org/presentationml/2006/main" xmlns:p14="http://schemas.microsoft.com/office/powerpoint/2010/main" xmlns:mv="urn:schemas-microsoft-com:mac:vml" xmlns:mc="http://schemas.openxmlformats.org/markup-compatibility/2006" val="2135493620"/>
-      </p:ext>
-    </p:extLst>
-  </p:cSld>
-  <p:clrMapOvr>
-    <a:masterClrMapping/>
-  </p:clrMapOvr>
-</p:sld>
-</file>
-
-<file path=ppt/slides/slide16.xml><?xml version="1.0" encoding="utf-8"?>
-<p:sld xmlns:a="http://schemas.openxmlformats.org/drawingml/2006/main" xmlns:r="http://schemas.openxmlformats.org/officeDocument/2006/relationships" xmlns:mc="http://schemas.openxmlformats.org/markup-compatibility/2006" xmlns:mv="urn:schemas-microsoft-com:mac:vml" xmlns:p="http://schemas.openxmlformats.org/presentationml/2006/main" mc:Ignorable="mv" mc:PreserveAttributes="mv:*">
-  <p:cSld>
-    <p:spTree>
-      <p:nvGrpSpPr>
-        <p:cNvPr id="1" name=""/>
-        <p:cNvGrpSpPr/>
-        <p:nvPr/>
-      </p:nvGrpSpPr>
-      <p:grpSpPr>
-        <a:xfrm>
-          <a:off x="0" y="0"/>
-          <a:ext cx="0" cy="0"/>
-          <a:chOff x="0" y="0"/>
-          <a:chExt cx="0" cy="0"/>
-        </a:xfrm>
-      </p:grpSpPr>
-      <p:sp>
-        <p:nvSpPr>
-          <p:cNvPr id="2" name="Title 1"/>
-          <p:cNvSpPr>
-            <a:spLocks noGrp="1"/>
-          </p:cNvSpPr>
-          <p:nvPr>
-            <p:ph type="title"/>
-          </p:nvPr>
-        </p:nvSpPr>
-        <p:spPr/>
-        <p:txBody>
-          <a:bodyPr/>
-          <a:lstStyle/>
-          <a:p>
-            <a:r>
-              <a:rPr lang="en-US" dirty="0" smtClean="0"/>
               <a:t>Empire :: V1</a:t>
             </a:r>
             <a:endParaRPr lang="en-US" dirty="0"/>
@@ -10986,7 +10876,7 @@
           <a:blip r:embed="rId3">
             <a:extLst>
               <a:ext uri="{28A0092B-C50C-407E-A947-70E740481C1C}">
-                <a14:useLocalDpi xmlns="" xmlns:a="http://schemas.openxmlformats.org/drawingml/2006/main" xmlns:r="http://schemas.openxmlformats.org/officeDocument/2006/relationships" xmlns:p="http://schemas.openxmlformats.org/presentationml/2006/main" xmlns:a14="http://schemas.microsoft.com/office/drawing/2010/main" xmlns:mv="urn:schemas-microsoft-com:mac:vml" xmlns:mc="http://schemas.openxmlformats.org/markup-compatibility/2006" val="0"/>
+                <a14:useLocalDpi xmlns:a14="http://schemas.microsoft.com/office/drawing/2010/main" val="0"/>
               </a:ext>
             </a:extLst>
           </a:blip>
@@ -11046,7 +10936,7 @@
           <a:blip r:embed="rId4">
             <a:extLst>
               <a:ext uri="{28A0092B-C50C-407E-A947-70E740481C1C}">
-                <a14:useLocalDpi xmlns="" xmlns:a="http://schemas.openxmlformats.org/drawingml/2006/main" xmlns:r="http://schemas.openxmlformats.org/officeDocument/2006/relationships" xmlns:p="http://schemas.openxmlformats.org/presentationml/2006/main" xmlns:a14="http://schemas.microsoft.com/office/drawing/2010/main" xmlns:mv="urn:schemas-microsoft-com:mac:vml" xmlns:mc="http://schemas.openxmlformats.org/markup-compatibility/2006" val="0"/>
+                <a14:useLocalDpi xmlns:a14="http://schemas.microsoft.com/office/drawing/2010/main" val="0"/>
               </a:ext>
             </a:extLst>
           </a:blip>
@@ -11176,7 +11066,7 @@
           <a:blip r:embed="rId5">
             <a:extLst>
               <a:ext uri="{28A0092B-C50C-407E-A947-70E740481C1C}">
-                <a14:useLocalDpi xmlns="" xmlns:a="http://schemas.openxmlformats.org/drawingml/2006/main" xmlns:r="http://schemas.openxmlformats.org/officeDocument/2006/relationships" xmlns:p="http://schemas.openxmlformats.org/presentationml/2006/main" xmlns:a14="http://schemas.microsoft.com/office/drawing/2010/main" xmlns:mv="urn:schemas-microsoft-com:mac:vml" xmlns:mc="http://schemas.openxmlformats.org/markup-compatibility/2006" val="0"/>
+                <a14:useLocalDpi xmlns:a14="http://schemas.microsoft.com/office/drawing/2010/main" val="0"/>
               </a:ext>
             </a:extLst>
           </a:blip>
@@ -11197,7 +11087,145 @@
     </p:spTree>
     <p:extLst>
       <p:ext uri="{BB962C8B-B14F-4D97-AF65-F5344CB8AC3E}">
-        <p14:creationId xmlns="" xmlns:a="http://schemas.openxmlformats.org/drawingml/2006/main" xmlns:r="http://schemas.openxmlformats.org/officeDocument/2006/relationships" xmlns:p="http://schemas.openxmlformats.org/presentationml/2006/main" xmlns:p14="http://schemas.microsoft.com/office/powerpoint/2010/main" xmlns:mv="urn:schemas-microsoft-com:mac:vml" xmlns:mc="http://schemas.openxmlformats.org/markup-compatibility/2006" val="721009559"/>
+        <p14:creationId xmlns:p14="http://schemas.microsoft.com/office/powerpoint/2010/main" val="721009559"/>
+      </p:ext>
+    </p:extLst>
+  </p:cSld>
+  <p:clrMapOvr>
+    <a:masterClrMapping/>
+  </p:clrMapOvr>
+  <p:timing>
+    <p:tnLst>
+      <p:par>
+        <p:cTn id="1" dur="indefinite" restart="never" nodeType="tmRoot"/>
+      </p:par>
+    </p:tnLst>
+  </p:timing>
+</p:sld>
+</file>
+
+<file path=ppt/slides/slide16.xml><?xml version="1.0" encoding="utf-8"?>
+<p:sld xmlns:a="http://schemas.openxmlformats.org/drawingml/2006/main" xmlns:r="http://schemas.openxmlformats.org/officeDocument/2006/relationships" xmlns:p="http://schemas.openxmlformats.org/presentationml/2006/main">
+  <p:cSld>
+    <p:spTree>
+      <p:nvGrpSpPr>
+        <p:cNvPr id="1" name=""/>
+        <p:cNvGrpSpPr/>
+        <p:nvPr/>
+      </p:nvGrpSpPr>
+      <p:grpSpPr>
+        <a:xfrm>
+          <a:off x="0" y="0"/>
+          <a:ext cx="0" cy="0"/>
+          <a:chOff x="0" y="0"/>
+          <a:chExt cx="0" cy="0"/>
+        </a:xfrm>
+      </p:grpSpPr>
+      <p:sp>
+        <p:nvSpPr>
+          <p:cNvPr id="2" name="Title 1"/>
+          <p:cNvSpPr>
+            <a:spLocks noGrp="1"/>
+          </p:cNvSpPr>
+          <p:nvPr>
+            <p:ph type="title"/>
+          </p:nvPr>
+        </p:nvSpPr>
+        <p:spPr/>
+        <p:txBody>
+          <a:bodyPr/>
+          <a:lstStyle/>
+          <a:p>
+            <a:r>
+              <a:rPr lang="en-US" dirty="0" smtClean="0"/>
+              <a:t>EC2 Container Service</a:t>
+            </a:r>
+            <a:endParaRPr lang="en-US" dirty="0"/>
+          </a:p>
+        </p:txBody>
+      </p:sp>
+      <p:sp>
+        <p:nvSpPr>
+          <p:cNvPr id="3" name="Content Placeholder 2"/>
+          <p:cNvSpPr>
+            <a:spLocks noGrp="1"/>
+          </p:cNvSpPr>
+          <p:nvPr>
+            <p:ph idx="1"/>
+          </p:nvPr>
+        </p:nvSpPr>
+        <p:spPr/>
+        <p:txBody>
+          <a:bodyPr/>
+          <a:lstStyle/>
+          <a:p>
+            <a:pPr marL="342900" indent="-342900">
+              <a:buFont typeface="Arial" charset="0"/>
+              <a:buChar char="•"/>
+            </a:pPr>
+            <a:r>
+              <a:rPr lang="en-US" dirty="0" smtClean="0"/>
+              <a:t>Container management service</a:t>
+            </a:r>
+            <a:endParaRPr lang="en-US" dirty="0" smtClean="0"/>
+          </a:p>
+          <a:p>
+            <a:pPr marL="342900" indent="-342900">
+              <a:buFont typeface="Arial" charset="0"/>
+              <a:buChar char="•"/>
+            </a:pPr>
+            <a:r>
+              <a:rPr lang="en-US" dirty="0" smtClean="0"/>
+              <a:t>Supports </a:t>
+            </a:r>
+            <a:r>
+              <a:rPr lang="en-US" dirty="0" err="1" smtClean="0"/>
+              <a:t>Docker</a:t>
+            </a:r>
+            <a:r>
+              <a:rPr lang="en-US" dirty="0" smtClean="0"/>
+              <a:t> containers</a:t>
+            </a:r>
+            <a:endParaRPr lang="en-US" dirty="0" smtClean="0"/>
+          </a:p>
+          <a:p>
+            <a:pPr marL="342900" indent="-342900">
+              <a:buFont typeface="Arial" charset="0"/>
+              <a:buChar char="•"/>
+            </a:pPr>
+            <a:r>
+              <a:rPr lang="en-US" dirty="0" smtClean="0"/>
+              <a:t>Provides cluster management</a:t>
+            </a:r>
+          </a:p>
+          <a:p>
+            <a:pPr marL="342900" indent="-342900">
+              <a:buFont typeface="Arial" charset="0"/>
+              <a:buChar char="•"/>
+            </a:pPr>
+            <a:r>
+              <a:rPr lang="en-US" dirty="0" smtClean="0"/>
+              <a:t>Provides task placement</a:t>
+            </a:r>
+            <a:endParaRPr lang="en-US" dirty="0" smtClean="0"/>
+          </a:p>
+          <a:p>
+            <a:pPr marL="342900" indent="-342900">
+              <a:buFont typeface="Arial" charset="0"/>
+              <a:buChar char="•"/>
+            </a:pPr>
+            <a:r>
+              <a:rPr lang="en-US" dirty="0" smtClean="0"/>
+              <a:t>Provides routing through ELB integration</a:t>
+            </a:r>
+            <a:endParaRPr lang="en-US" dirty="0"/>
+          </a:p>
+        </p:txBody>
+      </p:sp>
+    </p:spTree>
+    <p:extLst>
+      <p:ext uri="{BB962C8B-B14F-4D97-AF65-F5344CB8AC3E}">
+        <p14:creationId xmlns:p14="http://schemas.microsoft.com/office/powerpoint/2010/main" val="1013969935"/>
       </p:ext>
     </p:extLst>
   </p:cSld>
@@ -11215,7 +11243,7 @@
 </file>
 
 <file path=ppt/slides/slide17.xml><?xml version="1.0" encoding="utf-8"?>
-<p:sld xmlns:a="http://schemas.openxmlformats.org/drawingml/2006/main" xmlns:r="http://schemas.openxmlformats.org/officeDocument/2006/relationships" xmlns:mc="http://schemas.openxmlformats.org/markup-compatibility/2006" xmlns:mv="urn:schemas-microsoft-com:mac:vml" xmlns:p="http://schemas.openxmlformats.org/presentationml/2006/main" mc:Ignorable="mv" mc:PreserveAttributes="mv:*">
+<p:sld xmlns:a="http://schemas.openxmlformats.org/drawingml/2006/main" xmlns:r="http://schemas.openxmlformats.org/officeDocument/2006/relationships" xmlns:p="http://schemas.openxmlformats.org/presentationml/2006/main">
   <p:cSld>
     <p:spTree>
       <p:nvGrpSpPr>
@@ -11248,7 +11276,7 @@
           <a:p>
             <a:r>
               <a:rPr lang="en-US" dirty="0" smtClean="0"/>
-              <a:t>EC2 Container Service</a:t>
+              <a:t>Empire’s Scheduler Interface</a:t>
             </a:r>
             <a:endParaRPr lang="en-US" dirty="0"/>
           </a:p>
@@ -11269,75 +11297,230 @@
           <a:bodyPr/>
           <a:lstStyle/>
           <a:p>
-            <a:pPr marL="342900" indent="-342900">
-              <a:buFont typeface="Arial" charset="0"/>
-              <a:buChar char="•"/>
-            </a:pPr>
-            <a:r>
-              <a:rPr lang="en-US" dirty="0" smtClean="0"/>
-              <a:t>Managed cluster manager and scheduler</a:t>
-            </a:r>
-          </a:p>
-          <a:p>
-            <a:pPr marL="342900" indent="-342900">
-              <a:buFont typeface="Arial" charset="0"/>
-              <a:buChar char="•"/>
-            </a:pPr>
-            <a:r>
-              <a:rPr lang="en-US" dirty="0" smtClean="0"/>
-              <a:t>Supports </a:t>
-            </a:r>
-            <a:r>
-              <a:rPr lang="en-US" dirty="0" err="1" smtClean="0"/>
-              <a:t>Docker</a:t>
-            </a:r>
+            <a:r>
+              <a:rPr lang="en-US" dirty="0">
+                <a:solidFill>
+                  <a:schemeClr val="tx2"/>
+                </a:solidFill>
+              </a:rPr>
+              <a:t>t</a:t>
+            </a:r>
+            <a:r>
+              <a:rPr lang="en-US" dirty="0" smtClean="0">
+                <a:solidFill>
+                  <a:schemeClr val="tx2"/>
+                </a:solidFill>
+              </a:rPr>
+              <a:t>ype App []Process</a:t>
+            </a:r>
+          </a:p>
+          <a:p>
             <a:endParaRPr lang="en-US" dirty="0" smtClean="0"/>
           </a:p>
           <a:p>
-            <a:pPr marL="342900" indent="-342900">
-              <a:buFont typeface="Arial" charset="0"/>
-              <a:buChar char="•"/>
-            </a:pPr>
-            <a:r>
-              <a:rPr lang="en-US" dirty="0" smtClean="0"/>
-              <a:t>Built-in service scheduler</a:t>
-            </a:r>
-          </a:p>
-          <a:p>
-            <a:pPr marL="342900" indent="-342900">
-              <a:buFont typeface="Arial" charset="0"/>
-              <a:buChar char="•"/>
-            </a:pPr>
-            <a:r>
-              <a:rPr lang="en-US" dirty="0" smtClean="0"/>
-              <a:t>Integrates with ELB</a:t>
-            </a:r>
-            <a:endParaRPr lang="en-US" dirty="0"/>
+            <a:r>
+              <a:rPr lang="en-US" dirty="0">
+                <a:solidFill>
+                  <a:schemeClr val="tx2"/>
+                </a:solidFill>
+              </a:rPr>
+              <a:t>t</a:t>
+            </a:r>
+            <a:r>
+              <a:rPr lang="en-US" dirty="0" smtClean="0">
+                <a:solidFill>
+                  <a:schemeClr val="tx2"/>
+                </a:solidFill>
+              </a:rPr>
+              <a:t>ype Scheduler interface {</a:t>
+            </a:r>
+          </a:p>
+          <a:p>
+            <a:r>
+              <a:rPr lang="en-US" dirty="0" smtClean="0"/>
+              <a:t>	 Submit</a:t>
+            </a:r>
+            <a:r>
+              <a:rPr lang="en-US" dirty="0" smtClean="0">
+                <a:solidFill>
+                  <a:schemeClr val="tx2"/>
+                </a:solidFill>
+              </a:rPr>
+              <a:t>(App)</a:t>
+            </a:r>
+            <a:r>
+              <a:rPr lang="en-US" dirty="0" smtClean="0"/>
+              <a:t>            </a:t>
+            </a:r>
+            <a:r>
+              <a:rPr lang="en-US" dirty="0" smtClean="0">
+                <a:solidFill>
+                  <a:schemeClr val="accent6"/>
+                </a:solidFill>
+              </a:rPr>
+              <a:t>// Create/Update an app</a:t>
+            </a:r>
+          </a:p>
+          <a:p>
+            <a:r>
+              <a:rPr lang="en-US" dirty="0" smtClean="0"/>
+              <a:t>    </a:t>
+            </a:r>
+            <a:r>
+              <a:rPr lang="en-US" dirty="0"/>
+              <a:t>Remove</a:t>
+            </a:r>
+            <a:r>
+              <a:rPr lang="en-US" dirty="0">
+                <a:solidFill>
+                  <a:schemeClr val="tx2"/>
+                </a:solidFill>
+              </a:rPr>
+              <a:t>(App</a:t>
+            </a:r>
+            <a:r>
+              <a:rPr lang="en-US" dirty="0" smtClean="0">
+                <a:solidFill>
+                  <a:schemeClr val="tx2"/>
+                </a:solidFill>
+              </a:rPr>
+              <a:t>)</a:t>
+            </a:r>
+            <a:r>
+              <a:rPr lang="en-US" dirty="0" smtClean="0"/>
+              <a:t>            </a:t>
+            </a:r>
+            <a:r>
+              <a:rPr lang="en-US" dirty="0" smtClean="0">
+                <a:solidFill>
+                  <a:schemeClr val="accent6"/>
+                </a:solidFill>
+              </a:rPr>
+              <a:t>// Remove an app</a:t>
+            </a:r>
+          </a:p>
+          <a:p>
+            <a:r>
+              <a:rPr lang="en-US" dirty="0" smtClean="0"/>
+              <a:t>    Scale</a:t>
+            </a:r>
+            <a:r>
+              <a:rPr lang="en-US" dirty="0" smtClean="0">
+                <a:solidFill>
+                  <a:schemeClr val="tx2"/>
+                </a:solidFill>
+              </a:rPr>
+              <a:t>(App, Process)</a:t>
+            </a:r>
+            <a:r>
+              <a:rPr lang="en-US" dirty="0" smtClean="0"/>
+              <a:t>    </a:t>
+            </a:r>
+            <a:r>
+              <a:rPr lang="en-US" dirty="0" smtClean="0">
+                <a:solidFill>
+                  <a:schemeClr val="accent6"/>
+                </a:solidFill>
+              </a:rPr>
+              <a:t>// Scale out a process</a:t>
+            </a:r>
+            <a:endParaRPr lang="en-US" dirty="0" smtClean="0">
+              <a:solidFill>
+                <a:schemeClr val="accent6"/>
+              </a:solidFill>
+            </a:endParaRPr>
+          </a:p>
+          <a:p>
+            <a:r>
+              <a:rPr lang="en-US" dirty="0"/>
+              <a:t> </a:t>
+            </a:r>
+            <a:r>
+              <a:rPr lang="en-US" dirty="0" smtClean="0"/>
+              <a:t>   Tasks</a:t>
+            </a:r>
+            <a:r>
+              <a:rPr lang="en-US" dirty="0" smtClean="0">
+                <a:solidFill>
+                  <a:schemeClr val="tx2"/>
+                </a:solidFill>
+              </a:rPr>
+              <a:t>(App</a:t>
+            </a:r>
+            <a:r>
+              <a:rPr lang="en-US" dirty="0">
+                <a:solidFill>
+                  <a:schemeClr val="tx2"/>
+                </a:solidFill>
+              </a:rPr>
+              <a:t>) </a:t>
+            </a:r>
+            <a:r>
+              <a:rPr lang="en-US" dirty="0" smtClean="0">
+                <a:solidFill>
+                  <a:schemeClr val="tx2"/>
+                </a:solidFill>
+              </a:rPr>
+              <a:t>[]</a:t>
+            </a:r>
+            <a:r>
+              <a:rPr lang="en-US" dirty="0" smtClean="0">
+                <a:solidFill>
+                  <a:schemeClr val="tx2"/>
+                </a:solidFill>
+              </a:rPr>
+              <a:t>Task</a:t>
+            </a:r>
+            <a:r>
+              <a:rPr lang="en-US" dirty="0" smtClean="0"/>
+              <a:t>      </a:t>
+            </a:r>
+            <a:r>
+              <a:rPr lang="en-US" dirty="0" smtClean="0">
+                <a:solidFill>
+                  <a:schemeClr val="accent6"/>
+                </a:solidFill>
+              </a:rPr>
+              <a:t>// List process state</a:t>
+            </a:r>
+            <a:endParaRPr lang="en-US" dirty="0" smtClean="0">
+              <a:solidFill>
+                <a:schemeClr val="accent6"/>
+              </a:solidFill>
+            </a:endParaRPr>
+          </a:p>
+          <a:p>
+            <a:r>
+              <a:rPr lang="en-US" dirty="0" smtClean="0">
+                <a:solidFill>
+                  <a:schemeClr val="tx2"/>
+                </a:solidFill>
+              </a:rPr>
+              <a:t>}</a:t>
+            </a:r>
+            <a:endParaRPr lang="en-US" dirty="0">
+              <a:solidFill>
+                <a:schemeClr val="tx2"/>
+              </a:solidFill>
+            </a:endParaRPr>
           </a:p>
         </p:txBody>
       </p:sp>
     </p:spTree>
     <p:extLst>
       <p:ext uri="{BB962C8B-B14F-4D97-AF65-F5344CB8AC3E}">
-        <p14:creationId xmlns="" xmlns:a="http://schemas.openxmlformats.org/drawingml/2006/main" xmlns:r="http://schemas.openxmlformats.org/officeDocument/2006/relationships" xmlns:p="http://schemas.openxmlformats.org/presentationml/2006/main" xmlns:p14="http://schemas.microsoft.com/office/powerpoint/2010/main" xmlns:mv="urn:schemas-microsoft-com:mac:vml" xmlns:mc="http://schemas.openxmlformats.org/markup-compatibility/2006" val="1013969935"/>
+        <p14:creationId xmlns:p14="http://schemas.microsoft.com/office/powerpoint/2010/main" val="2135493620"/>
       </p:ext>
     </p:extLst>
   </p:cSld>
   <p:clrMapOvr>
     <a:masterClrMapping/>
   </p:clrMapOvr>
-  <p:timing>
-    <p:tnLst>
-      <p:par>
-        <p:cTn id="1" dur="indefinite" restart="never" nodeType="tmRoot"/>
-      </p:par>
-    </p:tnLst>
-  </p:timing>
 </p:sld>
 </file>
 
 <file path=ppt/slides/slide18.xml><?xml version="1.0" encoding="utf-8"?>
-<p:sld xmlns:a="http://schemas.openxmlformats.org/drawingml/2006/main" xmlns:r="http://schemas.openxmlformats.org/officeDocument/2006/relationships" xmlns:mc="http://schemas.openxmlformats.org/markup-compatibility/2006" xmlns:mv="urn:schemas-microsoft-com:mac:vml" xmlns:p="http://schemas.openxmlformats.org/presentationml/2006/main" mc:Ignorable="mv" mc:PreserveAttributes="mv:*">
+<p:sld xmlns:a="http://schemas.openxmlformats.org/drawingml/2006/main" xmlns:r="http://schemas.openxmlformats.org/officeDocument/2006/relationships" xmlns:p="http://schemas.openxmlformats.org/presentationml/2006/main">
   <p:cSld>
     <p:spTree>
       <p:nvGrpSpPr>
@@ -11407,8 +11590,9 @@
             </a:pPr>
             <a:r>
               <a:rPr lang="en-US" dirty="0" smtClean="0"/>
-              <a:t>Task Definitions</a:t>
-            </a:r>
+              <a:t>Services</a:t>
+            </a:r>
+            <a:endParaRPr lang="en-US" dirty="0" smtClean="0"/>
           </a:p>
           <a:p>
             <a:pPr marL="342900" indent="-342900">
@@ -11417,7 +11601,7 @@
             </a:pPr>
             <a:r>
               <a:rPr lang="en-US" dirty="0" smtClean="0"/>
-              <a:t>Tasks</a:t>
+              <a:t>Task Definitions</a:t>
             </a:r>
           </a:p>
           <a:p>
@@ -11427,16 +11611,16 @@
             </a:pPr>
             <a:r>
               <a:rPr lang="en-US" dirty="0" smtClean="0"/>
-              <a:t>Services</a:t>
-            </a:r>
-            <a:endParaRPr lang="en-US" dirty="0"/>
+              <a:t>Tasks</a:t>
+            </a:r>
+            <a:endParaRPr lang="en-US" dirty="0" smtClean="0"/>
           </a:p>
         </p:txBody>
       </p:sp>
     </p:spTree>
     <p:extLst>
       <p:ext uri="{BB962C8B-B14F-4D97-AF65-F5344CB8AC3E}">
-        <p14:creationId xmlns="" xmlns:a="http://schemas.openxmlformats.org/drawingml/2006/main" xmlns:r="http://schemas.openxmlformats.org/officeDocument/2006/relationships" xmlns:p="http://schemas.openxmlformats.org/presentationml/2006/main" xmlns:p14="http://schemas.microsoft.com/office/powerpoint/2010/main" xmlns:mv="urn:schemas-microsoft-com:mac:vml" xmlns:mc="http://schemas.openxmlformats.org/markup-compatibility/2006" val="557709769"/>
+        <p14:creationId xmlns:p14="http://schemas.microsoft.com/office/powerpoint/2010/main" val="557709769"/>
       </p:ext>
     </p:extLst>
   </p:cSld>
@@ -11454,7 +11638,7 @@
 </file>
 
 <file path=ppt/slides/slide19.xml><?xml version="1.0" encoding="utf-8"?>
-<p:sld xmlns:a="http://schemas.openxmlformats.org/drawingml/2006/main" xmlns:r="http://schemas.openxmlformats.org/officeDocument/2006/relationships" xmlns:mc="http://schemas.openxmlformats.org/markup-compatibility/2006" xmlns:mv="urn:schemas-microsoft-com:mac:vml" xmlns:p="http://schemas.openxmlformats.org/presentationml/2006/main" mc:Ignorable="mv" mc:PreserveAttributes="mv:*">
+<p:sld xmlns:a="http://schemas.openxmlformats.org/drawingml/2006/main" xmlns:r="http://schemas.openxmlformats.org/officeDocument/2006/relationships" xmlns:p="http://schemas.openxmlformats.org/presentationml/2006/main">
   <p:cSld>
     <p:spTree>
       <p:nvGrpSpPr>
@@ -11513,7 +11697,7 @@
           <a:p>
             <a:r>
               <a:rPr lang="en-US" dirty="0" smtClean="0"/>
-              <a:t>Run(App)</a:t>
+              <a:t>Submit(App)</a:t>
             </a:r>
           </a:p>
           <a:p>
@@ -11526,23 +11710,23 @@
             </a:r>
           </a:p>
           <a:p>
+            <a:endParaRPr lang="en-US" dirty="0" smtClean="0"/>
+          </a:p>
+          <a:p>
             <a:r>
               <a:rPr lang="en-US" dirty="0" smtClean="0"/>
               <a:t>Scale(Process)</a:t>
             </a:r>
           </a:p>
           <a:p>
+            <a:endParaRPr lang="en-US" dirty="0" smtClean="0"/>
+          </a:p>
+          <a:p>
             <a:r>
               <a:rPr lang="en-US" dirty="0" smtClean="0"/>
               <a:t>Tasks(App) []Task</a:t>
             </a:r>
-          </a:p>
-          <a:p>
-            <a:r>
-              <a:rPr lang="en-US" dirty="0" smtClean="0"/>
-              <a:t>Stop(Task)</a:t>
-            </a:r>
-            <a:endParaRPr lang="en-US" dirty="0"/>
+            <a:endParaRPr lang="en-US" dirty="0" smtClean="0"/>
           </a:p>
         </p:txBody>
       </p:sp>
@@ -11640,6 +11824,9 @@
             <a:endParaRPr lang="en-US" dirty="0" smtClean="0"/>
           </a:p>
           <a:p>
+            <a:endParaRPr lang="en-US" dirty="0" smtClean="0"/>
+          </a:p>
+          <a:p>
             <a:r>
               <a:rPr lang="en-US" dirty="0" err="1" smtClean="0"/>
               <a:t>UpdateService</a:t>
@@ -11647,25 +11834,21 @@
             <a:endParaRPr lang="en-US" dirty="0" smtClean="0"/>
           </a:p>
           <a:p>
+            <a:endParaRPr lang="en-US" dirty="0" smtClean="0"/>
+          </a:p>
+          <a:p>
             <a:r>
               <a:rPr lang="en-US" dirty="0" err="1" smtClean="0"/>
               <a:t>ListTasks</a:t>
             </a:r>
             <a:endParaRPr lang="en-US" dirty="0" smtClean="0"/>
-          </a:p>
-          <a:p>
-            <a:r>
-              <a:rPr lang="en-US" dirty="0" err="1" smtClean="0"/>
-              <a:t>StopTask</a:t>
-            </a:r>
-            <a:endParaRPr lang="en-US" dirty="0"/>
           </a:p>
         </p:txBody>
       </p:sp>
     </p:spTree>
     <p:extLst>
       <p:ext uri="{BB962C8B-B14F-4D97-AF65-F5344CB8AC3E}">
-        <p14:creationId xmlns="" xmlns:a="http://schemas.openxmlformats.org/drawingml/2006/main" xmlns:r="http://schemas.openxmlformats.org/officeDocument/2006/relationships" xmlns:p="http://schemas.openxmlformats.org/presentationml/2006/main" xmlns:p14="http://schemas.microsoft.com/office/powerpoint/2010/main" xmlns:mv="urn:schemas-microsoft-com:mac:vml" xmlns:mc="http://schemas.openxmlformats.org/markup-compatibility/2006" val="178948511"/>
+        <p14:creationId xmlns:p14="http://schemas.microsoft.com/office/powerpoint/2010/main" val="178948511"/>
       </p:ext>
     </p:extLst>
   </p:cSld>
@@ -11683,7 +11866,7 @@
 </file>
 
 <file path=ppt/slides/slide2.xml><?xml version="1.0" encoding="utf-8"?>
-<p:sld xmlns:a="http://schemas.openxmlformats.org/drawingml/2006/main" xmlns:r="http://schemas.openxmlformats.org/officeDocument/2006/relationships" xmlns:mc="http://schemas.openxmlformats.org/markup-compatibility/2006" xmlns:mv="urn:schemas-microsoft-com:mac:vml" xmlns:p="http://schemas.openxmlformats.org/presentationml/2006/main" mc:Ignorable="mv" mc:PreserveAttributes="mv:*">
+<p:sld xmlns:a="http://schemas.openxmlformats.org/drawingml/2006/main" xmlns:r="http://schemas.openxmlformats.org/officeDocument/2006/relationships" xmlns:p="http://schemas.openxmlformats.org/presentationml/2006/main">
   <p:cSld>
     <p:spTree>
       <p:nvGrpSpPr>
@@ -11773,7 +11956,7 @@
     </p:spTree>
     <p:extLst>
       <p:ext uri="{BB962C8B-B14F-4D97-AF65-F5344CB8AC3E}">
-        <p14:creationId xmlns="" xmlns:a="http://schemas.openxmlformats.org/drawingml/2006/main" xmlns:r="http://schemas.openxmlformats.org/officeDocument/2006/relationships" xmlns:p="http://schemas.openxmlformats.org/presentationml/2006/main" xmlns:p14="http://schemas.microsoft.com/office/powerpoint/2010/main" xmlns:mv="urn:schemas-microsoft-com:mac:vml" xmlns:mc="http://schemas.openxmlformats.org/markup-compatibility/2006" val="67347756"/>
+        <p14:creationId xmlns:p14="http://schemas.microsoft.com/office/powerpoint/2010/main" val="67347756"/>
       </p:ext>
     </p:extLst>
   </p:cSld>
@@ -11784,7 +11967,7 @@
 </file>
 
 <file path=ppt/slides/slide20.xml><?xml version="1.0" encoding="utf-8"?>
-<p:sld xmlns:a="http://schemas.openxmlformats.org/drawingml/2006/main" xmlns:r="http://schemas.openxmlformats.org/officeDocument/2006/relationships" xmlns:mc="http://schemas.openxmlformats.org/markup-compatibility/2006" xmlns:mv="urn:schemas-microsoft-com:mac:vml" xmlns:p="http://schemas.openxmlformats.org/presentationml/2006/main" mc:Ignorable="mv" mc:PreserveAttributes="mv:*">
+<p:sld xmlns:a="http://schemas.openxmlformats.org/drawingml/2006/main" xmlns:r="http://schemas.openxmlformats.org/officeDocument/2006/relationships" xmlns:p="http://schemas.openxmlformats.org/presentationml/2006/main">
   <p:cSld>
     <p:spTree>
       <p:nvGrpSpPr>
@@ -11802,7 +11985,7 @@
       </p:grpSpPr>
       <p:sp>
         <p:nvSpPr>
-          <p:cNvPr id="2" name="Title 1"/>
+          <p:cNvPr id="4" name="Title 3"/>
           <p:cNvSpPr>
             <a:spLocks noGrp="1"/>
           </p:cNvSpPr>
@@ -11817,7 +12000,7 @@
           <a:p>
             <a:r>
               <a:rPr lang="en-US" dirty="0" smtClean="0"/>
-              <a:t>Empire :: V2</a:t>
+              <a:t>ECS ELB Integration</a:t>
             </a:r>
             <a:endParaRPr lang="en-US" dirty="0"/>
           </a:p>
@@ -11825,270 +12008,92 @@
       </p:sp>
       <p:sp>
         <p:nvSpPr>
-          <p:cNvPr id="3" name="Content Placeholder 2"/>
-          <p:cNvSpPr>
-            <a:spLocks noGrp="1"/>
-          </p:cNvSpPr>
-          <p:nvPr>
-            <p:ph sz="half" idx="1"/>
-          </p:nvPr>
-        </p:nvSpPr>
-        <p:spPr/>
+          <p:cNvPr id="6" name="Content Placeholder 9"/>
+          <p:cNvSpPr>
+            <a:spLocks noGrp="1"/>
+          </p:cNvSpPr>
+          <p:nvPr>
+            <p:ph sz="quarter" idx="4"/>
+          </p:nvPr>
+        </p:nvSpPr>
+        <p:spPr>
+          <a:xfrm>
+            <a:off x="336789" y="2021528"/>
+            <a:ext cx="4126355" cy="937478"/>
+          </a:xfrm>
+        </p:spPr>
         <p:txBody>
           <a:bodyPr/>
           <a:lstStyle/>
           <a:p>
-            <a:pPr algn="ctr"/>
-            <a:r>
-              <a:rPr lang="en-US" b="1" dirty="0" smtClean="0"/>
-              <a:t>Scheduler</a:t>
-            </a:r>
-            <a:endParaRPr lang="en-US" b="1" dirty="0"/>
-          </a:p>
-        </p:txBody>
-      </p:sp>
-      <p:sp>
-        <p:nvSpPr>
-          <p:cNvPr id="4" name="Content Placeholder 3"/>
-          <p:cNvSpPr>
-            <a:spLocks noGrp="1"/>
-          </p:cNvSpPr>
-          <p:nvPr>
-            <p:ph sz="half" idx="10"/>
-          </p:nvPr>
-        </p:nvSpPr>
-        <p:spPr/>
-        <p:txBody>
-          <a:bodyPr/>
-          <a:lstStyle/>
-          <a:p>
-            <a:pPr algn="ctr"/>
-            <a:r>
-              <a:rPr lang="en-US" b="1" dirty="0" smtClean="0"/>
-              <a:t>Router</a:t>
-            </a:r>
-            <a:endParaRPr lang="en-US" b="1" dirty="0"/>
-          </a:p>
-        </p:txBody>
-      </p:sp>
-      <p:sp>
-        <p:nvSpPr>
-          <p:cNvPr id="5" name="Content Placeholder 4"/>
-          <p:cNvSpPr>
-            <a:spLocks noGrp="1"/>
-          </p:cNvSpPr>
-          <p:nvPr>
-            <p:ph sz="half" idx="11"/>
-          </p:nvPr>
-        </p:nvSpPr>
-        <p:spPr/>
-        <p:txBody>
-          <a:bodyPr/>
-          <a:lstStyle/>
-          <a:p>
-            <a:pPr algn="ctr"/>
-            <a:r>
-              <a:rPr lang="en-US" b="1" dirty="0" smtClean="0"/>
-              <a:t>Control Plane</a:t>
-            </a:r>
-            <a:endParaRPr lang="en-US" b="1" dirty="0"/>
+            <a:r>
+              <a:rPr lang="en-US" dirty="0" smtClean="0">
+                <a:solidFill>
+                  <a:schemeClr val="accent6"/>
+                </a:solidFill>
+                <a:latin typeface="Lucida Console" charset="0"/>
+                <a:ea typeface="Lucida Console" charset="0"/>
+                <a:cs typeface="Lucida Console" charset="0"/>
+              </a:rPr>
+              <a:t>$ </a:t>
+            </a:r>
+            <a:r>
+              <a:rPr lang="en-US" dirty="0" smtClean="0">
+                <a:latin typeface="Lucida Console" charset="0"/>
+                <a:ea typeface="Lucida Console" charset="0"/>
+                <a:cs typeface="Lucida Console" charset="0"/>
+              </a:rPr>
+              <a:t>curl http://</a:t>
+            </a:r>
+            <a:r>
+              <a:rPr lang="en-US" dirty="0" err="1" smtClean="0">
+                <a:latin typeface="Lucida Console" charset="0"/>
+                <a:ea typeface="Lucida Console" charset="0"/>
+                <a:cs typeface="Lucida Console" charset="0"/>
+              </a:rPr>
+              <a:t>api</a:t>
+            </a:r>
+            <a:endParaRPr lang="en-US" dirty="0">
+              <a:latin typeface="Lucida Console" charset="0"/>
+              <a:ea typeface="Lucida Console" charset="0"/>
+              <a:cs typeface="Lucida Console" charset="0"/>
+            </a:endParaRPr>
+          </a:p>
+          <a:p>
+            <a:r>
+              <a:rPr lang="en-US" dirty="0" smtClean="0">
+                <a:latin typeface="Lucida Console" charset="0"/>
+                <a:ea typeface="Lucida Console" charset="0"/>
+                <a:cs typeface="Lucida Console" charset="0"/>
+              </a:rPr>
+              <a:t>Ok</a:t>
+            </a:r>
+            <a:endParaRPr lang="en-US" dirty="0">
+              <a:latin typeface="Lucida Console" charset="0"/>
+              <a:ea typeface="Lucida Console" charset="0"/>
+              <a:cs typeface="Lucida Console" charset="0"/>
+            </a:endParaRPr>
           </a:p>
         </p:txBody>
       </p:sp>
       <p:pic>
         <p:nvPicPr>
-          <p:cNvPr id="9" name="Picture 8"/>
+          <p:cNvPr id="2" name="Picture 1"/>
           <p:cNvPicPr>
             <a:picLocks noChangeAspect="1"/>
           </p:cNvPicPr>
           <p:nvPr/>
         </p:nvPicPr>
         <p:blipFill>
-          <a:blip r:embed="rId3">
-            <a:extLst>
-              <a:ext uri="{28A0092B-C50C-407E-A947-70E740481C1C}">
-                <a14:useLocalDpi xmlns="" xmlns:a="http://schemas.openxmlformats.org/drawingml/2006/main" xmlns:r="http://schemas.openxmlformats.org/officeDocument/2006/relationships" xmlns:p="http://schemas.openxmlformats.org/presentationml/2006/main" xmlns:a14="http://schemas.microsoft.com/office/drawing/2010/main" xmlns:mv="urn:schemas-microsoft-com:mac:vml" xmlns:mc="http://schemas.openxmlformats.org/markup-compatibility/2006" val="0"/>
-              </a:ext>
-            </a:extLst>
-          </a:blip>
+          <a:blip r:embed="rId3"/>
           <a:stretch>
             <a:fillRect/>
           </a:stretch>
         </p:blipFill>
         <p:spPr>
           <a:xfrm>
-            <a:off x="635103" y="1940767"/>
-            <a:ext cx="1847461" cy="1847461"/>
-          </a:xfrm>
-          <a:prstGeom prst="rect">
-            <a:avLst/>
-          </a:prstGeom>
-        </p:spPr>
-      </p:pic>
-      <p:sp>
-        <p:nvSpPr>
-          <p:cNvPr id="10" name="TextBox 9"/>
-          <p:cNvSpPr txBox="1"/>
-          <p:nvPr/>
-        </p:nvSpPr>
-        <p:spPr>
-          <a:xfrm>
-            <a:off x="1229255" y="2780522"/>
-            <a:ext cx="659155" cy="369332"/>
-          </a:xfrm>
-          <a:prstGeom prst="rect">
-            <a:avLst/>
-          </a:prstGeom>
-          <a:noFill/>
-        </p:spPr>
-        <p:txBody>
-          <a:bodyPr wrap="none" rtlCol="0">
-            <a:spAutoFit/>
-          </a:bodyPr>
-          <a:lstStyle/>
-          <a:p>
-            <a:r>
-              <a:rPr lang="en-US" smtClean="0"/>
-              <a:t>ECS</a:t>
-            </a:r>
-            <a:endParaRPr lang="en-US"/>
-          </a:p>
-        </p:txBody>
-      </p:sp>
-      <p:pic>
-        <p:nvPicPr>
-          <p:cNvPr id="11" name="Picture 10"/>
-          <p:cNvPicPr>
-            <a:picLocks noChangeAspect="1"/>
-          </p:cNvPicPr>
-          <p:nvPr/>
-        </p:nvPicPr>
-        <p:blipFill>
-          <a:blip r:embed="rId3">
-            <a:extLst>
-              <a:ext uri="{28A0092B-C50C-407E-A947-70E740481C1C}">
-                <a14:useLocalDpi xmlns="" xmlns:a="http://schemas.openxmlformats.org/drawingml/2006/main" xmlns:r="http://schemas.openxmlformats.org/officeDocument/2006/relationships" xmlns:p="http://schemas.openxmlformats.org/presentationml/2006/main" xmlns:a14="http://schemas.microsoft.com/office/drawing/2010/main" xmlns:mv="urn:schemas-microsoft-com:mac:vml" xmlns:mc="http://schemas.openxmlformats.org/markup-compatibility/2006" val="0"/>
-              </a:ext>
-            </a:extLst>
-          </a:blip>
-          <a:stretch>
-            <a:fillRect/>
-          </a:stretch>
-        </p:blipFill>
-        <p:spPr>
-          <a:xfrm>
-            <a:off x="3530703" y="1940767"/>
-            <a:ext cx="1847461" cy="1847461"/>
-          </a:xfrm>
-          <a:prstGeom prst="rect">
-            <a:avLst/>
-          </a:prstGeom>
-        </p:spPr>
-      </p:pic>
-      <p:sp>
-        <p:nvSpPr>
-          <p:cNvPr id="12" name="TextBox 11"/>
-          <p:cNvSpPr txBox="1"/>
-          <p:nvPr/>
-        </p:nvSpPr>
-        <p:spPr>
-          <a:xfrm>
-            <a:off x="4124855" y="2780522"/>
-            <a:ext cx="620683" cy="369332"/>
-          </a:xfrm>
-          <a:prstGeom prst="rect">
-            <a:avLst/>
-          </a:prstGeom>
-          <a:noFill/>
-        </p:spPr>
-        <p:txBody>
-          <a:bodyPr wrap="none" rtlCol="0">
-            <a:spAutoFit/>
-          </a:bodyPr>
-          <a:lstStyle/>
-          <a:p>
-            <a:r>
-              <a:rPr lang="en-US" dirty="0" smtClean="0"/>
-              <a:t>ELB</a:t>
-            </a:r>
-            <a:endParaRPr lang="en-US" dirty="0"/>
-          </a:p>
-        </p:txBody>
-      </p:sp>
-      <p:sp>
-        <p:nvSpPr>
-          <p:cNvPr id="13" name="TextBox 12"/>
-          <p:cNvSpPr txBox="1"/>
-          <p:nvPr/>
-        </p:nvSpPr>
-        <p:spPr>
-          <a:xfrm>
-            <a:off x="6202863" y="2150906"/>
-            <a:ext cx="2339230" cy="646331"/>
-          </a:xfrm>
-          <a:prstGeom prst="rect">
-            <a:avLst/>
-          </a:prstGeom>
-          <a:noFill/>
-        </p:spPr>
-        <p:txBody>
-          <a:bodyPr wrap="none" rtlCol="0">
-            <a:spAutoFit/>
-          </a:bodyPr>
-          <a:lstStyle/>
-          <a:p>
-            <a:pPr algn="ctr"/>
-            <a:r>
-              <a:rPr lang="en-US" dirty="0" err="1" smtClean="0"/>
-              <a:t>Heroku</a:t>
-            </a:r>
-            <a:r>
-              <a:rPr lang="en-US" dirty="0" smtClean="0"/>
-              <a:t> Platform API </a:t>
-            </a:r>
-          </a:p>
-          <a:p>
-            <a:pPr algn="ctr"/>
-            <a:r>
-              <a:rPr lang="en-US" dirty="0" smtClean="0"/>
-              <a:t>Spec + </a:t>
-            </a:r>
-            <a:r>
-              <a:rPr lang="en-US" dirty="0" err="1" smtClean="0"/>
-              <a:t>emp</a:t>
-            </a:r>
-            <a:r>
-              <a:rPr lang="en-US" dirty="0" smtClean="0"/>
-              <a:t> CLI</a:t>
-            </a:r>
-            <a:endParaRPr lang="en-US" dirty="0"/>
-          </a:p>
-        </p:txBody>
-      </p:sp>
-      <p:pic>
-        <p:nvPicPr>
-          <p:cNvPr id="14" name="Picture 13"/>
-          <p:cNvPicPr>
-            <a:picLocks noChangeAspect="1"/>
-          </p:cNvPicPr>
-          <p:nvPr/>
-        </p:nvPicPr>
-        <p:blipFill>
-          <a:blip r:embed="rId4">
-            <a:extLst>
-              <a:ext uri="{28A0092B-C50C-407E-A947-70E740481C1C}">
-                <a14:useLocalDpi xmlns="" xmlns:a="http://schemas.openxmlformats.org/drawingml/2006/main" xmlns:r="http://schemas.openxmlformats.org/officeDocument/2006/relationships" xmlns:p="http://schemas.openxmlformats.org/presentationml/2006/main" xmlns:a14="http://schemas.microsoft.com/office/drawing/2010/main" xmlns:mv="urn:schemas-microsoft-com:mac:vml" xmlns:mc="http://schemas.openxmlformats.org/markup-compatibility/2006" val="0"/>
-              </a:ext>
-            </a:extLst>
-          </a:blip>
-          <a:stretch>
-            <a:fillRect/>
-          </a:stretch>
-        </p:blipFill>
-        <p:spPr>
-          <a:xfrm>
-            <a:off x="6596090" y="2698422"/>
-            <a:ext cx="1552775" cy="1552775"/>
+            <a:off x="4463144" y="346034"/>
+            <a:ext cx="4078949" cy="4487980"/>
           </a:xfrm>
           <a:prstGeom prst="rect">
             <a:avLst/>
@@ -12098,7 +12103,7 @@
     </p:spTree>
     <p:extLst>
       <p:ext uri="{BB962C8B-B14F-4D97-AF65-F5344CB8AC3E}">
-        <p14:creationId xmlns="" xmlns:a="http://schemas.openxmlformats.org/drawingml/2006/main" xmlns:r="http://schemas.openxmlformats.org/officeDocument/2006/relationships" xmlns:p="http://schemas.openxmlformats.org/presentationml/2006/main" xmlns:p14="http://schemas.microsoft.com/office/powerpoint/2010/main" xmlns:mv="urn:schemas-microsoft-com:mac:vml" xmlns:mc="http://schemas.openxmlformats.org/markup-compatibility/2006" val="1705604458"/>
+        <p14:creationId xmlns:p14="http://schemas.microsoft.com/office/powerpoint/2010/main" val="247700720"/>
       </p:ext>
     </p:extLst>
   </p:cSld>
@@ -12116,7 +12121,7 @@
 </file>
 
 <file path=ppt/slides/slide21.xml><?xml version="1.0" encoding="utf-8"?>
-<p:sld xmlns:a="http://schemas.openxmlformats.org/drawingml/2006/main" xmlns:r="http://schemas.openxmlformats.org/officeDocument/2006/relationships" xmlns:mc="http://schemas.openxmlformats.org/markup-compatibility/2006" xmlns:mv="urn:schemas-microsoft-com:mac:vml" xmlns:p="http://schemas.openxmlformats.org/presentationml/2006/main" mc:Ignorable="mv" mc:PreserveAttributes="mv:*">
+<p:sld xmlns:a="http://schemas.openxmlformats.org/drawingml/2006/main" xmlns:r="http://schemas.openxmlformats.org/officeDocument/2006/relationships" xmlns:p="http://schemas.openxmlformats.org/presentationml/2006/main">
   <p:cSld>
     <p:spTree>
       <p:nvGrpSpPr>
@@ -12157,55 +12162,274 @@
       </p:sp>
       <p:sp>
         <p:nvSpPr>
-          <p:cNvPr id="6" name="Content Placeholder 5"/>
+          <p:cNvPr id="3" name="Content Placeholder 2"/>
           <p:cNvSpPr>
             <a:spLocks noGrp="1"/>
           </p:cNvSpPr>
           <p:nvPr>
             <p:ph sz="half" idx="1"/>
           </p:nvPr>
+        </p:nvSpPr>
+        <p:spPr/>
+        <p:txBody>
+          <a:bodyPr/>
+          <a:lstStyle/>
+          <a:p>
+            <a:pPr algn="ctr"/>
+            <a:r>
+              <a:rPr lang="en-US" b="1" dirty="0" smtClean="0"/>
+              <a:t>Scheduler</a:t>
+            </a:r>
+            <a:endParaRPr lang="en-US" b="1" dirty="0"/>
+          </a:p>
+        </p:txBody>
+      </p:sp>
+      <p:sp>
+        <p:nvSpPr>
+          <p:cNvPr id="4" name="Content Placeholder 3"/>
+          <p:cNvSpPr>
+            <a:spLocks noGrp="1"/>
+          </p:cNvSpPr>
+          <p:nvPr>
+            <p:ph sz="half" idx="10"/>
+          </p:nvPr>
+        </p:nvSpPr>
+        <p:spPr/>
+        <p:txBody>
+          <a:bodyPr/>
+          <a:lstStyle/>
+          <a:p>
+            <a:pPr algn="ctr"/>
+            <a:r>
+              <a:rPr lang="en-US" b="1" dirty="0" smtClean="0"/>
+              <a:t>Router</a:t>
+            </a:r>
+            <a:endParaRPr lang="en-US" b="1" dirty="0"/>
+          </a:p>
+        </p:txBody>
+      </p:sp>
+      <p:sp>
+        <p:nvSpPr>
+          <p:cNvPr id="5" name="Content Placeholder 4"/>
+          <p:cNvSpPr>
+            <a:spLocks noGrp="1"/>
+          </p:cNvSpPr>
+          <p:nvPr>
+            <p:ph sz="half" idx="11"/>
+          </p:nvPr>
+        </p:nvSpPr>
+        <p:spPr/>
+        <p:txBody>
+          <a:bodyPr/>
+          <a:lstStyle/>
+          <a:p>
+            <a:pPr algn="ctr"/>
+            <a:r>
+              <a:rPr lang="en-US" b="1" dirty="0" smtClean="0"/>
+              <a:t>Controller</a:t>
+            </a:r>
+            <a:endParaRPr lang="en-US" b="1" dirty="0"/>
+          </a:p>
+        </p:txBody>
+      </p:sp>
+      <p:sp>
+        <p:nvSpPr>
+          <p:cNvPr id="13" name="TextBox 12"/>
+          <p:cNvSpPr txBox="1"/>
+          <p:nvPr/>
         </p:nvSpPr>
         <p:spPr>
           <a:xfrm>
-            <a:off x="337518" y="2121885"/>
-            <a:ext cx="8204575" cy="1261395"/>
+            <a:off x="6227888" y="1422675"/>
+            <a:ext cx="2339230" cy="646331"/>
           </a:xfrm>
+          <a:prstGeom prst="rect">
+            <a:avLst/>
+          </a:prstGeom>
+          <a:noFill/>
         </p:spPr>
         <p:txBody>
-          <a:bodyPr>
-            <a:noAutofit/>
+          <a:bodyPr wrap="none" rtlCol="0">
+            <a:spAutoFit/>
           </a:bodyPr>
           <a:lstStyle/>
           <a:p>
             <a:pPr algn="ctr"/>
             <a:r>
-              <a:rPr lang="en-US" sz="2800" i="1" dirty="0" smtClean="0"/>
-              <a:t>An Open Source self hosted </a:t>
-            </a:r>
-            <a:r>
-              <a:rPr lang="en-US" sz="2800" i="1" dirty="0" err="1" smtClean="0"/>
-              <a:t>PaaS</a:t>
-            </a:r>
-            <a:r>
-              <a:rPr lang="en-US" sz="2800" i="1" dirty="0" smtClean="0"/>
-              <a:t> for running twelve-factor </a:t>
-            </a:r>
-            <a:r>
-              <a:rPr lang="en-US" sz="2800" i="1" dirty="0" err="1" smtClean="0"/>
-              <a:t>Docker</a:t>
-            </a:r>
-            <a:r>
-              <a:rPr lang="en-US" sz="2800" i="1" dirty="0" smtClean="0"/>
-              <a:t> apps backed by AWS services</a:t>
-            </a:r>
-            <a:endParaRPr lang="en-US" sz="2800" i="1" dirty="0"/>
-          </a:p>
-        </p:txBody>
-      </p:sp>
+              <a:rPr lang="en-US" dirty="0" err="1" smtClean="0"/>
+              <a:t>Heroku</a:t>
+            </a:r>
+            <a:r>
+              <a:rPr lang="en-US" dirty="0" smtClean="0"/>
+              <a:t> Platform API </a:t>
+            </a:r>
+          </a:p>
+          <a:p>
+            <a:pPr algn="ctr"/>
+            <a:r>
+              <a:rPr lang="en-US" dirty="0" smtClean="0"/>
+              <a:t>Spec + </a:t>
+            </a:r>
+            <a:r>
+              <a:rPr lang="en-US" dirty="0" smtClean="0"/>
+              <a:t>CLI</a:t>
+            </a:r>
+            <a:endParaRPr lang="en-US" dirty="0"/>
+          </a:p>
+        </p:txBody>
+      </p:sp>
+      <p:pic>
+        <p:nvPicPr>
+          <p:cNvPr id="6" name="Picture 5"/>
+          <p:cNvPicPr>
+            <a:picLocks noChangeAspect="1"/>
+          </p:cNvPicPr>
+          <p:nvPr/>
+        </p:nvPicPr>
+        <p:blipFill>
+          <a:blip r:embed="rId3"/>
+          <a:stretch>
+            <a:fillRect/>
+          </a:stretch>
+        </p:blipFill>
+        <p:spPr>
+          <a:xfrm>
+            <a:off x="602336" y="2371879"/>
+            <a:ext cx="2079840" cy="1186617"/>
+          </a:xfrm>
+          <a:prstGeom prst="rect">
+            <a:avLst/>
+          </a:prstGeom>
+        </p:spPr>
+      </p:pic>
+      <p:pic>
+        <p:nvPicPr>
+          <p:cNvPr id="15" name="Picture 14"/>
+          <p:cNvPicPr>
+            <a:picLocks noChangeAspect="1"/>
+          </p:cNvPicPr>
+          <p:nvPr/>
+        </p:nvPicPr>
+        <p:blipFill>
+          <a:blip r:embed="rId3"/>
+          <a:stretch>
+            <a:fillRect/>
+          </a:stretch>
+        </p:blipFill>
+        <p:spPr>
+          <a:xfrm>
+            <a:off x="3593794" y="2371878"/>
+            <a:ext cx="2079840" cy="1186617"/>
+          </a:xfrm>
+          <a:prstGeom prst="rect">
+            <a:avLst/>
+          </a:prstGeom>
+        </p:spPr>
+      </p:pic>
+      <p:sp>
+        <p:nvSpPr>
+          <p:cNvPr id="7" name="TextBox 6"/>
+          <p:cNvSpPr txBox="1"/>
+          <p:nvPr/>
+        </p:nvSpPr>
+        <p:spPr>
+          <a:xfrm>
+            <a:off x="1229256" y="2965186"/>
+            <a:ext cx="659155" cy="369332"/>
+          </a:xfrm>
+          <a:prstGeom prst="rect">
+            <a:avLst/>
+          </a:prstGeom>
+          <a:noFill/>
+        </p:spPr>
+        <p:txBody>
+          <a:bodyPr wrap="none" rtlCol="0">
+            <a:spAutoFit/>
+          </a:bodyPr>
+          <a:lstStyle/>
+          <a:p>
+            <a:r>
+              <a:rPr lang="en-US" b="1" dirty="0" smtClean="0">
+                <a:solidFill>
+                  <a:schemeClr val="bg1"/>
+                </a:solidFill>
+              </a:rPr>
+              <a:t>ECS</a:t>
+            </a:r>
+            <a:endParaRPr lang="en-US" b="1" dirty="0">
+              <a:solidFill>
+                <a:schemeClr val="bg1"/>
+              </a:solidFill>
+            </a:endParaRPr>
+          </a:p>
+        </p:txBody>
+      </p:sp>
+      <p:sp>
+        <p:nvSpPr>
+          <p:cNvPr id="8" name="TextBox 7"/>
+          <p:cNvSpPr txBox="1"/>
+          <p:nvPr/>
+        </p:nvSpPr>
+        <p:spPr>
+          <a:xfrm>
+            <a:off x="4310548" y="2965186"/>
+            <a:ext cx="646331" cy="369332"/>
+          </a:xfrm>
+          <a:prstGeom prst="rect">
+            <a:avLst/>
+          </a:prstGeom>
+          <a:noFill/>
+        </p:spPr>
+        <p:txBody>
+          <a:bodyPr wrap="none" rtlCol="0">
+            <a:spAutoFit/>
+          </a:bodyPr>
+          <a:lstStyle/>
+          <a:p>
+            <a:r>
+              <a:rPr lang="en-US" b="1" dirty="0" smtClean="0">
+                <a:solidFill>
+                  <a:schemeClr val="bg1"/>
+                </a:solidFill>
+              </a:rPr>
+              <a:t>ELB</a:t>
+            </a:r>
+            <a:endParaRPr lang="en-US" b="1" dirty="0">
+              <a:solidFill>
+                <a:schemeClr val="bg1"/>
+              </a:solidFill>
+            </a:endParaRPr>
+          </a:p>
+        </p:txBody>
+      </p:sp>
+      <p:pic>
+        <p:nvPicPr>
+          <p:cNvPr id="16" name="Picture 15"/>
+          <p:cNvPicPr>
+            <a:picLocks noChangeAspect="1"/>
+          </p:cNvPicPr>
+          <p:nvPr/>
+        </p:nvPicPr>
+        <p:blipFill>
+          <a:blip r:embed="rId4"/>
+          <a:stretch>
+            <a:fillRect/>
+          </a:stretch>
+        </p:blipFill>
+        <p:spPr>
+          <a:xfrm>
+            <a:off x="6487982" y="2069006"/>
+            <a:ext cx="1717797" cy="1717797"/>
+          </a:xfrm>
+          <a:prstGeom prst="rect">
+            <a:avLst/>
+          </a:prstGeom>
+        </p:spPr>
+      </p:pic>
     </p:spTree>
     <p:extLst>
       <p:ext uri="{BB962C8B-B14F-4D97-AF65-F5344CB8AC3E}">
-        <p14:creationId xmlns="" xmlns:a="http://schemas.openxmlformats.org/drawingml/2006/main" xmlns:r="http://schemas.openxmlformats.org/officeDocument/2006/relationships" xmlns:p="http://schemas.openxmlformats.org/presentationml/2006/main" xmlns:p14="http://schemas.microsoft.com/office/powerpoint/2010/main" xmlns:mv="urn:schemas-microsoft-com:mac:vml" xmlns:mc="http://schemas.openxmlformats.org/markup-compatibility/2006" val="2045736504"/>
+        <p14:creationId xmlns:p14="http://schemas.microsoft.com/office/powerpoint/2010/main" val="1705604458"/>
       </p:ext>
     </p:extLst>
   </p:cSld>
@@ -12223,7 +12447,114 @@
 </file>
 
 <file path=ppt/slides/slide22.xml><?xml version="1.0" encoding="utf-8"?>
-<p:sld xmlns:a="http://schemas.openxmlformats.org/drawingml/2006/main" xmlns:r="http://schemas.openxmlformats.org/officeDocument/2006/relationships" xmlns:mc="http://schemas.openxmlformats.org/markup-compatibility/2006" xmlns:mv="urn:schemas-microsoft-com:mac:vml" xmlns:p="http://schemas.openxmlformats.org/presentationml/2006/main" mc:Ignorable="mv" mc:PreserveAttributes="mv:*">
+<p:sld xmlns:a="http://schemas.openxmlformats.org/drawingml/2006/main" xmlns:r="http://schemas.openxmlformats.org/officeDocument/2006/relationships" xmlns:p="http://schemas.openxmlformats.org/presentationml/2006/main">
+  <p:cSld>
+    <p:spTree>
+      <p:nvGrpSpPr>
+        <p:cNvPr id="1" name=""/>
+        <p:cNvGrpSpPr/>
+        <p:nvPr/>
+      </p:nvGrpSpPr>
+      <p:grpSpPr>
+        <a:xfrm>
+          <a:off x="0" y="0"/>
+          <a:ext cx="0" cy="0"/>
+          <a:chOff x="0" y="0"/>
+          <a:chExt cx="0" cy="0"/>
+        </a:xfrm>
+      </p:grpSpPr>
+      <p:sp>
+        <p:nvSpPr>
+          <p:cNvPr id="2" name="Title 1"/>
+          <p:cNvSpPr>
+            <a:spLocks noGrp="1"/>
+          </p:cNvSpPr>
+          <p:nvPr>
+            <p:ph type="title"/>
+          </p:nvPr>
+        </p:nvSpPr>
+        <p:spPr/>
+        <p:txBody>
+          <a:bodyPr/>
+          <a:lstStyle/>
+          <a:p>
+            <a:r>
+              <a:rPr lang="en-US" dirty="0" smtClean="0"/>
+              <a:t>Empire :: V2</a:t>
+            </a:r>
+            <a:endParaRPr lang="en-US" dirty="0"/>
+          </a:p>
+        </p:txBody>
+      </p:sp>
+      <p:sp>
+        <p:nvSpPr>
+          <p:cNvPr id="6" name="Content Placeholder 5"/>
+          <p:cNvSpPr>
+            <a:spLocks noGrp="1"/>
+          </p:cNvSpPr>
+          <p:nvPr>
+            <p:ph sz="half" idx="1"/>
+          </p:nvPr>
+        </p:nvSpPr>
+        <p:spPr>
+          <a:xfrm>
+            <a:off x="337518" y="2121885"/>
+            <a:ext cx="8204575" cy="1261395"/>
+          </a:xfrm>
+        </p:spPr>
+        <p:txBody>
+          <a:bodyPr>
+            <a:noAutofit/>
+          </a:bodyPr>
+          <a:lstStyle/>
+          <a:p>
+            <a:pPr algn="ctr"/>
+            <a:r>
+              <a:rPr lang="en-US" sz="2800" i="1" dirty="0" smtClean="0"/>
+              <a:t>An Open Source self hosted </a:t>
+            </a:r>
+            <a:r>
+              <a:rPr lang="en-US" sz="2800" i="1" dirty="0" err="1" smtClean="0"/>
+              <a:t>PaaS</a:t>
+            </a:r>
+            <a:r>
+              <a:rPr lang="en-US" sz="2800" i="1" dirty="0" smtClean="0"/>
+              <a:t> for running twelve-factor </a:t>
+            </a:r>
+            <a:r>
+              <a:rPr lang="en-US" sz="2800" i="1" dirty="0" err="1" smtClean="0"/>
+              <a:t>Docker</a:t>
+            </a:r>
+            <a:r>
+              <a:rPr lang="en-US" sz="2800" i="1" dirty="0" smtClean="0"/>
+              <a:t> apps backed by AWS services</a:t>
+            </a:r>
+            <a:endParaRPr lang="en-US" sz="2800" i="1" dirty="0"/>
+          </a:p>
+        </p:txBody>
+      </p:sp>
+    </p:spTree>
+    <p:extLst>
+      <p:ext uri="{BB962C8B-B14F-4D97-AF65-F5344CB8AC3E}">
+        <p14:creationId xmlns:p14="http://schemas.microsoft.com/office/powerpoint/2010/main" val="2045736504"/>
+      </p:ext>
+    </p:extLst>
+  </p:cSld>
+  <p:clrMapOvr>
+    <a:masterClrMapping/>
+  </p:clrMapOvr>
+  <p:timing>
+    <p:tnLst>
+      <p:par>
+        <p:cTn id="1" dur="indefinite" restart="never" nodeType="tmRoot"/>
+      </p:par>
+    </p:tnLst>
+  </p:timing>
+</p:sld>
+</file>
+
+<file path=ppt/slides/slide23.xml><?xml version="1.0" encoding="utf-8"?>
+<p:sld xmlns:a="http://schemas.openxmlformats.org/drawingml/2006/main" xmlns:r="http://schemas.openxmlformats.org/officeDocument/2006/relationships" xmlns:p="http://schemas.openxmlformats.org/presentationml/2006/main">
   <p:cSld>
     <p:spTree>
       <p:nvGrpSpPr>
@@ -12251,7 +12582,7 @@
           <a:blip r:embed="rId3">
             <a:extLst>
               <a:ext uri="{28A0092B-C50C-407E-A947-70E740481C1C}">
-                <a14:useLocalDpi xmlns="" xmlns:a="http://schemas.openxmlformats.org/drawingml/2006/main" xmlns:r="http://schemas.openxmlformats.org/officeDocument/2006/relationships" xmlns:p="http://schemas.openxmlformats.org/presentationml/2006/main" xmlns:a14="http://schemas.microsoft.com/office/drawing/2010/main" xmlns:mv="urn:schemas-microsoft-com:mac:vml" xmlns:mc="http://schemas.openxmlformats.org/markup-compatibility/2006" val="0"/>
+                <a14:useLocalDpi xmlns:a14="http://schemas.microsoft.com/office/drawing/2010/main" val="0"/>
               </a:ext>
             </a:extLst>
           </a:blip>
@@ -12281,7 +12612,7 @@
           <a:blip r:embed="rId4">
             <a:extLst>
               <a:ext uri="{28A0092B-C50C-407E-A947-70E740481C1C}">
-                <a14:useLocalDpi xmlns="" xmlns:a="http://schemas.openxmlformats.org/drawingml/2006/main" xmlns:r="http://schemas.openxmlformats.org/officeDocument/2006/relationships" xmlns:p="http://schemas.openxmlformats.org/presentationml/2006/main" xmlns:a14="http://schemas.microsoft.com/office/drawing/2010/main" xmlns:mv="urn:schemas-microsoft-com:mac:vml" xmlns:mc="http://schemas.openxmlformats.org/markup-compatibility/2006" val="0"/>
+                <a14:useLocalDpi xmlns:a14="http://schemas.microsoft.com/office/drawing/2010/main" val="0"/>
               </a:ext>
             </a:extLst>
           </a:blip>
@@ -12341,7 +12672,7 @@
           <a:blip r:embed="rId5">
             <a:extLst>
               <a:ext uri="{28A0092B-C50C-407E-A947-70E740481C1C}">
-                <a14:useLocalDpi xmlns="" xmlns:a="http://schemas.openxmlformats.org/drawingml/2006/main" xmlns:r="http://schemas.openxmlformats.org/officeDocument/2006/relationships" xmlns:p="http://schemas.openxmlformats.org/presentationml/2006/main" xmlns:a14="http://schemas.microsoft.com/office/drawing/2010/main" xmlns:mv="urn:schemas-microsoft-com:mac:vml" xmlns:mc="http://schemas.openxmlformats.org/markup-compatibility/2006" val="0"/>
+                <a14:useLocalDpi xmlns:a14="http://schemas.microsoft.com/office/drawing/2010/main" val="0"/>
               </a:ext>
             </a:extLst>
           </a:blip>
@@ -12362,258 +12693,7 @@
     </p:spTree>
     <p:extLst>
       <p:ext uri="{BB962C8B-B14F-4D97-AF65-F5344CB8AC3E}">
-        <p14:creationId xmlns="" xmlns:a="http://schemas.openxmlformats.org/drawingml/2006/main" xmlns:r="http://schemas.openxmlformats.org/officeDocument/2006/relationships" xmlns:p="http://schemas.openxmlformats.org/presentationml/2006/main" xmlns:p14="http://schemas.microsoft.com/office/powerpoint/2010/main" xmlns:mv="urn:schemas-microsoft-com:mac:vml" xmlns:mc="http://schemas.openxmlformats.org/markup-compatibility/2006" val="231676306"/>
-      </p:ext>
-    </p:extLst>
-  </p:cSld>
-  <p:clrMapOvr>
-    <a:masterClrMapping/>
-  </p:clrMapOvr>
-  <p:timing>
-    <p:tnLst>
-      <p:par>
-        <p:cTn id="1" dur="indefinite" restart="never" nodeType="tmRoot"/>
-      </p:par>
-    </p:tnLst>
-  </p:timing>
-</p:sld>
-</file>
-
-<file path=ppt/slides/slide23.xml><?xml version="1.0" encoding="utf-8"?>
-<p:sld xmlns:a="http://schemas.openxmlformats.org/drawingml/2006/main" xmlns:r="http://schemas.openxmlformats.org/officeDocument/2006/relationships" xmlns:mc="http://schemas.openxmlformats.org/markup-compatibility/2006" xmlns:mv="urn:schemas-microsoft-com:mac:vml" xmlns:p="http://schemas.openxmlformats.org/presentationml/2006/main" mc:Ignorable="mv" mc:PreserveAttributes="mv:*">
-  <p:cSld>
-    <p:spTree>
-      <p:nvGrpSpPr>
-        <p:cNvPr id="1" name=""/>
-        <p:cNvGrpSpPr/>
-        <p:nvPr/>
-      </p:nvGrpSpPr>
-      <p:grpSpPr>
-        <a:xfrm>
-          <a:off x="0" y="0"/>
-          <a:ext cx="0" cy="0"/>
-          <a:chOff x="0" y="0"/>
-          <a:chExt cx="0" cy="0"/>
-        </a:xfrm>
-      </p:grpSpPr>
-      <p:sp>
-        <p:nvSpPr>
-          <p:cNvPr id="2" name="Title 1"/>
-          <p:cNvSpPr>
-            <a:spLocks noGrp="1"/>
-          </p:cNvSpPr>
-          <p:nvPr>
-            <p:ph type="title"/>
-          </p:nvPr>
-        </p:nvSpPr>
-        <p:spPr/>
-        <p:txBody>
-          <a:bodyPr/>
-          <a:lstStyle/>
-          <a:p>
-            <a:r>
-              <a:rPr lang="en-US" dirty="0" smtClean="0"/>
-              <a:t>Twelve-Factor Tenants</a:t>
-            </a:r>
-            <a:endParaRPr lang="en-US" dirty="0"/>
-          </a:p>
-        </p:txBody>
-      </p:sp>
-      <p:sp>
-        <p:nvSpPr>
-          <p:cNvPr id="3" name="Content Placeholder 2"/>
-          <p:cNvSpPr>
-            <a:spLocks noGrp="1"/>
-          </p:cNvSpPr>
-          <p:nvPr>
-            <p:ph sz="half" idx="1"/>
-          </p:nvPr>
-        </p:nvSpPr>
-        <p:spPr/>
-        <p:txBody>
-          <a:bodyPr/>
-          <a:lstStyle/>
-          <a:p>
-            <a:pPr marL="514350" indent="-514350">
-              <a:buClr>
-                <a:schemeClr val="accent6"/>
-              </a:buClr>
-              <a:buFont typeface="+mj-lt"/>
-              <a:buAutoNum type="romanUcPeriod"/>
-            </a:pPr>
-            <a:r>
-              <a:rPr lang="en-US" sz="2400" i="1" dirty="0" smtClean="0"/>
-              <a:t>Codebase</a:t>
-            </a:r>
-          </a:p>
-          <a:p>
-            <a:pPr marL="457200" indent="-457200">
-              <a:buClr>
-                <a:schemeClr val="accent6"/>
-              </a:buClr>
-              <a:buFont typeface="+mj-lt"/>
-              <a:buAutoNum type="romanUcPeriod"/>
-            </a:pPr>
-            <a:r>
-              <a:rPr lang="en-US" sz="2400" i="1" dirty="0" smtClean="0"/>
-              <a:t>Dependencies</a:t>
-            </a:r>
-          </a:p>
-          <a:p>
-            <a:pPr marL="457200" indent="-457200">
-              <a:buClr>
-                <a:schemeClr val="accent6"/>
-              </a:buClr>
-              <a:buFont typeface="+mj-lt"/>
-              <a:buAutoNum type="romanUcPeriod"/>
-            </a:pPr>
-            <a:r>
-              <a:rPr lang="en-US" sz="2400" i="1" dirty="0" err="1" smtClean="0"/>
-              <a:t>Config</a:t>
-            </a:r>
-            <a:endParaRPr lang="en-US" sz="2400" i="1" dirty="0" smtClean="0"/>
-          </a:p>
-          <a:p>
-            <a:pPr marL="457200" indent="-457200">
-              <a:buClr>
-                <a:schemeClr val="accent6"/>
-              </a:buClr>
-              <a:buFont typeface="+mj-lt"/>
-              <a:buAutoNum type="romanUcPeriod"/>
-            </a:pPr>
-            <a:r>
-              <a:rPr lang="en-US" sz="2400" i="1" dirty="0" smtClean="0"/>
-              <a:t>Backing Services</a:t>
-            </a:r>
-          </a:p>
-          <a:p>
-            <a:pPr marL="457200" indent="-457200">
-              <a:buClr>
-                <a:schemeClr val="accent6"/>
-              </a:buClr>
-              <a:buFont typeface="+mj-lt"/>
-              <a:buAutoNum type="romanUcPeriod"/>
-            </a:pPr>
-            <a:r>
-              <a:rPr lang="en-US" sz="2400" i="1" dirty="0" smtClean="0"/>
-              <a:t>Build, release, run</a:t>
-            </a:r>
-          </a:p>
-          <a:p>
-            <a:pPr marL="457200" indent="-457200">
-              <a:buClr>
-                <a:schemeClr val="accent6"/>
-              </a:buClr>
-              <a:buFont typeface="+mj-lt"/>
-              <a:buAutoNum type="romanUcPeriod"/>
-            </a:pPr>
-            <a:r>
-              <a:rPr lang="en-US" sz="2400" i="1" dirty="0" smtClean="0"/>
-              <a:t>Processes</a:t>
-            </a:r>
-            <a:endParaRPr lang="en-US" sz="2400" i="1" dirty="0"/>
-          </a:p>
-        </p:txBody>
-      </p:sp>
-      <p:sp>
-        <p:nvSpPr>
-          <p:cNvPr id="4" name="Content Placeholder 3"/>
-          <p:cNvSpPr>
-            <a:spLocks noGrp="1"/>
-          </p:cNvSpPr>
-          <p:nvPr>
-            <p:ph sz="half" idx="2"/>
-          </p:nvPr>
-        </p:nvSpPr>
-        <p:spPr/>
-        <p:txBody>
-          <a:bodyPr/>
-          <a:lstStyle/>
-          <a:p>
-            <a:pPr marL="514350" indent="-514350">
-              <a:buClr>
-                <a:schemeClr val="accent6"/>
-              </a:buClr>
-              <a:buFont typeface="+mj-lt"/>
-              <a:buAutoNum type="romanUcPeriod" startAt="7"/>
-            </a:pPr>
-            <a:r>
-              <a:rPr lang="en-US" sz="2400" i="1" dirty="0" smtClean="0"/>
-              <a:t>Port binding</a:t>
-            </a:r>
-          </a:p>
-          <a:p>
-            <a:pPr marL="514350" indent="-514350">
-              <a:buClr>
-                <a:schemeClr val="accent6"/>
-              </a:buClr>
-              <a:buFont typeface="+mj-lt"/>
-              <a:buAutoNum type="romanUcPeriod" startAt="7"/>
-            </a:pPr>
-            <a:r>
-              <a:rPr lang="en-US" sz="2400" i="1" dirty="0" smtClean="0"/>
-              <a:t>Concurrency</a:t>
-            </a:r>
-          </a:p>
-          <a:p>
-            <a:pPr marL="514350" indent="-514350">
-              <a:buClr>
-                <a:schemeClr val="accent6"/>
-              </a:buClr>
-              <a:buFont typeface="+mj-lt"/>
-              <a:buAutoNum type="romanUcPeriod" startAt="7"/>
-            </a:pPr>
-            <a:r>
-              <a:rPr lang="en-US" sz="2400" i="1" dirty="0" smtClean="0"/>
-              <a:t>Disposability</a:t>
-            </a:r>
-          </a:p>
-          <a:p>
-            <a:pPr marL="514350" indent="-514350">
-              <a:buClr>
-                <a:schemeClr val="accent6"/>
-              </a:buClr>
-              <a:buFont typeface="+mj-lt"/>
-              <a:buAutoNum type="romanUcPeriod" startAt="7"/>
-            </a:pPr>
-            <a:r>
-              <a:rPr lang="en-US" sz="2400" i="1" dirty="0" smtClean="0"/>
-              <a:t>Dev/prod parity</a:t>
-            </a:r>
-          </a:p>
-          <a:p>
-            <a:pPr marL="514350" indent="-514350">
-              <a:buClr>
-                <a:schemeClr val="accent6"/>
-              </a:buClr>
-              <a:buFont typeface="+mj-lt"/>
-              <a:buAutoNum type="romanUcPeriod" startAt="7"/>
-            </a:pPr>
-            <a:r>
-              <a:rPr lang="en-US" sz="2400" i="1" dirty="0" smtClean="0"/>
-              <a:t>Logs</a:t>
-            </a:r>
-          </a:p>
-          <a:p>
-            <a:pPr marL="514350" indent="-514350">
-              <a:buClr>
-                <a:schemeClr val="accent6"/>
-              </a:buClr>
-              <a:buFont typeface="+mj-lt"/>
-              <a:buAutoNum type="romanUcPeriod" startAt="7"/>
-            </a:pPr>
-            <a:r>
-              <a:rPr lang="en-US" sz="2400" i="1" dirty="0" smtClean="0"/>
-              <a:t>Admin processes</a:t>
-            </a:r>
-            <a:endParaRPr lang="en-US" sz="2400" i="1" dirty="0"/>
-          </a:p>
-        </p:txBody>
-      </p:sp>
-    </p:spTree>
-    <p:extLst>
-      <p:ext uri="{BB962C8B-B14F-4D97-AF65-F5344CB8AC3E}">
-        <p14:creationId xmlns="" xmlns:a="http://schemas.openxmlformats.org/drawingml/2006/main" xmlns:r="http://schemas.openxmlformats.org/officeDocument/2006/relationships" xmlns:p="http://schemas.openxmlformats.org/presentationml/2006/main" xmlns:p14="http://schemas.microsoft.com/office/powerpoint/2010/main" xmlns:mv="urn:schemas-microsoft-com:mac:vml" xmlns:mc="http://schemas.openxmlformats.org/markup-compatibility/2006" val="701688603"/>
+        <p14:creationId xmlns:p14="http://schemas.microsoft.com/office/powerpoint/2010/main" val="231676306"/>
       </p:ext>
     </p:extLst>
   </p:cSld>
@@ -12631,7 +12711,7 @@
 </file>
 
 <file path=ppt/slides/slide24.xml><?xml version="1.0" encoding="utf-8"?>
-<p:sld xmlns:a="http://schemas.openxmlformats.org/drawingml/2006/main" xmlns:r="http://schemas.openxmlformats.org/officeDocument/2006/relationships" xmlns:mc="http://schemas.openxmlformats.org/markup-compatibility/2006" xmlns:mv="urn:schemas-microsoft-com:mac:vml" xmlns:p="http://schemas.openxmlformats.org/presentationml/2006/main" mc:Ignorable="mv" mc:PreserveAttributes="mv:*">
+<p:sld xmlns:a="http://schemas.openxmlformats.org/drawingml/2006/main" xmlns:r="http://schemas.openxmlformats.org/officeDocument/2006/relationships" xmlns:p="http://schemas.openxmlformats.org/presentationml/2006/main">
   <p:cSld>
     <p:spTree>
       <p:nvGrpSpPr>
@@ -12664,7 +12744,262 @@
           <a:p>
             <a:r>
               <a:rPr lang="en-US" dirty="0" smtClean="0"/>
-              <a:t>12factor :: Build</a:t>
+              <a:t>Twelve-Factor Tenants</a:t>
+            </a:r>
+            <a:endParaRPr lang="en-US" dirty="0"/>
+          </a:p>
+        </p:txBody>
+      </p:sp>
+      <p:sp>
+        <p:nvSpPr>
+          <p:cNvPr id="3" name="Content Placeholder 2"/>
+          <p:cNvSpPr>
+            <a:spLocks noGrp="1"/>
+          </p:cNvSpPr>
+          <p:nvPr>
+            <p:ph sz="half" idx="1"/>
+          </p:nvPr>
+        </p:nvSpPr>
+        <p:spPr/>
+        <p:txBody>
+          <a:bodyPr/>
+          <a:lstStyle/>
+          <a:p>
+            <a:pPr marL="514350" indent="-514350">
+              <a:buClr>
+                <a:schemeClr val="accent6"/>
+              </a:buClr>
+              <a:buFont typeface="+mj-lt"/>
+              <a:buAutoNum type="romanUcPeriod"/>
+            </a:pPr>
+            <a:r>
+              <a:rPr lang="en-US" sz="2400" i="1" dirty="0" smtClean="0"/>
+              <a:t>Codebase</a:t>
+            </a:r>
+          </a:p>
+          <a:p>
+            <a:pPr marL="457200" indent="-457200">
+              <a:buClr>
+                <a:schemeClr val="accent6"/>
+              </a:buClr>
+              <a:buFont typeface="+mj-lt"/>
+              <a:buAutoNum type="romanUcPeriod"/>
+            </a:pPr>
+            <a:r>
+              <a:rPr lang="en-US" sz="2400" i="1" dirty="0" smtClean="0"/>
+              <a:t>Dependencies</a:t>
+            </a:r>
+          </a:p>
+          <a:p>
+            <a:pPr marL="457200" indent="-457200">
+              <a:buClr>
+                <a:schemeClr val="accent6"/>
+              </a:buClr>
+              <a:buFont typeface="+mj-lt"/>
+              <a:buAutoNum type="romanUcPeriod"/>
+            </a:pPr>
+            <a:r>
+              <a:rPr lang="en-US" sz="2400" i="1" dirty="0" err="1" smtClean="0"/>
+              <a:t>Config</a:t>
+            </a:r>
+            <a:endParaRPr lang="en-US" sz="2400" i="1" dirty="0" smtClean="0"/>
+          </a:p>
+          <a:p>
+            <a:pPr marL="457200" indent="-457200">
+              <a:buClr>
+                <a:schemeClr val="accent6"/>
+              </a:buClr>
+              <a:buFont typeface="+mj-lt"/>
+              <a:buAutoNum type="romanUcPeriod"/>
+            </a:pPr>
+            <a:r>
+              <a:rPr lang="en-US" sz="2400" i="1" dirty="0" smtClean="0"/>
+              <a:t>Backing Services</a:t>
+            </a:r>
+          </a:p>
+          <a:p>
+            <a:pPr marL="457200" indent="-457200">
+              <a:buClr>
+                <a:schemeClr val="accent6"/>
+              </a:buClr>
+              <a:buFont typeface="+mj-lt"/>
+              <a:buAutoNum type="romanUcPeriod"/>
+            </a:pPr>
+            <a:r>
+              <a:rPr lang="en-US" sz="2400" i="1" dirty="0" smtClean="0"/>
+              <a:t>Build, release, run</a:t>
+            </a:r>
+          </a:p>
+          <a:p>
+            <a:pPr marL="457200" indent="-457200">
+              <a:buClr>
+                <a:schemeClr val="accent6"/>
+              </a:buClr>
+              <a:buFont typeface="+mj-lt"/>
+              <a:buAutoNum type="romanUcPeriod"/>
+            </a:pPr>
+            <a:r>
+              <a:rPr lang="en-US" sz="2400" i="1" dirty="0" smtClean="0"/>
+              <a:t>Processes</a:t>
+            </a:r>
+            <a:endParaRPr lang="en-US" sz="2400" i="1" dirty="0"/>
+          </a:p>
+        </p:txBody>
+      </p:sp>
+      <p:sp>
+        <p:nvSpPr>
+          <p:cNvPr id="4" name="Content Placeholder 3"/>
+          <p:cNvSpPr>
+            <a:spLocks noGrp="1"/>
+          </p:cNvSpPr>
+          <p:nvPr>
+            <p:ph sz="half" idx="2"/>
+          </p:nvPr>
+        </p:nvSpPr>
+        <p:spPr/>
+        <p:txBody>
+          <a:bodyPr/>
+          <a:lstStyle/>
+          <a:p>
+            <a:pPr marL="514350" indent="-514350">
+              <a:buClr>
+                <a:schemeClr val="accent6"/>
+              </a:buClr>
+              <a:buFont typeface="+mj-lt"/>
+              <a:buAutoNum type="romanUcPeriod" startAt="7"/>
+            </a:pPr>
+            <a:r>
+              <a:rPr lang="en-US" sz="2400" i="1" dirty="0" smtClean="0"/>
+              <a:t>Port binding</a:t>
+            </a:r>
+          </a:p>
+          <a:p>
+            <a:pPr marL="514350" indent="-514350">
+              <a:buClr>
+                <a:schemeClr val="accent6"/>
+              </a:buClr>
+              <a:buFont typeface="+mj-lt"/>
+              <a:buAutoNum type="romanUcPeriod" startAt="7"/>
+            </a:pPr>
+            <a:r>
+              <a:rPr lang="en-US" sz="2400" i="1" dirty="0" smtClean="0"/>
+              <a:t>Concurrency</a:t>
+            </a:r>
+          </a:p>
+          <a:p>
+            <a:pPr marL="514350" indent="-514350">
+              <a:buClr>
+                <a:schemeClr val="accent6"/>
+              </a:buClr>
+              <a:buFont typeface="+mj-lt"/>
+              <a:buAutoNum type="romanUcPeriod" startAt="7"/>
+            </a:pPr>
+            <a:r>
+              <a:rPr lang="en-US" sz="2400" i="1" dirty="0" smtClean="0"/>
+              <a:t>Disposability</a:t>
+            </a:r>
+          </a:p>
+          <a:p>
+            <a:pPr marL="514350" indent="-514350">
+              <a:buClr>
+                <a:schemeClr val="accent6"/>
+              </a:buClr>
+              <a:buFont typeface="+mj-lt"/>
+              <a:buAutoNum type="romanUcPeriod" startAt="7"/>
+            </a:pPr>
+            <a:r>
+              <a:rPr lang="en-US" sz="2400" i="1" dirty="0" smtClean="0"/>
+              <a:t>Dev/prod parity</a:t>
+            </a:r>
+          </a:p>
+          <a:p>
+            <a:pPr marL="514350" indent="-514350">
+              <a:buClr>
+                <a:schemeClr val="accent6"/>
+              </a:buClr>
+              <a:buFont typeface="+mj-lt"/>
+              <a:buAutoNum type="romanUcPeriod" startAt="7"/>
+            </a:pPr>
+            <a:r>
+              <a:rPr lang="en-US" sz="2400" i="1" dirty="0" smtClean="0"/>
+              <a:t>Logs</a:t>
+            </a:r>
+          </a:p>
+          <a:p>
+            <a:pPr marL="514350" indent="-514350">
+              <a:buClr>
+                <a:schemeClr val="accent6"/>
+              </a:buClr>
+              <a:buFont typeface="+mj-lt"/>
+              <a:buAutoNum type="romanUcPeriod" startAt="7"/>
+            </a:pPr>
+            <a:r>
+              <a:rPr lang="en-US" sz="2400" i="1" dirty="0" smtClean="0"/>
+              <a:t>Admin processes</a:t>
+            </a:r>
+            <a:endParaRPr lang="en-US" sz="2400" i="1" dirty="0"/>
+          </a:p>
+        </p:txBody>
+      </p:sp>
+    </p:spTree>
+    <p:extLst>
+      <p:ext uri="{BB962C8B-B14F-4D97-AF65-F5344CB8AC3E}">
+        <p14:creationId xmlns:p14="http://schemas.microsoft.com/office/powerpoint/2010/main" val="701688603"/>
+      </p:ext>
+    </p:extLst>
+  </p:cSld>
+  <p:clrMapOvr>
+    <a:masterClrMapping/>
+  </p:clrMapOvr>
+  <p:timing>
+    <p:tnLst>
+      <p:par>
+        <p:cTn id="1" dur="indefinite" restart="never" nodeType="tmRoot"/>
+      </p:par>
+    </p:tnLst>
+  </p:timing>
+</p:sld>
+</file>
+
+<file path=ppt/slides/slide25.xml><?xml version="1.0" encoding="utf-8"?>
+<p:sld xmlns:a="http://schemas.openxmlformats.org/drawingml/2006/main" xmlns:r="http://schemas.openxmlformats.org/officeDocument/2006/relationships" xmlns:p="http://schemas.openxmlformats.org/presentationml/2006/main">
+  <p:cSld>
+    <p:spTree>
+      <p:nvGrpSpPr>
+        <p:cNvPr id="1" name=""/>
+        <p:cNvGrpSpPr/>
+        <p:nvPr/>
+      </p:nvGrpSpPr>
+      <p:grpSpPr>
+        <a:xfrm>
+          <a:off x="0" y="0"/>
+          <a:ext cx="0" cy="0"/>
+          <a:chOff x="0" y="0"/>
+          <a:chExt cx="0" cy="0"/>
+        </a:xfrm>
+      </p:grpSpPr>
+      <p:sp>
+        <p:nvSpPr>
+          <p:cNvPr id="2" name="Title 1"/>
+          <p:cNvSpPr>
+            <a:spLocks noGrp="1"/>
+          </p:cNvSpPr>
+          <p:nvPr>
+            <p:ph type="title"/>
+          </p:nvPr>
+        </p:nvSpPr>
+        <p:spPr/>
+        <p:txBody>
+          <a:bodyPr/>
+          <a:lstStyle/>
+          <a:p>
+            <a:r>
+              <a:rPr lang="en-US" dirty="0" smtClean="0"/>
+              <a:t>12factor :: </a:t>
+            </a:r>
+            <a:r>
+              <a:rPr lang="en-US" dirty="0" smtClean="0"/>
+              <a:t>Build, Release, Run</a:t>
             </a:r>
             <a:endParaRPr lang="en-US" dirty="0"/>
           </a:p>
@@ -12874,7 +13209,7 @@
           <a:blip r:embed="rId3">
             <a:extLst>
               <a:ext uri="{28A0092B-C50C-407E-A947-70E740481C1C}">
-                <a14:useLocalDpi xmlns="" xmlns:a="http://schemas.openxmlformats.org/drawingml/2006/main" xmlns:r="http://schemas.openxmlformats.org/officeDocument/2006/relationships" xmlns:p="http://schemas.openxmlformats.org/presentationml/2006/main" xmlns:a14="http://schemas.microsoft.com/office/drawing/2010/main" xmlns:mv="urn:schemas-microsoft-com:mac:vml" xmlns:mc="http://schemas.openxmlformats.org/markup-compatibility/2006" val="0"/>
+                <a14:useLocalDpi xmlns:a14="http://schemas.microsoft.com/office/drawing/2010/main" val="0"/>
               </a:ext>
             </a:extLst>
           </a:blip>
@@ -12892,10 +13227,48 @@
           </a:prstGeom>
         </p:spPr>
       </p:pic>
+      <p:sp>
+        <p:nvSpPr>
+          <p:cNvPr id="3" name="TextBox 2"/>
+          <p:cNvSpPr txBox="1"/>
+          <p:nvPr/>
+        </p:nvSpPr>
+        <p:spPr>
+          <a:xfrm>
+            <a:off x="368584" y="566929"/>
+            <a:ext cx="4134465" cy="369332"/>
+          </a:xfrm>
+          <a:prstGeom prst="rect">
+            <a:avLst/>
+          </a:prstGeom>
+          <a:noFill/>
+        </p:spPr>
+        <p:txBody>
+          <a:bodyPr wrap="none" rtlCol="0">
+            <a:spAutoFit/>
+          </a:bodyPr>
+          <a:lstStyle/>
+          <a:p>
+            <a:r>
+              <a:rPr lang="en-US" i="1" dirty="0" smtClean="0">
+                <a:solidFill>
+                  <a:schemeClr val="accent6"/>
+                </a:solidFill>
+              </a:rPr>
+              <a:t>“Strictly separate build and run stages”</a:t>
+            </a:r>
+            <a:endParaRPr lang="en-US" i="1" dirty="0">
+              <a:solidFill>
+                <a:schemeClr val="accent6"/>
+              </a:solidFill>
+            </a:endParaRPr>
+          </a:p>
+        </p:txBody>
+      </p:sp>
     </p:spTree>
     <p:extLst>
       <p:ext uri="{BB962C8B-B14F-4D97-AF65-F5344CB8AC3E}">
-        <p14:creationId xmlns="" xmlns:a="http://schemas.openxmlformats.org/drawingml/2006/main" xmlns:r="http://schemas.openxmlformats.org/officeDocument/2006/relationships" xmlns:p="http://schemas.openxmlformats.org/presentationml/2006/main" xmlns:p14="http://schemas.microsoft.com/office/powerpoint/2010/main" xmlns:mv="urn:schemas-microsoft-com:mac:vml" xmlns:mc="http://schemas.openxmlformats.org/markup-compatibility/2006" val="746424979"/>
+        <p14:creationId xmlns:p14="http://schemas.microsoft.com/office/powerpoint/2010/main" val="746424979"/>
       </p:ext>
     </p:extLst>
   </p:cSld>
@@ -12912,8 +13285,8 @@
 </p:sld>
 </file>
 
-<file path=ppt/slides/slide25.xml><?xml version="1.0" encoding="utf-8"?>
-<p:sld xmlns:a="http://schemas.openxmlformats.org/drawingml/2006/main" xmlns:r="http://schemas.openxmlformats.org/officeDocument/2006/relationships" xmlns:mc="http://schemas.openxmlformats.org/markup-compatibility/2006" xmlns:mv="urn:schemas-microsoft-com:mac:vml" xmlns:p="http://schemas.openxmlformats.org/presentationml/2006/main" mc:Ignorable="mv" mc:PreserveAttributes="mv:*">
+<file path=ppt/slides/slide26.xml><?xml version="1.0" encoding="utf-8"?>
+<p:sld xmlns:a="http://schemas.openxmlformats.org/drawingml/2006/main" xmlns:r="http://schemas.openxmlformats.org/officeDocument/2006/relationships" xmlns:p="http://schemas.openxmlformats.org/presentationml/2006/main">
   <p:cSld>
     <p:spTree>
       <p:nvGrpSpPr>
@@ -12946,7 +13319,15 @@
           <a:p>
             <a:r>
               <a:rPr lang="en-US" dirty="0" smtClean="0"/>
-              <a:t>12factor :: Release, Run</a:t>
+              <a:t>12factor :: </a:t>
+            </a:r>
+            <a:r>
+              <a:rPr lang="en-US" dirty="0" smtClean="0"/>
+              <a:t>Build, Release</a:t>
+            </a:r>
+            <a:r>
+              <a:rPr lang="en-US" dirty="0" smtClean="0"/>
+              <a:t>, Run</a:t>
             </a:r>
             <a:endParaRPr lang="en-US" dirty="0"/>
           </a:p>
@@ -12964,7 +13345,7 @@
           <a:blip r:embed="rId3">
             <a:extLst>
               <a:ext uri="{28A0092B-C50C-407E-A947-70E740481C1C}">
-                <a14:useLocalDpi xmlns="" xmlns:a="http://schemas.openxmlformats.org/drawingml/2006/main" xmlns:r="http://schemas.openxmlformats.org/officeDocument/2006/relationships" xmlns:p="http://schemas.openxmlformats.org/presentationml/2006/main" xmlns:a14="http://schemas.microsoft.com/office/drawing/2010/main" xmlns:mv="urn:schemas-microsoft-com:mac:vml" xmlns:mc="http://schemas.openxmlformats.org/markup-compatibility/2006" val="0"/>
+                <a14:useLocalDpi xmlns:a14="http://schemas.microsoft.com/office/drawing/2010/main" val="0"/>
               </a:ext>
             </a:extLst>
           </a:blip>
@@ -12974,7 +13355,7 @@
         </p:blipFill>
         <p:spPr>
           <a:xfrm>
-            <a:off x="336789" y="1084216"/>
+            <a:off x="336789" y="1784586"/>
             <a:ext cx="1726132" cy="1541417"/>
           </a:xfrm>
           <a:prstGeom prst="rect">
@@ -12990,8 +13371,8 @@
         </p:nvSpPr>
         <p:spPr>
           <a:xfrm>
-            <a:off x="366934" y="3351089"/>
-            <a:ext cx="1665841" cy="1077218"/>
+            <a:off x="689138" y="3351089"/>
+            <a:ext cx="1021433" cy="861774"/>
           </a:xfrm>
           <a:prstGeom prst="rect">
             <a:avLst/>
@@ -13006,14 +13387,14 @@
           <a:p>
             <a:pPr algn="ctr"/>
             <a:r>
-              <a:rPr lang="en-US" sz="3200" dirty="0" err="1" smtClean="0">
+              <a:rPr lang="en-US" dirty="0" err="1">
                 <a:latin typeface="Lucida Console" charset="0"/>
                 <a:ea typeface="Lucida Console" charset="0"/>
                 <a:cs typeface="Lucida Console" charset="0"/>
               </a:rPr>
               <a:t>Config</a:t>
             </a:r>
-            <a:endParaRPr lang="en-US" sz="3200" dirty="0" smtClean="0">
+            <a:endParaRPr lang="en-US" dirty="0" smtClean="0">
               <a:latin typeface="Lucida Console" charset="0"/>
               <a:ea typeface="Lucida Console" charset="0"/>
               <a:cs typeface="Lucida Console" charset="0"/>
@@ -13047,8 +13428,8 @@
         </p:nvCxnSpPr>
         <p:spPr>
           <a:xfrm>
-            <a:off x="2062921" y="1854925"/>
-            <a:ext cx="1420168" cy="1063096"/>
+            <a:off x="2062921" y="2555295"/>
+            <a:ext cx="1420168" cy="251703"/>
           </a:xfrm>
           <a:prstGeom prst="straightConnector1">
             <a:avLst/>
@@ -13075,15 +13456,13 @@
       <p:cxnSp>
         <p:nvCxnSpPr>
           <p:cNvPr id="14" name="Straight Arrow Connector 13"/>
-          <p:cNvCxnSpPr>
-            <a:stCxn id="7" idx="3"/>
-          </p:cNvCxnSpPr>
+          <p:cNvCxnSpPr/>
           <p:nvPr/>
         </p:nvCxnSpPr>
         <p:spPr>
           <a:xfrm flipV="1">
-            <a:off x="2032775" y="2918021"/>
-            <a:ext cx="1450314" cy="971677"/>
+            <a:off x="2058344" y="2918022"/>
+            <a:ext cx="1424745" cy="576292"/>
           </a:xfrm>
           <a:prstGeom prst="straightConnector1">
             <a:avLst/>
@@ -13140,66 +13519,6 @@
           </a:fontRef>
         </p:style>
       </p:cxnSp>
-      <p:pic>
-        <p:nvPicPr>
-          <p:cNvPr id="19" name="Picture 18"/>
-          <p:cNvPicPr>
-            <a:picLocks noChangeAspect="1"/>
-          </p:cNvPicPr>
-          <p:nvPr/>
-        </p:nvPicPr>
-        <p:blipFill>
-          <a:blip r:embed="rId4">
-            <a:extLst>
-              <a:ext uri="{28A0092B-C50C-407E-A947-70E740481C1C}">
-                <a14:useLocalDpi xmlns="" xmlns:a="http://schemas.openxmlformats.org/drawingml/2006/main" xmlns:r="http://schemas.openxmlformats.org/officeDocument/2006/relationships" xmlns:p="http://schemas.openxmlformats.org/presentationml/2006/main" xmlns:a14="http://schemas.microsoft.com/office/drawing/2010/main" xmlns:mv="urn:schemas-microsoft-com:mac:vml" xmlns:mc="http://schemas.openxmlformats.org/markup-compatibility/2006" val="0"/>
-              </a:ext>
-            </a:extLst>
-          </a:blip>
-          <a:stretch>
-            <a:fillRect/>
-          </a:stretch>
-        </p:blipFill>
-        <p:spPr>
-          <a:xfrm>
-            <a:off x="6532787" y="1913367"/>
-            <a:ext cx="2009306" cy="2009306"/>
-          </a:xfrm>
-          <a:prstGeom prst="rect">
-            <a:avLst/>
-          </a:prstGeom>
-        </p:spPr>
-      </p:pic>
-      <p:pic>
-        <p:nvPicPr>
-          <p:cNvPr id="23" name="Picture 22"/>
-          <p:cNvPicPr>
-            <a:picLocks noChangeAspect="1"/>
-          </p:cNvPicPr>
-          <p:nvPr/>
-        </p:nvPicPr>
-        <p:blipFill>
-          <a:blip r:embed="rId5">
-            <a:extLst>
-              <a:ext uri="{28A0092B-C50C-407E-A947-70E740481C1C}">
-                <a14:useLocalDpi xmlns="" xmlns:a="http://schemas.openxmlformats.org/drawingml/2006/main" xmlns:r="http://schemas.openxmlformats.org/officeDocument/2006/relationships" xmlns:p="http://schemas.openxmlformats.org/presentationml/2006/main" xmlns:a14="http://schemas.microsoft.com/office/drawing/2010/main" xmlns:mv="urn:schemas-microsoft-com:mac:vml" xmlns:mc="http://schemas.openxmlformats.org/markup-compatibility/2006" val="0"/>
-              </a:ext>
-            </a:extLst>
-          </a:blip>
-          <a:stretch>
-            <a:fillRect/>
-          </a:stretch>
-        </p:blipFill>
-        <p:spPr>
-          <a:xfrm>
-            <a:off x="3622523" y="1901110"/>
-            <a:ext cx="1764503" cy="1764503"/>
-          </a:xfrm>
-          <a:prstGeom prst="rect">
-            <a:avLst/>
-          </a:prstGeom>
-        </p:spPr>
-      </p:pic>
       <p:sp>
         <p:nvSpPr>
           <p:cNvPr id="26" name="TextBox 25"/>
@@ -13208,7 +13527,7 @@
         </p:nvSpPr>
         <p:spPr>
           <a:xfrm>
-            <a:off x="3995343" y="2839797"/>
+            <a:off x="3969386" y="1604681"/>
             <a:ext cx="1031051" cy="369332"/>
           </a:xfrm>
           <a:prstGeom prst="rect">
@@ -13260,386 +13579,134 @@
           </a:p>
         </p:txBody>
       </p:sp>
+      <p:pic>
+        <p:nvPicPr>
+          <p:cNvPr id="3" name="Picture 2"/>
+          <p:cNvPicPr>
+            <a:picLocks noChangeAspect="1"/>
+          </p:cNvPicPr>
+          <p:nvPr/>
+        </p:nvPicPr>
+        <p:blipFill>
+          <a:blip r:embed="rId4"/>
+          <a:stretch>
+            <a:fillRect/>
+          </a:stretch>
+        </p:blipFill>
+        <p:spPr>
+          <a:xfrm>
+            <a:off x="3830862" y="2237013"/>
+            <a:ext cx="1308100" cy="1409700"/>
+          </a:xfrm>
+          <a:prstGeom prst="rect">
+            <a:avLst/>
+          </a:prstGeom>
+        </p:spPr>
+      </p:pic>
+      <p:pic>
+        <p:nvPicPr>
+          <p:cNvPr id="13" name="Picture 12"/>
+          <p:cNvPicPr>
+            <a:picLocks noChangeAspect="1"/>
+          </p:cNvPicPr>
+          <p:nvPr/>
+        </p:nvPicPr>
+        <p:blipFill>
+          <a:blip r:embed="rId5"/>
+          <a:stretch>
+            <a:fillRect/>
+          </a:stretch>
+        </p:blipFill>
+        <p:spPr>
+          <a:xfrm>
+            <a:off x="6657257" y="2072338"/>
+            <a:ext cx="1760364" cy="1819536"/>
+          </a:xfrm>
+          <a:prstGeom prst="rect">
+            <a:avLst/>
+          </a:prstGeom>
+        </p:spPr>
+      </p:pic>
+      <p:sp>
+        <p:nvSpPr>
+          <p:cNvPr id="4" name="TextBox 3"/>
+          <p:cNvSpPr txBox="1"/>
+          <p:nvPr/>
+        </p:nvSpPr>
+        <p:spPr>
+          <a:xfrm>
+            <a:off x="786920" y="1599920"/>
+            <a:ext cx="825867" cy="369332"/>
+          </a:xfrm>
+          <a:prstGeom prst="rect">
+            <a:avLst/>
+          </a:prstGeom>
+          <a:noFill/>
+        </p:spPr>
+        <p:txBody>
+          <a:bodyPr wrap="none" rtlCol="0">
+            <a:spAutoFit/>
+          </a:bodyPr>
+          <a:lstStyle/>
+          <a:p>
+            <a:r>
+              <a:rPr lang="en-US" dirty="0" smtClean="0"/>
+              <a:t>Image</a:t>
+            </a:r>
+            <a:endParaRPr lang="en-US" dirty="0"/>
+          </a:p>
+        </p:txBody>
+      </p:sp>
+      <p:sp>
+        <p:nvSpPr>
+          <p:cNvPr id="9" name="TextBox 8"/>
+          <p:cNvSpPr txBox="1"/>
+          <p:nvPr/>
+        </p:nvSpPr>
+        <p:spPr>
+          <a:xfrm>
+            <a:off x="369447" y="565982"/>
+            <a:ext cx="4134465" cy="369332"/>
+          </a:xfrm>
+          <a:prstGeom prst="rect">
+            <a:avLst/>
+          </a:prstGeom>
+          <a:noFill/>
+        </p:spPr>
+        <p:txBody>
+          <a:bodyPr wrap="none" rtlCol="0">
+            <a:spAutoFit/>
+          </a:bodyPr>
+          <a:lstStyle/>
+          <a:p>
+            <a:r>
+              <a:rPr lang="en-US" i="1" dirty="0">
+                <a:solidFill>
+                  <a:schemeClr val="accent6"/>
+                </a:solidFill>
+              </a:rPr>
+              <a:t>“Strictly separate build and run stages</a:t>
+            </a:r>
+            <a:r>
+              <a:rPr lang="en-US" i="1" dirty="0" smtClean="0">
+                <a:solidFill>
+                  <a:schemeClr val="accent6"/>
+                </a:solidFill>
+              </a:rPr>
+              <a:t>”</a:t>
+            </a:r>
+            <a:endParaRPr lang="en-US" i="1" dirty="0">
+              <a:solidFill>
+                <a:schemeClr val="accent6"/>
+              </a:solidFill>
+            </a:endParaRPr>
+          </a:p>
+        </p:txBody>
+      </p:sp>
     </p:spTree>
     <p:extLst>
       <p:ext uri="{BB962C8B-B14F-4D97-AF65-F5344CB8AC3E}">
-        <p14:creationId xmlns="" xmlns:a="http://schemas.openxmlformats.org/drawingml/2006/main" xmlns:r="http://schemas.openxmlformats.org/officeDocument/2006/relationships" xmlns:p="http://schemas.openxmlformats.org/presentationml/2006/main" xmlns:p14="http://schemas.microsoft.com/office/powerpoint/2010/main" xmlns:mv="urn:schemas-microsoft-com:mac:vml" xmlns:mc="http://schemas.openxmlformats.org/markup-compatibility/2006" val="1429079060"/>
-      </p:ext>
-    </p:extLst>
-  </p:cSld>
-  <p:clrMapOvr>
-    <a:masterClrMapping/>
-  </p:clrMapOvr>
-  <p:timing>
-    <p:tnLst>
-      <p:par>
-        <p:cTn id="1" dur="indefinite" restart="never" nodeType="tmRoot"/>
-      </p:par>
-    </p:tnLst>
-  </p:timing>
-</p:sld>
-</file>
-
-<file path=ppt/slides/slide26.xml><?xml version="1.0" encoding="utf-8"?>
-<p:sld xmlns:a="http://schemas.openxmlformats.org/drawingml/2006/main" xmlns:r="http://schemas.openxmlformats.org/officeDocument/2006/relationships" xmlns:mc="http://schemas.openxmlformats.org/markup-compatibility/2006" xmlns:mv="urn:schemas-microsoft-com:mac:vml" xmlns:p="http://schemas.openxmlformats.org/presentationml/2006/main" mc:Ignorable="mv" mc:PreserveAttributes="mv:*">
-  <p:cSld>
-    <p:spTree>
-      <p:nvGrpSpPr>
-        <p:cNvPr id="1" name=""/>
-        <p:cNvGrpSpPr/>
-        <p:nvPr/>
-      </p:nvGrpSpPr>
-      <p:grpSpPr>
-        <a:xfrm>
-          <a:off x="0" y="0"/>
-          <a:ext cx="0" cy="0"/>
-          <a:chOff x="0" y="0"/>
-          <a:chExt cx="0" cy="0"/>
-        </a:xfrm>
-      </p:grpSpPr>
-      <p:sp>
-        <p:nvSpPr>
-          <p:cNvPr id="4" name="Title 3"/>
-          <p:cNvSpPr>
-            <a:spLocks noGrp="1"/>
-          </p:cNvSpPr>
-          <p:nvPr>
-            <p:ph type="title"/>
-          </p:nvPr>
-        </p:nvSpPr>
-        <p:spPr/>
-        <p:txBody>
-          <a:bodyPr/>
-          <a:lstStyle/>
-          <a:p>
-            <a:r>
-              <a:rPr lang="en-US" dirty="0" smtClean="0"/>
-              <a:t>12factor :: Release, Run</a:t>
-            </a:r>
-            <a:endParaRPr lang="en-US" dirty="0"/>
-          </a:p>
-        </p:txBody>
-      </p:sp>
-      <p:sp>
-        <p:nvSpPr>
-          <p:cNvPr id="10" name="Content Placeholder 9"/>
-          <p:cNvSpPr>
-            <a:spLocks noGrp="1"/>
-          </p:cNvSpPr>
-          <p:nvPr>
-            <p:ph sz="quarter" idx="4"/>
-          </p:nvPr>
-        </p:nvSpPr>
-        <p:spPr>
-          <a:xfrm>
-            <a:off x="336789" y="1106175"/>
-            <a:ext cx="4041775" cy="1180681"/>
-          </a:xfrm>
-        </p:spPr>
-        <p:txBody>
-          <a:bodyPr/>
-          <a:lstStyle/>
-          <a:p>
-            <a:r>
-              <a:rPr lang="en-US" dirty="0" smtClean="0">
-                <a:solidFill>
-                  <a:schemeClr val="accent6"/>
-                </a:solidFill>
-                <a:latin typeface="Lucida Console" charset="0"/>
-                <a:ea typeface="Lucida Console" charset="0"/>
-                <a:cs typeface="Lucida Console" charset="0"/>
-              </a:rPr>
-              <a:t>$ </a:t>
-            </a:r>
-            <a:r>
-              <a:rPr lang="en-US" dirty="0">
-                <a:latin typeface="Lucida Console" charset="0"/>
-                <a:ea typeface="Lucida Console" charset="0"/>
-                <a:cs typeface="Lucida Console" charset="0"/>
-              </a:rPr>
-              <a:t>cat </a:t>
-            </a:r>
-            <a:r>
-              <a:rPr lang="en-US" dirty="0" err="1" smtClean="0">
-                <a:latin typeface="Lucida Console" charset="0"/>
-                <a:ea typeface="Lucida Console" charset="0"/>
-                <a:cs typeface="Lucida Console" charset="0"/>
-              </a:rPr>
-              <a:t>Procfile</a:t>
-            </a:r>
-            <a:endParaRPr lang="en-US" dirty="0" smtClean="0">
-              <a:latin typeface="Lucida Console" charset="0"/>
-              <a:ea typeface="Lucida Console" charset="0"/>
-              <a:cs typeface="Lucida Console" charset="0"/>
-            </a:endParaRPr>
-          </a:p>
-          <a:p>
-            <a:r>
-              <a:rPr lang="en-US" dirty="0" smtClean="0">
-                <a:latin typeface="Lucida Console" charset="0"/>
-                <a:ea typeface="Lucida Console" charset="0"/>
-                <a:cs typeface="Lucida Console" charset="0"/>
-              </a:rPr>
-              <a:t>web</a:t>
-            </a:r>
-            <a:r>
-              <a:rPr lang="en-US" dirty="0">
-                <a:latin typeface="Lucida Console" charset="0"/>
-                <a:ea typeface="Lucida Console" charset="0"/>
-                <a:cs typeface="Lucida Console" charset="0"/>
-              </a:rPr>
-              <a:t>: ./</a:t>
-            </a:r>
-            <a:r>
-              <a:rPr lang="en-US" dirty="0" smtClean="0">
-                <a:latin typeface="Lucida Console" charset="0"/>
-                <a:ea typeface="Lucida Console" charset="0"/>
-                <a:cs typeface="Lucida Console" charset="0"/>
-              </a:rPr>
-              <a:t>bin/web</a:t>
-            </a:r>
-          </a:p>
-          <a:p>
-            <a:r>
-              <a:rPr lang="en-US" dirty="0" smtClean="0">
-                <a:latin typeface="Lucida Console" charset="0"/>
-                <a:ea typeface="Lucida Console" charset="0"/>
-                <a:cs typeface="Lucida Console" charset="0"/>
-              </a:rPr>
-              <a:t>worker</a:t>
-            </a:r>
-            <a:r>
-              <a:rPr lang="en-US" dirty="0">
-                <a:latin typeface="Lucida Console" charset="0"/>
-                <a:ea typeface="Lucida Console" charset="0"/>
-                <a:cs typeface="Lucida Console" charset="0"/>
-              </a:rPr>
-              <a:t>: ./bin/worker</a:t>
-            </a:r>
-          </a:p>
-        </p:txBody>
-      </p:sp>
-      <p:sp>
-        <p:nvSpPr>
-          <p:cNvPr id="20" name="Content Placeholder 9"/>
-          <p:cNvSpPr>
-            <a:spLocks noGrp="1"/>
-          </p:cNvSpPr>
-          <p:nvPr>
-            <p:ph sz="quarter" idx="4"/>
-          </p:nvPr>
-        </p:nvSpPr>
-        <p:spPr>
-          <a:xfrm>
-            <a:off x="336788" y="3267248"/>
-            <a:ext cx="8807212" cy="1446446"/>
-          </a:xfrm>
-        </p:spPr>
-        <p:txBody>
-          <a:bodyPr/>
-          <a:lstStyle/>
-          <a:p>
-            <a:r>
-              <a:rPr lang="en-US" dirty="0" smtClean="0">
-                <a:solidFill>
-                  <a:schemeClr val="accent6"/>
-                </a:solidFill>
-                <a:latin typeface="Lucida Console" charset="0"/>
-                <a:ea typeface="Lucida Console" charset="0"/>
-                <a:cs typeface="Lucida Console" charset="0"/>
-              </a:rPr>
-              <a:t>$ </a:t>
-            </a:r>
-            <a:r>
-              <a:rPr lang="en-US" dirty="0" err="1" smtClean="0">
-                <a:latin typeface="Lucida Console" charset="0"/>
-                <a:ea typeface="Lucida Console" charset="0"/>
-                <a:cs typeface="Lucida Console" charset="0"/>
-              </a:rPr>
-              <a:t>aws</a:t>
-            </a:r>
-            <a:r>
-              <a:rPr lang="en-US" dirty="0" smtClean="0">
-                <a:latin typeface="Lucida Console" charset="0"/>
-                <a:ea typeface="Lucida Console" charset="0"/>
-                <a:cs typeface="Lucida Console" charset="0"/>
-              </a:rPr>
-              <a:t> </a:t>
-            </a:r>
-            <a:r>
-              <a:rPr lang="en-US" dirty="0" err="1" smtClean="0">
-                <a:latin typeface="Lucida Console" charset="0"/>
-                <a:ea typeface="Lucida Console" charset="0"/>
-                <a:cs typeface="Lucida Console" charset="0"/>
-              </a:rPr>
-              <a:t>ecs</a:t>
-            </a:r>
-            <a:r>
-              <a:rPr lang="en-US" dirty="0" smtClean="0">
-                <a:latin typeface="Lucida Console" charset="0"/>
-                <a:ea typeface="Lucida Console" charset="0"/>
-                <a:cs typeface="Lucida Console" charset="0"/>
-              </a:rPr>
-              <a:t> list-services</a:t>
-            </a:r>
-          </a:p>
-          <a:p>
-            <a:r>
-              <a:rPr lang="en-US" dirty="0" smtClean="0">
-                <a:latin typeface="Lucida Console" charset="0"/>
-                <a:ea typeface="Lucida Console" charset="0"/>
-                <a:cs typeface="Lucida Console" charset="0"/>
-              </a:rPr>
-              <a:t>arn:aws:ecs:us-east-1:***:service/</a:t>
-            </a:r>
-            <a:r>
-              <a:rPr lang="en-US" dirty="0" err="1" smtClean="0">
-                <a:latin typeface="Lucida Console" charset="0"/>
-                <a:ea typeface="Lucida Console" charset="0"/>
-                <a:cs typeface="Lucida Console" charset="0"/>
-              </a:rPr>
-              <a:t>api</a:t>
-            </a:r>
-            <a:r>
-              <a:rPr lang="en-US" dirty="0" smtClean="0">
-                <a:latin typeface="Lucida Console" charset="0"/>
-                <a:ea typeface="Lucida Console" charset="0"/>
-                <a:cs typeface="Lucida Console" charset="0"/>
-              </a:rPr>
-              <a:t>--web</a:t>
-            </a:r>
-          </a:p>
-          <a:p>
-            <a:r>
-              <a:rPr lang="en-US" dirty="0" smtClean="0">
-                <a:latin typeface="Lucida Console" charset="0"/>
-                <a:ea typeface="Lucida Console" charset="0"/>
-                <a:cs typeface="Lucida Console" charset="0"/>
-              </a:rPr>
-              <a:t>arn:aws:ecs:us-east-1</a:t>
-            </a:r>
-            <a:r>
-              <a:rPr lang="en-US" dirty="0">
-                <a:latin typeface="Lucida Console" charset="0"/>
-                <a:ea typeface="Lucida Console" charset="0"/>
-                <a:cs typeface="Lucida Console" charset="0"/>
-              </a:rPr>
-              <a:t>:***:</a:t>
-            </a:r>
-            <a:r>
-              <a:rPr lang="en-US" dirty="0" smtClean="0">
-                <a:latin typeface="Lucida Console" charset="0"/>
-                <a:ea typeface="Lucida Console" charset="0"/>
-                <a:cs typeface="Lucida Console" charset="0"/>
-              </a:rPr>
-              <a:t>service/</a:t>
-            </a:r>
-            <a:r>
-              <a:rPr lang="en-US" dirty="0" err="1" smtClean="0">
-                <a:latin typeface="Lucida Console" charset="0"/>
-                <a:ea typeface="Lucida Console" charset="0"/>
-                <a:cs typeface="Lucida Console" charset="0"/>
-              </a:rPr>
-              <a:t>api</a:t>
-            </a:r>
-            <a:r>
-              <a:rPr lang="en-US" dirty="0" smtClean="0">
-                <a:latin typeface="Lucida Console" charset="0"/>
-                <a:ea typeface="Lucida Console" charset="0"/>
-                <a:cs typeface="Lucida Console" charset="0"/>
-              </a:rPr>
-              <a:t>--worker</a:t>
-            </a:r>
-            <a:endParaRPr lang="en-US" dirty="0">
-              <a:latin typeface="Lucida Console" charset="0"/>
-              <a:ea typeface="Lucida Console" charset="0"/>
-              <a:cs typeface="Lucida Console" charset="0"/>
-            </a:endParaRPr>
-          </a:p>
-        </p:txBody>
-      </p:sp>
-      <p:sp>
-        <p:nvSpPr>
-          <p:cNvPr id="21" name="Content Placeholder 9"/>
-          <p:cNvSpPr>
-            <a:spLocks noGrp="1"/>
-          </p:cNvSpPr>
-          <p:nvPr>
-            <p:ph sz="quarter" idx="4"/>
-          </p:nvPr>
-        </p:nvSpPr>
-        <p:spPr>
-          <a:xfrm>
-            <a:off x="336788" y="2364292"/>
-            <a:ext cx="6959751" cy="1180681"/>
-          </a:xfrm>
-        </p:spPr>
-        <p:txBody>
-          <a:bodyPr/>
-          <a:lstStyle/>
-          <a:p>
-            <a:r>
-              <a:rPr lang="en-US" dirty="0" smtClean="0">
-                <a:solidFill>
-                  <a:schemeClr val="accent6"/>
-                </a:solidFill>
-                <a:latin typeface="Lucida Console" charset="0"/>
-                <a:ea typeface="Lucida Console" charset="0"/>
-                <a:cs typeface="Lucida Console" charset="0"/>
-              </a:rPr>
-              <a:t>$ </a:t>
-            </a:r>
-            <a:r>
-              <a:rPr lang="en-US" dirty="0" err="1" smtClean="0">
-                <a:latin typeface="Lucida Console" charset="0"/>
-                <a:ea typeface="Lucida Console" charset="0"/>
-                <a:cs typeface="Lucida Console" charset="0"/>
-              </a:rPr>
-              <a:t>emp</a:t>
-            </a:r>
-            <a:r>
-              <a:rPr lang="en-US" dirty="0" smtClean="0">
-                <a:latin typeface="Lucida Console" charset="0"/>
-                <a:ea typeface="Lucida Console" charset="0"/>
-                <a:cs typeface="Lucida Console" charset="0"/>
-              </a:rPr>
-              <a:t> deploy org/</a:t>
-            </a:r>
-            <a:r>
-              <a:rPr lang="en-US" dirty="0" err="1" smtClean="0">
-                <a:latin typeface="Lucida Console" charset="0"/>
-                <a:ea typeface="Lucida Console" charset="0"/>
-                <a:cs typeface="Lucida Console" charset="0"/>
-              </a:rPr>
-              <a:t>api:latest</a:t>
-            </a:r>
-            <a:endParaRPr lang="en-US" dirty="0" smtClean="0">
-              <a:latin typeface="Lucida Console" charset="0"/>
-              <a:ea typeface="Lucida Console" charset="0"/>
-              <a:cs typeface="Lucida Console" charset="0"/>
-            </a:endParaRPr>
-          </a:p>
-          <a:p>
-            <a:r>
-              <a:rPr lang="en-US" dirty="0" smtClean="0">
-                <a:latin typeface="Lucida Console" charset="0"/>
-                <a:ea typeface="Lucida Console" charset="0"/>
-                <a:cs typeface="Lucida Console" charset="0"/>
-              </a:rPr>
-              <a:t>Status: Created v1 release.</a:t>
-            </a:r>
-            <a:endParaRPr lang="en-US" dirty="0">
-              <a:latin typeface="Lucida Console" charset="0"/>
-              <a:ea typeface="Lucida Console" charset="0"/>
-              <a:cs typeface="Lucida Console" charset="0"/>
-            </a:endParaRPr>
-          </a:p>
-        </p:txBody>
-      </p:sp>
-    </p:spTree>
-    <p:extLst>
-      <p:ext uri="{BB962C8B-B14F-4D97-AF65-F5344CB8AC3E}">
-        <p14:creationId xmlns="" xmlns:a="http://schemas.openxmlformats.org/drawingml/2006/main" xmlns:r="http://schemas.openxmlformats.org/officeDocument/2006/relationships" xmlns:p="http://schemas.openxmlformats.org/presentationml/2006/main" xmlns:p14="http://schemas.microsoft.com/office/powerpoint/2010/main" xmlns:mv="urn:schemas-microsoft-com:mac:vml" xmlns:mc="http://schemas.openxmlformats.org/markup-compatibility/2006" val="1697602590"/>
+        <p14:creationId xmlns:p14="http://schemas.microsoft.com/office/powerpoint/2010/main" val="1429079060"/>
       </p:ext>
     </p:extLst>
   </p:cSld>
@@ -13657,7 +13724,7 @@
 </file>
 
 <file path=ppt/slides/slide27.xml><?xml version="1.0" encoding="utf-8"?>
-<p:sld xmlns:a="http://schemas.openxmlformats.org/drawingml/2006/main" xmlns:r="http://schemas.openxmlformats.org/officeDocument/2006/relationships" xmlns:mc="http://schemas.openxmlformats.org/markup-compatibility/2006" xmlns:mv="urn:schemas-microsoft-com:mac:vml" xmlns:p="http://schemas.openxmlformats.org/presentationml/2006/main" mc:Ignorable="mv" mc:PreserveAttributes="mv:*">
+<p:sld xmlns:a="http://schemas.openxmlformats.org/drawingml/2006/main" xmlns:r="http://schemas.openxmlformats.org/officeDocument/2006/relationships" xmlns:p="http://schemas.openxmlformats.org/presentationml/2006/main">
   <p:cSld>
     <p:spTree>
       <p:nvGrpSpPr>
@@ -13690,7 +13757,15 @@
           <a:p>
             <a:r>
               <a:rPr lang="en-US" dirty="0" smtClean="0"/>
-              <a:t>Service Discovery</a:t>
+              <a:t>12factor :: </a:t>
+            </a:r>
+            <a:r>
+              <a:rPr lang="en-US" dirty="0" smtClean="0"/>
+              <a:t>Build, Release</a:t>
+            </a:r>
+            <a:r>
+              <a:rPr lang="en-US" dirty="0" smtClean="0"/>
+              <a:t>, Run</a:t>
             </a:r>
             <a:endParaRPr lang="en-US" dirty="0"/>
           </a:p>
@@ -13708,8 +13783,8 @@
         </p:nvSpPr>
         <p:spPr>
           <a:xfrm>
-            <a:off x="336788" y="1106176"/>
-            <a:ext cx="8205305" cy="2476780"/>
+            <a:off x="336789" y="1106175"/>
+            <a:ext cx="4041775" cy="1180681"/>
           </a:xfrm>
         </p:spPr>
         <p:txBody>
@@ -13728,28 +13803,43 @@
               <a:t>$ </a:t>
             </a:r>
             <a:r>
+              <a:rPr lang="en-US" dirty="0">
+                <a:latin typeface="Lucida Console" charset="0"/>
+                <a:ea typeface="Lucida Console" charset="0"/>
+                <a:cs typeface="Lucida Console" charset="0"/>
+              </a:rPr>
+              <a:t>cat </a:t>
+            </a:r>
+            <a:r>
               <a:rPr lang="en-US" dirty="0" err="1" smtClean="0">
                 <a:latin typeface="Lucida Console" charset="0"/>
                 <a:ea typeface="Lucida Console" charset="0"/>
                 <a:cs typeface="Lucida Console" charset="0"/>
               </a:rPr>
-              <a:t>aws</a:t>
-            </a:r>
+              <a:t>Procfile</a:t>
+            </a:r>
+            <a:endParaRPr lang="en-US" dirty="0" smtClean="0">
+              <a:latin typeface="Lucida Console" charset="0"/>
+              <a:ea typeface="Lucida Console" charset="0"/>
+              <a:cs typeface="Lucida Console" charset="0"/>
+            </a:endParaRPr>
+          </a:p>
+          <a:p>
             <a:r>
               <a:rPr lang="en-US" dirty="0" smtClean="0">
                 <a:latin typeface="Lucida Console" charset="0"/>
                 <a:ea typeface="Lucida Console" charset="0"/>
                 <a:cs typeface="Lucida Console" charset="0"/>
               </a:rPr>
-              <a:t> </a:t>
-            </a:r>
-            <a:r>
-              <a:rPr lang="en-US" dirty="0" err="1" smtClean="0">
+              <a:t>web</a:t>
+            </a:r>
+            <a:r>
+              <a:rPr lang="en-US" dirty="0">
                 <a:latin typeface="Lucida Console" charset="0"/>
                 <a:ea typeface="Lucida Console" charset="0"/>
                 <a:cs typeface="Lucida Console" charset="0"/>
               </a:rPr>
-              <a:t>ecs</a:t>
+              <a:t>: ./</a:t>
             </a:r>
             <a:r>
               <a:rPr lang="en-US" dirty="0" smtClean="0">
@@ -13757,149 +13847,32 @@
                 <a:ea typeface="Lucida Console" charset="0"/>
                 <a:cs typeface="Lucida Console" charset="0"/>
               </a:rPr>
-              <a:t> describe-services --service </a:t>
-            </a:r>
-            <a:r>
-              <a:rPr lang="en-US" dirty="0" err="1" smtClean="0">
-                <a:latin typeface="Lucida Console" charset="0"/>
-                <a:ea typeface="Lucida Console" charset="0"/>
-                <a:cs typeface="Lucida Console" charset="0"/>
-              </a:rPr>
-              <a:t>api</a:t>
-            </a:r>
+              <a:t>bin/web</a:t>
+            </a:r>
+          </a:p>
+          <a:p>
             <a:r>
               <a:rPr lang="en-US" dirty="0" smtClean="0">
                 <a:latin typeface="Lucida Console" charset="0"/>
                 <a:ea typeface="Lucida Console" charset="0"/>
                 <a:cs typeface="Lucida Console" charset="0"/>
               </a:rPr>
-              <a:t>--web</a:t>
-            </a:r>
-          </a:p>
-          <a:p>
-            <a:r>
-              <a:rPr lang="en-US" dirty="0" smtClean="0">
+              <a:t>worker</a:t>
+            </a:r>
+            <a:r>
+              <a:rPr lang="en-US" dirty="0">
                 <a:latin typeface="Lucida Console" charset="0"/>
                 <a:ea typeface="Lucida Console" charset="0"/>
                 <a:cs typeface="Lucida Console" charset="0"/>
               </a:rPr>
-              <a:t>"</a:t>
-            </a:r>
-            <a:r>
-              <a:rPr lang="en-US" dirty="0" err="1" smtClean="0">
-                <a:latin typeface="Lucida Console" charset="0"/>
-                <a:ea typeface="Lucida Console" charset="0"/>
-                <a:cs typeface="Lucida Console" charset="0"/>
-              </a:rPr>
-              <a:t>loadBalancers</a:t>
-            </a:r>
-            <a:r>
-              <a:rPr lang="en-US" dirty="0" smtClean="0">
-                <a:latin typeface="Lucida Console" charset="0"/>
-                <a:ea typeface="Lucida Console" charset="0"/>
-                <a:cs typeface="Lucida Console" charset="0"/>
-              </a:rPr>
-              <a:t>": [{</a:t>
-            </a:r>
-          </a:p>
-          <a:p>
-            <a:r>
-              <a:rPr lang="en-US" dirty="0" smtClean="0">
-                <a:latin typeface="Lucida Console" charset="0"/>
-                <a:ea typeface="Lucida Console" charset="0"/>
-                <a:cs typeface="Lucida Console" charset="0"/>
-              </a:rPr>
-              <a:t>  "</a:t>
-            </a:r>
-            <a:r>
-              <a:rPr lang="en-US" dirty="0" err="1" smtClean="0">
-                <a:latin typeface="Lucida Console" charset="0"/>
-                <a:ea typeface="Lucida Console" charset="0"/>
-                <a:cs typeface="Lucida Console" charset="0"/>
-              </a:rPr>
-              <a:t>containerName</a:t>
-            </a:r>
-            <a:r>
-              <a:rPr lang="en-US" dirty="0" smtClean="0">
-                <a:latin typeface="Lucida Console" charset="0"/>
-                <a:ea typeface="Lucida Console" charset="0"/>
-                <a:cs typeface="Lucida Console" charset="0"/>
-              </a:rPr>
-              <a:t>": "web”,</a:t>
-            </a:r>
-          </a:p>
-          <a:p>
-            <a:r>
-              <a:rPr lang="en-US" dirty="0" smtClean="0">
-                <a:latin typeface="Lucida Console" charset="0"/>
-                <a:ea typeface="Lucida Console" charset="0"/>
-                <a:cs typeface="Lucida Console" charset="0"/>
-              </a:rPr>
-              <a:t>  "</a:t>
-            </a:r>
-            <a:r>
-              <a:rPr lang="en-US" dirty="0" err="1" smtClean="0">
-                <a:latin typeface="Lucida Console" charset="0"/>
-                <a:ea typeface="Lucida Console" charset="0"/>
-                <a:cs typeface="Lucida Console" charset="0"/>
-              </a:rPr>
-              <a:t>containerPort</a:t>
-            </a:r>
-            <a:r>
-              <a:rPr lang="en-US" dirty="0" smtClean="0">
-                <a:latin typeface="Lucida Console" charset="0"/>
-                <a:ea typeface="Lucida Console" charset="0"/>
-                <a:cs typeface="Lucida Console" charset="0"/>
-              </a:rPr>
-              <a:t>": 9001,</a:t>
-            </a:r>
-          </a:p>
-          <a:p>
-            <a:r>
-              <a:rPr lang="en-US" dirty="0" smtClean="0">
-                <a:latin typeface="Lucida Console" charset="0"/>
-                <a:ea typeface="Lucida Console" charset="0"/>
-                <a:cs typeface="Lucida Console" charset="0"/>
-              </a:rPr>
-              <a:t>  "</a:t>
-            </a:r>
-            <a:r>
-              <a:rPr lang="en-US" dirty="0" err="1" smtClean="0">
-                <a:latin typeface="Lucida Console" charset="0"/>
-                <a:ea typeface="Lucida Console" charset="0"/>
-                <a:cs typeface="Lucida Console" charset="0"/>
-              </a:rPr>
-              <a:t>loadBalancerName</a:t>
-            </a:r>
-            <a:r>
-              <a:rPr lang="en-US" dirty="0" smtClean="0">
-                <a:latin typeface="Lucida Console" charset="0"/>
-                <a:ea typeface="Lucida Console" charset="0"/>
-                <a:cs typeface="Lucida Console" charset="0"/>
-              </a:rPr>
-              <a:t>”: "2888...a31d4c”</a:t>
-            </a:r>
-          </a:p>
-          <a:p>
-            <a:r>
-              <a:rPr lang="en-US" dirty="0" smtClean="0">
-                <a:latin typeface="Lucida Console" charset="0"/>
-                <a:ea typeface="Lucida Console" charset="0"/>
-                <a:cs typeface="Lucida Console" charset="0"/>
-              </a:rPr>
-              <a:t>}]</a:t>
-            </a:r>
-            <a:endParaRPr lang="en-US" dirty="0">
-              <a:latin typeface="Lucida Console" charset="0"/>
-              <a:ea typeface="Lucida Console" charset="0"/>
-              <a:cs typeface="Lucida Console" charset="0"/>
-            </a:endParaRPr>
-          </a:p>
-        </p:txBody>
-      </p:sp>
-      <p:sp>
-        <p:nvSpPr>
-          <p:cNvPr id="6" name="Content Placeholder 9"/>
+              <a:t>: ./bin/worker</a:t>
+            </a:r>
+          </a:p>
+        </p:txBody>
+      </p:sp>
+      <p:sp>
+        <p:nvSpPr>
+          <p:cNvPr id="20" name="Content Placeholder 9"/>
           <p:cNvSpPr>
             <a:spLocks noGrp="1"/>
           </p:cNvSpPr>
@@ -13909,8 +13882,8 @@
         </p:nvSpPr>
         <p:spPr>
           <a:xfrm>
-            <a:off x="336788" y="3559716"/>
-            <a:ext cx="8205305" cy="937478"/>
+            <a:off x="336788" y="3267248"/>
+            <a:ext cx="8807212" cy="1446446"/>
           </a:xfrm>
         </p:spPr>
         <p:txBody>
@@ -13929,12 +13902,46 @@
               <a:t>$ </a:t>
             </a:r>
             <a:r>
+              <a:rPr lang="en-US" dirty="0" err="1" smtClean="0">
+                <a:latin typeface="Lucida Console" charset="0"/>
+                <a:ea typeface="Lucida Console" charset="0"/>
+                <a:cs typeface="Lucida Console" charset="0"/>
+              </a:rPr>
+              <a:t>aws</a:t>
+            </a:r>
+            <a:r>
               <a:rPr lang="en-US" dirty="0" smtClean="0">
                 <a:latin typeface="Lucida Console" charset="0"/>
                 <a:ea typeface="Lucida Console" charset="0"/>
                 <a:cs typeface="Lucida Console" charset="0"/>
               </a:rPr>
-              <a:t>curl http://</a:t>
+              <a:t> </a:t>
+            </a:r>
+            <a:r>
+              <a:rPr lang="en-US" dirty="0" err="1" smtClean="0">
+                <a:latin typeface="Lucida Console" charset="0"/>
+                <a:ea typeface="Lucida Console" charset="0"/>
+                <a:cs typeface="Lucida Console" charset="0"/>
+              </a:rPr>
+              <a:t>ecs</a:t>
+            </a:r>
+            <a:r>
+              <a:rPr lang="en-US" dirty="0" smtClean="0">
+                <a:latin typeface="Lucida Console" charset="0"/>
+                <a:ea typeface="Lucida Console" charset="0"/>
+                <a:cs typeface="Lucida Console" charset="0"/>
+              </a:rPr>
+              <a:t> list-services</a:t>
+            </a:r>
+          </a:p>
+          <a:p>
+            <a:r>
+              <a:rPr lang="en-US" dirty="0" smtClean="0">
+                <a:latin typeface="Lucida Console" charset="0"/>
+                <a:ea typeface="Lucida Console" charset="0"/>
+                <a:cs typeface="Lucida Console" charset="0"/>
+              </a:rPr>
+              <a:t>arn:aws:ecs:us-east-1:***:service/</a:t>
             </a:r>
             <a:r>
               <a:rPr lang="en-US" dirty="0" err="1" smtClean="0">
@@ -13944,20 +13951,133 @@
               </a:rPr>
               <a:t>api</a:t>
             </a:r>
+            <a:r>
+              <a:rPr lang="en-US" dirty="0" smtClean="0">
+                <a:latin typeface="Lucida Console" charset="0"/>
+                <a:ea typeface="Lucida Console" charset="0"/>
+                <a:cs typeface="Lucida Console" charset="0"/>
+              </a:rPr>
+              <a:t>--web</a:t>
+            </a:r>
+          </a:p>
+          <a:p>
+            <a:r>
+              <a:rPr lang="en-US" dirty="0" smtClean="0">
+                <a:latin typeface="Lucida Console" charset="0"/>
+                <a:ea typeface="Lucida Console" charset="0"/>
+                <a:cs typeface="Lucida Console" charset="0"/>
+              </a:rPr>
+              <a:t>arn:aws:ecs:us-east-1</a:t>
+            </a:r>
+            <a:r>
+              <a:rPr lang="en-US" dirty="0">
+                <a:latin typeface="Lucida Console" charset="0"/>
+                <a:ea typeface="Lucida Console" charset="0"/>
+                <a:cs typeface="Lucida Console" charset="0"/>
+              </a:rPr>
+              <a:t>:***:</a:t>
+            </a:r>
+            <a:r>
+              <a:rPr lang="en-US" dirty="0" smtClean="0">
+                <a:latin typeface="Lucida Console" charset="0"/>
+                <a:ea typeface="Lucida Console" charset="0"/>
+                <a:cs typeface="Lucida Console" charset="0"/>
+              </a:rPr>
+              <a:t>service/</a:t>
+            </a:r>
+            <a:r>
+              <a:rPr lang="en-US" dirty="0" err="1" smtClean="0">
+                <a:latin typeface="Lucida Console" charset="0"/>
+                <a:ea typeface="Lucida Console" charset="0"/>
+                <a:cs typeface="Lucida Console" charset="0"/>
+              </a:rPr>
+              <a:t>api</a:t>
+            </a:r>
+            <a:r>
+              <a:rPr lang="en-US" dirty="0" smtClean="0">
+                <a:latin typeface="Lucida Console" charset="0"/>
+                <a:ea typeface="Lucida Console" charset="0"/>
+                <a:cs typeface="Lucida Console" charset="0"/>
+              </a:rPr>
+              <a:t>--worker</a:t>
+            </a:r>
             <a:endParaRPr lang="en-US" dirty="0">
               <a:latin typeface="Lucida Console" charset="0"/>
               <a:ea typeface="Lucida Console" charset="0"/>
               <a:cs typeface="Lucida Console" charset="0"/>
             </a:endParaRPr>
           </a:p>
-          <a:p>
+        </p:txBody>
+      </p:sp>
+      <p:sp>
+        <p:nvSpPr>
+          <p:cNvPr id="21" name="Content Placeholder 9"/>
+          <p:cNvSpPr>
+            <a:spLocks noGrp="1"/>
+          </p:cNvSpPr>
+          <p:nvPr>
+            <p:ph sz="quarter" idx="4"/>
+          </p:nvPr>
+        </p:nvSpPr>
+        <p:spPr>
+          <a:xfrm>
+            <a:off x="336788" y="2364292"/>
+            <a:ext cx="6959751" cy="1180681"/>
+          </a:xfrm>
+        </p:spPr>
+        <p:txBody>
+          <a:bodyPr/>
+          <a:lstStyle/>
+          <a:p>
+            <a:r>
+              <a:rPr lang="en-US" dirty="0" smtClean="0">
+                <a:solidFill>
+                  <a:schemeClr val="accent6"/>
+                </a:solidFill>
+                <a:latin typeface="Lucida Console" charset="0"/>
+                <a:ea typeface="Lucida Console" charset="0"/>
+                <a:cs typeface="Lucida Console" charset="0"/>
+              </a:rPr>
+              <a:t>$ </a:t>
+            </a:r>
+            <a:r>
+              <a:rPr lang="en-US" dirty="0" err="1" smtClean="0">
+                <a:latin typeface="Lucida Console" charset="0"/>
+                <a:ea typeface="Lucida Console" charset="0"/>
+                <a:cs typeface="Lucida Console" charset="0"/>
+              </a:rPr>
+              <a:t>emp</a:t>
+            </a:r>
             <a:r>
               <a:rPr lang="en-US" dirty="0" smtClean="0">
                 <a:latin typeface="Lucida Console" charset="0"/>
                 <a:ea typeface="Lucida Console" charset="0"/>
                 <a:cs typeface="Lucida Console" charset="0"/>
               </a:rPr>
-              <a:t>Ok</a:t>
+              <a:t> deploy org/</a:t>
+            </a:r>
+            <a:r>
+              <a:rPr lang="en-US" dirty="0" err="1" smtClean="0">
+                <a:latin typeface="Lucida Console" charset="0"/>
+                <a:ea typeface="Lucida Console" charset="0"/>
+                <a:cs typeface="Lucida Console" charset="0"/>
+              </a:rPr>
+              <a:t>api:latest</a:t>
+            </a:r>
+            <a:endParaRPr lang="en-US" dirty="0" smtClean="0">
+              <a:latin typeface="Lucida Console" charset="0"/>
+              <a:ea typeface="Lucida Console" charset="0"/>
+              <a:cs typeface="Lucida Console" charset="0"/>
+            </a:endParaRPr>
+          </a:p>
+          <a:p>
+            <a:r>
+              <a:rPr lang="en-US" dirty="0" smtClean="0">
+                <a:latin typeface="Lucida Console" charset="0"/>
+                <a:ea typeface="Lucida Console" charset="0"/>
+                <a:cs typeface="Lucida Console" charset="0"/>
+              </a:rPr>
+              <a:t>Status: Created v1 release.</a:t>
             </a:r>
             <a:endParaRPr lang="en-US" dirty="0">
               <a:latin typeface="Lucida Console" charset="0"/>
@@ -13967,10 +14087,47 @@
           </a:p>
         </p:txBody>
       </p:sp>
+      <p:sp>
+        <p:nvSpPr>
+          <p:cNvPr id="2" name="Rectangle 1"/>
+          <p:cNvSpPr/>
+          <p:nvPr/>
+        </p:nvSpPr>
+        <p:spPr>
+          <a:xfrm>
+            <a:off x="370292" y="572325"/>
+            <a:ext cx="4134465" cy="369332"/>
+          </a:xfrm>
+          <a:prstGeom prst="rect">
+            <a:avLst/>
+          </a:prstGeom>
+        </p:spPr>
+        <p:txBody>
+          <a:bodyPr wrap="none">
+            <a:spAutoFit/>
+          </a:bodyPr>
+          <a:lstStyle/>
+          <a:p>
+            <a:r>
+              <a:rPr lang="en-US" i="1">
+                <a:solidFill>
+                  <a:schemeClr val="accent6"/>
+                </a:solidFill>
+              </a:rPr>
+              <a:t>“Strictly separate build and run stages”</a:t>
+            </a:r>
+            <a:endParaRPr lang="en-US" i="1" dirty="0">
+              <a:solidFill>
+                <a:schemeClr val="accent6"/>
+              </a:solidFill>
+            </a:endParaRPr>
+          </a:p>
+        </p:txBody>
+      </p:sp>
     </p:spTree>
     <p:extLst>
       <p:ext uri="{BB962C8B-B14F-4D97-AF65-F5344CB8AC3E}">
-        <p14:creationId xmlns="" xmlns:a="http://schemas.openxmlformats.org/drawingml/2006/main" xmlns:r="http://schemas.openxmlformats.org/officeDocument/2006/relationships" xmlns:p="http://schemas.openxmlformats.org/presentationml/2006/main" xmlns:p14="http://schemas.microsoft.com/office/powerpoint/2010/main" xmlns:mv="urn:schemas-microsoft-com:mac:vml" xmlns:mc="http://schemas.openxmlformats.org/markup-compatibility/2006" val="247700720"/>
+        <p14:creationId xmlns:p14="http://schemas.microsoft.com/office/powerpoint/2010/main" val="1697602590"/>
       </p:ext>
     </p:extLst>
   </p:cSld>
@@ -13988,7 +14145,7 @@
 </file>
 
 <file path=ppt/slides/slide28.xml><?xml version="1.0" encoding="utf-8"?>
-<p:sld xmlns:a="http://schemas.openxmlformats.org/drawingml/2006/main" xmlns:r="http://schemas.openxmlformats.org/officeDocument/2006/relationships" xmlns:mc="http://schemas.openxmlformats.org/markup-compatibility/2006" xmlns:mv="urn:schemas-microsoft-com:mac:vml" xmlns:p="http://schemas.openxmlformats.org/presentationml/2006/main" mc:Ignorable="mv" mc:PreserveAttributes="mv:*">
+<p:sld xmlns:a="http://schemas.openxmlformats.org/drawingml/2006/main" xmlns:r="http://schemas.openxmlformats.org/officeDocument/2006/relationships" xmlns:p="http://schemas.openxmlformats.org/presentationml/2006/main">
   <p:cSld>
     <p:spTree>
       <p:nvGrpSpPr>
@@ -14021,7 +14178,15 @@
           <a:p>
             <a:r>
               <a:rPr lang="en-US" dirty="0" smtClean="0"/>
-              <a:t>12factor :: Dev/prod parity</a:t>
+              <a:t>12factor :: </a:t>
+            </a:r>
+            <a:r>
+              <a:rPr lang="en-US" dirty="0" smtClean="0"/>
+              <a:t>Dev/prod </a:t>
+            </a:r>
+            <a:r>
+              <a:rPr lang="en-US" dirty="0" smtClean="0"/>
+              <a:t>parity</a:t>
             </a:r>
             <a:endParaRPr lang="en-US" dirty="0"/>
           </a:p>
@@ -14039,8 +14204,8 @@
         </p:nvSpPr>
         <p:spPr>
           <a:xfrm>
-            <a:off x="340592" y="1009332"/>
-            <a:ext cx="8205304" cy="858657"/>
+            <a:off x="397666" y="657325"/>
+            <a:ext cx="8205304" cy="449666"/>
           </a:xfrm>
         </p:spPr>
         <p:txBody>
@@ -14048,7 +14213,7 @@
           <a:lstStyle/>
           <a:p>
             <a:r>
-              <a:rPr lang="en-US" i="1" dirty="0">
+              <a:rPr lang="en-US" sz="1800" i="1" dirty="0">
                 <a:solidFill>
                   <a:schemeClr val="accent6"/>
                 </a:solidFill>
@@ -14325,7 +14490,7 @@
     </p:spTree>
     <p:extLst>
       <p:ext uri="{BB962C8B-B14F-4D97-AF65-F5344CB8AC3E}">
-        <p14:creationId xmlns="" xmlns:a="http://schemas.openxmlformats.org/drawingml/2006/main" xmlns:r="http://schemas.openxmlformats.org/officeDocument/2006/relationships" xmlns:p="http://schemas.openxmlformats.org/presentationml/2006/main" xmlns:p14="http://schemas.microsoft.com/office/powerpoint/2010/main" xmlns:mv="urn:schemas-microsoft-com:mac:vml" xmlns:mc="http://schemas.openxmlformats.org/markup-compatibility/2006" val="1698253457"/>
+        <p14:creationId xmlns:p14="http://schemas.microsoft.com/office/powerpoint/2010/main" val="1698253457"/>
       </p:ext>
     </p:extLst>
   </p:cSld>
@@ -14343,7 +14508,7 @@
 </file>
 
 <file path=ppt/slides/slide29.xml><?xml version="1.0" encoding="utf-8"?>
-<p:sld xmlns:a="http://schemas.openxmlformats.org/drawingml/2006/main" xmlns:r="http://schemas.openxmlformats.org/officeDocument/2006/relationships" xmlns:mc="http://schemas.openxmlformats.org/markup-compatibility/2006" xmlns:mv="urn:schemas-microsoft-com:mac:vml" xmlns:p="http://schemas.openxmlformats.org/presentationml/2006/main" mc:Ignorable="mv" mc:PreserveAttributes="mv:*">
+<p:sld xmlns:a="http://schemas.openxmlformats.org/drawingml/2006/main" xmlns:r="http://schemas.openxmlformats.org/officeDocument/2006/relationships" xmlns:p="http://schemas.openxmlformats.org/presentationml/2006/main">
   <p:cSld>
     <p:spTree>
       <p:nvGrpSpPr>
@@ -14394,8 +14559,8 @@
         </p:nvSpPr>
         <p:spPr>
           <a:xfrm>
-            <a:off x="340592" y="1009332"/>
-            <a:ext cx="8205304" cy="858657"/>
+            <a:off x="367227" y="609537"/>
+            <a:ext cx="8205304" cy="426857"/>
           </a:xfrm>
         </p:spPr>
         <p:txBody>
@@ -14403,7 +14568,7 @@
           <a:lstStyle/>
           <a:p>
             <a:r>
-              <a:rPr lang="en-US" i="1" dirty="0">
+              <a:rPr lang="en-US" sz="1800" i="1" dirty="0">
                 <a:solidFill>
                   <a:schemeClr val="accent6"/>
                 </a:solidFill>
@@ -14635,7 +14800,7 @@
         </p:nvSpPr>
         <p:spPr>
           <a:xfrm>
-            <a:off x="1959429" y="2612567"/>
+            <a:off x="2911756" y="2320179"/>
             <a:ext cx="1665841" cy="584775"/>
           </a:xfrm>
           <a:prstGeom prst="rect">
@@ -14673,8 +14838,8 @@
         </p:nvSpPr>
         <p:spPr>
           <a:xfrm>
-            <a:off x="5103223" y="2612567"/>
-            <a:ext cx="1912703" cy="584775"/>
+            <a:off x="6081282" y="1307829"/>
+            <a:ext cx="1155379" cy="369332"/>
           </a:xfrm>
           <a:prstGeom prst="rect">
             <a:avLst/>
@@ -14682,20 +14847,20 @@
           <a:noFill/>
         </p:spPr>
         <p:txBody>
-          <a:bodyPr wrap="none" rtlCol="0">
+          <a:bodyPr wrap="square" rtlCol="0">
             <a:spAutoFit/>
           </a:bodyPr>
           <a:lstStyle/>
           <a:p>
             <a:r>
-              <a:rPr lang="en-US" sz="3200" dirty="0" smtClean="0">
+              <a:rPr lang="en-US" dirty="0" smtClean="0">
                 <a:latin typeface="Lucida Console" charset="0"/>
                 <a:ea typeface="Lucida Console" charset="0"/>
                 <a:cs typeface="Lucida Console" charset="0"/>
               </a:rPr>
               <a:t>Kinesis</a:t>
             </a:r>
-            <a:endParaRPr lang="en-US" sz="3200" dirty="0">
+            <a:endParaRPr lang="en-US" dirty="0">
               <a:latin typeface="Lucida Console" charset="0"/>
               <a:ea typeface="Lucida Console" charset="0"/>
               <a:cs typeface="Lucida Console" charset="0"/>
@@ -14706,16 +14871,13 @@
       <p:cxnSp>
         <p:nvCxnSpPr>
           <p:cNvPr id="10" name="Straight Arrow Connector 9"/>
-          <p:cNvCxnSpPr>
-            <a:stCxn id="4" idx="3"/>
-            <a:endCxn id="6" idx="1"/>
-          </p:cNvCxnSpPr>
+          <p:cNvCxnSpPr/>
           <p:nvPr/>
         </p:nvCxnSpPr>
         <p:spPr>
           <a:xfrm>
-            <a:off x="3625270" y="2904955"/>
-            <a:ext cx="1477953" cy="0"/>
+            <a:off x="2386131" y="2904954"/>
+            <a:ext cx="2717091" cy="1"/>
           </a:xfrm>
           <a:prstGeom prst="straightConnector1">
             <a:avLst/>
@@ -14739,10 +14901,58 @@
           </a:fontRef>
         </p:style>
       </p:cxnSp>
+      <p:pic>
+        <p:nvPicPr>
+          <p:cNvPr id="7" name="Picture 6"/>
+          <p:cNvPicPr>
+            <a:picLocks noChangeAspect="1"/>
+          </p:cNvPicPr>
+          <p:nvPr/>
+        </p:nvPicPr>
+        <p:blipFill>
+          <a:blip r:embed="rId3"/>
+          <a:stretch>
+            <a:fillRect/>
+          </a:stretch>
+        </p:blipFill>
+        <p:spPr>
+          <a:xfrm>
+            <a:off x="5103222" y="1768305"/>
+            <a:ext cx="3111500" cy="2273300"/>
+          </a:xfrm>
+          <a:prstGeom prst="rect">
+            <a:avLst/>
+          </a:prstGeom>
+        </p:spPr>
+      </p:pic>
+      <p:pic>
+        <p:nvPicPr>
+          <p:cNvPr id="13" name="Picture 12"/>
+          <p:cNvPicPr>
+            <a:picLocks noChangeAspect="1"/>
+          </p:cNvPicPr>
+          <p:nvPr/>
+        </p:nvPicPr>
+        <p:blipFill>
+          <a:blip r:embed="rId4"/>
+          <a:stretch>
+            <a:fillRect/>
+          </a:stretch>
+        </p:blipFill>
+        <p:spPr>
+          <a:xfrm>
+            <a:off x="759757" y="2200104"/>
+            <a:ext cx="1308100" cy="1409700"/>
+          </a:xfrm>
+          <a:prstGeom prst="rect">
+            <a:avLst/>
+          </a:prstGeom>
+        </p:spPr>
+      </p:pic>
     </p:spTree>
     <p:extLst>
       <p:ext uri="{BB962C8B-B14F-4D97-AF65-F5344CB8AC3E}">
-        <p14:creationId xmlns="" xmlns:a="http://schemas.openxmlformats.org/drawingml/2006/main" xmlns:r="http://schemas.openxmlformats.org/officeDocument/2006/relationships" xmlns:p="http://schemas.openxmlformats.org/presentationml/2006/main" xmlns:p14="http://schemas.microsoft.com/office/powerpoint/2010/main" xmlns:mv="urn:schemas-microsoft-com:mac:vml" xmlns:mc="http://schemas.openxmlformats.org/markup-compatibility/2006" val="1139894538"/>
+        <p14:creationId xmlns:p14="http://schemas.microsoft.com/office/powerpoint/2010/main" val="1139894538"/>
       </p:ext>
     </p:extLst>
   </p:cSld>
@@ -14760,7 +14970,7 @@
 </file>
 
 <file path=ppt/slides/slide3.xml><?xml version="1.0" encoding="utf-8"?>
-<p:sld xmlns:a="http://schemas.openxmlformats.org/drawingml/2006/main" xmlns:r="http://schemas.openxmlformats.org/officeDocument/2006/relationships" xmlns:mc="http://schemas.openxmlformats.org/markup-compatibility/2006" xmlns:mv="urn:schemas-microsoft-com:mac:vml" xmlns:p="http://schemas.openxmlformats.org/presentationml/2006/main" mc:Ignorable="mv" mc:PreserveAttributes="mv:*">
+<p:sld xmlns:a="http://schemas.openxmlformats.org/drawingml/2006/main" xmlns:r="http://schemas.openxmlformats.org/officeDocument/2006/relationships" xmlns:p="http://schemas.openxmlformats.org/presentationml/2006/main">
   <p:cSld>
     <p:spTree>
       <p:nvGrpSpPr>
@@ -14870,7 +15080,7 @@
     </p:spTree>
     <p:extLst>
       <p:ext uri="{BB962C8B-B14F-4D97-AF65-F5344CB8AC3E}">
-        <p14:creationId xmlns="" xmlns:a="http://schemas.openxmlformats.org/drawingml/2006/main" xmlns:r="http://schemas.openxmlformats.org/officeDocument/2006/relationships" xmlns:p="http://schemas.openxmlformats.org/presentationml/2006/main" xmlns:p14="http://schemas.microsoft.com/office/powerpoint/2010/main" xmlns:mv="urn:schemas-microsoft-com:mac:vml" xmlns:mc="http://schemas.openxmlformats.org/markup-compatibility/2006" val="681947218"/>
+        <p14:creationId xmlns:p14="http://schemas.microsoft.com/office/powerpoint/2010/main" val="681947218"/>
       </p:ext>
     </p:extLst>
   </p:cSld>
@@ -14888,7 +15098,7 @@
 </file>
 
 <file path=ppt/slides/slide30.xml><?xml version="1.0" encoding="utf-8"?>
-<p:sld xmlns:a="http://schemas.openxmlformats.org/drawingml/2006/main" xmlns:r="http://schemas.openxmlformats.org/officeDocument/2006/relationships" xmlns:mc="http://schemas.openxmlformats.org/markup-compatibility/2006" xmlns:mv="urn:schemas-microsoft-com:mac:vml" xmlns:p="http://schemas.openxmlformats.org/presentationml/2006/main" mc:Ignorable="mv" mc:PreserveAttributes="mv:*">
+<p:sld xmlns:a="http://schemas.openxmlformats.org/drawingml/2006/main" xmlns:r="http://schemas.openxmlformats.org/officeDocument/2006/relationships" xmlns:p="http://schemas.openxmlformats.org/presentationml/2006/main">
   <p:cSld>
     <p:spTree>
       <p:nvGrpSpPr>
@@ -14939,8 +15149,8 @@
         </p:nvSpPr>
         <p:spPr>
           <a:xfrm>
-            <a:off x="340592" y="1009332"/>
-            <a:ext cx="8205304" cy="858657"/>
+            <a:off x="336789" y="660677"/>
+            <a:ext cx="5842494" cy="471125"/>
           </a:xfrm>
         </p:spPr>
         <p:txBody>
@@ -14948,7 +15158,7 @@
           <a:lstStyle/>
           <a:p>
             <a:r>
-              <a:rPr lang="en-US" i="1" dirty="0">
+              <a:rPr lang="en-US" sz="1800" i="1" dirty="0">
                 <a:solidFill>
                   <a:schemeClr val="accent6"/>
                 </a:solidFill>
@@ -15176,7 +15386,7 @@
     </p:spTree>
     <p:extLst>
       <p:ext uri="{BB962C8B-B14F-4D97-AF65-F5344CB8AC3E}">
-        <p14:creationId xmlns="" xmlns:a="http://schemas.openxmlformats.org/drawingml/2006/main" xmlns:r="http://schemas.openxmlformats.org/officeDocument/2006/relationships" xmlns:p="http://schemas.openxmlformats.org/presentationml/2006/main" xmlns:p14="http://schemas.microsoft.com/office/powerpoint/2010/main" xmlns:mv="urn:schemas-microsoft-com:mac:vml" xmlns:mc="http://schemas.openxmlformats.org/markup-compatibility/2006" val="1007558359"/>
+        <p14:creationId xmlns:p14="http://schemas.microsoft.com/office/powerpoint/2010/main" val="1007558359"/>
       </p:ext>
     </p:extLst>
   </p:cSld>
@@ -15194,7 +15404,7 @@
 </file>
 
 <file path=ppt/slides/slide31.xml><?xml version="1.0" encoding="utf-8"?>
-<p:sld xmlns:a="http://schemas.openxmlformats.org/drawingml/2006/main" xmlns:r="http://schemas.openxmlformats.org/officeDocument/2006/relationships" xmlns:mc="http://schemas.openxmlformats.org/markup-compatibility/2006" xmlns:mv="urn:schemas-microsoft-com:mac:vml" xmlns:p="http://schemas.openxmlformats.org/presentationml/2006/main" mc:Ignorable="mv" mc:PreserveAttributes="mv:*">
+<p:sld xmlns:a="http://schemas.openxmlformats.org/drawingml/2006/main" xmlns:r="http://schemas.openxmlformats.org/officeDocument/2006/relationships" xmlns:p="http://schemas.openxmlformats.org/presentationml/2006/main">
   <p:cSld>
     <p:spTree>
       <p:nvGrpSpPr>
@@ -15225,6 +15435,7 @@
           <a:bodyPr/>
           <a:lstStyle/>
           <a:p>
+            <a:pPr algn="ctr"/>
             <a:r>
               <a:rPr lang="en-US" dirty="0" smtClean="0"/>
               <a:t>Demo</a:t>
@@ -15236,7 +15447,7 @@
     </p:spTree>
     <p:extLst>
       <p:ext uri="{BB962C8B-B14F-4D97-AF65-F5344CB8AC3E}">
-        <p14:creationId xmlns="" xmlns:a="http://schemas.openxmlformats.org/drawingml/2006/main" xmlns:r="http://schemas.openxmlformats.org/officeDocument/2006/relationships" xmlns:p="http://schemas.openxmlformats.org/presentationml/2006/main" xmlns:p14="http://schemas.microsoft.com/office/powerpoint/2010/main" xmlns:mv="urn:schemas-microsoft-com:mac:vml" xmlns:mc="http://schemas.openxmlformats.org/markup-compatibility/2006" val="1047632536"/>
+        <p14:creationId xmlns:p14="http://schemas.microsoft.com/office/powerpoint/2010/main" val="1047632536"/>
       </p:ext>
     </p:extLst>
   </p:cSld>
@@ -15254,7 +15465,7 @@
 </file>
 
 <file path=ppt/slides/slide32.xml><?xml version="1.0" encoding="utf-8"?>
-<p:sld xmlns:a="http://schemas.openxmlformats.org/drawingml/2006/main" xmlns:r="http://schemas.openxmlformats.org/officeDocument/2006/relationships" xmlns:mc="http://schemas.openxmlformats.org/markup-compatibility/2006" xmlns:mv="urn:schemas-microsoft-com:mac:vml" xmlns:p="http://schemas.openxmlformats.org/presentationml/2006/main" mc:Ignorable="mv" mc:PreserveAttributes="mv:*">
+<p:sld xmlns:a="http://schemas.openxmlformats.org/drawingml/2006/main" xmlns:r="http://schemas.openxmlformats.org/officeDocument/2006/relationships" xmlns:p="http://schemas.openxmlformats.org/presentationml/2006/main">
   <p:cSld>
     <p:spTree>
       <p:nvGrpSpPr>
@@ -15285,6 +15496,7 @@
           <a:bodyPr/>
           <a:lstStyle/>
           <a:p>
+            <a:pPr algn="ctr"/>
             <a:r>
               <a:rPr lang="en-US" dirty="0" smtClean="0"/>
               <a:t>Pain Points &amp; Lessons Learned</a:t>
@@ -15296,7 +15508,7 @@
     </p:spTree>
     <p:extLst>
       <p:ext uri="{BB962C8B-B14F-4D97-AF65-F5344CB8AC3E}">
-        <p14:creationId xmlns="" xmlns:a="http://schemas.openxmlformats.org/drawingml/2006/main" xmlns:r="http://schemas.openxmlformats.org/officeDocument/2006/relationships" xmlns:p="http://schemas.openxmlformats.org/presentationml/2006/main" xmlns:p14="http://schemas.microsoft.com/office/powerpoint/2010/main" xmlns:mv="urn:schemas-microsoft-com:mac:vml" xmlns:mc="http://schemas.openxmlformats.org/markup-compatibility/2006" val="1065250353"/>
+        <p14:creationId xmlns:p14="http://schemas.microsoft.com/office/powerpoint/2010/main" val="1065250353"/>
       </p:ext>
     </p:extLst>
   </p:cSld>
@@ -15314,7 +15526,7 @@
 </file>
 
 <file path=ppt/slides/slide33.xml><?xml version="1.0" encoding="utf-8"?>
-<p:sld xmlns:a="http://schemas.openxmlformats.org/drawingml/2006/main" xmlns:r="http://schemas.openxmlformats.org/officeDocument/2006/relationships" xmlns:mc="http://schemas.openxmlformats.org/markup-compatibility/2006" xmlns:mv="urn:schemas-microsoft-com:mac:vml" xmlns:p="http://schemas.openxmlformats.org/presentationml/2006/main" mc:Ignorable="mv" mc:PreserveAttributes="mv:*">
+<p:sld xmlns:a="http://schemas.openxmlformats.org/drawingml/2006/main" xmlns:r="http://schemas.openxmlformats.org/officeDocument/2006/relationships" xmlns:p="http://schemas.openxmlformats.org/presentationml/2006/main">
   <p:cSld>
     <p:spTree>
       <p:nvGrpSpPr>
@@ -15421,7 +15633,7 @@
     </p:spTree>
     <p:extLst>
       <p:ext uri="{BB962C8B-B14F-4D97-AF65-F5344CB8AC3E}">
-        <p14:creationId xmlns="" xmlns:a="http://schemas.openxmlformats.org/drawingml/2006/main" xmlns:r="http://schemas.openxmlformats.org/officeDocument/2006/relationships" xmlns:p="http://schemas.openxmlformats.org/presentationml/2006/main" xmlns:p14="http://schemas.microsoft.com/office/powerpoint/2010/main" xmlns:mv="urn:schemas-microsoft-com:mac:vml" xmlns:mc="http://schemas.openxmlformats.org/markup-compatibility/2006" val="1188070149"/>
+        <p14:creationId xmlns:p14="http://schemas.microsoft.com/office/powerpoint/2010/main" val="1188070149"/>
       </p:ext>
     </p:extLst>
   </p:cSld>
@@ -15439,7 +15651,7 @@
 </file>
 
 <file path=ppt/slides/slide34.xml><?xml version="1.0" encoding="utf-8"?>
-<p:sld xmlns:a="http://schemas.openxmlformats.org/drawingml/2006/main" xmlns:r="http://schemas.openxmlformats.org/officeDocument/2006/relationships" xmlns:mc="http://schemas.openxmlformats.org/markup-compatibility/2006" xmlns:mv="urn:schemas-microsoft-com:mac:vml" xmlns:p="http://schemas.openxmlformats.org/presentationml/2006/main" mc:Ignorable="mv" mc:PreserveAttributes="mv:*">
+<p:sld xmlns:a="http://schemas.openxmlformats.org/drawingml/2006/main" xmlns:r="http://schemas.openxmlformats.org/officeDocument/2006/relationships" xmlns:p="http://schemas.openxmlformats.org/presentationml/2006/main">
   <p:cSld>
     <p:spTree>
       <p:nvGrpSpPr>
@@ -15490,7 +15702,7 @@
           <a:blip r:embed="rId3">
             <a:extLst>
               <a:ext uri="{28A0092B-C50C-407E-A947-70E740481C1C}">
-                <a14:useLocalDpi xmlns="" xmlns:a="http://schemas.openxmlformats.org/drawingml/2006/main" xmlns:r="http://schemas.openxmlformats.org/officeDocument/2006/relationships" xmlns:p="http://schemas.openxmlformats.org/presentationml/2006/main" xmlns:a14="http://schemas.microsoft.com/office/drawing/2010/main" xmlns:mv="urn:schemas-microsoft-com:mac:vml" xmlns:mc="http://schemas.openxmlformats.org/markup-compatibility/2006" val="0"/>
+                <a14:useLocalDpi xmlns:a14="http://schemas.microsoft.com/office/drawing/2010/main" val="0"/>
               </a:ext>
             </a:extLst>
           </a:blip>
@@ -15559,7 +15771,7 @@
           <a:blip r:embed="rId4">
             <a:extLst>
               <a:ext uri="{28A0092B-C50C-407E-A947-70E740481C1C}">
-                <a14:useLocalDpi xmlns="" xmlns:a="http://schemas.openxmlformats.org/drawingml/2006/main" xmlns:r="http://schemas.openxmlformats.org/officeDocument/2006/relationships" xmlns:p="http://schemas.openxmlformats.org/presentationml/2006/main" xmlns:a14="http://schemas.microsoft.com/office/drawing/2010/main" xmlns:mv="urn:schemas-microsoft-com:mac:vml" xmlns:mc="http://schemas.openxmlformats.org/markup-compatibility/2006" val="0"/>
+                <a14:useLocalDpi xmlns:a14="http://schemas.microsoft.com/office/drawing/2010/main" val="0"/>
               </a:ext>
             </a:extLst>
           </a:blip>
@@ -15649,7 +15861,7 @@
     </p:spTree>
     <p:extLst>
       <p:ext uri="{BB962C8B-B14F-4D97-AF65-F5344CB8AC3E}">
-        <p14:creationId xmlns="" xmlns:a="http://schemas.openxmlformats.org/drawingml/2006/main" xmlns:r="http://schemas.openxmlformats.org/officeDocument/2006/relationships" xmlns:p="http://schemas.openxmlformats.org/presentationml/2006/main" xmlns:p14="http://schemas.microsoft.com/office/powerpoint/2010/main" xmlns:mv="urn:schemas-microsoft-com:mac:vml" xmlns:mc="http://schemas.openxmlformats.org/markup-compatibility/2006" val="420560106"/>
+        <p14:creationId xmlns:p14="http://schemas.microsoft.com/office/powerpoint/2010/main" val="420560106"/>
       </p:ext>
     </p:extLst>
   </p:cSld>
@@ -15667,7 +15879,7 @@
 </file>
 
 <file path=ppt/slides/slide35.xml><?xml version="1.0" encoding="utf-8"?>
-<p:sld xmlns:a="http://schemas.openxmlformats.org/drawingml/2006/main" xmlns:r="http://schemas.openxmlformats.org/officeDocument/2006/relationships" xmlns:mc="http://schemas.openxmlformats.org/markup-compatibility/2006" xmlns:mv="urn:schemas-microsoft-com:mac:vml" xmlns:p="http://schemas.openxmlformats.org/presentationml/2006/main" mc:Ignorable="mv" mc:PreserveAttributes="mv:*">
+<p:sld xmlns:a="http://schemas.openxmlformats.org/drawingml/2006/main" xmlns:r="http://schemas.openxmlformats.org/officeDocument/2006/relationships" xmlns:p="http://schemas.openxmlformats.org/presentationml/2006/main">
   <p:cSld>
     <p:spTree>
       <p:nvGrpSpPr>
@@ -15718,7 +15930,7 @@
           <a:blip r:embed="rId3">
             <a:extLst>
               <a:ext uri="{28A0092B-C50C-407E-A947-70E740481C1C}">
-                <a14:useLocalDpi xmlns="" xmlns:a="http://schemas.openxmlformats.org/drawingml/2006/main" xmlns:r="http://schemas.openxmlformats.org/officeDocument/2006/relationships" xmlns:p="http://schemas.openxmlformats.org/presentationml/2006/main" xmlns:a14="http://schemas.microsoft.com/office/drawing/2010/main" xmlns:mv="urn:schemas-microsoft-com:mac:vml" xmlns:mc="http://schemas.openxmlformats.org/markup-compatibility/2006" val="0"/>
+                <a14:useLocalDpi xmlns:a14="http://schemas.microsoft.com/office/drawing/2010/main" val="0"/>
               </a:ext>
             </a:extLst>
           </a:blip>
@@ -15919,7 +16131,7 @@
     </p:spTree>
     <p:extLst>
       <p:ext uri="{BB962C8B-B14F-4D97-AF65-F5344CB8AC3E}">
-        <p14:creationId xmlns="" xmlns:a="http://schemas.openxmlformats.org/drawingml/2006/main" xmlns:r="http://schemas.openxmlformats.org/officeDocument/2006/relationships" xmlns:p="http://schemas.openxmlformats.org/presentationml/2006/main" xmlns:p14="http://schemas.microsoft.com/office/powerpoint/2010/main" xmlns:mv="urn:schemas-microsoft-com:mac:vml" xmlns:mc="http://schemas.openxmlformats.org/markup-compatibility/2006" val="1585635513"/>
+        <p14:creationId xmlns:p14="http://schemas.microsoft.com/office/powerpoint/2010/main" val="1585635513"/>
       </p:ext>
     </p:extLst>
   </p:cSld>
@@ -15937,7 +16149,7 @@
 </file>
 
 <file path=ppt/slides/slide36.xml><?xml version="1.0" encoding="utf-8"?>
-<p:sld xmlns:a="http://schemas.openxmlformats.org/drawingml/2006/main" xmlns:r="http://schemas.openxmlformats.org/officeDocument/2006/relationships" xmlns:mc="http://schemas.openxmlformats.org/markup-compatibility/2006" xmlns:mv="urn:schemas-microsoft-com:mac:vml" xmlns:p="http://schemas.openxmlformats.org/presentationml/2006/main" mc:Ignorable="mv" mc:PreserveAttributes="mv:*">
+<p:sld xmlns:a="http://schemas.openxmlformats.org/drawingml/2006/main" xmlns:r="http://schemas.openxmlformats.org/officeDocument/2006/relationships" xmlns:p="http://schemas.openxmlformats.org/presentationml/2006/main">
   <p:cSld>
     <p:spTree>
       <p:nvGrpSpPr>
@@ -16031,7 +16243,7 @@
           <a:blip r:embed="rId3">
             <a:extLst>
               <a:ext uri="{28A0092B-C50C-407E-A947-70E740481C1C}">
-                <a14:useLocalDpi xmlns="" xmlns:a="http://schemas.openxmlformats.org/drawingml/2006/main" xmlns:r="http://schemas.openxmlformats.org/officeDocument/2006/relationships" xmlns:p="http://schemas.openxmlformats.org/presentationml/2006/main" xmlns:a14="http://schemas.microsoft.com/office/drawing/2010/main" xmlns:mv="urn:schemas-microsoft-com:mac:vml" xmlns:mc="http://schemas.openxmlformats.org/markup-compatibility/2006" val="0"/>
+                <a14:useLocalDpi xmlns:a14="http://schemas.microsoft.com/office/drawing/2010/main" val="0"/>
               </a:ext>
             </a:extLst>
           </a:blip>
@@ -16061,7 +16273,7 @@
           <a:blip r:embed="rId4">
             <a:extLst>
               <a:ext uri="{28A0092B-C50C-407E-A947-70E740481C1C}">
-                <a14:useLocalDpi xmlns="" xmlns:a="http://schemas.openxmlformats.org/drawingml/2006/main" xmlns:r="http://schemas.openxmlformats.org/officeDocument/2006/relationships" xmlns:p="http://schemas.openxmlformats.org/presentationml/2006/main" xmlns:a14="http://schemas.microsoft.com/office/drawing/2010/main" xmlns:mv="urn:schemas-microsoft-com:mac:vml" xmlns:mc="http://schemas.openxmlformats.org/markup-compatibility/2006" val="0"/>
+                <a14:useLocalDpi xmlns:a14="http://schemas.microsoft.com/office/drawing/2010/main" val="0"/>
               </a:ext>
             </a:extLst>
           </a:blip>
@@ -16142,7 +16354,7 @@
     </p:spTree>
     <p:extLst>
       <p:ext uri="{BB962C8B-B14F-4D97-AF65-F5344CB8AC3E}">
-        <p14:creationId xmlns="" xmlns:a="http://schemas.openxmlformats.org/drawingml/2006/main" xmlns:r="http://schemas.openxmlformats.org/officeDocument/2006/relationships" xmlns:p="http://schemas.openxmlformats.org/presentationml/2006/main" xmlns:p14="http://schemas.microsoft.com/office/powerpoint/2010/main" xmlns:mv="urn:schemas-microsoft-com:mac:vml" xmlns:mc="http://schemas.openxmlformats.org/markup-compatibility/2006" val="190712800"/>
+        <p14:creationId xmlns:p14="http://schemas.microsoft.com/office/powerpoint/2010/main" val="190712800"/>
       </p:ext>
     </p:extLst>
   </p:cSld>
@@ -16160,7 +16372,7 @@
 </file>
 
 <file path=ppt/slides/slide37.xml><?xml version="1.0" encoding="utf-8"?>
-<p:sld xmlns:a="http://schemas.openxmlformats.org/drawingml/2006/main" xmlns:r="http://schemas.openxmlformats.org/officeDocument/2006/relationships" xmlns:mc="http://schemas.openxmlformats.org/markup-compatibility/2006" xmlns:mv="urn:schemas-microsoft-com:mac:vml" xmlns:p="http://schemas.openxmlformats.org/presentationml/2006/main" mc:Ignorable="mv" mc:PreserveAttributes="mv:*">
+<p:sld xmlns:a="http://schemas.openxmlformats.org/drawingml/2006/main" xmlns:r="http://schemas.openxmlformats.org/officeDocument/2006/relationships" xmlns:p="http://schemas.openxmlformats.org/presentationml/2006/main">
   <p:cSld>
     <p:spTree>
       <p:nvGrpSpPr>
@@ -16197,15 +16409,7 @@
             </a:r>
             <a:r>
               <a:rPr lang="en-US" dirty="0" smtClean="0"/>
-              <a:t> Push/Pull</a:t>
-            </a:r>
-            <a:r>
-              <a:rPr lang="en-US" dirty="0" smtClean="0"/>
-              <a:t> </a:t>
-            </a:r>
-            <a:r>
-              <a:rPr lang="en-US" dirty="0" smtClean="0"/>
-              <a:t>Performance</a:t>
+              <a:t> Push/Pull Performance</a:t>
             </a:r>
             <a:endParaRPr lang="en-US" dirty="0"/>
           </a:p>
@@ -16240,11 +16444,7 @@
             </a:r>
             <a:r>
               <a:rPr lang="en-US" dirty="0" smtClean="0"/>
-              <a:t> (&lt; 1.8.1) had poor push</a:t>
-            </a:r>
-            <a:r>
-              <a:rPr lang="en-US" dirty="0" smtClean="0"/>
-              <a:t>/pull performance</a:t>
+              <a:t> (&lt; 1.8.1) had poor push/pull performance</a:t>
             </a:r>
           </a:p>
           <a:p>
@@ -16305,7 +16505,7 @@
     </p:spTree>
     <p:extLst>
       <p:ext uri="{BB962C8B-B14F-4D97-AF65-F5344CB8AC3E}">
-        <p14:creationId xmlns="" xmlns:a="http://schemas.openxmlformats.org/drawingml/2006/main" xmlns:r="http://schemas.openxmlformats.org/officeDocument/2006/relationships" xmlns:p="http://schemas.openxmlformats.org/presentationml/2006/main" xmlns:p14="http://schemas.microsoft.com/office/powerpoint/2010/main" xmlns:mv="urn:schemas-microsoft-com:mac:vml" xmlns:mc="http://schemas.openxmlformats.org/markup-compatibility/2006" val="1962145869"/>
+        <p14:creationId xmlns:p14="http://schemas.microsoft.com/office/powerpoint/2010/main" val="1962145869"/>
       </p:ext>
     </p:extLst>
   </p:cSld>
@@ -16323,7 +16523,7 @@
 </file>
 
 <file path=ppt/slides/slide38.xml><?xml version="1.0" encoding="utf-8"?>
-<p:sld xmlns:a="http://schemas.openxmlformats.org/drawingml/2006/main" xmlns:r="http://schemas.openxmlformats.org/officeDocument/2006/relationships" xmlns:mc="http://schemas.openxmlformats.org/markup-compatibility/2006" xmlns:mv="urn:schemas-microsoft-com:mac:vml" xmlns:p="http://schemas.openxmlformats.org/presentationml/2006/main" mc:Ignorable="mv" mc:PreserveAttributes="mv:*">
+<p:sld xmlns:a="http://schemas.openxmlformats.org/drawingml/2006/main" xmlns:r="http://schemas.openxmlformats.org/officeDocument/2006/relationships" xmlns:p="http://schemas.openxmlformats.org/presentationml/2006/main">
   <p:cSld>
     <p:spTree>
       <p:nvGrpSpPr>
@@ -16426,7 +16626,7 @@
     </p:spTree>
     <p:extLst>
       <p:ext uri="{BB962C8B-B14F-4D97-AF65-F5344CB8AC3E}">
-        <p14:creationId xmlns="" xmlns:a="http://schemas.openxmlformats.org/drawingml/2006/main" xmlns:r="http://schemas.openxmlformats.org/officeDocument/2006/relationships" xmlns:p="http://schemas.openxmlformats.org/presentationml/2006/main" xmlns:p14="http://schemas.microsoft.com/office/powerpoint/2010/main" xmlns:mv="urn:schemas-microsoft-com:mac:vml" xmlns:mc="http://schemas.openxmlformats.org/markup-compatibility/2006" val="407593370"/>
+        <p14:creationId xmlns:p14="http://schemas.microsoft.com/office/powerpoint/2010/main" val="407593370"/>
       </p:ext>
     </p:extLst>
   </p:cSld>
@@ -16444,7 +16644,7 @@
 </file>
 
 <file path=ppt/slides/slide4.xml><?xml version="1.0" encoding="utf-8"?>
-<p:sld xmlns:a="http://schemas.openxmlformats.org/drawingml/2006/main" xmlns:r="http://schemas.openxmlformats.org/officeDocument/2006/relationships" xmlns:mc="http://schemas.openxmlformats.org/markup-compatibility/2006" xmlns:mv="urn:schemas-microsoft-com:mac:vml" xmlns:p="http://schemas.openxmlformats.org/presentationml/2006/main" mc:Ignorable="mv" mc:PreserveAttributes="mv:*">
+<p:sld xmlns:a="http://schemas.openxmlformats.org/drawingml/2006/main" xmlns:r="http://schemas.openxmlformats.org/officeDocument/2006/relationships" xmlns:p="http://schemas.openxmlformats.org/presentationml/2006/main">
   <p:cSld>
     <p:spTree>
       <p:nvGrpSpPr>
@@ -16571,7 +16771,7 @@
           <a:blip r:embed="rId3">
             <a:extLst>
               <a:ext uri="{28A0092B-C50C-407E-A947-70E740481C1C}">
-                <a14:useLocalDpi xmlns="" xmlns:a="http://schemas.openxmlformats.org/drawingml/2006/main" xmlns:r="http://schemas.openxmlformats.org/officeDocument/2006/relationships" xmlns:p="http://schemas.openxmlformats.org/presentationml/2006/main" xmlns:a14="http://schemas.microsoft.com/office/drawing/2010/main" xmlns:mv="urn:schemas-microsoft-com:mac:vml" xmlns:mc="http://schemas.openxmlformats.org/markup-compatibility/2006" val="0"/>
+                <a14:useLocalDpi xmlns:a14="http://schemas.microsoft.com/office/drawing/2010/main" val="0"/>
               </a:ext>
             </a:extLst>
           </a:blip>
@@ -16592,7 +16792,7 @@
     </p:spTree>
     <p:extLst>
       <p:ext uri="{BB962C8B-B14F-4D97-AF65-F5344CB8AC3E}">
-        <p14:creationId xmlns="" xmlns:a="http://schemas.openxmlformats.org/drawingml/2006/main" xmlns:r="http://schemas.openxmlformats.org/officeDocument/2006/relationships" xmlns:p="http://schemas.openxmlformats.org/presentationml/2006/main" xmlns:p14="http://schemas.microsoft.com/office/powerpoint/2010/main" xmlns:mv="urn:schemas-microsoft-com:mac:vml" xmlns:mc="http://schemas.openxmlformats.org/markup-compatibility/2006" val="589906508"/>
+        <p14:creationId xmlns:p14="http://schemas.microsoft.com/office/powerpoint/2010/main" val="589906508"/>
       </p:ext>
     </p:extLst>
   </p:cSld>
@@ -16610,7 +16810,7 @@
 </file>
 
 <file path=ppt/slides/slide5.xml><?xml version="1.0" encoding="utf-8"?>
-<p:sld xmlns:a="http://schemas.openxmlformats.org/drawingml/2006/main" xmlns:r="http://schemas.openxmlformats.org/officeDocument/2006/relationships" xmlns:mc="http://schemas.openxmlformats.org/markup-compatibility/2006" xmlns:mv="urn:schemas-microsoft-com:mac:vml" xmlns:p="http://schemas.openxmlformats.org/presentationml/2006/main" mc:Ignorable="mv" mc:PreserveAttributes="mv:*">
+<p:sld xmlns:a="http://schemas.openxmlformats.org/drawingml/2006/main" xmlns:r="http://schemas.openxmlformats.org/officeDocument/2006/relationships" xmlns:p="http://schemas.openxmlformats.org/presentationml/2006/main">
   <p:cSld>
     <p:spTree>
       <p:nvGrpSpPr>
@@ -16641,6 +16841,7 @@
           <a:bodyPr/>
           <a:lstStyle/>
           <a:p>
+            <a:pPr algn="ctr"/>
             <a:r>
               <a:rPr lang="en-US" dirty="0" smtClean="0"/>
               <a:t>A Little </a:t>
@@ -16660,7 +16861,7 @@
     </p:spTree>
     <p:extLst>
       <p:ext uri="{BB962C8B-B14F-4D97-AF65-F5344CB8AC3E}">
-        <p14:creationId xmlns="" xmlns:a="http://schemas.openxmlformats.org/drawingml/2006/main" xmlns:r="http://schemas.openxmlformats.org/officeDocument/2006/relationships" xmlns:p="http://schemas.openxmlformats.org/presentationml/2006/main" xmlns:p14="http://schemas.microsoft.com/office/powerpoint/2010/main" xmlns:mv="urn:schemas-microsoft-com:mac:vml" xmlns:mc="http://schemas.openxmlformats.org/markup-compatibility/2006" val="730746052"/>
+        <p14:creationId xmlns:p14="http://schemas.microsoft.com/office/powerpoint/2010/main" val="730746052"/>
       </p:ext>
     </p:extLst>
   </p:cSld>
@@ -16678,7 +16879,7 @@
 </file>
 
 <file path=ppt/slides/slide6.xml><?xml version="1.0" encoding="utf-8"?>
-<p:sld xmlns:a="http://schemas.openxmlformats.org/drawingml/2006/main" xmlns:r="http://schemas.openxmlformats.org/officeDocument/2006/relationships" xmlns:mc="http://schemas.openxmlformats.org/markup-compatibility/2006" xmlns:mv="urn:schemas-microsoft-com:mac:vml" xmlns:p="http://schemas.openxmlformats.org/presentationml/2006/main" mc:Ignorable="mv" mc:PreserveAttributes="mv:*">
+<p:sld xmlns:a="http://schemas.openxmlformats.org/drawingml/2006/main" xmlns:r="http://schemas.openxmlformats.org/officeDocument/2006/relationships" xmlns:p="http://schemas.openxmlformats.org/presentationml/2006/main">
   <p:cSld>
     <p:spTree>
       <p:nvGrpSpPr>
@@ -16767,7 +16968,7 @@
     </p:spTree>
     <p:extLst>
       <p:ext uri="{BB962C8B-B14F-4D97-AF65-F5344CB8AC3E}">
-        <p14:creationId xmlns="" xmlns:a="http://schemas.openxmlformats.org/drawingml/2006/main" xmlns:r="http://schemas.openxmlformats.org/officeDocument/2006/relationships" xmlns:p="http://schemas.openxmlformats.org/presentationml/2006/main" xmlns:p14="http://schemas.microsoft.com/office/powerpoint/2010/main" xmlns:mv="urn:schemas-microsoft-com:mac:vml" xmlns:mc="http://schemas.openxmlformats.org/markup-compatibility/2006" val="1108981616"/>
+        <p14:creationId xmlns:p14="http://schemas.microsoft.com/office/powerpoint/2010/main" val="1108981616"/>
       </p:ext>
     </p:extLst>
   </p:cSld>
@@ -16785,7 +16986,7 @@
 </file>
 
 <file path=ppt/slides/slide7.xml><?xml version="1.0" encoding="utf-8"?>
-<p:sld xmlns:a="http://schemas.openxmlformats.org/drawingml/2006/main" xmlns:r="http://schemas.openxmlformats.org/officeDocument/2006/relationships" xmlns:mc="http://schemas.openxmlformats.org/markup-compatibility/2006" xmlns:mv="urn:schemas-microsoft-com:mac:vml" xmlns:p="http://schemas.openxmlformats.org/presentationml/2006/main" mc:Ignorable="mv" mc:PreserveAttributes="mv:*">
+<p:sld xmlns:a="http://schemas.openxmlformats.org/drawingml/2006/main" xmlns:r="http://schemas.openxmlformats.org/officeDocument/2006/relationships" xmlns:p="http://schemas.openxmlformats.org/presentationml/2006/main">
   <p:cSld>
     <p:spTree>
       <p:nvGrpSpPr>
@@ -16886,7 +17087,7 @@
     </p:spTree>
     <p:extLst>
       <p:ext uri="{BB962C8B-B14F-4D97-AF65-F5344CB8AC3E}">
-        <p14:creationId xmlns="" xmlns:a="http://schemas.openxmlformats.org/drawingml/2006/main" xmlns:r="http://schemas.openxmlformats.org/officeDocument/2006/relationships" xmlns:p="http://schemas.openxmlformats.org/presentationml/2006/main" xmlns:p14="http://schemas.microsoft.com/office/powerpoint/2010/main" xmlns:mv="urn:schemas-microsoft-com:mac:vml" xmlns:mc="http://schemas.openxmlformats.org/markup-compatibility/2006" val="1441032778"/>
+        <p14:creationId xmlns:p14="http://schemas.microsoft.com/office/powerpoint/2010/main" val="1441032778"/>
       </p:ext>
     </p:extLst>
   </p:cSld>
@@ -16904,7 +17105,7 @@
 </file>
 
 <file path=ppt/slides/slide8.xml><?xml version="1.0" encoding="utf-8"?>
-<p:sld xmlns:a="http://schemas.openxmlformats.org/drawingml/2006/main" xmlns:r="http://schemas.openxmlformats.org/officeDocument/2006/relationships" xmlns:mc="http://schemas.openxmlformats.org/markup-compatibility/2006" xmlns:mv="urn:schemas-microsoft-com:mac:vml" xmlns:p="http://schemas.openxmlformats.org/presentationml/2006/main" mc:Ignorable="mv" mc:PreserveAttributes="mv:*">
+<p:sld xmlns:a="http://schemas.openxmlformats.org/drawingml/2006/main" xmlns:r="http://schemas.openxmlformats.org/officeDocument/2006/relationships" xmlns:p="http://schemas.openxmlformats.org/presentationml/2006/main">
   <p:cSld>
     <p:spTree>
       <p:nvGrpSpPr>
@@ -17021,7 +17222,7 @@
     </p:spTree>
     <p:extLst>
       <p:ext uri="{BB962C8B-B14F-4D97-AF65-F5344CB8AC3E}">
-        <p14:creationId xmlns="" xmlns:a="http://schemas.openxmlformats.org/drawingml/2006/main" xmlns:r="http://schemas.openxmlformats.org/officeDocument/2006/relationships" xmlns:p="http://schemas.openxmlformats.org/presentationml/2006/main" xmlns:p14="http://schemas.microsoft.com/office/powerpoint/2010/main" xmlns:mv="urn:schemas-microsoft-com:mac:vml" xmlns:mc="http://schemas.openxmlformats.org/markup-compatibility/2006" val="711675961"/>
+        <p14:creationId xmlns:p14="http://schemas.microsoft.com/office/powerpoint/2010/main" val="711675961"/>
       </p:ext>
     </p:extLst>
   </p:cSld>
@@ -17039,7 +17240,7 @@
 </file>
 
 <file path=ppt/slides/slide9.xml><?xml version="1.0" encoding="utf-8"?>
-<p:sld xmlns:a="http://schemas.openxmlformats.org/drawingml/2006/main" xmlns:r="http://schemas.openxmlformats.org/officeDocument/2006/relationships" xmlns:mc="http://schemas.openxmlformats.org/markup-compatibility/2006" xmlns:mv="urn:schemas-microsoft-com:mac:vml" xmlns:p="http://schemas.openxmlformats.org/presentationml/2006/main" mc:Ignorable="mv" mc:PreserveAttributes="mv:*">
+<p:sld xmlns:a="http://schemas.openxmlformats.org/drawingml/2006/main" xmlns:r="http://schemas.openxmlformats.org/officeDocument/2006/relationships" xmlns:p="http://schemas.openxmlformats.org/presentationml/2006/main">
   <p:cSld>
     <p:spTree>
       <p:nvGrpSpPr>
@@ -17156,7 +17357,7 @@
     </p:spTree>
     <p:extLst>
       <p:ext uri="{BB962C8B-B14F-4D97-AF65-F5344CB8AC3E}">
-        <p14:creationId xmlns="" xmlns:a="http://schemas.openxmlformats.org/drawingml/2006/main" xmlns:r="http://schemas.openxmlformats.org/officeDocument/2006/relationships" xmlns:p="http://schemas.openxmlformats.org/presentationml/2006/main" xmlns:p14="http://schemas.microsoft.com/office/powerpoint/2010/main" xmlns:mv="urn:schemas-microsoft-com:mac:vml" xmlns:mc="http://schemas.openxmlformats.org/markup-compatibility/2006" val="1541192887"/>
+        <p14:creationId xmlns:p14="http://schemas.microsoft.com/office/powerpoint/2010/main" val="1541192887"/>
       </p:ext>
     </p:extLst>
   </p:cSld>
@@ -17504,7 +17705,7 @@
   <a:extraClrSchemeLst/>
   <a:extLst>
     <a:ext uri="{05A4C25C-085E-4340-85A3-A5531E510DB2}">
-      <thm15:themeFamily xmlns="" xmlns:a="http://schemas.openxmlformats.org/drawingml/2006/main" xmlns:thm15="http://schemas.microsoft.com/office/thememl/2012/main" name="reinvent2015-template-light" id="{347E3041-9385-4346-9DC4-E740F718428B}" vid="{42D8A2EF-AA2C-2C4C-8867-3F36DEEE7EEC}"/>
+      <thm15:themeFamily xmlns:thm15="http://schemas.microsoft.com/office/thememl/2012/main" name="reinvent2015-template-light" id="{347E3041-9385-4346-9DC4-E740F718428B}" vid="{42D8A2EF-AA2C-2C4C-8867-3F36DEEE7EEC}"/>
     </a:ext>
   </a:extLst>
 </a:theme>

--- a/slides/slides-loft.pptx
+++ b/slides/slides-loft.pptx
@@ -8,10 +8,10 @@
     <p:notesMasterId r:id="rId43"/>
   </p:notesMasterIdLst>
   <p:sldIdLst>
-    <p:sldId id="294" r:id="rId5"/>
-    <p:sldId id="295" r:id="rId6"/>
+    <p:sldId id="302" r:id="rId5"/>
+    <p:sldId id="348" r:id="rId6"/>
     <p:sldId id="301" r:id="rId7"/>
-    <p:sldId id="302" r:id="rId8"/>
+    <p:sldId id="349" r:id="rId8"/>
     <p:sldId id="298" r:id="rId9"/>
     <p:sldId id="317" r:id="rId10"/>
     <p:sldId id="318" r:id="rId11"/>
@@ -24,17 +24,17 @@
     <p:sldId id="308" r:id="rId18"/>
     <p:sldId id="304" r:id="rId19"/>
     <p:sldId id="319" r:id="rId20"/>
-    <p:sldId id="309" r:id="rId21"/>
-    <p:sldId id="320" r:id="rId22"/>
-    <p:sldId id="310" r:id="rId23"/>
-    <p:sldId id="314" r:id="rId24"/>
-    <p:sldId id="305" r:id="rId25"/>
-    <p:sldId id="335" r:id="rId26"/>
-    <p:sldId id="334" r:id="rId27"/>
-    <p:sldId id="326" r:id="rId28"/>
-    <p:sldId id="328" r:id="rId29"/>
-    <p:sldId id="329" r:id="rId30"/>
-    <p:sldId id="313" r:id="rId31"/>
+    <p:sldId id="320" r:id="rId21"/>
+    <p:sldId id="350" r:id="rId22"/>
+    <p:sldId id="309" r:id="rId23"/>
+    <p:sldId id="310" r:id="rId24"/>
+    <p:sldId id="314" r:id="rId25"/>
+    <p:sldId id="305" r:id="rId26"/>
+    <p:sldId id="335" r:id="rId27"/>
+    <p:sldId id="334" r:id="rId28"/>
+    <p:sldId id="326" r:id="rId29"/>
+    <p:sldId id="328" r:id="rId30"/>
+    <p:sldId id="329" r:id="rId31"/>
     <p:sldId id="333" r:id="rId32"/>
     <p:sldId id="337" r:id="rId33"/>
     <p:sldId id="338" r:id="rId34"/>
@@ -700,20 +700,53 @@
           <a:lstStyle/>
           <a:p>
             <a:r>
-              <a:rPr lang="en-US" dirty="0" smtClean="0"/>
-              <a:t>Thanks for</a:t>
-            </a:r>
-            <a:r>
-              <a:rPr lang="en-US" baseline="0" dirty="0" smtClean="0"/>
-              <a:t> coming! This is going to be a talk about how we migrated our infrastructure from </a:t>
-            </a:r>
-            <a:r>
-              <a:rPr lang="en-US" baseline="0" dirty="0" err="1" smtClean="0"/>
-              <a:t>Heroku</a:t>
-            </a:r>
-            <a:r>
-              <a:rPr lang="en-US" baseline="0" dirty="0" smtClean="0"/>
-              <a:t> using an internal platform as a service that we built on top of Amazon EC2 Container Service.</a:t>
+              <a:rPr lang="en-US" sz="1200" b="0" i="0" u="none" strike="noStrike" kern="1200" dirty="0" smtClean="0">
+                <a:solidFill>
+                  <a:schemeClr val="tx1"/>
+                </a:solidFill>
+                <a:effectLst/>
+                <a:latin typeface="Arial"/>
+                <a:ea typeface="+mn-ea"/>
+                <a:cs typeface="+mn-cs"/>
+              </a:rPr>
+              <a:t>So, we work for this company called Remind. Remind is a product for teachers that makes it easier for them to communicate with their students and parents. We have 3 major features, which is real-time Chat, announcements and we support attaching files.</a:t>
+            </a:r>
+          </a:p>
+          <a:p>
+            <a:endParaRPr lang="en-US" sz="1200" b="0" i="0" u="none" strike="noStrike" kern="1200" dirty="0" smtClean="0">
+              <a:solidFill>
+                <a:schemeClr val="tx1"/>
+              </a:solidFill>
+              <a:effectLst/>
+              <a:latin typeface="Arial"/>
+              <a:ea typeface="+mn-ea"/>
+              <a:cs typeface="+mn-cs"/>
+            </a:endParaRPr>
+          </a:p>
+          <a:p>
+            <a:r>
+              <a:rPr lang="en-US" sz="1200" b="0" i="0" u="none" strike="noStrike" kern="1200" dirty="0" smtClean="0">
+                <a:solidFill>
+                  <a:schemeClr val="tx1"/>
+                </a:solidFill>
+                <a:effectLst/>
+                <a:latin typeface="Arial"/>
+                <a:ea typeface="+mn-ea"/>
+                <a:cs typeface="+mn-cs"/>
+              </a:rPr>
+              <a:t>We have about 30 million users right now</a:t>
+            </a:r>
+            <a:r>
+              <a:rPr lang="en-US" sz="1200" b="0" i="0" u="none" strike="noStrike" kern="1200" baseline="0" dirty="0" smtClean="0">
+                <a:solidFill>
+                  <a:schemeClr val="tx1"/>
+                </a:solidFill>
+                <a:effectLst/>
+                <a:latin typeface="Arial"/>
+                <a:ea typeface="+mn-ea"/>
+                <a:cs typeface="+mn-cs"/>
+              </a:rPr>
+              <a:t> and we’re used actively by about 50% of all public schools in the US. Over 2 billion messages have been sent over Remind since we started, and we’ve done all of this with about 50 employees.</a:t>
             </a:r>
             <a:endParaRPr lang="en-US" dirty="0"/>
           </a:p>
@@ -746,7 +779,7 @@
     </p:spTree>
     <p:extLst>
       <p:ext uri="{BB962C8B-B14F-4D97-AF65-F5344CB8AC3E}">
-        <p14:creationId xmlns:p14="http://schemas.microsoft.com/office/powerpoint/2010/main" val="461632318"/>
+        <p14:creationId xmlns:p14="http://schemas.microsoft.com/office/powerpoint/2010/main" val="1887372709"/>
       </p:ext>
     </p:extLst>
   </p:cSld>
@@ -1245,7 +1278,26 @@
           <a:p>
             <a:r>
               <a:rPr lang="en-US" baseline="0" dirty="0" smtClean="0"/>
-              <a:t>The scheduling component generally will have some form of cluster management, allowing machines to register themselves into the cluster and offer up their CPU, Memory and Network resources into the pool of machines.</a:t>
+              <a:t>The scheduler would need to perform two major functions. Cluster management, and task placement. Cluster management means allowing ec2 instances to </a:t>
+            </a:r>
+          </a:p>
+          <a:p>
+            <a:r>
+              <a:rPr lang="en-US" baseline="0" dirty="0" smtClean="0"/>
+              <a:t>register and de-register themselves and their available resources into a cluster of machines (CPU and Memory).</a:t>
+            </a:r>
+          </a:p>
+          <a:p>
+            <a:endParaRPr lang="en-US" baseline="0" dirty="0" smtClean="0"/>
+          </a:p>
+          <a:p>
+            <a:r>
+              <a:rPr lang="en-US" baseline="0" dirty="0" smtClean="0"/>
+              <a:t>The </a:t>
+            </a:r>
+            <a:r>
+              <a:rPr lang="en-US" baseline="0" dirty="0" smtClean="0"/>
+              <a:t>scheduling component generally will have some form of cluster management, allowing machines to register themselves into the cluster and offer up their CPU, Memory and Network resources into the pool of machines.</a:t>
             </a:r>
             <a:endParaRPr lang="en-US" dirty="0"/>
           </a:p>
@@ -1342,7 +1394,65 @@
                 <a:ea typeface="+mn-ea"/>
                 <a:cs typeface="+mn-cs"/>
               </a:rPr>
-              <a:t>The scheduler will also have some form</a:t>
+              <a:t>For task placement, the schedule</a:t>
+            </a:r>
+            <a:r>
+              <a:rPr lang="en-US" sz="1200" b="0" i="0" kern="1200" baseline="0" dirty="0" smtClean="0">
+                <a:solidFill>
+                  <a:schemeClr val="tx1"/>
+                </a:solidFill>
+                <a:effectLst/>
+                <a:latin typeface="Arial"/>
+                <a:ea typeface="+mn-ea"/>
+                <a:cs typeface="+mn-cs"/>
+              </a:rPr>
+              <a:t> must look at the pool of resources available and determine which machine to actually run the requested task on.</a:t>
+            </a:r>
+            <a:endParaRPr lang="en-US" sz="1200" b="0" i="0" kern="1200" dirty="0" smtClean="0">
+              <a:solidFill>
+                <a:schemeClr val="tx1"/>
+              </a:solidFill>
+              <a:effectLst/>
+              <a:latin typeface="Arial"/>
+              <a:ea typeface="+mn-ea"/>
+              <a:cs typeface="+mn-cs"/>
+            </a:endParaRPr>
+          </a:p>
+          <a:p>
+            <a:endParaRPr lang="en-US" sz="1200" b="0" i="0" kern="1200" dirty="0" smtClean="0">
+              <a:solidFill>
+                <a:schemeClr val="tx1"/>
+              </a:solidFill>
+              <a:effectLst/>
+              <a:latin typeface="Arial"/>
+              <a:ea typeface="+mn-ea"/>
+              <a:cs typeface="+mn-cs"/>
+            </a:endParaRPr>
+          </a:p>
+          <a:p>
+            <a:r>
+              <a:rPr lang="en-US" sz="1200" b="0" i="0" kern="1200" dirty="0" smtClean="0">
+                <a:solidFill>
+                  <a:schemeClr val="tx1"/>
+                </a:solidFill>
+                <a:effectLst/>
+                <a:latin typeface="Arial"/>
+                <a:ea typeface="+mn-ea"/>
+                <a:cs typeface="+mn-cs"/>
+              </a:rPr>
+              <a:t>The </a:t>
+            </a:r>
+            <a:r>
+              <a:rPr lang="en-US" sz="1200" b="0" i="0" kern="1200" dirty="0" smtClean="0">
+                <a:solidFill>
+                  <a:schemeClr val="tx1"/>
+                </a:solidFill>
+                <a:effectLst/>
+                <a:latin typeface="Arial"/>
+                <a:ea typeface="+mn-ea"/>
+                <a:cs typeface="+mn-cs"/>
+              </a:rPr>
+              <a:t>scheduler will also have some form</a:t>
             </a:r>
             <a:r>
               <a:rPr lang="en-US" sz="1200" b="0" i="0" kern="1200" baseline="0" dirty="0" smtClean="0">
@@ -1874,34 +1984,83 @@
           <a:p>
             <a:r>
               <a:rPr lang="en-US" dirty="0" smtClean="0"/>
-              <a:t>One of the most important interfaces that we extracted early on was the interface between</a:t>
+              <a:t>ECS exposes</a:t>
             </a:r>
             <a:r>
               <a:rPr lang="en-US" baseline="0" dirty="0" smtClean="0"/>
-              <a:t> the scheduler and the control plane, which looks like this. Very simply it provides a generic API for </a:t>
-            </a:r>
+              <a:t> a number of resources through the AWS API’s:</a:t>
+            </a:r>
+          </a:p>
+          <a:p>
+            <a:endParaRPr lang="en-US" baseline="0" dirty="0" smtClean="0"/>
+          </a:p>
+          <a:p>
+            <a:pPr marL="171450" indent="-171450">
+              <a:buFont typeface="Arial" charset="0"/>
+              <a:buChar char="•"/>
+            </a:pPr>
             <a:r>
               <a:rPr lang="en-US" baseline="0" dirty="0" smtClean="0"/>
-              <a:t>running </a:t>
-            </a:r>
+              <a:t>Clusters are a logical grouping of EC2 instances. EC2 instances run an agent that will register the instance with a cluster and begin accepting tasks </a:t>
+            </a:r>
+            <a:r>
+              <a:rPr lang="en-US" baseline="0" smtClean="0"/>
+              <a:t>to </a:t>
+            </a:r>
+            <a:r>
+              <a:rPr lang="en-US" baseline="0" smtClean="0"/>
+              <a:t>run with Docker.</a:t>
+            </a:r>
+            <a:endParaRPr lang="en-US" baseline="0" dirty="0" smtClean="0"/>
+          </a:p>
+          <a:p>
+            <a:pPr marL="171450" marR="0" indent="-171450" algn="l" defTabSz="457200" rtl="0" eaLnBrk="1" fontAlgn="auto" latinLnBrk="0" hangingPunct="1">
+              <a:lnSpc>
+                <a:spcPct val="100000"/>
+              </a:lnSpc>
+              <a:spcBef>
+                <a:spcPts val="0"/>
+              </a:spcBef>
+              <a:spcAft>
+                <a:spcPts val="0"/>
+              </a:spcAft>
+              <a:buClrTx/>
+              <a:buSzTx/>
+              <a:buFont typeface="Arial" charset="0"/>
+              <a:buChar char="•"/>
+              <a:tabLst/>
+              <a:defRPr/>
+            </a:pPr>
             <a:r>
               <a:rPr lang="en-US" baseline="0" dirty="0" smtClean="0"/>
-              <a:t>an App, removing an App, scaling individual processes of the app and returning state about the running processes</a:t>
+              <a:t>Services provide a way to manage the desired state of a Task Definition and provide a way to scale a service up or down. ECS Services are kind of like auto scaling groups, but at the container level rather than the Host level.</a:t>
+            </a:r>
+            <a:endParaRPr lang="en-US" baseline="0" dirty="0" smtClean="0"/>
+          </a:p>
+          <a:p>
+            <a:pPr marL="171450" indent="-171450">
+              <a:buFont typeface="Arial" charset="0"/>
+              <a:buChar char="•"/>
+            </a:pPr>
+            <a:r>
+              <a:rPr lang="en-US" baseline="0" dirty="0" smtClean="0"/>
+              <a:t>Task Definitions are like templates, where you can specify the images and environment variables for a task to run.</a:t>
+            </a:r>
+          </a:p>
+          <a:p>
+            <a:pPr marL="171450" indent="-171450">
+              <a:buFont typeface="Arial" charset="0"/>
+              <a:buChar char="•"/>
+            </a:pPr>
+            <a:r>
+              <a:rPr lang="en-US" baseline="0" dirty="0" smtClean="0"/>
+              <a:t>Tasks represent a running instance of a task definition</a:t>
             </a:r>
             <a:r>
               <a:rPr lang="en-US" baseline="0" dirty="0" smtClean="0"/>
               <a:t>.</a:t>
             </a:r>
-          </a:p>
-          <a:p>
             <a:endParaRPr lang="en-US" baseline="0" dirty="0" smtClean="0"/>
-          </a:p>
-          <a:p>
-            <a:r>
-              <a:rPr lang="en-US" baseline="0" dirty="0" smtClean="0"/>
-              <a:t>Fortunately we had designed a clean contract between the controller and scheduler components.</a:t>
-            </a:r>
-            <a:endParaRPr lang="en-US" dirty="0"/>
           </a:p>
         </p:txBody>
       </p:sp>
@@ -1932,7 +2091,7 @@
     </p:spTree>
     <p:extLst>
       <p:ext uri="{BB962C8B-B14F-4D97-AF65-F5344CB8AC3E}">
-        <p14:creationId xmlns:p14="http://schemas.microsoft.com/office/powerpoint/2010/main" val="122903841"/>
+        <p14:creationId xmlns:p14="http://schemas.microsoft.com/office/powerpoint/2010/main" val="978342375"/>
       </p:ext>
     </p:extLst>
   </p:cSld>
@@ -1987,81 +2146,37 @@
           <a:lstStyle/>
           <a:p>
             <a:r>
-              <a:rPr lang="en-US" dirty="0" smtClean="0"/>
-              <a:t>ECS exposes</a:t>
-            </a:r>
-            <a:r>
               <a:rPr lang="en-US" baseline="0" dirty="0" smtClean="0"/>
-              <a:t> a number of resources through the AWS API’s:</a:t>
+              <a:t>Here is how Empire’s process model maps to ECS’s process model.</a:t>
             </a:r>
           </a:p>
           <a:p>
             <a:endParaRPr lang="en-US" baseline="0" dirty="0" smtClean="0"/>
           </a:p>
           <a:p>
-            <a:pPr marL="171450" indent="-171450">
-              <a:buFont typeface="Arial" charset="0"/>
-              <a:buChar char="•"/>
-            </a:pPr>
             <a:r>
               <a:rPr lang="en-US" baseline="0" dirty="0" smtClean="0"/>
-              <a:t>Clusters are a logical grouping of EC2 instances. EC2 instances run an agent that will register the instance with a cluster and begin accepting tasks to run with </a:t>
+              <a:t>You can see that for each app, we may have multiple process types. For instance, a common example is to have a web process and a worker process that</a:t>
+            </a:r>
+          </a:p>
+          <a:p>
+            <a:r>
+              <a:rPr lang="en-US" baseline="0" dirty="0" smtClean="0"/>
+              <a:t>Performs </a:t>
             </a:r>
             <a:r>
               <a:rPr lang="en-US" baseline="0" dirty="0" err="1" smtClean="0"/>
-              <a:t>Docker</a:t>
+              <a:t>asynchonous</a:t>
             </a:r>
             <a:r>
               <a:rPr lang="en-US" baseline="0" dirty="0" smtClean="0"/>
-              <a:t>.</a:t>
-            </a:r>
-          </a:p>
-          <a:p>
-            <a:pPr marL="171450" marR="0" indent="-171450" algn="l" defTabSz="457200" rtl="0" eaLnBrk="1" fontAlgn="auto" latinLnBrk="0" hangingPunct="1">
-              <a:lnSpc>
-                <a:spcPct val="100000"/>
-              </a:lnSpc>
-              <a:spcBef>
-                <a:spcPts val="0"/>
-              </a:spcBef>
-              <a:spcAft>
-                <a:spcPts val="0"/>
-              </a:spcAft>
-              <a:buClrTx/>
-              <a:buSzTx/>
-              <a:buFont typeface="Arial" charset="0"/>
-              <a:buChar char="•"/>
-              <a:tabLst/>
-              <a:defRPr/>
-            </a:pPr>
+              <a:t> tasks. We want to scale out each process type independently, so there is a one to one mapping between Empire process types and</a:t>
+            </a:r>
+          </a:p>
+          <a:p>
             <a:r>
               <a:rPr lang="en-US" baseline="0" dirty="0" smtClean="0"/>
-              <a:t>Services provide a way to manage the desired state of a Task Definition and provide a way to scale a service up or down. ECS Services are kind of like auto scaling groups, but at the container level rather than the Host level.</a:t>
-            </a:r>
-            <a:endParaRPr lang="en-US" baseline="0" dirty="0" smtClean="0"/>
-          </a:p>
-          <a:p>
-            <a:pPr marL="171450" indent="-171450">
-              <a:buFont typeface="Arial" charset="0"/>
-              <a:buChar char="•"/>
-            </a:pPr>
-            <a:r>
-              <a:rPr lang="en-US" baseline="0" dirty="0" smtClean="0"/>
-              <a:t>Task Definitions are like templates, where you can specify the images and environment variables for a task to run.</a:t>
-            </a:r>
-          </a:p>
-          <a:p>
-            <a:pPr marL="171450" indent="-171450">
-              <a:buFont typeface="Arial" charset="0"/>
-              <a:buChar char="•"/>
-            </a:pPr>
-            <a:r>
-              <a:rPr lang="en-US" baseline="0" dirty="0" smtClean="0"/>
-              <a:t>Tasks represent a running instance of a task definition</a:t>
-            </a:r>
-            <a:r>
-              <a:rPr lang="en-US" baseline="0" dirty="0" smtClean="0"/>
-              <a:t>.</a:t>
+              <a:t>ECS services.</a:t>
             </a:r>
             <a:endParaRPr lang="en-US" baseline="0" dirty="0" smtClean="0"/>
           </a:p>
@@ -2094,7 +2209,7 @@
     </p:spTree>
     <p:extLst>
       <p:ext uri="{BB962C8B-B14F-4D97-AF65-F5344CB8AC3E}">
-        <p14:creationId xmlns:p14="http://schemas.microsoft.com/office/powerpoint/2010/main" val="978342375"/>
+        <p14:creationId xmlns:p14="http://schemas.microsoft.com/office/powerpoint/2010/main" val="1858666064"/>
       </p:ext>
     </p:extLst>
   </p:cSld>
@@ -2150,11 +2265,32 @@
           <a:p>
             <a:r>
               <a:rPr lang="en-US" dirty="0" smtClean="0"/>
-              <a:t>If we take a look at the Scheduler interface again, we could essentially</a:t>
+              <a:t>One of the most important interfaces that we extracted early on was the interface between</a:t>
             </a:r>
             <a:r>
               <a:rPr lang="en-US" baseline="0" dirty="0" smtClean="0"/>
-              <a:t> map it to these ECS API calls.</a:t>
+              <a:t> the scheduler and the control plane, which looks like this. Very simply it provides a generic API for </a:t>
+            </a:r>
+            <a:r>
+              <a:rPr lang="en-US" baseline="0" dirty="0" smtClean="0"/>
+              <a:t>running </a:t>
+            </a:r>
+            <a:r>
+              <a:rPr lang="en-US" baseline="0" dirty="0" smtClean="0"/>
+              <a:t>an App, removing an App, scaling individual processes of the app and returning state about the running processes</a:t>
+            </a:r>
+            <a:r>
+              <a:rPr lang="en-US" baseline="0" dirty="0" smtClean="0"/>
+              <a:t>.</a:t>
+            </a:r>
+          </a:p>
+          <a:p>
+            <a:endParaRPr lang="en-US" baseline="0" dirty="0" smtClean="0"/>
+          </a:p>
+          <a:p>
+            <a:r>
+              <a:rPr lang="en-US" baseline="0" dirty="0" smtClean="0"/>
+              <a:t>Fortunately we had designed a clean contract between the controller and scheduler components.</a:t>
             </a:r>
             <a:endParaRPr lang="en-US" dirty="0"/>
           </a:p>
@@ -2187,7 +2323,7 @@
     </p:spTree>
     <p:extLst>
       <p:ext uri="{BB962C8B-B14F-4D97-AF65-F5344CB8AC3E}">
-        <p14:creationId xmlns:p14="http://schemas.microsoft.com/office/powerpoint/2010/main" val="2082005316"/>
+        <p14:creationId xmlns:p14="http://schemas.microsoft.com/office/powerpoint/2010/main" val="122903841"/>
       </p:ext>
     </p:extLst>
   </p:cSld>
@@ -2335,7 +2471,7 @@
     </p:spTree>
     <p:extLst>
       <p:ext uri="{BB962C8B-B14F-4D97-AF65-F5344CB8AC3E}">
-        <p14:creationId xmlns:p14="http://schemas.microsoft.com/office/powerpoint/2010/main" val="1689963030"/>
+        <p14:creationId xmlns:p14="http://schemas.microsoft.com/office/powerpoint/2010/main" val="1586287578"/>
       </p:ext>
     </p:extLst>
   </p:cSld>
@@ -2391,36 +2527,11 @@
           <a:p>
             <a:r>
               <a:rPr lang="en-US" dirty="0" smtClean="0"/>
-              <a:t>Empire </a:t>
-            </a:r>
-            <a:r>
-              <a:rPr lang="en-US" dirty="0" smtClean="0"/>
-              <a:t>takes</a:t>
+              <a:t>If we take a look at the Scheduler interface again, we could essentially</a:t>
             </a:r>
             <a:r>
               <a:rPr lang="en-US" baseline="0" dirty="0" smtClean="0"/>
-              <a:t> advantage of the ELB integration in ECS and attaches an ELB </a:t>
-            </a:r>
-            <a:r>
-              <a:rPr lang="en-US" baseline="0" dirty="0" smtClean="0"/>
-              <a:t>to applications that expose a web process. </a:t>
-            </a:r>
-            <a:r>
-              <a:rPr lang="en-US" baseline="0" dirty="0" smtClean="0"/>
-              <a:t>As a form of service discovery, we also create an internal CNAME for the ELB using the app name, making it easy for services to communicate with each other.</a:t>
-            </a:r>
-          </a:p>
-          <a:p>
-            <a:endParaRPr lang="en-US" baseline="0" dirty="0" smtClean="0"/>
-          </a:p>
-          <a:p>
-            <a:r>
-              <a:rPr lang="en-US" baseline="0" dirty="0" smtClean="0"/>
-              <a:t>By default, all applications that expose a web process are considered internal, meaning that they are only accessible within the VPC. Empire also supports making an application external to allow for internet facing </a:t>
-            </a:r>
-            <a:r>
-              <a:rPr lang="en-US" baseline="0" dirty="0" smtClean="0"/>
-              <a:t>traffic, which you’ll see in the demo.</a:t>
+              <a:t> map it to these ECS API calls.</a:t>
             </a:r>
             <a:endParaRPr lang="en-US" dirty="0"/>
           </a:p>
@@ -2453,7 +2564,7 @@
     </p:spTree>
     <p:extLst>
       <p:ext uri="{BB962C8B-B14F-4D97-AF65-F5344CB8AC3E}">
-        <p14:creationId xmlns:p14="http://schemas.microsoft.com/office/powerpoint/2010/main" val="482006622"/>
+        <p14:creationId xmlns:p14="http://schemas.microsoft.com/office/powerpoint/2010/main" val="2082005316"/>
       </p:ext>
     </p:extLst>
   </p:cSld>
@@ -2509,19 +2620,23 @@
           <a:p>
             <a:r>
               <a:rPr lang="en-US" dirty="0" smtClean="0"/>
-              <a:t>After</a:t>
+              <a:t>Empire </a:t>
+            </a:r>
+            <a:r>
+              <a:rPr lang="en-US" dirty="0" smtClean="0"/>
+              <a:t>takes</a:t>
             </a:r>
             <a:r>
               <a:rPr lang="en-US" baseline="0" dirty="0" smtClean="0"/>
-              <a:t> some initial investigation and prototyping, we built an ECS implementation of the Scheduler interface. This allowed us to offload the scheduler and routing components to AWS managed services, allowing us to focus on just building the </a:t>
+              <a:t> advantage of the ELB integration in ECS and attaches an ELB </a:t>
             </a:r>
             <a:r>
               <a:rPr lang="en-US" baseline="0" dirty="0" smtClean="0"/>
-              <a:t>controller layer. </a:t>
+              <a:t>to ECS Services that run a web process. </a:t>
             </a:r>
             <a:r>
               <a:rPr lang="en-US" baseline="0" dirty="0" smtClean="0"/>
-              <a:t>This meant that we wouldn’t have to run, manage and monitor our own clustering software, which is huge for our team since we are still very small.</a:t>
+              <a:t>As a form of service discovery, we also create an internal CNAME for the ELB using the app name, making it easy for services to communicate with each other.</a:t>
             </a:r>
           </a:p>
           <a:p>
@@ -2530,7 +2645,11 @@
           <a:p>
             <a:r>
               <a:rPr lang="en-US" baseline="0" dirty="0" smtClean="0"/>
-              <a:t>This is still the architecture that we use today inside Empire.</a:t>
+              <a:t>By default, all applications that expose a web process are considered internal, meaning that they are only accessible within the VPC. Empire also supports making an application external to allow for internet facing </a:t>
+            </a:r>
+            <a:r>
+              <a:rPr lang="en-US" baseline="0" dirty="0" smtClean="0"/>
+              <a:t>traffic, which you’ll see in the demo.</a:t>
             </a:r>
             <a:endParaRPr lang="en-US" dirty="0"/>
           </a:p>
@@ -2563,7 +2682,7 @@
     </p:spTree>
     <p:extLst>
       <p:ext uri="{BB962C8B-B14F-4D97-AF65-F5344CB8AC3E}">
-        <p14:creationId xmlns:p14="http://schemas.microsoft.com/office/powerpoint/2010/main" val="527881731"/>
+        <p14:creationId xmlns:p14="http://schemas.microsoft.com/office/powerpoint/2010/main" val="482006622"/>
       </p:ext>
     </p:extLst>
   </p:cSld>
@@ -2619,19 +2738,40 @@
           <a:p>
             <a:r>
               <a:rPr lang="en-US" dirty="0" smtClean="0"/>
-              <a:t>Today,</a:t>
+              <a:t>By using ECS</a:t>
             </a:r>
             <a:r>
               <a:rPr lang="en-US" baseline="0" dirty="0" smtClean="0"/>
-              <a:t> Empire is one of the easiest self hosted platforms for running 12factor </a:t>
-            </a:r>
-            <a:r>
-              <a:rPr lang="en-US" baseline="0" dirty="0" err="1" smtClean="0"/>
-              <a:t>Docker</a:t>
+              <a:t> as our scheduling backend, and leveraging the ELB integration for our routing layer, we were able to completely offload two of the most difficult components to get right. This allowed us </a:t>
             </a:r>
             <a:r>
               <a:rPr lang="en-US" baseline="0" dirty="0" smtClean="0"/>
-              <a:t> apps.</a:t>
+              <a:t>to focus on </a:t>
+            </a:r>
+            <a:r>
+              <a:rPr lang="en-US" baseline="0" dirty="0" smtClean="0"/>
+              <a:t>building </a:t>
+            </a:r>
+            <a:r>
+              <a:rPr lang="en-US" baseline="0" dirty="0" smtClean="0"/>
+              <a:t>the </a:t>
+            </a:r>
+            <a:r>
+              <a:rPr lang="en-US" baseline="0" dirty="0" smtClean="0"/>
+              <a:t>controller layer. </a:t>
+            </a:r>
+            <a:r>
+              <a:rPr lang="en-US" baseline="0" dirty="0" smtClean="0"/>
+              <a:t>This meant that we wouldn’t have to run, manage and monitor our own clustering software, which is huge for our team since we are still very small.</a:t>
+            </a:r>
+          </a:p>
+          <a:p>
+            <a:endParaRPr lang="en-US" baseline="0" dirty="0" smtClean="0"/>
+          </a:p>
+          <a:p>
+            <a:r>
+              <a:rPr lang="en-US" baseline="0" dirty="0" smtClean="0"/>
+              <a:t>This is still the architecture that we use today inside Empire.</a:t>
             </a:r>
             <a:endParaRPr lang="en-US" dirty="0"/>
           </a:p>
@@ -2664,7 +2804,7 @@
     </p:spTree>
     <p:extLst>
       <p:ext uri="{BB962C8B-B14F-4D97-AF65-F5344CB8AC3E}">
-        <p14:creationId xmlns:p14="http://schemas.microsoft.com/office/powerpoint/2010/main" val="1480234258"/>
+        <p14:creationId xmlns:p14="http://schemas.microsoft.com/office/powerpoint/2010/main" val="527881731"/>
       </p:ext>
     </p:extLst>
   </p:cSld>
@@ -2719,8 +2859,12 @@
           <a:lstStyle/>
           <a:p>
             <a:r>
+              <a:rPr lang="en-US" dirty="0" smtClean="0"/>
+              <a:t>Today,</a:t>
+            </a:r>
+            <a:r>
               <a:rPr lang="en-US" baseline="0" dirty="0" smtClean="0"/>
-              <a:t>Let’s dive into how Empire uses </a:t>
+              <a:t> Empire is one of the easiest self hosted platforms for running 12factor </a:t>
             </a:r>
             <a:r>
               <a:rPr lang="en-US" baseline="0" dirty="0" err="1" smtClean="0"/>
@@ -2728,36 +2872,7 @@
             </a:r>
             <a:r>
               <a:rPr lang="en-US" baseline="0" dirty="0" smtClean="0"/>
-              <a:t> and Amazon ECS to provide a robust and </a:t>
-            </a:r>
-            <a:r>
-              <a:rPr lang="en-US" baseline="0" dirty="0" smtClean="0"/>
-              <a:t>user </a:t>
-            </a:r>
-            <a:r>
-              <a:rPr lang="en-US" baseline="0" dirty="0" smtClean="0"/>
-              <a:t>friendly platform for running twelve-factor applications</a:t>
-            </a:r>
-            <a:r>
-              <a:rPr lang="en-US" baseline="0" dirty="0" smtClean="0"/>
-              <a:t>.</a:t>
-            </a:r>
-          </a:p>
-          <a:p>
-            <a:endParaRPr lang="en-US" baseline="0" dirty="0" smtClean="0"/>
-          </a:p>
-          <a:p>
-            <a:r>
-              <a:rPr lang="en-US" baseline="0" dirty="0" smtClean="0"/>
-              <a:t>I’m going to talk a little bit about how Empire, </a:t>
-            </a:r>
-            <a:r>
-              <a:rPr lang="en-US" baseline="0" dirty="0" err="1" smtClean="0"/>
-              <a:t>Docker</a:t>
-            </a:r>
-            <a:r>
-              <a:rPr lang="en-US" baseline="0" dirty="0" smtClean="0"/>
-              <a:t> and </a:t>
+              <a:t> apps.</a:t>
             </a:r>
             <a:endParaRPr lang="en-US" dirty="0"/>
           </a:p>
@@ -2790,7 +2905,7 @@
     </p:spTree>
     <p:extLst>
       <p:ext uri="{BB962C8B-B14F-4D97-AF65-F5344CB8AC3E}">
-        <p14:creationId xmlns:p14="http://schemas.microsoft.com/office/powerpoint/2010/main" val="788776861"/>
+        <p14:creationId xmlns:p14="http://schemas.microsoft.com/office/powerpoint/2010/main" val="1480234258"/>
       </p:ext>
     </p:extLst>
   </p:cSld>
@@ -2845,12 +2960,28 @@
           <a:lstStyle/>
           <a:p>
             <a:r>
-              <a:rPr lang="en-US" dirty="0" smtClean="0"/>
-              <a:t>12factor.net</a:t>
-            </a:r>
-            <a:r>
               <a:rPr lang="en-US" baseline="0" dirty="0" smtClean="0"/>
-              <a:t> describes twelve main tenants that application developers should following when building robust, stateless services.</a:t>
+              <a:t>Let’s dive into how Empire uses </a:t>
+            </a:r>
+            <a:r>
+              <a:rPr lang="en-US" baseline="0" dirty="0" err="1" smtClean="0"/>
+              <a:t>Docker</a:t>
+            </a:r>
+            <a:r>
+              <a:rPr lang="en-US" baseline="0" dirty="0" smtClean="0"/>
+              <a:t> and Amazon ECS to provide a robust and </a:t>
+            </a:r>
+            <a:r>
+              <a:rPr lang="en-US" baseline="0" dirty="0" smtClean="0"/>
+              <a:t>user </a:t>
+            </a:r>
+            <a:r>
+              <a:rPr lang="en-US" baseline="0" dirty="0" smtClean="0"/>
+              <a:t>friendly platform for running twelve-factor applications</a:t>
+            </a:r>
+            <a:r>
+              <a:rPr lang="en-US" baseline="0" dirty="0" smtClean="0"/>
+              <a:t>.</a:t>
             </a:r>
           </a:p>
           <a:p>
@@ -2859,7 +2990,15 @@
           <a:p>
             <a:r>
               <a:rPr lang="en-US" baseline="0" dirty="0" smtClean="0"/>
-              <a:t>I’m not going to go into all of these, but we’ll take a look at a few of the most important.</a:t>
+              <a:t>I’m going to talk a little bit about how Empire, </a:t>
+            </a:r>
+            <a:r>
+              <a:rPr lang="en-US" baseline="0" dirty="0" err="1" smtClean="0"/>
+              <a:t>Docker</a:t>
+            </a:r>
+            <a:r>
+              <a:rPr lang="en-US" baseline="0" dirty="0" smtClean="0"/>
+              <a:t> and ECS are a great fit for twelve factor applications.</a:t>
             </a:r>
             <a:endParaRPr lang="en-US" dirty="0"/>
           </a:p>
@@ -2892,7 +3031,7 @@
     </p:spTree>
     <p:extLst>
       <p:ext uri="{BB962C8B-B14F-4D97-AF65-F5344CB8AC3E}">
-        <p14:creationId xmlns:p14="http://schemas.microsoft.com/office/powerpoint/2010/main" val="881273466"/>
+        <p14:creationId xmlns:p14="http://schemas.microsoft.com/office/powerpoint/2010/main" val="788776861"/>
       </p:ext>
     </p:extLst>
   </p:cSld>
@@ -2948,51 +3087,40 @@
           <a:p>
             <a:r>
               <a:rPr lang="en-US" dirty="0" smtClean="0"/>
-              <a:t>At Remind,</a:t>
+              <a:t>12factor.net</a:t>
             </a:r>
             <a:r>
               <a:rPr lang="en-US" baseline="0" dirty="0" smtClean="0"/>
-              <a:t> whenever a developer pushes to </a:t>
-            </a:r>
-            <a:r>
-              <a:rPr lang="en-US" baseline="0" dirty="0" err="1" smtClean="0"/>
-              <a:t>GitHub</a:t>
+              <a:t> describes twelve main tenants that application developers should </a:t>
             </a:r>
             <a:r>
               <a:rPr lang="en-US" baseline="0" dirty="0" smtClean="0"/>
-              <a:t>, we build a </a:t>
-            </a:r>
-            <a:r>
-              <a:rPr lang="en-US" baseline="0" dirty="0" err="1" smtClean="0"/>
-              <a:t>Docker</a:t>
+              <a:t>follow </a:t>
             </a:r>
             <a:r>
               <a:rPr lang="en-US" baseline="0" dirty="0" smtClean="0"/>
-              <a:t> image, tag it with the </a:t>
-            </a:r>
-            <a:r>
-              <a:rPr lang="en-US" baseline="0" dirty="0" err="1" smtClean="0"/>
-              <a:t>git</a:t>
+              <a:t>when building robust, stateless </a:t>
             </a:r>
             <a:r>
               <a:rPr lang="en-US" baseline="0" dirty="0" smtClean="0"/>
-              <a:t> </a:t>
-            </a:r>
-            <a:r>
-              <a:rPr lang="en-US" baseline="0" dirty="0" err="1" smtClean="0"/>
-              <a:t>sha</a:t>
+              <a:t>web services</a:t>
             </a:r>
             <a:r>
               <a:rPr lang="en-US" baseline="0" dirty="0" smtClean="0"/>
-              <a:t>, and push it to the </a:t>
-            </a:r>
-            <a:r>
-              <a:rPr lang="en-US" baseline="0" dirty="0" err="1" smtClean="0"/>
-              <a:t>Docker</a:t>
-            </a:r>
+              <a:t>.</a:t>
+            </a:r>
+          </a:p>
+          <a:p>
+            <a:endParaRPr lang="en-US" baseline="0" dirty="0" smtClean="0"/>
+          </a:p>
+          <a:p>
             <a:r>
               <a:rPr lang="en-US" baseline="0" dirty="0" smtClean="0"/>
-              <a:t> registry.</a:t>
+              <a:t>I’m not going to go into all of these, but we’ll take a look at a few of the most </a:t>
+            </a:r>
+            <a:r>
+              <a:rPr lang="en-US" baseline="0" dirty="0" smtClean="0"/>
+              <a:t>important ones.</a:t>
             </a:r>
             <a:endParaRPr lang="en-US" dirty="0"/>
           </a:p>
@@ -3025,7 +3153,7 @@
     </p:spTree>
     <p:extLst>
       <p:ext uri="{BB962C8B-B14F-4D97-AF65-F5344CB8AC3E}">
-        <p14:creationId xmlns:p14="http://schemas.microsoft.com/office/powerpoint/2010/main" val="284401046"/>
+        <p14:creationId xmlns:p14="http://schemas.microsoft.com/office/powerpoint/2010/main" val="881273466"/>
       </p:ext>
     </p:extLst>
   </p:cSld>
@@ -3081,11 +3209,36 @@
           <a:p>
             <a:r>
               <a:rPr lang="en-US" dirty="0" smtClean="0"/>
-              <a:t>When a developer wants to deploy,</a:t>
+              <a:t>One of these</a:t>
             </a:r>
             <a:r>
               <a:rPr lang="en-US" baseline="0" dirty="0" smtClean="0"/>
-              <a:t> they simply deploy the </a:t>
+              <a:t> is the separation of build and run stages.</a:t>
+            </a:r>
+          </a:p>
+          <a:p>
+            <a:endParaRPr lang="en-US" dirty="0" smtClean="0"/>
+          </a:p>
+          <a:p>
+            <a:r>
+              <a:rPr lang="en-US" dirty="0" smtClean="0"/>
+              <a:t>At </a:t>
+            </a:r>
+            <a:r>
+              <a:rPr lang="en-US" dirty="0" smtClean="0"/>
+              <a:t>Remind,</a:t>
+            </a:r>
+            <a:r>
+              <a:rPr lang="en-US" baseline="0" dirty="0" smtClean="0"/>
+              <a:t> whenever a developer pushes to </a:t>
+            </a:r>
+            <a:r>
+              <a:rPr lang="en-US" baseline="0" dirty="0" err="1" smtClean="0"/>
+              <a:t>GitHub</a:t>
+            </a:r>
+            <a:r>
+              <a:rPr lang="en-US" baseline="0" dirty="0" smtClean="0"/>
+              <a:t>, we build a </a:t>
             </a:r>
             <a:r>
               <a:rPr lang="en-US" baseline="0" dirty="0" err="1" smtClean="0"/>
@@ -3093,7 +3246,7 @@
             </a:r>
             <a:r>
               <a:rPr lang="en-US" baseline="0" dirty="0" smtClean="0"/>
-              <a:t> image that maps to the </a:t>
+              <a:t> image, tag it with the </a:t>
             </a:r>
             <a:r>
               <a:rPr lang="en-US" baseline="0" dirty="0" err="1" smtClean="0"/>
@@ -3101,7 +3254,23 @@
             </a:r>
             <a:r>
               <a:rPr lang="en-US" baseline="0" dirty="0" smtClean="0"/>
-              <a:t> commit that they want to run. This gets combined with the current configuration for the app and turned into a release within Empire. The release is then sent to ECS to run.</a:t>
+              <a:t> </a:t>
+            </a:r>
+            <a:r>
+              <a:rPr lang="en-US" baseline="0" dirty="0" err="1" smtClean="0"/>
+              <a:t>sha</a:t>
+            </a:r>
+            <a:r>
+              <a:rPr lang="en-US" baseline="0" dirty="0" smtClean="0"/>
+              <a:t>, and push it to the </a:t>
+            </a:r>
+            <a:r>
+              <a:rPr lang="en-US" baseline="0" dirty="0" err="1" smtClean="0"/>
+              <a:t>Docker</a:t>
+            </a:r>
+            <a:r>
+              <a:rPr lang="en-US" baseline="0" dirty="0" smtClean="0"/>
+              <a:t> registry.</a:t>
             </a:r>
             <a:endParaRPr lang="en-US" dirty="0"/>
           </a:p>
@@ -3134,7 +3303,7 @@
     </p:spTree>
     <p:extLst>
       <p:ext uri="{BB962C8B-B14F-4D97-AF65-F5344CB8AC3E}">
-        <p14:creationId xmlns:p14="http://schemas.microsoft.com/office/powerpoint/2010/main" val="2107302263"/>
+        <p14:creationId xmlns:p14="http://schemas.microsoft.com/office/powerpoint/2010/main" val="284401046"/>
       </p:ext>
     </p:extLst>
   </p:cSld>
@@ -3190,36 +3359,11 @@
           <a:p>
             <a:r>
               <a:rPr lang="en-US" dirty="0" smtClean="0"/>
-              <a:t>Like </a:t>
-            </a:r>
-            <a:r>
-              <a:rPr lang="en-US" dirty="0" err="1" smtClean="0"/>
-              <a:t>Heroku</a:t>
-            </a:r>
-            <a:r>
-              <a:rPr lang="en-US" dirty="0" smtClean="0"/>
-              <a:t>, Empire supports the concept of </a:t>
-            </a:r>
-            <a:r>
-              <a:rPr lang="en-US" dirty="0" err="1" smtClean="0"/>
-              <a:t>Procfiles</a:t>
-            </a:r>
-            <a:r>
-              <a:rPr lang="en-US" dirty="0" smtClean="0"/>
-              <a:t>, which allow you to define the individual processes that compose an application. For example, it’s not uncommon for an application to have a “web” process that exposes an HTTP API, and a “worker” process that performs some background tasks.</a:t>
-            </a:r>
-          </a:p>
-          <a:p>
-            <a:endParaRPr lang="en-US" dirty="0" smtClean="0"/>
-          </a:p>
-          <a:p>
-            <a:r>
-              <a:rPr lang="en-US" dirty="0" smtClean="0"/>
-              <a:t>When you</a:t>
+              <a:t>When a developer wants to deploy,</a:t>
             </a:r>
             <a:r>
               <a:rPr lang="en-US" baseline="0" dirty="0" smtClean="0"/>
-              <a:t> deploy a </a:t>
+              <a:t> they simply deploy the </a:t>
             </a:r>
             <a:r>
               <a:rPr lang="en-US" baseline="0" dirty="0" err="1" smtClean="0"/>
@@ -3227,23 +3371,15 @@
             </a:r>
             <a:r>
               <a:rPr lang="en-US" baseline="0" dirty="0" smtClean="0"/>
-              <a:t> image to Empire, the </a:t>
+              <a:t> image that maps to the </a:t>
             </a:r>
             <a:r>
               <a:rPr lang="en-US" baseline="0" dirty="0" err="1" smtClean="0"/>
-              <a:t>Procfile</a:t>
+              <a:t>git</a:t>
             </a:r>
             <a:r>
               <a:rPr lang="en-US" baseline="0" dirty="0" smtClean="0"/>
-              <a:t> is extracted, analyzed and each process defined in the </a:t>
-            </a:r>
-            <a:r>
-              <a:rPr lang="en-US" baseline="0" dirty="0" err="1" smtClean="0"/>
-              <a:t>Procfile</a:t>
-            </a:r>
-            <a:r>
-              <a:rPr lang="en-US" baseline="0" dirty="0" smtClean="0"/>
-              <a:t> gets it’s own ECS service that can be scaled independently via the Empire CLI.</a:t>
+              <a:t> commit that they want to run. This gets combined with the current configuration for the app and turned into a release within Empire. The release is then sent to ECS to run.</a:t>
             </a:r>
             <a:endParaRPr lang="en-US" dirty="0"/>
           </a:p>
@@ -3276,7 +3412,7 @@
     </p:spTree>
     <p:extLst>
       <p:ext uri="{BB962C8B-B14F-4D97-AF65-F5344CB8AC3E}">
-        <p14:creationId xmlns:p14="http://schemas.microsoft.com/office/powerpoint/2010/main" val="1980234669"/>
+        <p14:creationId xmlns:p14="http://schemas.microsoft.com/office/powerpoint/2010/main" val="2107302263"/>
       </p:ext>
     </p:extLst>
   </p:cSld>
@@ -3688,7 +3824,15 @@
             </a:r>
             <a:r>
               <a:rPr lang="en-US" baseline="0" dirty="0" smtClean="0"/>
-              <a:t> admin tasks, like database migrations, as one-off tasks. Empire supports this by running the container directly with </a:t>
+              <a:t> admin tasks, like database migrations, as one-off </a:t>
+            </a:r>
+            <a:r>
+              <a:rPr lang="en-US" baseline="0" dirty="0" smtClean="0"/>
+              <a:t>processes. </a:t>
+            </a:r>
+            <a:r>
+              <a:rPr lang="en-US" baseline="0" dirty="0" smtClean="0"/>
+              <a:t>Empire supports this by running the container directly with </a:t>
             </a:r>
             <a:r>
               <a:rPr lang="en-US" baseline="0" dirty="0" err="1" smtClean="0"/>
@@ -3699,12 +3843,8 @@
               <a:t> and </a:t>
             </a:r>
             <a:r>
-              <a:rPr lang="en-US" baseline="0" dirty="0" err="1" smtClean="0"/>
-              <a:t>conecting</a:t>
-            </a:r>
-            <a:r>
               <a:rPr lang="en-US" baseline="0" dirty="0" smtClean="0"/>
-              <a:t> </a:t>
+              <a:t>connecting </a:t>
             </a:r>
             <a:r>
               <a:rPr lang="en-US" baseline="0" dirty="0" err="1" smtClean="0"/>
@@ -3720,7 +3860,11 @@
             </a:r>
             <a:r>
               <a:rPr lang="en-US" baseline="0" dirty="0" smtClean="0"/>
-              <a:t> of the users shell to the container.</a:t>
+              <a:t> of the users shell to the container</a:t>
+            </a:r>
+            <a:r>
+              <a:rPr lang="en-US" baseline="0" dirty="0" smtClean="0"/>
+              <a:t>. This allows you to have an interactive session with the same image and environment running in production, which can be very useful for debugging.</a:t>
             </a:r>
             <a:endParaRPr lang="en-US" dirty="0"/>
           </a:p>
@@ -4871,7 +5015,7 @@
     </p:spTree>
     <p:extLst>
       <p:ext uri="{BB962C8B-B14F-4D97-AF65-F5344CB8AC3E}">
-        <p14:creationId xmlns:p14="http://schemas.microsoft.com/office/powerpoint/2010/main" val="1887372709"/>
+        <p14:creationId xmlns:p14="http://schemas.microsoft.com/office/powerpoint/2010/main" val="1443755190"/>
       </p:ext>
     </p:extLst>
   </p:cSld>
@@ -9592,71 +9736,25 @@
       </p:grpSpPr>
       <p:sp>
         <p:nvSpPr>
-          <p:cNvPr id="2" name="Text Placeholder 1"/>
-          <p:cNvSpPr>
-            <a:spLocks noGrp="1"/>
-          </p:cNvSpPr>
-          <p:nvPr>
-            <p:ph type="body" sz="quarter" idx="10"/>
-          </p:nvPr>
-        </p:nvSpPr>
-        <p:spPr/>
-        <p:txBody>
-          <a:bodyPr>
-            <a:normAutofit fontScale="85000" lnSpcReduction="20000"/>
-          </a:bodyPr>
-          <a:lstStyle/>
-          <a:p>
-            <a:r>
-              <a:rPr lang="en-US" dirty="0" smtClean="0"/>
-              <a:t>Michael Barrett, Ben Marini, Ben </a:t>
-            </a:r>
-            <a:r>
-              <a:rPr lang="en-US" dirty="0" err="1" smtClean="0"/>
-              <a:t>Guillet</a:t>
-            </a:r>
-            <a:r>
-              <a:rPr lang="en-US" dirty="0" smtClean="0"/>
-              <a:t>, Remind</a:t>
-            </a:r>
-            <a:endParaRPr lang="en-US" dirty="0"/>
-          </a:p>
-        </p:txBody>
-      </p:sp>
-      <p:sp>
-        <p:nvSpPr>
-          <p:cNvPr id="3" name="Text Placeholder 2"/>
-          <p:cNvSpPr>
-            <a:spLocks noGrp="1"/>
-          </p:cNvSpPr>
-          <p:nvPr>
-            <p:ph type="body" sz="quarter" idx="11"/>
-          </p:nvPr>
-        </p:nvSpPr>
-        <p:spPr/>
+          <p:cNvPr id="2" name="Title 1"/>
+          <p:cNvSpPr>
+            <a:spLocks noGrp="1"/>
+          </p:cNvSpPr>
+          <p:nvPr>
+            <p:ph type="title"/>
+          </p:nvPr>
+        </p:nvSpPr>
+        <p:spPr>
+          <a:xfrm>
+            <a:off x="336789" y="1171162"/>
+            <a:ext cx="8205304" cy="545741"/>
+          </a:xfrm>
+        </p:spPr>
         <p:txBody>
           <a:bodyPr/>
           <a:lstStyle/>
           <a:p>
-            <a:endParaRPr lang="en-US" dirty="0"/>
-          </a:p>
-        </p:txBody>
-      </p:sp>
-      <p:sp>
-        <p:nvSpPr>
-          <p:cNvPr id="4" name="Text Placeholder 3"/>
-          <p:cNvSpPr>
-            <a:spLocks noGrp="1"/>
-          </p:cNvSpPr>
-          <p:nvPr>
-            <p:ph type="body" sz="quarter" idx="12"/>
-          </p:nvPr>
-        </p:nvSpPr>
-        <p:spPr/>
-        <p:txBody>
-          <a:bodyPr/>
-          <a:lstStyle/>
-          <a:p>
+            <a:pPr algn="ctr"/>
             <a:r>
               <a:rPr lang="en-US" dirty="0" err="1" smtClean="0"/>
               <a:t>Docker</a:t>
@@ -9671,31 +9769,79 @@
       </p:sp>
       <p:sp>
         <p:nvSpPr>
-          <p:cNvPr id="5" name="Text Placeholder 4"/>
-          <p:cNvSpPr>
-            <a:spLocks noGrp="1"/>
-          </p:cNvSpPr>
-          <p:nvPr>
-            <p:ph type="body" sz="quarter" idx="13"/>
-          </p:nvPr>
-        </p:nvSpPr>
-        <p:spPr/>
+          <p:cNvPr id="4" name="Content Placeholder 3"/>
+          <p:cNvSpPr>
+            <a:spLocks noGrp="1"/>
+          </p:cNvSpPr>
+          <p:nvPr>
+            <p:ph idx="1"/>
+          </p:nvPr>
+        </p:nvSpPr>
+        <p:spPr>
+          <a:xfrm>
+            <a:off x="336789" y="1716903"/>
+            <a:ext cx="8205304" cy="558211"/>
+          </a:xfrm>
+        </p:spPr>
         <p:txBody>
           <a:bodyPr/>
           <a:lstStyle/>
           <a:p>
             <a:r>
-              <a:rPr lang="en-US" dirty="0" smtClean="0"/>
+              <a:rPr lang="en-US" dirty="0"/>
               <a:t>How We Migrated Our Infrastructure from </a:t>
             </a:r>
             <a:r>
-              <a:rPr lang="en-US" dirty="0" err="1" smtClean="0"/>
+              <a:rPr lang="en-US" dirty="0" err="1"/>
               <a:t>Heroku</a:t>
             </a:r>
             <a:r>
-              <a:rPr lang="en-US" dirty="0" smtClean="0"/>
+              <a:rPr lang="en-US" dirty="0"/>
               <a:t> to AWS</a:t>
             </a:r>
+          </a:p>
+          <a:p>
+            <a:pPr algn="ctr"/>
+            <a:endParaRPr lang="en-US" dirty="0"/>
+          </a:p>
+        </p:txBody>
+      </p:sp>
+      <p:sp>
+        <p:nvSpPr>
+          <p:cNvPr id="6" name="TextBox 5"/>
+          <p:cNvSpPr txBox="1"/>
+          <p:nvPr/>
+        </p:nvSpPr>
+        <p:spPr>
+          <a:xfrm>
+            <a:off x="1865659" y="3211285"/>
+            <a:ext cx="5147563" cy="646331"/>
+          </a:xfrm>
+          <a:prstGeom prst="rect">
+            <a:avLst/>
+          </a:prstGeom>
+          <a:noFill/>
+        </p:spPr>
+        <p:txBody>
+          <a:bodyPr wrap="none" rtlCol="0">
+            <a:spAutoFit/>
+          </a:bodyPr>
+          <a:lstStyle/>
+          <a:p>
+            <a:r>
+              <a:rPr lang="en-US" dirty="0"/>
+              <a:t>Michael Barrett, Ben Marini, Ben </a:t>
+            </a:r>
+            <a:r>
+              <a:rPr lang="en-US" dirty="0" err="1"/>
+              <a:t>Guillet</a:t>
+            </a:r>
+            <a:r>
+              <a:rPr lang="en-US" dirty="0"/>
+              <a:t>, Remind</a:t>
+            </a:r>
+          </a:p>
+          <a:p>
             <a:endParaRPr lang="en-US" dirty="0"/>
           </a:p>
         </p:txBody>
@@ -9703,7 +9849,7 @@
     </p:spTree>
     <p:extLst>
       <p:ext uri="{BB962C8B-B14F-4D97-AF65-F5344CB8AC3E}">
-        <p14:creationId xmlns:p14="http://schemas.microsoft.com/office/powerpoint/2010/main" val="215277738"/>
+        <p14:creationId xmlns:p14="http://schemas.microsoft.com/office/powerpoint/2010/main" val="589906508"/>
       </p:ext>
     </p:extLst>
   </p:cSld>
@@ -11195,7 +11341,7 @@
             </a:pPr>
             <a:r>
               <a:rPr lang="en-US" dirty="0" smtClean="0"/>
-              <a:t>Provides cluster management</a:t>
+              <a:t>Handles cluster management</a:t>
             </a:r>
           </a:p>
           <a:p>
@@ -11205,7 +11351,7 @@
             </a:pPr>
             <a:r>
               <a:rPr lang="en-US" dirty="0" smtClean="0"/>
-              <a:t>Provides task placement</a:t>
+              <a:t>Handles task placement</a:t>
             </a:r>
             <a:endParaRPr lang="en-US" dirty="0" smtClean="0"/>
           </a:p>
@@ -11216,7 +11362,7 @@
             </a:pPr>
             <a:r>
               <a:rPr lang="en-US" dirty="0" smtClean="0"/>
-              <a:t>Provides routing through ELB integration</a:t>
+              <a:t>Handles routing through ELB integration</a:t>
             </a:r>
             <a:endParaRPr lang="en-US" dirty="0"/>
           </a:p>
@@ -11276,7 +11422,7 @@
           <a:p>
             <a:r>
               <a:rPr lang="en-US" dirty="0" smtClean="0"/>
-              <a:t>Empire’s Scheduler Interface</a:t>
+              <a:t>EC2 Container Service :: Resources</a:t>
             </a:r>
             <a:endParaRPr lang="en-US" dirty="0"/>
           </a:p>
@@ -11297,225 +11443,120 @@
           <a:bodyPr/>
           <a:lstStyle/>
           <a:p>
-            <a:r>
-              <a:rPr lang="en-US" dirty="0">
-                <a:solidFill>
-                  <a:schemeClr val="tx2"/>
-                </a:solidFill>
-              </a:rPr>
-              <a:t>t</a:t>
-            </a:r>
-            <a:r>
-              <a:rPr lang="en-US" dirty="0" smtClean="0">
-                <a:solidFill>
-                  <a:schemeClr val="tx2"/>
-                </a:solidFill>
-              </a:rPr>
-              <a:t>ype App []Process</a:t>
-            </a:r>
-          </a:p>
-          <a:p>
+            <a:pPr marL="342900" indent="-342900">
+              <a:buFont typeface="Arial" charset="0"/>
+              <a:buChar char="•"/>
+            </a:pPr>
+            <a:r>
+              <a:rPr lang="en-US" dirty="0" smtClean="0"/>
+              <a:t>Clusters</a:t>
+            </a:r>
+          </a:p>
+          <a:p>
+            <a:pPr marL="342900" indent="-342900">
+              <a:buFont typeface="Arial" charset="0"/>
+              <a:buChar char="•"/>
+            </a:pPr>
+            <a:r>
+              <a:rPr lang="en-US" dirty="0" smtClean="0"/>
+              <a:t>Services</a:t>
+            </a:r>
             <a:endParaRPr lang="en-US" dirty="0" smtClean="0"/>
           </a:p>
           <a:p>
-            <a:r>
-              <a:rPr lang="en-US" dirty="0">
-                <a:solidFill>
-                  <a:schemeClr val="tx2"/>
-                </a:solidFill>
-              </a:rPr>
-              <a:t>t</a:t>
-            </a:r>
-            <a:r>
-              <a:rPr lang="en-US" dirty="0" smtClean="0">
-                <a:solidFill>
-                  <a:schemeClr val="tx2"/>
-                </a:solidFill>
-              </a:rPr>
-              <a:t>ype Scheduler interface {</a:t>
-            </a:r>
-          </a:p>
-          <a:p>
-            <a:r>
-              <a:rPr lang="en-US" dirty="0" smtClean="0"/>
-              <a:t>	 Submit</a:t>
-            </a:r>
-            <a:r>
-              <a:rPr lang="en-US" dirty="0" smtClean="0">
-                <a:solidFill>
-                  <a:schemeClr val="tx2"/>
-                </a:solidFill>
-              </a:rPr>
-              <a:t>(App)</a:t>
-            </a:r>
-            <a:r>
-              <a:rPr lang="en-US" dirty="0" smtClean="0"/>
-              <a:t>            </a:t>
-            </a:r>
-            <a:r>
-              <a:rPr lang="en-US" dirty="0" smtClean="0">
-                <a:solidFill>
-                  <a:schemeClr val="accent6"/>
-                </a:solidFill>
-              </a:rPr>
-              <a:t>// Create/Update an app</a:t>
-            </a:r>
-          </a:p>
-          <a:p>
-            <a:r>
-              <a:rPr lang="en-US" dirty="0" smtClean="0"/>
-              <a:t>    </a:t>
-            </a:r>
-            <a:r>
-              <a:rPr lang="en-US" dirty="0"/>
-              <a:t>Remove</a:t>
-            </a:r>
-            <a:r>
-              <a:rPr lang="en-US" dirty="0">
-                <a:solidFill>
-                  <a:schemeClr val="tx2"/>
-                </a:solidFill>
-              </a:rPr>
-              <a:t>(App</a:t>
-            </a:r>
-            <a:r>
-              <a:rPr lang="en-US" dirty="0" smtClean="0">
-                <a:solidFill>
-                  <a:schemeClr val="tx2"/>
-                </a:solidFill>
-              </a:rPr>
-              <a:t>)</a:t>
-            </a:r>
-            <a:r>
-              <a:rPr lang="en-US" dirty="0" smtClean="0"/>
-              <a:t>            </a:t>
-            </a:r>
-            <a:r>
-              <a:rPr lang="en-US" dirty="0" smtClean="0">
-                <a:solidFill>
-                  <a:schemeClr val="accent6"/>
-                </a:solidFill>
-              </a:rPr>
-              <a:t>// Remove an app</a:t>
-            </a:r>
-          </a:p>
-          <a:p>
-            <a:r>
-              <a:rPr lang="en-US" dirty="0" smtClean="0"/>
-              <a:t>    Scale</a:t>
-            </a:r>
-            <a:r>
-              <a:rPr lang="en-US" dirty="0" smtClean="0">
-                <a:solidFill>
-                  <a:schemeClr val="tx2"/>
-                </a:solidFill>
-              </a:rPr>
-              <a:t>(App, Process)</a:t>
-            </a:r>
-            <a:r>
-              <a:rPr lang="en-US" dirty="0" smtClean="0"/>
-              <a:t>    </a:t>
-            </a:r>
-            <a:r>
-              <a:rPr lang="en-US" dirty="0" smtClean="0">
-                <a:solidFill>
-                  <a:schemeClr val="accent6"/>
-                </a:solidFill>
-              </a:rPr>
-              <a:t>// Scale out a process</a:t>
-            </a:r>
-            <a:endParaRPr lang="en-US" dirty="0" smtClean="0">
-              <a:solidFill>
-                <a:schemeClr val="accent6"/>
-              </a:solidFill>
-            </a:endParaRPr>
-          </a:p>
-          <a:p>
-            <a:r>
-              <a:rPr lang="en-US" dirty="0"/>
-              <a:t> </a:t>
-            </a:r>
-            <a:r>
-              <a:rPr lang="en-US" dirty="0" smtClean="0"/>
-              <a:t>   Tasks</a:t>
-            </a:r>
-            <a:r>
-              <a:rPr lang="en-US" dirty="0" smtClean="0">
-                <a:solidFill>
-                  <a:schemeClr val="tx2"/>
-                </a:solidFill>
-              </a:rPr>
-              <a:t>(App</a:t>
-            </a:r>
-            <a:r>
-              <a:rPr lang="en-US" dirty="0">
-                <a:solidFill>
-                  <a:schemeClr val="tx2"/>
-                </a:solidFill>
-              </a:rPr>
-              <a:t>) </a:t>
-            </a:r>
-            <a:r>
-              <a:rPr lang="en-US" dirty="0" smtClean="0">
-                <a:solidFill>
-                  <a:schemeClr val="tx2"/>
-                </a:solidFill>
-              </a:rPr>
-              <a:t>[]</a:t>
-            </a:r>
-            <a:r>
-              <a:rPr lang="en-US" dirty="0" smtClean="0">
-                <a:solidFill>
-                  <a:schemeClr val="tx2"/>
-                </a:solidFill>
-              </a:rPr>
-              <a:t>Task</a:t>
-            </a:r>
-            <a:r>
-              <a:rPr lang="en-US" dirty="0" smtClean="0"/>
-              <a:t>      </a:t>
-            </a:r>
-            <a:r>
-              <a:rPr lang="en-US" dirty="0" smtClean="0">
-                <a:solidFill>
-                  <a:schemeClr val="accent6"/>
-                </a:solidFill>
-              </a:rPr>
-              <a:t>// List process state</a:t>
-            </a:r>
-            <a:endParaRPr lang="en-US" dirty="0" smtClean="0">
-              <a:solidFill>
-                <a:schemeClr val="accent6"/>
-              </a:solidFill>
-            </a:endParaRPr>
-          </a:p>
-          <a:p>
-            <a:r>
-              <a:rPr lang="en-US" dirty="0" smtClean="0">
-                <a:solidFill>
-                  <a:schemeClr val="tx2"/>
-                </a:solidFill>
-              </a:rPr>
-              <a:t>}</a:t>
-            </a:r>
-            <a:endParaRPr lang="en-US" dirty="0">
-              <a:solidFill>
-                <a:schemeClr val="tx2"/>
-              </a:solidFill>
-            </a:endParaRPr>
+            <a:pPr marL="342900" indent="-342900">
+              <a:buFont typeface="Arial" charset="0"/>
+              <a:buChar char="•"/>
+            </a:pPr>
+            <a:r>
+              <a:rPr lang="en-US" dirty="0" smtClean="0"/>
+              <a:t>Task Definitions</a:t>
+            </a:r>
+          </a:p>
+          <a:p>
+            <a:pPr marL="342900" indent="-342900">
+              <a:buFont typeface="Arial" charset="0"/>
+              <a:buChar char="•"/>
+            </a:pPr>
+            <a:r>
+              <a:rPr lang="en-US" dirty="0" smtClean="0"/>
+              <a:t>Tasks</a:t>
+            </a:r>
+            <a:endParaRPr lang="en-US" dirty="0" smtClean="0"/>
+          </a:p>
+        </p:txBody>
+      </p:sp>
+      <p:pic>
+        <p:nvPicPr>
+          <p:cNvPr id="4" name="Picture 3"/>
+          <p:cNvPicPr>
+            <a:picLocks noChangeAspect="1"/>
+          </p:cNvPicPr>
+          <p:nvPr/>
+        </p:nvPicPr>
+        <p:blipFill>
+          <a:blip r:embed="rId3"/>
+          <a:stretch>
+            <a:fillRect/>
+          </a:stretch>
+        </p:blipFill>
+        <p:spPr>
+          <a:xfrm>
+            <a:off x="2933700" y="1009332"/>
+            <a:ext cx="5867400" cy="3136900"/>
+          </a:xfrm>
+          <a:prstGeom prst="rect">
+            <a:avLst/>
+          </a:prstGeom>
+        </p:spPr>
+      </p:pic>
+      <p:sp>
+        <p:nvSpPr>
+          <p:cNvPr id="5" name="TextBox 4"/>
+          <p:cNvSpPr txBox="1"/>
+          <p:nvPr/>
+        </p:nvSpPr>
+        <p:spPr>
+          <a:xfrm>
+            <a:off x="3418114" y="4146232"/>
+            <a:ext cx="2327753" cy="338554"/>
+          </a:xfrm>
+          <a:prstGeom prst="rect">
+            <a:avLst/>
+          </a:prstGeom>
+          <a:noFill/>
+        </p:spPr>
+        <p:txBody>
+          <a:bodyPr wrap="none" rtlCol="0">
+            <a:spAutoFit/>
+          </a:bodyPr>
+          <a:lstStyle/>
+          <a:p>
+            <a:r>
+              <a:rPr lang="en-US" sz="1600" dirty="0" smtClean="0"/>
+              <a:t>Tasks running in cluster</a:t>
+            </a:r>
+            <a:endParaRPr lang="en-US" sz="1600" dirty="0"/>
           </a:p>
         </p:txBody>
       </p:sp>
     </p:spTree>
     <p:extLst>
       <p:ext uri="{BB962C8B-B14F-4D97-AF65-F5344CB8AC3E}">
-        <p14:creationId xmlns:p14="http://schemas.microsoft.com/office/powerpoint/2010/main" val="2135493620"/>
+        <p14:creationId xmlns:p14="http://schemas.microsoft.com/office/powerpoint/2010/main" val="557709769"/>
       </p:ext>
     </p:extLst>
   </p:cSld>
   <p:clrMapOvr>
     <a:masterClrMapping/>
   </p:clrMapOvr>
+  <p:timing>
+    <p:tnLst>
+      <p:par>
+        <p:cTn id="1" dur="indefinite" restart="never" nodeType="tmRoot"/>
+      </p:par>
+    </p:tnLst>
+  </p:timing>
 </p:sld>
 </file>
 
@@ -11553,74 +11594,104 @@
           <a:p>
             <a:r>
               <a:rPr lang="en-US" dirty="0" smtClean="0"/>
-              <a:t>EC2 Container Service :: Resources</a:t>
+              <a:t>Empire </a:t>
+            </a:r>
+            <a:r>
+              <a:rPr lang="en-US" dirty="0" smtClean="0"/>
+              <a:t>:: Resources</a:t>
             </a:r>
             <a:endParaRPr lang="en-US" dirty="0"/>
           </a:p>
         </p:txBody>
       </p:sp>
-      <p:sp>
-        <p:nvSpPr>
-          <p:cNvPr id="3" name="Content Placeholder 2"/>
-          <p:cNvSpPr>
-            <a:spLocks noGrp="1"/>
-          </p:cNvSpPr>
-          <p:nvPr>
-            <p:ph idx="1"/>
-          </p:nvPr>
-        </p:nvSpPr>
-        <p:spPr/>
-        <p:txBody>
-          <a:bodyPr/>
-          <a:lstStyle/>
-          <a:p>
-            <a:pPr marL="342900" indent="-342900">
-              <a:buFont typeface="Arial" charset="0"/>
-              <a:buChar char="•"/>
-            </a:pPr>
-            <a:r>
-              <a:rPr lang="en-US" dirty="0" smtClean="0"/>
-              <a:t>Clusters</a:t>
-            </a:r>
-          </a:p>
-          <a:p>
-            <a:pPr marL="342900" indent="-342900">
-              <a:buFont typeface="Arial" charset="0"/>
-              <a:buChar char="•"/>
-            </a:pPr>
-            <a:r>
-              <a:rPr lang="en-US" dirty="0" smtClean="0"/>
-              <a:t>Services</a:t>
-            </a:r>
-            <a:endParaRPr lang="en-US" dirty="0" smtClean="0"/>
-          </a:p>
-          <a:p>
-            <a:pPr marL="342900" indent="-342900">
-              <a:buFont typeface="Arial" charset="0"/>
-              <a:buChar char="•"/>
-            </a:pPr>
-            <a:r>
-              <a:rPr lang="en-US" dirty="0" smtClean="0"/>
-              <a:t>Task Definitions</a:t>
-            </a:r>
-          </a:p>
-          <a:p>
-            <a:pPr marL="342900" indent="-342900">
-              <a:buFont typeface="Arial" charset="0"/>
-              <a:buChar char="•"/>
-            </a:pPr>
-            <a:r>
-              <a:rPr lang="en-US" dirty="0" smtClean="0"/>
-              <a:t>Tasks</a:t>
-            </a:r>
-            <a:endParaRPr lang="en-US" dirty="0" smtClean="0"/>
+      <p:pic>
+        <p:nvPicPr>
+          <p:cNvPr id="6" name="Picture 5"/>
+          <p:cNvPicPr>
+            <a:picLocks noChangeAspect="1"/>
+          </p:cNvPicPr>
+          <p:nvPr/>
+        </p:nvPicPr>
+        <p:blipFill>
+          <a:blip r:embed="rId3"/>
+          <a:stretch>
+            <a:fillRect/>
+          </a:stretch>
+        </p:blipFill>
+        <p:spPr>
+          <a:xfrm>
+            <a:off x="1054891" y="1584003"/>
+            <a:ext cx="6769100" cy="3136900"/>
+          </a:xfrm>
+          <a:prstGeom prst="rect">
+            <a:avLst/>
+          </a:prstGeom>
+        </p:spPr>
+      </p:pic>
+      <p:sp>
+        <p:nvSpPr>
+          <p:cNvPr id="8" name="TextBox 7"/>
+          <p:cNvSpPr txBox="1"/>
+          <p:nvPr/>
+        </p:nvSpPr>
+        <p:spPr>
+          <a:xfrm>
+            <a:off x="3026228" y="936563"/>
+            <a:ext cx="1057149" cy="369332"/>
+          </a:xfrm>
+          <a:prstGeom prst="rect">
+            <a:avLst/>
+          </a:prstGeom>
+          <a:noFill/>
+        </p:spPr>
+        <p:txBody>
+          <a:bodyPr wrap="square" rtlCol="0">
+            <a:spAutoFit/>
+          </a:bodyPr>
+          <a:lstStyle/>
+          <a:p>
+            <a:r>
+              <a:rPr lang="en-US" b="1" dirty="0" smtClean="0"/>
+              <a:t>Empire</a:t>
+            </a:r>
+            <a:endParaRPr lang="en-US" b="1" dirty="0"/>
+          </a:p>
+        </p:txBody>
+      </p:sp>
+      <p:sp>
+        <p:nvSpPr>
+          <p:cNvPr id="9" name="TextBox 8"/>
+          <p:cNvSpPr txBox="1"/>
+          <p:nvPr/>
+        </p:nvSpPr>
+        <p:spPr>
+          <a:xfrm>
+            <a:off x="5464629" y="938785"/>
+            <a:ext cx="659155" cy="369332"/>
+          </a:xfrm>
+          <a:prstGeom prst="rect">
+            <a:avLst/>
+          </a:prstGeom>
+          <a:noFill/>
+        </p:spPr>
+        <p:txBody>
+          <a:bodyPr wrap="none" rtlCol="0">
+            <a:spAutoFit/>
+          </a:bodyPr>
+          <a:lstStyle/>
+          <a:p>
+            <a:r>
+              <a:rPr lang="en-US" b="1" dirty="0" smtClean="0"/>
+              <a:t>ECS</a:t>
+            </a:r>
+            <a:endParaRPr lang="en-US" b="1" dirty="0"/>
           </a:p>
         </p:txBody>
       </p:sp>
     </p:spTree>
     <p:extLst>
       <p:ext uri="{BB962C8B-B14F-4D97-AF65-F5344CB8AC3E}">
-        <p14:creationId xmlns:p14="http://schemas.microsoft.com/office/powerpoint/2010/main" val="557709769"/>
+        <p14:creationId xmlns:p14="http://schemas.microsoft.com/office/powerpoint/2010/main" val="1553321228"/>
       </p:ext>
     </p:extLst>
   </p:cSld>
@@ -11656,6 +11727,384 @@
       </p:grpSpPr>
       <p:sp>
         <p:nvSpPr>
+          <p:cNvPr id="2" name="Title 1"/>
+          <p:cNvSpPr>
+            <a:spLocks noGrp="1"/>
+          </p:cNvSpPr>
+          <p:nvPr>
+            <p:ph type="title"/>
+          </p:nvPr>
+        </p:nvSpPr>
+        <p:spPr/>
+        <p:txBody>
+          <a:bodyPr/>
+          <a:lstStyle/>
+          <a:p>
+            <a:r>
+              <a:rPr lang="en-US" dirty="0" smtClean="0"/>
+              <a:t>Empire’s Scheduler Interface</a:t>
+            </a:r>
+            <a:endParaRPr lang="en-US" dirty="0"/>
+          </a:p>
+        </p:txBody>
+      </p:sp>
+      <p:sp>
+        <p:nvSpPr>
+          <p:cNvPr id="3" name="Content Placeholder 2"/>
+          <p:cNvSpPr>
+            <a:spLocks noGrp="1"/>
+          </p:cNvSpPr>
+          <p:nvPr>
+            <p:ph idx="1"/>
+          </p:nvPr>
+        </p:nvSpPr>
+        <p:spPr/>
+        <p:txBody>
+          <a:bodyPr/>
+          <a:lstStyle/>
+          <a:p>
+            <a:r>
+              <a:rPr lang="en-US" dirty="0">
+                <a:solidFill>
+                  <a:schemeClr val="tx2"/>
+                </a:solidFill>
+              </a:rPr>
+              <a:t>t</a:t>
+            </a:r>
+            <a:r>
+              <a:rPr lang="en-US" dirty="0" smtClean="0">
+                <a:solidFill>
+                  <a:schemeClr val="tx2"/>
+                </a:solidFill>
+              </a:rPr>
+              <a:t>ype App []Process</a:t>
+            </a:r>
+          </a:p>
+          <a:p>
+            <a:endParaRPr lang="en-US" dirty="0" smtClean="0"/>
+          </a:p>
+          <a:p>
+            <a:r>
+              <a:rPr lang="en-US" dirty="0">
+                <a:solidFill>
+                  <a:schemeClr val="tx2"/>
+                </a:solidFill>
+              </a:rPr>
+              <a:t>t</a:t>
+            </a:r>
+            <a:r>
+              <a:rPr lang="en-US" dirty="0" smtClean="0">
+                <a:solidFill>
+                  <a:schemeClr val="tx2"/>
+                </a:solidFill>
+              </a:rPr>
+              <a:t>ype Scheduler interface {</a:t>
+            </a:r>
+          </a:p>
+          <a:p>
+            <a:r>
+              <a:rPr lang="en-US" dirty="0" smtClean="0"/>
+              <a:t>	 Submit</a:t>
+            </a:r>
+            <a:r>
+              <a:rPr lang="en-US" dirty="0" smtClean="0">
+                <a:solidFill>
+                  <a:schemeClr val="tx2"/>
+                </a:solidFill>
+              </a:rPr>
+              <a:t>(App)</a:t>
+            </a:r>
+            <a:r>
+              <a:rPr lang="en-US" dirty="0" smtClean="0"/>
+              <a:t>            </a:t>
+            </a:r>
+            <a:r>
+              <a:rPr lang="en-US" dirty="0" smtClean="0">
+                <a:solidFill>
+                  <a:schemeClr val="accent6"/>
+                </a:solidFill>
+              </a:rPr>
+              <a:t>// Create/Update an app</a:t>
+            </a:r>
+          </a:p>
+          <a:p>
+            <a:r>
+              <a:rPr lang="en-US" dirty="0" smtClean="0"/>
+              <a:t>    </a:t>
+            </a:r>
+            <a:r>
+              <a:rPr lang="en-US" dirty="0"/>
+              <a:t>Remove</a:t>
+            </a:r>
+            <a:r>
+              <a:rPr lang="en-US" dirty="0">
+                <a:solidFill>
+                  <a:schemeClr val="tx2"/>
+                </a:solidFill>
+              </a:rPr>
+              <a:t>(App</a:t>
+            </a:r>
+            <a:r>
+              <a:rPr lang="en-US" dirty="0" smtClean="0">
+                <a:solidFill>
+                  <a:schemeClr val="tx2"/>
+                </a:solidFill>
+              </a:rPr>
+              <a:t>)</a:t>
+            </a:r>
+            <a:r>
+              <a:rPr lang="en-US" dirty="0" smtClean="0"/>
+              <a:t>            </a:t>
+            </a:r>
+            <a:r>
+              <a:rPr lang="en-US" dirty="0" smtClean="0">
+                <a:solidFill>
+                  <a:schemeClr val="accent6"/>
+                </a:solidFill>
+              </a:rPr>
+              <a:t>// Remove an app</a:t>
+            </a:r>
+          </a:p>
+          <a:p>
+            <a:r>
+              <a:rPr lang="en-US" dirty="0" smtClean="0"/>
+              <a:t>    Scale</a:t>
+            </a:r>
+            <a:r>
+              <a:rPr lang="en-US" dirty="0" smtClean="0">
+                <a:solidFill>
+                  <a:schemeClr val="tx2"/>
+                </a:solidFill>
+              </a:rPr>
+              <a:t>(App, Process)</a:t>
+            </a:r>
+            <a:r>
+              <a:rPr lang="en-US" dirty="0" smtClean="0"/>
+              <a:t>    </a:t>
+            </a:r>
+            <a:r>
+              <a:rPr lang="en-US" dirty="0" smtClean="0">
+                <a:solidFill>
+                  <a:schemeClr val="accent6"/>
+                </a:solidFill>
+              </a:rPr>
+              <a:t>// Scale out a process</a:t>
+            </a:r>
+            <a:endParaRPr lang="en-US" dirty="0" smtClean="0">
+              <a:solidFill>
+                <a:schemeClr val="accent6"/>
+              </a:solidFill>
+            </a:endParaRPr>
+          </a:p>
+          <a:p>
+            <a:r>
+              <a:rPr lang="en-US" dirty="0"/>
+              <a:t> </a:t>
+            </a:r>
+            <a:r>
+              <a:rPr lang="en-US" dirty="0" smtClean="0"/>
+              <a:t>   Tasks</a:t>
+            </a:r>
+            <a:r>
+              <a:rPr lang="en-US" dirty="0" smtClean="0">
+                <a:solidFill>
+                  <a:schemeClr val="tx2"/>
+                </a:solidFill>
+              </a:rPr>
+              <a:t>(App</a:t>
+            </a:r>
+            <a:r>
+              <a:rPr lang="en-US" dirty="0">
+                <a:solidFill>
+                  <a:schemeClr val="tx2"/>
+                </a:solidFill>
+              </a:rPr>
+              <a:t>) </a:t>
+            </a:r>
+            <a:r>
+              <a:rPr lang="en-US" dirty="0" smtClean="0">
+                <a:solidFill>
+                  <a:schemeClr val="tx2"/>
+                </a:solidFill>
+              </a:rPr>
+              <a:t>[]</a:t>
+            </a:r>
+            <a:r>
+              <a:rPr lang="en-US" dirty="0" smtClean="0">
+                <a:solidFill>
+                  <a:schemeClr val="tx2"/>
+                </a:solidFill>
+              </a:rPr>
+              <a:t>Task</a:t>
+            </a:r>
+            <a:r>
+              <a:rPr lang="en-US" dirty="0" smtClean="0"/>
+              <a:t>      </a:t>
+            </a:r>
+            <a:r>
+              <a:rPr lang="en-US" dirty="0" smtClean="0">
+                <a:solidFill>
+                  <a:schemeClr val="accent6"/>
+                </a:solidFill>
+              </a:rPr>
+              <a:t>// List process state</a:t>
+            </a:r>
+            <a:endParaRPr lang="en-US" dirty="0" smtClean="0">
+              <a:solidFill>
+                <a:schemeClr val="accent6"/>
+              </a:solidFill>
+            </a:endParaRPr>
+          </a:p>
+          <a:p>
+            <a:r>
+              <a:rPr lang="en-US" dirty="0" smtClean="0">
+                <a:solidFill>
+                  <a:schemeClr val="tx2"/>
+                </a:solidFill>
+              </a:rPr>
+              <a:t>}</a:t>
+            </a:r>
+            <a:endParaRPr lang="en-US" dirty="0">
+              <a:solidFill>
+                <a:schemeClr val="tx2"/>
+              </a:solidFill>
+            </a:endParaRPr>
+          </a:p>
+        </p:txBody>
+      </p:sp>
+    </p:spTree>
+    <p:extLst>
+      <p:ext uri="{BB962C8B-B14F-4D97-AF65-F5344CB8AC3E}">
+        <p14:creationId xmlns:p14="http://schemas.microsoft.com/office/powerpoint/2010/main" val="2135493620"/>
+      </p:ext>
+    </p:extLst>
+  </p:cSld>
+  <p:clrMapOvr>
+    <a:masterClrMapping/>
+  </p:clrMapOvr>
+</p:sld>
+</file>
+
+<file path=ppt/slides/slide2.xml><?xml version="1.0" encoding="utf-8"?>
+<p:sld xmlns:a="http://schemas.openxmlformats.org/drawingml/2006/main" xmlns:r="http://schemas.openxmlformats.org/officeDocument/2006/relationships" xmlns:p="http://schemas.openxmlformats.org/presentationml/2006/main">
+  <p:cSld>
+    <p:spTree>
+      <p:nvGrpSpPr>
+        <p:cNvPr id="1" name=""/>
+        <p:cNvGrpSpPr/>
+        <p:nvPr/>
+      </p:nvGrpSpPr>
+      <p:grpSpPr>
+        <a:xfrm>
+          <a:off x="0" y="0"/>
+          <a:ext cx="0" cy="0"/>
+          <a:chOff x="0" y="0"/>
+          <a:chExt cx="0" cy="0"/>
+        </a:xfrm>
+      </p:grpSpPr>
+      <p:sp>
+        <p:nvSpPr>
+          <p:cNvPr id="2" name="Content Placeholder 1"/>
+          <p:cNvSpPr>
+            <a:spLocks noGrp="1"/>
+          </p:cNvSpPr>
+          <p:nvPr>
+            <p:ph idx="1"/>
+          </p:nvPr>
+        </p:nvSpPr>
+        <p:spPr/>
+        <p:txBody>
+          <a:bodyPr/>
+          <a:lstStyle/>
+          <a:p>
+            <a:pPr marL="342900" indent="-342900">
+              <a:buFont typeface="Arial" charset="0"/>
+              <a:buChar char="•"/>
+            </a:pPr>
+            <a:r>
+              <a:rPr lang="en-US" dirty="0" smtClean="0"/>
+              <a:t>A brief introduction about why we decided to build an internal platform at Remind, and the lessons we learned along the way</a:t>
+            </a:r>
+          </a:p>
+          <a:p>
+            <a:pPr marL="342900" indent="-342900">
+              <a:buFont typeface="Arial" charset="0"/>
+              <a:buChar char="•"/>
+            </a:pPr>
+            <a:r>
+              <a:rPr lang="en-US" dirty="0" smtClean="0"/>
+              <a:t>An introduction to the open source </a:t>
+            </a:r>
+            <a:r>
+              <a:rPr lang="en-US" dirty="0" err="1" smtClean="0"/>
+              <a:t>PaaS</a:t>
+            </a:r>
+            <a:r>
+              <a:rPr lang="en-US" dirty="0" smtClean="0"/>
+              <a:t> we built called Empire, and how we’re leveraging Amazon EC2 Container Service</a:t>
+            </a:r>
+          </a:p>
+          <a:p>
+            <a:pPr marL="342900" indent="-342900">
+              <a:buFont typeface="Arial" charset="0"/>
+              <a:buChar char="•"/>
+            </a:pPr>
+            <a:r>
+              <a:rPr lang="en-US" dirty="0" smtClean="0"/>
+              <a:t>Demo</a:t>
+            </a:r>
+          </a:p>
+          <a:p>
+            <a:pPr marL="342900" indent="-342900">
+              <a:buFont typeface="Arial" charset="0"/>
+              <a:buChar char="•"/>
+            </a:pPr>
+            <a:r>
+              <a:rPr lang="en-US" dirty="0" smtClean="0"/>
+              <a:t>Q&amp;A</a:t>
+            </a:r>
+          </a:p>
+          <a:p>
+            <a:pPr marL="342900" indent="-342900">
+              <a:buFont typeface="Arial" charset="0"/>
+              <a:buChar char="•"/>
+            </a:pPr>
+            <a:endParaRPr lang="en-US" dirty="0"/>
+          </a:p>
+        </p:txBody>
+      </p:sp>
+    </p:spTree>
+    <p:extLst>
+      <p:ext uri="{BB962C8B-B14F-4D97-AF65-F5344CB8AC3E}">
+        <p14:creationId xmlns:p14="http://schemas.microsoft.com/office/powerpoint/2010/main" val="1671622976"/>
+      </p:ext>
+    </p:extLst>
+  </p:cSld>
+  <p:clrMapOvr>
+    <a:masterClrMapping/>
+  </p:clrMapOvr>
+</p:sld>
+</file>
+
+<file path=ppt/slides/slide20.xml><?xml version="1.0" encoding="utf-8"?>
+<p:sld xmlns:a="http://schemas.openxmlformats.org/drawingml/2006/main" xmlns:r="http://schemas.openxmlformats.org/officeDocument/2006/relationships" xmlns:p="http://schemas.openxmlformats.org/presentationml/2006/main">
+  <p:cSld>
+    <p:spTree>
+      <p:nvGrpSpPr>
+        <p:cNvPr id="1" name=""/>
+        <p:cNvGrpSpPr/>
+        <p:nvPr/>
+      </p:nvGrpSpPr>
+      <p:grpSpPr>
+        <a:xfrm>
+          <a:off x="0" y="0"/>
+          <a:ext cx="0" cy="0"/>
+          <a:chOff x="0" y="0"/>
+          <a:chExt cx="0" cy="0"/>
+        </a:xfrm>
+      </p:grpSpPr>
+      <p:sp>
+        <p:nvSpPr>
           <p:cNvPr id="2" name="Text Placeholder 1"/>
           <p:cNvSpPr>
             <a:spLocks noGrp="1"/>
@@ -11865,108 +12314,7 @@
 </p:sld>
 </file>
 
-<file path=ppt/slides/slide2.xml><?xml version="1.0" encoding="utf-8"?>
-<p:sld xmlns:a="http://schemas.openxmlformats.org/drawingml/2006/main" xmlns:r="http://schemas.openxmlformats.org/officeDocument/2006/relationships" xmlns:p="http://schemas.openxmlformats.org/presentationml/2006/main">
-  <p:cSld>
-    <p:spTree>
-      <p:nvGrpSpPr>
-        <p:cNvPr id="1" name=""/>
-        <p:cNvGrpSpPr/>
-        <p:nvPr/>
-      </p:nvGrpSpPr>
-      <p:grpSpPr>
-        <a:xfrm>
-          <a:off x="0" y="0"/>
-          <a:ext cx="0" cy="0"/>
-          <a:chOff x="0" y="0"/>
-          <a:chExt cx="0" cy="0"/>
-        </a:xfrm>
-      </p:grpSpPr>
-      <p:sp>
-        <p:nvSpPr>
-          <p:cNvPr id="2" name="Content Placeholder 1"/>
-          <p:cNvSpPr>
-            <a:spLocks noGrp="1"/>
-          </p:cNvSpPr>
-          <p:nvPr>
-            <p:ph idx="1"/>
-          </p:nvPr>
-        </p:nvSpPr>
-        <p:spPr/>
-        <p:txBody>
-          <a:bodyPr/>
-          <a:lstStyle/>
-          <a:p>
-            <a:pPr marL="342900" indent="-342900">
-              <a:buFont typeface="Arial" charset="0"/>
-              <a:buChar char="•"/>
-            </a:pPr>
-            <a:r>
-              <a:rPr lang="en-US" dirty="0" smtClean="0"/>
-              <a:t>A brief introduction about why we decided to build an internal platform at Remind, and the lessons we learned along the way</a:t>
-            </a:r>
-          </a:p>
-          <a:p>
-            <a:pPr marL="342900" indent="-342900">
-              <a:buFont typeface="Arial" charset="0"/>
-              <a:buChar char="•"/>
-            </a:pPr>
-            <a:r>
-              <a:rPr lang="en-US" dirty="0" smtClean="0"/>
-              <a:t>An introduction to the open source </a:t>
-            </a:r>
-            <a:r>
-              <a:rPr lang="en-US" dirty="0" err="1" smtClean="0"/>
-              <a:t>PaaS</a:t>
-            </a:r>
-            <a:r>
-              <a:rPr lang="en-US" dirty="0" smtClean="0"/>
-              <a:t> we built called Empire, and how we’re leveraging Amazon EC2 Container Service</a:t>
-            </a:r>
-          </a:p>
-          <a:p>
-            <a:pPr marL="342900" indent="-342900">
-              <a:buFont typeface="Arial" charset="0"/>
-              <a:buChar char="•"/>
-            </a:pPr>
-            <a:r>
-              <a:rPr lang="en-US" dirty="0" smtClean="0"/>
-              <a:t>Demo</a:t>
-            </a:r>
-          </a:p>
-          <a:p>
-            <a:pPr marL="342900" indent="-342900">
-              <a:buFont typeface="Arial" charset="0"/>
-              <a:buChar char="•"/>
-            </a:pPr>
-            <a:r>
-              <a:rPr lang="en-US" dirty="0" smtClean="0"/>
-              <a:t>Q&amp;A</a:t>
-            </a:r>
-          </a:p>
-          <a:p>
-            <a:pPr marL="342900" indent="-342900">
-              <a:buFont typeface="Arial" charset="0"/>
-              <a:buChar char="•"/>
-            </a:pPr>
-            <a:endParaRPr lang="en-US" dirty="0"/>
-          </a:p>
-        </p:txBody>
-      </p:sp>
-    </p:spTree>
-    <p:extLst>
-      <p:ext uri="{BB962C8B-B14F-4D97-AF65-F5344CB8AC3E}">
-        <p14:creationId xmlns:p14="http://schemas.microsoft.com/office/powerpoint/2010/main" val="67347756"/>
-      </p:ext>
-    </p:extLst>
-  </p:cSld>
-  <p:clrMapOvr>
-    <a:masterClrMapping/>
-  </p:clrMapOvr>
-</p:sld>
-</file>
-
-<file path=ppt/slides/slide20.xml><?xml version="1.0" encoding="utf-8"?>
+<file path=ppt/slides/slide21.xml><?xml version="1.0" encoding="utf-8"?>
 <p:sld xmlns:a="http://schemas.openxmlformats.org/drawingml/2006/main" xmlns:r="http://schemas.openxmlformats.org/officeDocument/2006/relationships" xmlns:p="http://schemas.openxmlformats.org/presentationml/2006/main">
   <p:cSld>
     <p:spTree>
@@ -12120,7 +12468,7 @@
 </p:sld>
 </file>
 
-<file path=ppt/slides/slide21.xml><?xml version="1.0" encoding="utf-8"?>
+<file path=ppt/slides/slide22.xml><?xml version="1.0" encoding="utf-8"?>
 <p:sld xmlns:a="http://schemas.openxmlformats.org/drawingml/2006/main" xmlns:r="http://schemas.openxmlformats.org/officeDocument/2006/relationships" xmlns:p="http://schemas.openxmlformats.org/presentationml/2006/main">
   <p:cSld>
     <p:spTree>
@@ -12424,6 +12772,7 @@
           <a:prstGeom prst="rect">
             <a:avLst/>
           </a:prstGeom>
+          <a:noFill/>
         </p:spPr>
       </p:pic>
     </p:spTree>
@@ -12446,7 +12795,7 @@
 </p:sld>
 </file>
 
-<file path=ppt/slides/slide22.xml><?xml version="1.0" encoding="utf-8"?>
+<file path=ppt/slides/slide23.xml><?xml version="1.0" encoding="utf-8"?>
 <p:sld xmlns:a="http://schemas.openxmlformats.org/drawingml/2006/main" xmlns:r="http://schemas.openxmlformats.org/officeDocument/2006/relationships" xmlns:p="http://schemas.openxmlformats.org/presentationml/2006/main">
   <p:cSld>
     <p:spTree>
@@ -12533,6 +12882,30 @@
           </a:p>
         </p:txBody>
       </p:sp>
+      <p:pic>
+        <p:nvPicPr>
+          <p:cNvPr id="3" name="Picture 2"/>
+          <p:cNvPicPr>
+            <a:picLocks noChangeAspect="1"/>
+          </p:cNvPicPr>
+          <p:nvPr/>
+        </p:nvPicPr>
+        <p:blipFill>
+          <a:blip r:embed="rId3"/>
+          <a:stretch>
+            <a:fillRect/>
+          </a:stretch>
+        </p:blipFill>
+        <p:spPr>
+          <a:xfrm>
+            <a:off x="3601241" y="445485"/>
+            <a:ext cx="1676400" cy="1676400"/>
+          </a:xfrm>
+          <a:prstGeom prst="rect">
+            <a:avLst/>
+          </a:prstGeom>
+        </p:spPr>
+      </p:pic>
     </p:spTree>
     <p:extLst>
       <p:ext uri="{BB962C8B-B14F-4D97-AF65-F5344CB8AC3E}">
@@ -12553,7 +12926,7 @@
 </p:sld>
 </file>
 
-<file path=ppt/slides/slide23.xml><?xml version="1.0" encoding="utf-8"?>
+<file path=ppt/slides/slide24.xml><?xml version="1.0" encoding="utf-8"?>
 <p:sld xmlns:a="http://schemas.openxmlformats.org/drawingml/2006/main" xmlns:r="http://schemas.openxmlformats.org/officeDocument/2006/relationships" xmlns:p="http://schemas.openxmlformats.org/presentationml/2006/main">
   <p:cSld>
     <p:spTree>
@@ -12710,7 +13083,7 @@
 </p:sld>
 </file>
 
-<file path=ppt/slides/slide24.xml><?xml version="1.0" encoding="utf-8"?>
+<file path=ppt/slides/slide25.xml><?xml version="1.0" encoding="utf-8"?>
 <p:sld xmlns:a="http://schemas.openxmlformats.org/drawingml/2006/main" xmlns:r="http://schemas.openxmlformats.org/officeDocument/2006/relationships" xmlns:p="http://schemas.openxmlformats.org/presentationml/2006/main">
   <p:cSld>
     <p:spTree>
@@ -12961,7 +13334,7 @@
 </p:sld>
 </file>
 
-<file path=ppt/slides/slide25.xml><?xml version="1.0" encoding="utf-8"?>
+<file path=ppt/slides/slide26.xml><?xml version="1.0" encoding="utf-8"?>
 <p:sld xmlns:a="http://schemas.openxmlformats.org/drawingml/2006/main" xmlns:r="http://schemas.openxmlformats.org/officeDocument/2006/relationships" xmlns:p="http://schemas.openxmlformats.org/presentationml/2006/main">
   <p:cSld>
     <p:spTree>
@@ -13285,7 +13658,7 @@
 </p:sld>
 </file>
 
-<file path=ppt/slides/slide26.xml><?xml version="1.0" encoding="utf-8"?>
+<file path=ppt/slides/slide27.xml><?xml version="1.0" encoding="utf-8"?>
 <p:sld xmlns:a="http://schemas.openxmlformats.org/drawingml/2006/main" xmlns:r="http://schemas.openxmlformats.org/officeDocument/2006/relationships" xmlns:p="http://schemas.openxmlformats.org/presentationml/2006/main">
   <p:cSld>
     <p:spTree>
@@ -13707,427 +14080,6 @@
     <p:extLst>
       <p:ext uri="{BB962C8B-B14F-4D97-AF65-F5344CB8AC3E}">
         <p14:creationId xmlns:p14="http://schemas.microsoft.com/office/powerpoint/2010/main" val="1429079060"/>
-      </p:ext>
-    </p:extLst>
-  </p:cSld>
-  <p:clrMapOvr>
-    <a:masterClrMapping/>
-  </p:clrMapOvr>
-  <p:timing>
-    <p:tnLst>
-      <p:par>
-        <p:cTn id="1" dur="indefinite" restart="never" nodeType="tmRoot"/>
-      </p:par>
-    </p:tnLst>
-  </p:timing>
-</p:sld>
-</file>
-
-<file path=ppt/slides/slide27.xml><?xml version="1.0" encoding="utf-8"?>
-<p:sld xmlns:a="http://schemas.openxmlformats.org/drawingml/2006/main" xmlns:r="http://schemas.openxmlformats.org/officeDocument/2006/relationships" xmlns:p="http://schemas.openxmlformats.org/presentationml/2006/main">
-  <p:cSld>
-    <p:spTree>
-      <p:nvGrpSpPr>
-        <p:cNvPr id="1" name=""/>
-        <p:cNvGrpSpPr/>
-        <p:nvPr/>
-      </p:nvGrpSpPr>
-      <p:grpSpPr>
-        <a:xfrm>
-          <a:off x="0" y="0"/>
-          <a:ext cx="0" cy="0"/>
-          <a:chOff x="0" y="0"/>
-          <a:chExt cx="0" cy="0"/>
-        </a:xfrm>
-      </p:grpSpPr>
-      <p:sp>
-        <p:nvSpPr>
-          <p:cNvPr id="4" name="Title 3"/>
-          <p:cNvSpPr>
-            <a:spLocks noGrp="1"/>
-          </p:cNvSpPr>
-          <p:nvPr>
-            <p:ph type="title"/>
-          </p:nvPr>
-        </p:nvSpPr>
-        <p:spPr/>
-        <p:txBody>
-          <a:bodyPr/>
-          <a:lstStyle/>
-          <a:p>
-            <a:r>
-              <a:rPr lang="en-US" dirty="0" smtClean="0"/>
-              <a:t>12factor :: </a:t>
-            </a:r>
-            <a:r>
-              <a:rPr lang="en-US" dirty="0" smtClean="0"/>
-              <a:t>Build, Release</a:t>
-            </a:r>
-            <a:r>
-              <a:rPr lang="en-US" dirty="0" smtClean="0"/>
-              <a:t>, Run</a:t>
-            </a:r>
-            <a:endParaRPr lang="en-US" dirty="0"/>
-          </a:p>
-        </p:txBody>
-      </p:sp>
-      <p:sp>
-        <p:nvSpPr>
-          <p:cNvPr id="10" name="Content Placeholder 9"/>
-          <p:cNvSpPr>
-            <a:spLocks noGrp="1"/>
-          </p:cNvSpPr>
-          <p:nvPr>
-            <p:ph sz="quarter" idx="4"/>
-          </p:nvPr>
-        </p:nvSpPr>
-        <p:spPr>
-          <a:xfrm>
-            <a:off x="336789" y="1106175"/>
-            <a:ext cx="4041775" cy="1180681"/>
-          </a:xfrm>
-        </p:spPr>
-        <p:txBody>
-          <a:bodyPr/>
-          <a:lstStyle/>
-          <a:p>
-            <a:r>
-              <a:rPr lang="en-US" dirty="0" smtClean="0">
-                <a:solidFill>
-                  <a:schemeClr val="accent6"/>
-                </a:solidFill>
-                <a:latin typeface="Lucida Console" charset="0"/>
-                <a:ea typeface="Lucida Console" charset="0"/>
-                <a:cs typeface="Lucida Console" charset="0"/>
-              </a:rPr>
-              <a:t>$ </a:t>
-            </a:r>
-            <a:r>
-              <a:rPr lang="en-US" dirty="0">
-                <a:latin typeface="Lucida Console" charset="0"/>
-                <a:ea typeface="Lucida Console" charset="0"/>
-                <a:cs typeface="Lucida Console" charset="0"/>
-              </a:rPr>
-              <a:t>cat </a:t>
-            </a:r>
-            <a:r>
-              <a:rPr lang="en-US" dirty="0" err="1" smtClean="0">
-                <a:latin typeface="Lucida Console" charset="0"/>
-                <a:ea typeface="Lucida Console" charset="0"/>
-                <a:cs typeface="Lucida Console" charset="0"/>
-              </a:rPr>
-              <a:t>Procfile</a:t>
-            </a:r>
-            <a:endParaRPr lang="en-US" dirty="0" smtClean="0">
-              <a:latin typeface="Lucida Console" charset="0"/>
-              <a:ea typeface="Lucida Console" charset="0"/>
-              <a:cs typeface="Lucida Console" charset="0"/>
-            </a:endParaRPr>
-          </a:p>
-          <a:p>
-            <a:r>
-              <a:rPr lang="en-US" dirty="0" smtClean="0">
-                <a:latin typeface="Lucida Console" charset="0"/>
-                <a:ea typeface="Lucida Console" charset="0"/>
-                <a:cs typeface="Lucida Console" charset="0"/>
-              </a:rPr>
-              <a:t>web</a:t>
-            </a:r>
-            <a:r>
-              <a:rPr lang="en-US" dirty="0">
-                <a:latin typeface="Lucida Console" charset="0"/>
-                <a:ea typeface="Lucida Console" charset="0"/>
-                <a:cs typeface="Lucida Console" charset="0"/>
-              </a:rPr>
-              <a:t>: ./</a:t>
-            </a:r>
-            <a:r>
-              <a:rPr lang="en-US" dirty="0" smtClean="0">
-                <a:latin typeface="Lucida Console" charset="0"/>
-                <a:ea typeface="Lucida Console" charset="0"/>
-                <a:cs typeface="Lucida Console" charset="0"/>
-              </a:rPr>
-              <a:t>bin/web</a:t>
-            </a:r>
-          </a:p>
-          <a:p>
-            <a:r>
-              <a:rPr lang="en-US" dirty="0" smtClean="0">
-                <a:latin typeface="Lucida Console" charset="0"/>
-                <a:ea typeface="Lucida Console" charset="0"/>
-                <a:cs typeface="Lucida Console" charset="0"/>
-              </a:rPr>
-              <a:t>worker</a:t>
-            </a:r>
-            <a:r>
-              <a:rPr lang="en-US" dirty="0">
-                <a:latin typeface="Lucida Console" charset="0"/>
-                <a:ea typeface="Lucida Console" charset="0"/>
-                <a:cs typeface="Lucida Console" charset="0"/>
-              </a:rPr>
-              <a:t>: ./bin/worker</a:t>
-            </a:r>
-          </a:p>
-        </p:txBody>
-      </p:sp>
-      <p:sp>
-        <p:nvSpPr>
-          <p:cNvPr id="20" name="Content Placeholder 9"/>
-          <p:cNvSpPr>
-            <a:spLocks noGrp="1"/>
-          </p:cNvSpPr>
-          <p:nvPr>
-            <p:ph sz="quarter" idx="4"/>
-          </p:nvPr>
-        </p:nvSpPr>
-        <p:spPr>
-          <a:xfrm>
-            <a:off x="336788" y="3267248"/>
-            <a:ext cx="8807212" cy="1446446"/>
-          </a:xfrm>
-        </p:spPr>
-        <p:txBody>
-          <a:bodyPr/>
-          <a:lstStyle/>
-          <a:p>
-            <a:r>
-              <a:rPr lang="en-US" dirty="0" smtClean="0">
-                <a:solidFill>
-                  <a:schemeClr val="accent6"/>
-                </a:solidFill>
-                <a:latin typeface="Lucida Console" charset="0"/>
-                <a:ea typeface="Lucida Console" charset="0"/>
-                <a:cs typeface="Lucida Console" charset="0"/>
-              </a:rPr>
-              <a:t>$ </a:t>
-            </a:r>
-            <a:r>
-              <a:rPr lang="en-US" dirty="0" err="1" smtClean="0">
-                <a:latin typeface="Lucida Console" charset="0"/>
-                <a:ea typeface="Lucida Console" charset="0"/>
-                <a:cs typeface="Lucida Console" charset="0"/>
-              </a:rPr>
-              <a:t>aws</a:t>
-            </a:r>
-            <a:r>
-              <a:rPr lang="en-US" dirty="0" smtClean="0">
-                <a:latin typeface="Lucida Console" charset="0"/>
-                <a:ea typeface="Lucida Console" charset="0"/>
-                <a:cs typeface="Lucida Console" charset="0"/>
-              </a:rPr>
-              <a:t> </a:t>
-            </a:r>
-            <a:r>
-              <a:rPr lang="en-US" dirty="0" err="1" smtClean="0">
-                <a:latin typeface="Lucida Console" charset="0"/>
-                <a:ea typeface="Lucida Console" charset="0"/>
-                <a:cs typeface="Lucida Console" charset="0"/>
-              </a:rPr>
-              <a:t>ecs</a:t>
-            </a:r>
-            <a:r>
-              <a:rPr lang="en-US" dirty="0" smtClean="0">
-                <a:latin typeface="Lucida Console" charset="0"/>
-                <a:ea typeface="Lucida Console" charset="0"/>
-                <a:cs typeface="Lucida Console" charset="0"/>
-              </a:rPr>
-              <a:t> list-services</a:t>
-            </a:r>
-          </a:p>
-          <a:p>
-            <a:r>
-              <a:rPr lang="en-US" dirty="0" smtClean="0">
-                <a:latin typeface="Lucida Console" charset="0"/>
-                <a:ea typeface="Lucida Console" charset="0"/>
-                <a:cs typeface="Lucida Console" charset="0"/>
-              </a:rPr>
-              <a:t>arn:aws:ecs:us-east-1:***:service/</a:t>
-            </a:r>
-            <a:r>
-              <a:rPr lang="en-US" dirty="0" err="1" smtClean="0">
-                <a:latin typeface="Lucida Console" charset="0"/>
-                <a:ea typeface="Lucida Console" charset="0"/>
-                <a:cs typeface="Lucida Console" charset="0"/>
-              </a:rPr>
-              <a:t>api</a:t>
-            </a:r>
-            <a:r>
-              <a:rPr lang="en-US" dirty="0" smtClean="0">
-                <a:latin typeface="Lucida Console" charset="0"/>
-                <a:ea typeface="Lucida Console" charset="0"/>
-                <a:cs typeface="Lucida Console" charset="0"/>
-              </a:rPr>
-              <a:t>--web</a:t>
-            </a:r>
-          </a:p>
-          <a:p>
-            <a:r>
-              <a:rPr lang="en-US" dirty="0" smtClean="0">
-                <a:latin typeface="Lucida Console" charset="0"/>
-                <a:ea typeface="Lucida Console" charset="0"/>
-                <a:cs typeface="Lucida Console" charset="0"/>
-              </a:rPr>
-              <a:t>arn:aws:ecs:us-east-1</a:t>
-            </a:r>
-            <a:r>
-              <a:rPr lang="en-US" dirty="0">
-                <a:latin typeface="Lucida Console" charset="0"/>
-                <a:ea typeface="Lucida Console" charset="0"/>
-                <a:cs typeface="Lucida Console" charset="0"/>
-              </a:rPr>
-              <a:t>:***:</a:t>
-            </a:r>
-            <a:r>
-              <a:rPr lang="en-US" dirty="0" smtClean="0">
-                <a:latin typeface="Lucida Console" charset="0"/>
-                <a:ea typeface="Lucida Console" charset="0"/>
-                <a:cs typeface="Lucida Console" charset="0"/>
-              </a:rPr>
-              <a:t>service/</a:t>
-            </a:r>
-            <a:r>
-              <a:rPr lang="en-US" dirty="0" err="1" smtClean="0">
-                <a:latin typeface="Lucida Console" charset="0"/>
-                <a:ea typeface="Lucida Console" charset="0"/>
-                <a:cs typeface="Lucida Console" charset="0"/>
-              </a:rPr>
-              <a:t>api</a:t>
-            </a:r>
-            <a:r>
-              <a:rPr lang="en-US" dirty="0" smtClean="0">
-                <a:latin typeface="Lucida Console" charset="0"/>
-                <a:ea typeface="Lucida Console" charset="0"/>
-                <a:cs typeface="Lucida Console" charset="0"/>
-              </a:rPr>
-              <a:t>--worker</a:t>
-            </a:r>
-            <a:endParaRPr lang="en-US" dirty="0">
-              <a:latin typeface="Lucida Console" charset="0"/>
-              <a:ea typeface="Lucida Console" charset="0"/>
-              <a:cs typeface="Lucida Console" charset="0"/>
-            </a:endParaRPr>
-          </a:p>
-        </p:txBody>
-      </p:sp>
-      <p:sp>
-        <p:nvSpPr>
-          <p:cNvPr id="21" name="Content Placeholder 9"/>
-          <p:cNvSpPr>
-            <a:spLocks noGrp="1"/>
-          </p:cNvSpPr>
-          <p:nvPr>
-            <p:ph sz="quarter" idx="4"/>
-          </p:nvPr>
-        </p:nvSpPr>
-        <p:spPr>
-          <a:xfrm>
-            <a:off x="336788" y="2364292"/>
-            <a:ext cx="6959751" cy="1180681"/>
-          </a:xfrm>
-        </p:spPr>
-        <p:txBody>
-          <a:bodyPr/>
-          <a:lstStyle/>
-          <a:p>
-            <a:r>
-              <a:rPr lang="en-US" dirty="0" smtClean="0">
-                <a:solidFill>
-                  <a:schemeClr val="accent6"/>
-                </a:solidFill>
-                <a:latin typeface="Lucida Console" charset="0"/>
-                <a:ea typeface="Lucida Console" charset="0"/>
-                <a:cs typeface="Lucida Console" charset="0"/>
-              </a:rPr>
-              <a:t>$ </a:t>
-            </a:r>
-            <a:r>
-              <a:rPr lang="en-US" dirty="0" err="1" smtClean="0">
-                <a:latin typeface="Lucida Console" charset="0"/>
-                <a:ea typeface="Lucida Console" charset="0"/>
-                <a:cs typeface="Lucida Console" charset="0"/>
-              </a:rPr>
-              <a:t>emp</a:t>
-            </a:r>
-            <a:r>
-              <a:rPr lang="en-US" dirty="0" smtClean="0">
-                <a:latin typeface="Lucida Console" charset="0"/>
-                <a:ea typeface="Lucida Console" charset="0"/>
-                <a:cs typeface="Lucida Console" charset="0"/>
-              </a:rPr>
-              <a:t> deploy org/</a:t>
-            </a:r>
-            <a:r>
-              <a:rPr lang="en-US" dirty="0" err="1" smtClean="0">
-                <a:latin typeface="Lucida Console" charset="0"/>
-                <a:ea typeface="Lucida Console" charset="0"/>
-                <a:cs typeface="Lucida Console" charset="0"/>
-              </a:rPr>
-              <a:t>api:latest</a:t>
-            </a:r>
-            <a:endParaRPr lang="en-US" dirty="0" smtClean="0">
-              <a:latin typeface="Lucida Console" charset="0"/>
-              <a:ea typeface="Lucida Console" charset="0"/>
-              <a:cs typeface="Lucida Console" charset="0"/>
-            </a:endParaRPr>
-          </a:p>
-          <a:p>
-            <a:r>
-              <a:rPr lang="en-US" dirty="0" smtClean="0">
-                <a:latin typeface="Lucida Console" charset="0"/>
-                <a:ea typeface="Lucida Console" charset="0"/>
-                <a:cs typeface="Lucida Console" charset="0"/>
-              </a:rPr>
-              <a:t>Status: Created v1 release.</a:t>
-            </a:r>
-            <a:endParaRPr lang="en-US" dirty="0">
-              <a:latin typeface="Lucida Console" charset="0"/>
-              <a:ea typeface="Lucida Console" charset="0"/>
-              <a:cs typeface="Lucida Console" charset="0"/>
-            </a:endParaRPr>
-          </a:p>
-        </p:txBody>
-      </p:sp>
-      <p:sp>
-        <p:nvSpPr>
-          <p:cNvPr id="2" name="Rectangle 1"/>
-          <p:cNvSpPr/>
-          <p:nvPr/>
-        </p:nvSpPr>
-        <p:spPr>
-          <a:xfrm>
-            <a:off x="370292" y="572325"/>
-            <a:ext cx="4134465" cy="369332"/>
-          </a:xfrm>
-          <a:prstGeom prst="rect">
-            <a:avLst/>
-          </a:prstGeom>
-        </p:spPr>
-        <p:txBody>
-          <a:bodyPr wrap="none">
-            <a:spAutoFit/>
-          </a:bodyPr>
-          <a:lstStyle/>
-          <a:p>
-            <a:r>
-              <a:rPr lang="en-US" i="1">
-                <a:solidFill>
-                  <a:schemeClr val="accent6"/>
-                </a:solidFill>
-              </a:rPr>
-              <a:t>“Strictly separate build and run stages”</a:t>
-            </a:r>
-            <a:endParaRPr lang="en-US" i="1" dirty="0">
-              <a:solidFill>
-                <a:schemeClr val="accent6"/>
-              </a:solidFill>
-            </a:endParaRPr>
-          </a:p>
-        </p:txBody>
-      </p:sp>
-    </p:spTree>
-    <p:extLst>
-      <p:ext uri="{BB962C8B-B14F-4D97-AF65-F5344CB8AC3E}">
-        <p14:creationId xmlns:p14="http://schemas.microsoft.com/office/powerpoint/2010/main" val="1697602590"/>
       </p:ext>
     </p:extLst>
   </p:cSld>
@@ -15025,6 +14977,10 @@
           <a:bodyPr/>
           <a:lstStyle/>
           <a:p>
+            <a:r>
+              <a:rPr lang="en-US" dirty="0" smtClean="0"/>
+              <a:t>Team Empire</a:t>
+            </a:r>
             <a:endParaRPr lang="en-US" dirty="0"/>
           </a:p>
         </p:txBody>
@@ -15179,7 +15135,7 @@
         <p:spPr>
           <a:xfrm>
             <a:off x="397666" y="2216643"/>
-            <a:ext cx="8144427" cy="1754465"/>
+            <a:ext cx="8144427" cy="842243"/>
           </a:xfrm>
           <a:prstGeom prst="rect">
             <a:avLst/>
@@ -15383,6 +15339,88 @@
           </a:p>
         </p:txBody>
       </p:sp>
+      <p:sp>
+        <p:nvSpPr>
+          <p:cNvPr id="4" name="Rectangle 3"/>
+          <p:cNvSpPr/>
+          <p:nvPr/>
+        </p:nvSpPr>
+        <p:spPr>
+          <a:xfrm>
+            <a:off x="397666" y="3266306"/>
+            <a:ext cx="4572000" cy="707886"/>
+          </a:xfrm>
+          <a:prstGeom prst="rect">
+            <a:avLst/>
+          </a:prstGeom>
+        </p:spPr>
+        <p:txBody>
+          <a:bodyPr>
+            <a:spAutoFit/>
+          </a:bodyPr>
+          <a:lstStyle/>
+          <a:p>
+            <a:r>
+              <a:rPr lang="en-US" sz="2000" dirty="0">
+                <a:solidFill>
+                  <a:schemeClr val="accent6"/>
+                </a:solidFill>
+                <a:latin typeface="Lucida Console" charset="0"/>
+                <a:ea typeface="Lucida Console" charset="0"/>
+                <a:cs typeface="Lucida Console" charset="0"/>
+              </a:rPr>
+              <a:t>$ </a:t>
+            </a:r>
+            <a:r>
+              <a:rPr lang="en-US" sz="2000" dirty="0" err="1">
+                <a:latin typeface="Lucida Console" charset="0"/>
+                <a:ea typeface="Lucida Console" charset="0"/>
+                <a:cs typeface="Lucida Console" charset="0"/>
+              </a:rPr>
+              <a:t>emp</a:t>
+            </a:r>
+            <a:r>
+              <a:rPr lang="en-US" sz="2000" dirty="0">
+                <a:latin typeface="Lucida Console" charset="0"/>
+                <a:ea typeface="Lucida Console" charset="0"/>
+                <a:cs typeface="Lucida Console" charset="0"/>
+              </a:rPr>
+              <a:t> run </a:t>
+            </a:r>
+            <a:r>
+              <a:rPr lang="en-US" sz="2000" dirty="0" smtClean="0">
+                <a:latin typeface="Lucida Console" charset="0"/>
+                <a:ea typeface="Lucida Console" charset="0"/>
+                <a:cs typeface="Lucida Console" charset="0"/>
+              </a:rPr>
+              <a:t>rails console</a:t>
+            </a:r>
+            <a:endParaRPr lang="en-US" sz="2000" dirty="0">
+              <a:latin typeface="Lucida Console" charset="0"/>
+              <a:ea typeface="Lucida Console" charset="0"/>
+              <a:cs typeface="Lucida Console" charset="0"/>
+            </a:endParaRPr>
+          </a:p>
+          <a:p>
+            <a:r>
+              <a:rPr lang="en-US" sz="2000" dirty="0" err="1">
+                <a:latin typeface="Lucida Console" charset="0"/>
+                <a:ea typeface="Lucida Console" charset="0"/>
+                <a:cs typeface="Lucida Console" charset="0"/>
+              </a:rPr>
+              <a:t>irb</a:t>
+            </a:r>
+            <a:r>
+              <a:rPr lang="en-US" sz="2000" dirty="0">
+                <a:latin typeface="Lucida Console" charset="0"/>
+                <a:ea typeface="Lucida Console" charset="0"/>
+                <a:cs typeface="Lucida Console" charset="0"/>
+              </a:rPr>
+              <a:t>(main):001:0&gt;</a:t>
+            </a:r>
+          </a:p>
+        </p:txBody>
+      </p:sp>
     </p:spTree>
     <p:extLst>
       <p:ext uri="{BB962C8B-B14F-4D97-AF65-F5344CB8AC3E}">
@@ -16792,7 +16830,7 @@
     </p:spTree>
     <p:extLst>
       <p:ext uri="{BB962C8B-B14F-4D97-AF65-F5344CB8AC3E}">
-        <p14:creationId xmlns:p14="http://schemas.microsoft.com/office/powerpoint/2010/main" val="589906508"/>
+        <p14:creationId xmlns:p14="http://schemas.microsoft.com/office/powerpoint/2010/main" val="1971881442"/>
       </p:ext>
     </p:extLst>
   </p:cSld>
